--- a/docs/modulos/03-visao/slides-1.pptx
+++ b/docs/modulos/03-visao/slides-1.pptx
@@ -1,25 +1,24 @@
 
 <file path=ppt/presentation.xml><?xml version="1.0" encoding="utf-8"?>
-<p:presentation xmlns:a="http://schemas.openxmlformats.org/drawingml/2006/main" xmlns:r="http://schemas.openxmlformats.org/officeDocument/2006/relationships" xmlns:p="http://schemas.openxmlformats.org/presentationml/2006/main" xmlns:m="http://schemas.openxmlformats.org/officeDocument/2006/math" xmlns:w="http://schemas.openxmlformats.org/wordprocessingml/2006/main" autoCompressPictures="0" saveSubsetFonts="1">
+<p:presentation xmlns:a="http://schemas.openxmlformats.org/drawingml/2006/main" xmlns:r="http://schemas.openxmlformats.org/officeDocument/2006/relationships" xmlns:p="http://schemas.openxmlformats.org/presentationml/2006/main" saveSubsetFonts="1" autoCompressPictures="0">
   <p:sldMasterIdLst>
     <p:sldMasterId id="2147483648" r:id="rId1"/>
   </p:sldMasterIdLst>
   <p:sldIdLst>
-    <p:sldId id="256" r:id="rId3"/>
-    <p:sldId id="257" r:id="rId4"/>
-    <p:sldId id="258" r:id="rId5"/>
+    <p:sldId id="256" r:id="rId2"/>
+    <p:sldId id="270" r:id="rId3"/>
+    <p:sldId id="258" r:id="rId4"/>
+    <p:sldId id="263" r:id="rId5"/>
     <p:sldId id="259" r:id="rId6"/>
     <p:sldId id="260" r:id="rId7"/>
     <p:sldId id="261" r:id="rId8"/>
     <p:sldId id="262" r:id="rId9"/>
-    <p:sldId id="263" r:id="rId10"/>
+    <p:sldId id="272" r:id="rId10"/>
     <p:sldId id="264" r:id="rId11"/>
-    <p:sldId id="265" r:id="rId12"/>
-    <p:sldId id="266" r:id="rId13"/>
-    <p:sldId id="267" r:id="rId14"/>
-    <p:sldId id="268" r:id="rId15"/>
-    <p:sldId id="269" r:id="rId16"/>
-    <p:sldId id="270" r:id="rId17"/>
+    <p:sldId id="266" r:id="rId12"/>
+    <p:sldId id="265" r:id="rId13"/>
+    <p:sldId id="271" r:id="rId14"/>
+    <p:sldId id="273" r:id="rId15"/>
   </p:sldIdLst>
   <p:sldSz cx="9144000" cy="6858000" type="screen4x3"/>
   <p:notesSz cx="9144000" cy="6858000"/>
@@ -118,11 +117,27 @@
       </a:defRPr>
     </a:lvl9pPr>
   </p:defaultTextStyle>
+  <p:extLst>
+    <p:ext uri="{EFAFB233-063F-42B5-8137-9DF3F51BA10A}">
+      <p15:sldGuideLst xmlns:p15="http://schemas.microsoft.com/office/powerpoint/2012/main">
+        <p15:guide id="1" orient="horz" pos="2382">
+          <p15:clr>
+            <a:srgbClr val="A4A3A4"/>
+          </p15:clr>
+        </p15:guide>
+        <p15:guide id="2" pos="2249">
+          <p15:clr>
+            <a:srgbClr val="A4A3A4"/>
+          </p15:clr>
+        </p15:guide>
+      </p15:sldGuideLst>
+    </p:ext>
+  </p:extLst>
 </p:presentation>
 </file>
 
 <file path=ppt/slideLayouts/slideLayout1.xml><?xml version="1.0" encoding="utf-8"?>
-<p:sldLayout xmlns:a="http://schemas.openxmlformats.org/drawingml/2006/main" xmlns:r="http://schemas.openxmlformats.org/officeDocument/2006/relationships" xmlns:p="http://schemas.openxmlformats.org/presentationml/2006/main" xmlns:m="http://schemas.openxmlformats.org/officeDocument/2006/math" xmlns:w="http://schemas.openxmlformats.org/wordprocessingml/2006/main" matchingName="" preserve="1" showMasterPhAnim="0" userDrawn="1">
+<p:sldLayout xmlns:a="http://schemas.openxmlformats.org/drawingml/2006/main" xmlns:r="http://schemas.openxmlformats.org/officeDocument/2006/relationships" xmlns:p="http://schemas.openxmlformats.org/presentationml/2006/main" showMasterPhAnim="0" preserve="1" userDrawn="1">
   <p:cSld name="Título e conteúdo">
     <p:spTree>
       <p:nvGrpSpPr>
@@ -166,7 +181,7 @@
             </a:pPr>
             <a:fld id="{F2B7900D-0734-4F15-9F08-6F03FB6F6514}" type="datetimeFigureOut">
               <a:rPr lang="pt-BR"/>
-              <a:t/>
+              <a:t>06/09/2023</a:t>
             </a:fld>
             <a:endParaRPr lang="pt-BR"/>
           </a:p>
@@ -238,7 +253,7 @@
             </a:pPr>
             <a:fld id="{7FFE5E5C-C80A-4D8D-A711-3102A7BA9258}" type="slidenum">
               <a:rPr lang="pt-BR"/>
-              <a:t/>
+              <a:t>‹nº›</a:t>
             </a:fld>
             <a:endParaRPr lang="pt-BR"/>
           </a:p>
@@ -449,7 +464,7 @@
 </file>
 
 <file path=ppt/slideLayouts/slideLayout2.xml><?xml version="1.0" encoding="utf-8"?>
-<p:sldLayout xmlns:a="http://schemas.openxmlformats.org/drawingml/2006/main" xmlns:r="http://schemas.openxmlformats.org/officeDocument/2006/relationships" xmlns:p="http://schemas.openxmlformats.org/presentationml/2006/main" xmlns:m="http://schemas.openxmlformats.org/officeDocument/2006/math" xmlns:w="http://schemas.openxmlformats.org/wordprocessingml/2006/main" matchingName="" preserve="1" showMasterPhAnim="0" userDrawn="1">
+<p:sldLayout xmlns:a="http://schemas.openxmlformats.org/drawingml/2006/main" xmlns:r="http://schemas.openxmlformats.org/officeDocument/2006/relationships" xmlns:p="http://schemas.openxmlformats.org/presentationml/2006/main" showMasterPhAnim="0" preserve="1" userDrawn="1">
   <p:cSld name="1_Title and Content">
     <p:spTree>
       <p:nvGrpSpPr>
@@ -493,15 +508,7 @@
             </a:pPr>
             <a:r>
               <a:rPr lang="pt-BR"/>
-              <a:t>Clique </a:t>
-            </a:r>
-            <a:r>
-              <a:rPr lang="pt-BR"/>
-              <a:t>para</a:t>
-            </a:r>
-            <a:r>
-              <a:rPr lang="pt-BR"/>
-              <a:t> editar o título mestre</a:t>
+              <a:t>Clique para editar o título mestre</a:t>
             </a:r>
             <a:endParaRPr/>
           </a:p>
@@ -650,7 +657,7 @@
         <p:nvSpPr>
           <p:cNvPr id="5" name="Rectangle 13"/>
           <p:cNvSpPr>
-            <a:spLocks noChangeArrowheads="1" noGrp="1"/>
+            <a:spLocks noGrp="1" noChangeArrowheads="1"/>
           </p:cNvSpPr>
           <p:nvPr>
             <p:ph type="sldNum" sz="quarter" idx="12"/>
@@ -679,7 +686,7 @@
             </a:pPr>
             <a:fld id="{A33A0801-BB33-4F6A-ADD2-35B07A2D74D7}" type="slidenum">
               <a:rPr lang="pt-BR"/>
-              <a:t/>
+              <a:t>‹nº›</a:t>
             </a:fld>
             <a:endParaRPr lang="pt-BR"/>
           </a:p>
@@ -694,7 +701,7 @@
 </file>
 
 <file path=ppt/slideLayouts/slideLayout3.xml><?xml version="1.0" encoding="utf-8"?>
-<p:sldLayout xmlns:a="http://schemas.openxmlformats.org/drawingml/2006/main" xmlns:r="http://schemas.openxmlformats.org/officeDocument/2006/relationships" xmlns:p="http://schemas.openxmlformats.org/presentationml/2006/main" xmlns:m="http://schemas.openxmlformats.org/officeDocument/2006/math" xmlns:w="http://schemas.openxmlformats.org/wordprocessingml/2006/main" matchingName="" preserve="1" showMasterPhAnim="0" userDrawn="1">
+<p:sldLayout xmlns:a="http://schemas.openxmlformats.org/drawingml/2006/main" xmlns:r="http://schemas.openxmlformats.org/officeDocument/2006/relationships" xmlns:p="http://schemas.openxmlformats.org/presentationml/2006/main" showMasterPhAnim="0" preserve="1" userDrawn="1">
   <p:cSld name="Comparação">
     <p:spTree>
       <p:nvGrpSpPr>
@@ -730,7 +737,7 @@
             </a:pPr>
             <a:fld id="{F2B7900D-0734-4F15-9F08-6F03FB6F6514}" type="datetimeFigureOut">
               <a:rPr lang="pt-BR"/>
-              <a:t/>
+              <a:t>06/09/2023</a:t>
             </a:fld>
             <a:endParaRPr lang="pt-BR"/>
           </a:p>
@@ -1175,7 +1182,7 @@
         <p:nvSpPr>
           <p:cNvPr id="11" name="Rectangle 13"/>
           <p:cNvSpPr>
-            <a:spLocks noChangeArrowheads="1" noGrp="1"/>
+            <a:spLocks noGrp="1" noChangeArrowheads="1"/>
           </p:cNvSpPr>
           <p:nvPr>
             <p:ph type="sldNum" sz="quarter" idx="12"/>
@@ -1204,7 +1211,7 @@
             </a:pPr>
             <a:fld id="{A33A0801-BB33-4F6A-ADD2-35B07A2D74D7}" type="slidenum">
               <a:rPr lang="pt-BR"/>
-              <a:t/>
+              <a:t>‹nº›</a:t>
             </a:fld>
             <a:endParaRPr lang="pt-BR"/>
           </a:p>
@@ -1219,7 +1226,7 @@
 </file>
 
 <file path=ppt/slideLayouts/slideLayout4.xml><?xml version="1.0" encoding="utf-8"?>
-<p:sldLayout xmlns:a="http://schemas.openxmlformats.org/drawingml/2006/main" xmlns:r="http://schemas.openxmlformats.org/officeDocument/2006/relationships" xmlns:p="http://schemas.openxmlformats.org/presentationml/2006/main" xmlns:m="http://schemas.openxmlformats.org/officeDocument/2006/math" xmlns:w="http://schemas.openxmlformats.org/wordprocessingml/2006/main" matchingName="" preserve="1" showMasterPhAnim="0" userDrawn="1">
+<p:sldLayout xmlns:a="http://schemas.openxmlformats.org/drawingml/2006/main" xmlns:r="http://schemas.openxmlformats.org/officeDocument/2006/relationships" xmlns:p="http://schemas.openxmlformats.org/presentationml/2006/main" showMasterPhAnim="0" preserve="1" userDrawn="1">
   <p:cSld name="1_Comparação">
     <p:spTree>
       <p:nvGrpSpPr>
@@ -1255,7 +1262,7 @@
             </a:pPr>
             <a:fld id="{F2B7900D-0734-4F15-9F08-6F03FB6F6514}" type="datetimeFigureOut">
               <a:rPr lang="pt-BR"/>
-              <a:t/>
+              <a:t>06/09/2023</a:t>
             </a:fld>
             <a:endParaRPr lang="pt-BR"/>
           </a:p>
@@ -1554,7 +1561,7 @@
         <p:nvSpPr>
           <p:cNvPr id="10" name="Rectangle 13"/>
           <p:cNvSpPr>
-            <a:spLocks noChangeArrowheads="1" noGrp="1"/>
+            <a:spLocks noGrp="1" noChangeArrowheads="1"/>
           </p:cNvSpPr>
           <p:nvPr>
             <p:ph type="sldNum" sz="quarter" idx="12"/>
@@ -1583,7 +1590,7 @@
             </a:pPr>
             <a:fld id="{A33A0801-BB33-4F6A-ADD2-35B07A2D74D7}" type="slidenum">
               <a:rPr lang="pt-BR"/>
-              <a:t/>
+              <a:t>‹nº›</a:t>
             </a:fld>
             <a:endParaRPr lang="pt-BR"/>
           </a:p>
@@ -1598,7 +1605,7 @@
 </file>
 
 <file path=ppt/slideLayouts/slideLayout5.xml><?xml version="1.0" encoding="utf-8"?>
-<p:sldLayout xmlns:a="http://schemas.openxmlformats.org/drawingml/2006/main" xmlns:r="http://schemas.openxmlformats.org/officeDocument/2006/relationships" xmlns:p="http://schemas.openxmlformats.org/presentationml/2006/main" xmlns:m="http://schemas.openxmlformats.org/officeDocument/2006/math" xmlns:w="http://schemas.openxmlformats.org/wordprocessingml/2006/main" matchingName="" preserve="1" showMasterPhAnim="0" userDrawn="1">
+<p:sldLayout xmlns:a="http://schemas.openxmlformats.org/drawingml/2006/main" xmlns:r="http://schemas.openxmlformats.org/officeDocument/2006/relationships" xmlns:p="http://schemas.openxmlformats.org/presentationml/2006/main" showMasterPhAnim="0" preserve="1" userDrawn="1">
   <p:cSld name="3_Comparação">
     <p:spTree>
       <p:nvGrpSpPr>
@@ -1634,7 +1641,7 @@
             </a:pPr>
             <a:fld id="{F2B7900D-0734-4F15-9F08-6F03FB6F6514}" type="datetimeFigureOut">
               <a:rPr lang="pt-BR"/>
-              <a:t/>
+              <a:t>06/09/2023</a:t>
             </a:fld>
             <a:endParaRPr lang="pt-BR"/>
           </a:p>
@@ -2045,7 +2052,7 @@
         <p:nvSpPr>
           <p:cNvPr id="12" name="Rectangle 13"/>
           <p:cNvSpPr>
-            <a:spLocks noChangeArrowheads="1" noGrp="1"/>
+            <a:spLocks noGrp="1" noChangeArrowheads="1"/>
           </p:cNvSpPr>
           <p:nvPr>
             <p:ph type="sldNum" sz="quarter" idx="12"/>
@@ -2074,7 +2081,7 @@
             </a:pPr>
             <a:fld id="{A33A0801-BB33-4F6A-ADD2-35B07A2D74D7}" type="slidenum">
               <a:rPr lang="pt-BR"/>
-              <a:t/>
+              <a:t>‹nº›</a:t>
             </a:fld>
             <a:endParaRPr lang="pt-BR"/>
           </a:p>
@@ -2089,7 +2096,7 @@
 </file>
 
 <file path=ppt/slideLayouts/slideLayout6.xml><?xml version="1.0" encoding="utf-8"?>
-<p:sldLayout xmlns:a="http://schemas.openxmlformats.org/drawingml/2006/main" xmlns:r="http://schemas.openxmlformats.org/officeDocument/2006/relationships" xmlns:p="http://schemas.openxmlformats.org/presentationml/2006/main" xmlns:m="http://schemas.openxmlformats.org/officeDocument/2006/math" xmlns:w="http://schemas.openxmlformats.org/wordprocessingml/2006/main" matchingName="" preserve="1" showMasterPhAnim="0" userDrawn="1">
+<p:sldLayout xmlns:a="http://schemas.openxmlformats.org/drawingml/2006/main" xmlns:r="http://schemas.openxmlformats.org/officeDocument/2006/relationships" xmlns:p="http://schemas.openxmlformats.org/presentationml/2006/main" showMasterPhAnim="0" preserve="1" userDrawn="1">
   <p:cSld name="Imagem com Legenda">
     <p:spTree>
       <p:nvGrpSpPr>
@@ -2192,7 +2199,7 @@
             </a:pPr>
             <a:fld id="{F2B7900D-0734-4F15-9F08-6F03FB6F6514}" type="datetimeFigureOut">
               <a:rPr lang="pt-BR"/>
-              <a:t/>
+              <a:t>06/09/2023</a:t>
             </a:fld>
             <a:endParaRPr lang="pt-BR"/>
           </a:p>
@@ -2356,7 +2363,7 @@
         <p:nvSpPr>
           <p:cNvPr id="10" name="Rectangle 13"/>
           <p:cNvSpPr>
-            <a:spLocks noChangeArrowheads="1" noGrp="1"/>
+            <a:spLocks noGrp="1" noChangeArrowheads="1"/>
           </p:cNvSpPr>
           <p:nvPr>
             <p:ph type="sldNum" sz="quarter" idx="12"/>
@@ -2385,7 +2392,7 @@
             </a:pPr>
             <a:fld id="{A33A0801-BB33-4F6A-ADD2-35B07A2D74D7}" type="slidenum">
               <a:rPr lang="pt-BR"/>
-              <a:t/>
+              <a:t>‹nº›</a:t>
             </a:fld>
             <a:endParaRPr lang="pt-BR"/>
           </a:p>
@@ -2400,100 +2407,7 @@
 </file>
 
 <file path=ppt/slideLayouts/slideLayout7.xml><?xml version="1.0" encoding="utf-8"?>
-<p:sldLayout xmlns:a="http://schemas.openxmlformats.org/drawingml/2006/main" xmlns:r="http://schemas.openxmlformats.org/officeDocument/2006/relationships" xmlns:p="http://schemas.openxmlformats.org/presentationml/2006/main" xmlns:m="http://schemas.openxmlformats.org/officeDocument/2006/math" xmlns:w="http://schemas.openxmlformats.org/wordprocessingml/2006/main" matchingName="" preserve="0" showMasterPhAnim="0" type="titleOnly" userDrawn="1">
-  <p:cSld name="Somente título">
-    <p:spTree>
-      <p:nvGrpSpPr>
-        <p:cNvPr id="1" name=""/>
-        <p:cNvGrpSpPr/>
-        <p:nvPr/>
-      </p:nvGrpSpPr>
-      <p:grpSpPr bwMode="auto">
-        <a:xfrm>
-          <a:off x="0" y="0"/>
-          <a:ext cx="0" cy="0"/>
-          <a:chOff x="0" y="0"/>
-          <a:chExt cx="0" cy="0"/>
-        </a:xfrm>
-      </p:grpSpPr>
-      <p:sp>
-        <p:nvSpPr>
-          <p:cNvPr id="2" name="Título 1"/>
-          <p:cNvSpPr>
-            <a:spLocks noGrp="1"/>
-          </p:cNvSpPr>
-          <p:nvPr>
-            <p:ph type="title"/>
-          </p:nvPr>
-        </p:nvSpPr>
-        <p:spPr bwMode="auto"/>
-        <p:txBody>
-          <a:bodyPr/>
-          <a:lstStyle/>
-          <a:p>
-            <a:pPr>
-              <a:defRPr/>
-            </a:pPr>
-            <a:r>
-              <a:rPr lang="pt-BR"/>
-              <a:t>Clique para editar o título mestre</a:t>
-            </a:r>
-            <a:endParaRPr/>
-          </a:p>
-        </p:txBody>
-      </p:sp>
-      <p:sp>
-        <p:nvSpPr>
-          <p:cNvPr id="3" name="Espaço Reservado para Número de Slide 2"/>
-          <p:cNvSpPr>
-            <a:spLocks noGrp="1"/>
-          </p:cNvSpPr>
-          <p:nvPr>
-            <p:ph type="sldNum" sz="quarter" idx="10"/>
-          </p:nvPr>
-        </p:nvSpPr>
-        <p:spPr bwMode="auto">
-          <a:xfrm>
-            <a:off x="7244861" y="6324600"/>
-            <a:ext cx="1820008" cy="457200"/>
-          </a:xfrm>
-          <a:prstGeom prst="rect">
-            <a:avLst/>
-          </a:prstGeom>
-        </p:spPr>
-        <p:txBody>
-          <a:bodyPr/>
-          <a:lstStyle>
-            <a:lvl1pPr>
-              <a:defRPr/>
-            </a:lvl1pPr>
-          </a:lstStyle>
-          <a:p>
-            <a:pPr>
-              <a:defRPr/>
-            </a:pPr>
-            <a:r>
-              <a:rPr lang="pt-BR"/>
-              <a:t> </a:t>
-            </a:r>
-            <a:fld id="{1A8CD93B-F2AD-460E-A850-3E2E5D3DAAB3}" type="slidenum">
-              <a:rPr lang="pt-BR"/>
-              <a:t/>
-            </a:fld>
-            <a:endParaRPr lang="pt-BR"/>
-          </a:p>
-        </p:txBody>
-      </p:sp>
-    </p:spTree>
-  </p:cSld>
-  <p:clrMapOvr>
-    <a:masterClrMapping/>
-  </p:clrMapOvr>
-</p:sldLayout>
-</file>
-
-<file path=ppt/slideLayouts/slideLayout8.xml><?xml version="1.0" encoding="utf-8"?>
-<p:sldLayout xmlns:a="http://schemas.openxmlformats.org/drawingml/2006/main" xmlns:r="http://schemas.openxmlformats.org/officeDocument/2006/relationships" xmlns:p="http://schemas.openxmlformats.org/presentationml/2006/main" xmlns:m="http://schemas.openxmlformats.org/officeDocument/2006/math" xmlns:w="http://schemas.openxmlformats.org/wordprocessingml/2006/main" matchingName="" preserve="0" showMasterPhAnim="0" type="blank" userDrawn="1">
+<p:sldLayout xmlns:a="http://schemas.openxmlformats.org/drawingml/2006/main" xmlns:r="http://schemas.openxmlformats.org/officeDocument/2006/relationships" xmlns:p="http://schemas.openxmlformats.org/presentationml/2006/main" showMasterPhAnim="0" type="blank" userDrawn="1">
   <p:cSld name="Em branco">
     <p:spTree>
       <p:nvGrpSpPr>
@@ -2513,7 +2427,7 @@
         <p:nvSpPr>
           <p:cNvPr id="2" name="Rectangle 8"/>
           <p:cNvSpPr>
-            <a:spLocks noChangeArrowheads="1" noGrp="1"/>
+            <a:spLocks noGrp="1" noChangeArrowheads="1"/>
           </p:cNvSpPr>
           <p:nvPr>
             <p:ph type="dt" sz="half" idx="10"/>
@@ -2548,7 +2462,7 @@
         <p:nvSpPr>
           <p:cNvPr id="3" name="Rectangle 9"/>
           <p:cNvSpPr>
-            <a:spLocks noChangeArrowheads="1" noGrp="1"/>
+            <a:spLocks noGrp="1" noChangeArrowheads="1"/>
           </p:cNvSpPr>
           <p:nvPr>
             <p:ph type="ftr" sz="quarter" idx="11"/>
@@ -2587,7 +2501,7 @@
         <p:nvSpPr>
           <p:cNvPr id="4" name="Rectangle 10"/>
           <p:cNvSpPr>
-            <a:spLocks noChangeArrowheads="1" noGrp="1"/>
+            <a:spLocks noGrp="1" noChangeArrowheads="1"/>
           </p:cNvSpPr>
           <p:nvPr>
             <p:ph type="sldNum" sz="quarter" idx="12"/>
@@ -2616,7 +2530,7 @@
             </a:pPr>
             <a:fld id="{588FFD9D-68F8-41EF-8AE9-4502476C65BD}" type="slidenum">
               <a:rPr lang="pt-BR"/>
-              <a:t/>
+              <a:t>‹nº›</a:t>
             </a:fld>
             <a:endParaRPr lang="pt-BR"/>
           </a:p>
@@ -2630,9 +2544,9 @@
 </p:sldLayout>
 </file>
 
-<file path=ppt/slideLayouts/slideLayout9.xml><?xml version="1.0" encoding="utf-8"?>
-<p:sldLayout xmlns:a="http://schemas.openxmlformats.org/drawingml/2006/main" xmlns:r="http://schemas.openxmlformats.org/officeDocument/2006/relationships" xmlns:p="http://schemas.openxmlformats.org/presentationml/2006/main" xmlns:m="http://schemas.openxmlformats.org/officeDocument/2006/math" xmlns:w="http://schemas.openxmlformats.org/wordprocessingml/2006/main" matchingName="" preserve="0" showMasterPhAnim="0" type="obj" userDrawn="1">
-  <p:cSld name="1_Título e conteúdo">
+<file path=ppt/slideLayouts/slideLayout8.xml><?xml version="1.0" encoding="utf-8"?>
+<p:sldLayout xmlns:a="http://schemas.openxmlformats.org/drawingml/2006/main" xmlns:r="http://schemas.openxmlformats.org/officeDocument/2006/relationships" xmlns:p="http://schemas.openxmlformats.org/presentationml/2006/main" showMasterPhAnim="0" type="title" userDrawn="1">
+  <p:cSld name="Title Slide">
     <p:spTree>
       <p:nvGrpSpPr>
         <p:cNvPr id="1" name=""/>
@@ -2649,25 +2563,34 @@
       </p:grpSpPr>
       <p:sp>
         <p:nvSpPr>
-          <p:cNvPr id="2" name="Título 1"/>
+          <p:cNvPr id="2" name="Title 1"/>
           <p:cNvSpPr>
             <a:spLocks noGrp="1"/>
           </p:cNvSpPr>
           <p:nvPr>
-            <p:ph type="title"/>
+            <p:ph type="ctrTitle"/>
           </p:nvPr>
         </p:nvSpPr>
-        <p:spPr bwMode="auto"/>
+        <p:spPr bwMode="auto">
+          <a:xfrm>
+            <a:off x="1143000" y="1122363"/>
+            <a:ext cx="6858000" cy="2387600"/>
+          </a:xfrm>
+        </p:spPr>
         <p:txBody>
-          <a:bodyPr/>
-          <a:lstStyle/>
+          <a:bodyPr anchor="b"/>
+          <a:lstStyle>
+            <a:lvl1pPr algn="ctr">
+              <a:defRPr sz="4500"/>
+            </a:lvl1pPr>
+          </a:lstStyle>
           <a:p>
             <a:pPr>
               <a:defRPr/>
             </a:pPr>
             <a:r>
-              <a:rPr lang="pt-BR"/>
-              <a:t>Clique para editar o título mestre</a:t>
+              <a:rPr lang="en-US"/>
+              <a:t>Click to edit Master title style</a:t>
             </a:r>
             <a:endParaRPr/>
           </a:p>
@@ -2675,65 +2598,67 @@
       </p:sp>
       <p:sp>
         <p:nvSpPr>
-          <p:cNvPr id="3" name="Espaço Reservado para Conteúdo 2"/>
+          <p:cNvPr id="3" name="Subtitle 2"/>
           <p:cNvSpPr>
             <a:spLocks noGrp="1"/>
           </p:cNvSpPr>
           <p:nvPr>
-            <p:ph idx="1"/>
+            <p:ph type="subTitle" idx="1"/>
           </p:nvPr>
         </p:nvSpPr>
-        <p:spPr bwMode="auto"/>
+        <p:spPr bwMode="auto">
+          <a:xfrm>
+            <a:off x="1143000" y="3602038"/>
+            <a:ext cx="6858000" cy="1655762"/>
+          </a:xfrm>
+        </p:spPr>
         <p:txBody>
           <a:bodyPr/>
-          <a:lstStyle/>
-          <a:p>
-            <a:pPr lvl="0">
+          <a:lstStyle>
+            <a:lvl1pPr marL="0" indent="0" algn="ctr">
+              <a:buNone/>
+              <a:defRPr sz="1800"/>
+            </a:lvl1pPr>
+            <a:lvl2pPr marL="342900" indent="0" algn="ctr">
+              <a:buNone/>
+              <a:defRPr sz="1500"/>
+            </a:lvl2pPr>
+            <a:lvl3pPr marL="685800" indent="0" algn="ctr">
+              <a:buNone/>
+              <a:defRPr sz="1350"/>
+            </a:lvl3pPr>
+            <a:lvl4pPr marL="1028700" indent="0" algn="ctr">
+              <a:buNone/>
+              <a:defRPr sz="1200"/>
+            </a:lvl4pPr>
+            <a:lvl5pPr marL="1371600" indent="0" algn="ctr">
+              <a:buNone/>
+              <a:defRPr sz="1200"/>
+            </a:lvl5pPr>
+            <a:lvl6pPr marL="1714500" indent="0" algn="ctr">
+              <a:buNone/>
+              <a:defRPr sz="1200"/>
+            </a:lvl6pPr>
+            <a:lvl7pPr marL="2057400" indent="0" algn="ctr">
+              <a:buNone/>
+              <a:defRPr sz="1200"/>
+            </a:lvl7pPr>
+            <a:lvl8pPr marL="2400300" indent="0" algn="ctr">
+              <a:buNone/>
+              <a:defRPr sz="1200"/>
+            </a:lvl8pPr>
+            <a:lvl9pPr marL="2743200" indent="0" algn="ctr">
+              <a:buNone/>
+              <a:defRPr sz="1200"/>
+            </a:lvl9pPr>
+          </a:lstStyle>
+          <a:p>
+            <a:pPr>
               <a:defRPr/>
             </a:pPr>
             <a:r>
-              <a:rPr lang="pt-BR"/>
-              <a:t>Clique para editar o texto mestre</a:t>
-            </a:r>
-            <a:endParaRPr/>
-          </a:p>
-          <a:p>
-            <a:pPr lvl="1">
-              <a:defRPr/>
-            </a:pPr>
-            <a:r>
-              <a:rPr lang="pt-BR"/>
-              <a:t>Segundo nível</a:t>
-            </a:r>
-            <a:endParaRPr/>
-          </a:p>
-          <a:p>
-            <a:pPr lvl="2">
-              <a:defRPr/>
-            </a:pPr>
-            <a:r>
-              <a:rPr lang="pt-BR"/>
-              <a:t>Terceiro nível</a:t>
-            </a:r>
-            <a:endParaRPr/>
-          </a:p>
-          <a:p>
-            <a:pPr lvl="3">
-              <a:defRPr/>
-            </a:pPr>
-            <a:r>
-              <a:rPr lang="pt-BR"/>
-              <a:t>Quarto nível</a:t>
-            </a:r>
-            <a:endParaRPr/>
-          </a:p>
-          <a:p>
-            <a:pPr lvl="4">
-              <a:defRPr/>
-            </a:pPr>
-            <a:r>
-              <a:rPr lang="pt-BR"/>
-              <a:t>Quinto nível</a:t>
+              <a:rPr lang="en-US"/>
+              <a:t>Click to edit Master subtitle style</a:t>
             </a:r>
             <a:endParaRPr/>
           </a:p>
@@ -2741,7 +2666,7 @@
       </p:sp>
       <p:sp>
         <p:nvSpPr>
-          <p:cNvPr id="4" name="Espaço Reservado para Data 3"/>
+          <p:cNvPr id="4" name="Date Placeholder 3"/>
           <p:cNvSpPr>
             <a:spLocks noGrp="1"/>
           </p:cNvSpPr>
@@ -2749,33 +2674,25 @@
             <p:ph type="dt" sz="half" idx="10"/>
           </p:nvPr>
         </p:nvSpPr>
-        <p:spPr bwMode="auto">
-          <a:xfrm>
-            <a:off x="457200" y="6248400"/>
-            <a:ext cx="2133600" cy="457200"/>
-          </a:xfrm>
-          <a:prstGeom prst="rect">
-            <a:avLst/>
-          </a:prstGeom>
-        </p:spPr>
+        <p:spPr bwMode="auto"/>
         <p:txBody>
           <a:bodyPr/>
-          <a:lstStyle>
-            <a:lvl1pPr>
-              <a:defRPr/>
-            </a:lvl1pPr>
-          </a:lstStyle>
+          <a:lstStyle/>
           <a:p>
             <a:pPr>
               <a:defRPr/>
             </a:pPr>
-            <a:endParaRPr lang="pt-BR"/>
+            <a:fld id="{5B4B5584-C7FA-470F-8EC2-A30435A4DF16}" type="datetime1">
+              <a:rPr lang="en-US"/>
+              <a:t>06-Sep-23</a:t>
+            </a:fld>
+            <a:endParaRPr lang="en-US"/>
           </a:p>
         </p:txBody>
       </p:sp>
       <p:sp>
         <p:nvSpPr>
-          <p:cNvPr id="5" name="Espaço Reservado para Rodapé 4"/>
+          <p:cNvPr id="5" name="Footer Placeholder 4"/>
           <p:cNvSpPr>
             <a:spLocks noGrp="1"/>
           </p:cNvSpPr>
@@ -2783,37 +2700,21 @@
             <p:ph type="ftr" sz="quarter" idx="11"/>
           </p:nvPr>
         </p:nvSpPr>
-        <p:spPr bwMode="auto">
-          <a:xfrm>
-            <a:off x="3124200" y="6248400"/>
-            <a:ext cx="2895600" cy="457200"/>
-          </a:xfrm>
-          <a:prstGeom prst="rect">
-            <a:avLst/>
-          </a:prstGeom>
-        </p:spPr>
+        <p:spPr bwMode="auto"/>
         <p:txBody>
           <a:bodyPr/>
-          <a:lstStyle>
-            <a:lvl1pPr>
-              <a:defRPr/>
-            </a:lvl1pPr>
-          </a:lstStyle>
+          <a:lstStyle/>
           <a:p>
             <a:pPr>
               <a:defRPr/>
             </a:pPr>
-            <a:r>
-              <a:rPr lang="pt-BR"/>
-              <a:t>Aula 8</a:t>
-            </a:r>
-            <a:endParaRPr/>
+            <a:endParaRPr lang="en-US"/>
           </a:p>
         </p:txBody>
       </p:sp>
       <p:sp>
         <p:nvSpPr>
-          <p:cNvPr id="6" name="Espaço Reservado para Número de Slide 5"/>
+          <p:cNvPr id="6" name="Slide Number Placeholder 5"/>
           <p:cNvSpPr>
             <a:spLocks noGrp="1"/>
           </p:cNvSpPr>
@@ -2821,35 +2722,28 @@
             <p:ph type="sldNum" sz="quarter" idx="12"/>
           </p:nvPr>
         </p:nvSpPr>
-        <p:spPr bwMode="auto">
-          <a:xfrm>
-            <a:off x="6553200" y="6248400"/>
-            <a:ext cx="2133600" cy="457200"/>
-          </a:xfrm>
-          <a:prstGeom prst="rect">
-            <a:avLst/>
-          </a:prstGeom>
-        </p:spPr>
+        <p:spPr bwMode="auto"/>
         <p:txBody>
           <a:bodyPr/>
-          <a:lstStyle>
-            <a:lvl1pPr>
-              <a:defRPr/>
-            </a:lvl1pPr>
-          </a:lstStyle>
+          <a:lstStyle/>
           <a:p>
             <a:pPr>
               <a:defRPr/>
             </a:pPr>
-            <a:fld id="{1DFCB42A-61CB-482A-B975-8E309D7446E5}" type="slidenum">
-              <a:rPr lang="pt-BR"/>
-              <a:t/>
+            <a:fld id="{FA3AAB12-BB6E-1B4F-AF2F-E6C37C68B919}" type="slidenum">
+              <a:rPr lang="en-US"/>
+              <a:t>‹nº›</a:t>
             </a:fld>
-            <a:endParaRPr lang="pt-BR"/>
+            <a:endParaRPr lang="en-US"/>
           </a:p>
         </p:txBody>
       </p:sp>
     </p:spTree>
+    <p:extLst>
+      <p:ext uri="{BB962C8B-B14F-4D97-AF65-F5344CB8AC3E}">
+        <p14:creationId xmlns:p14="http://schemas.microsoft.com/office/powerpoint/2010/main" val="1853196069"/>
+      </p:ext>
+    </p:extLst>
   </p:cSld>
   <p:clrMapOvr>
     <a:masterClrMapping/>
@@ -2858,8 +2752,8 @@
 </file>
 
 <file path=ppt/slideMasters/slideMaster1.xml><?xml version="1.0" encoding="utf-8"?>
-<p:sldMaster xmlns:a="http://schemas.openxmlformats.org/drawingml/2006/main" xmlns:r="http://schemas.openxmlformats.org/officeDocument/2006/relationships" xmlns:p="http://schemas.openxmlformats.org/presentationml/2006/main" xmlns:m="http://schemas.openxmlformats.org/officeDocument/2006/math" xmlns:w="http://schemas.openxmlformats.org/wordprocessingml/2006/main" preserve="1">
-  <p:cSld name="">
+<p:sldMaster xmlns:a="http://schemas.openxmlformats.org/drawingml/2006/main" xmlns:r="http://schemas.openxmlformats.org/officeDocument/2006/relationships" xmlns:p="http://schemas.openxmlformats.org/presentationml/2006/main" preserve="1">
+  <p:cSld>
     <p:bg>
       <p:bgRef idx="1001">
         <a:schemeClr val="bg1"/>
@@ -2888,7 +2782,7 @@
           <p:nvPr userDrawn="1"/>
         </p:nvPicPr>
         <p:blipFill>
-          <a:blip r:embed="rId11"/>
+          <a:blip r:embed="rId10"/>
           <a:stretch/>
         </p:blipFill>
         <p:spPr bwMode="auto">
@@ -2942,7 +2836,7 @@
             </a:pPr>
             <a:fld id="{F2B7900D-0734-4F15-9F08-6F03FB6F6514}" type="datetimeFigureOut">
               <a:rPr lang="pt-BR"/>
-              <a:t/>
+              <a:t>06/09/2023</a:t>
             </a:fld>
             <a:endParaRPr lang="pt-BR"/>
           </a:p>
@@ -2995,7 +2889,7 @@
         <p:nvSpPr>
           <p:cNvPr id="8" name="Rectangle 13"/>
           <p:cNvSpPr>
-            <a:spLocks noChangeArrowheads="1" noGrp="1"/>
+            <a:spLocks noGrp="1" noChangeArrowheads="1"/>
           </p:cNvSpPr>
           <p:nvPr>
             <p:ph type="sldNum" sz="quarter" idx="4"/>
@@ -3024,7 +2918,7 @@
             </a:pPr>
             <a:fld id="{A33A0801-BB33-4F6A-ADD2-35B07A2D74D7}" type="slidenum">
               <a:rPr lang="pt-BR"/>
-              <a:t/>
+              <a:t>‹nº›</a:t>
             </a:fld>
             <a:endParaRPr lang="pt-BR"/>
           </a:p>
@@ -3040,9 +2934,8 @@
     <p:sldLayoutId id="2147483652" r:id="rId4"/>
     <p:sldLayoutId id="2147483653" r:id="rId5"/>
     <p:sldLayoutId id="2147483654" r:id="rId6"/>
-    <p:sldLayoutId id="2147483655" r:id="rId7"/>
-    <p:sldLayoutId id="2147483656" r:id="rId8"/>
-    <p:sldLayoutId id="2147483657" r:id="rId9"/>
+    <p:sldLayoutId id="2147483656" r:id="rId7"/>
+    <p:sldLayoutId id="2147483657" r:id="rId8"/>
   </p:sldLayoutIdLst>
   <p:txStyles>
     <p:titleStyle>
@@ -3298,8 +3191,8 @@
 </file>
 
 <file path=ppt/slides/slide1.xml><?xml version="1.0" encoding="utf-8"?>
-<p:sld xmlns:a="http://schemas.openxmlformats.org/drawingml/2006/main" xmlns:r="http://schemas.openxmlformats.org/officeDocument/2006/relationships" xmlns:p="http://schemas.openxmlformats.org/presentationml/2006/main" xmlns:m="http://schemas.openxmlformats.org/officeDocument/2006/math" xmlns:w="http://schemas.openxmlformats.org/wordprocessingml/2006/main" showMasterPhAnim="0" show="1">
-  <p:cSld name="">
+<p:sld xmlns:a="http://schemas.openxmlformats.org/drawingml/2006/main" xmlns:r="http://schemas.openxmlformats.org/officeDocument/2006/relationships" xmlns:p="http://schemas.openxmlformats.org/presentationml/2006/main" showMasterPhAnim="0">
+  <p:cSld>
     <p:spTree>
       <p:nvGrpSpPr>
         <p:cNvPr id="1" name=""/>
@@ -3357,21 +3250,7 @@
                 <a:latin typeface="Verdana"/>
                 <a:cs typeface="Verdana"/>
               </a:rPr>
-              <a:t>ótica</a:t>
-            </a:r>
-            <a:r>
-              <a:rPr lang="en-US">
-                <a:latin typeface="Verdana"/>
-                <a:cs typeface="Verdana"/>
-              </a:rPr>
-              <a:t> </a:t>
-            </a:r>
-            <a:r>
-              <a:rPr lang="en-US">
-                <a:latin typeface="Verdana"/>
-                <a:cs typeface="Verdana"/>
-              </a:rPr>
-              <a:t>Computacional</a:t>
+              <a:t>ótica Computacional</a:t>
             </a:r>
             <a:endParaRPr lang="pt-BR">
               <a:latin typeface="Verdana"/>
@@ -3386,7 +3265,6 @@
               <a:rPr lang="pt-BR" sz="2000"/>
               <a:t>Detecção de retas e circunferências</a:t>
             </a:r>
-            <a:endParaRPr lang="pt-BR" sz="2000"/>
           </a:p>
         </p:txBody>
       </p:sp>
@@ -3395,20 +3273,221 @@
   <p:clrMapOvr>
     <a:masterClrMapping/>
   </p:clrMapOvr>
-  <mc:AlternateContent xmlns:mc="http://schemas.openxmlformats.org/markup-compatibility/2006">
-    <mc:Choice xmlns:p14="http://schemas.microsoft.com/office/powerpoint/2010/main" Requires="p14">
-      <p:transition p14:dur="2000" advClick="1"/>
-    </mc:Choice>
-    <mc:Fallback>
-      <p:transition advClick="1"/>
-    </mc:Fallback>
-  </mc:AlternateContent>
 </p:sld>
 </file>
 
 <file path=ppt/slides/slide10.xml><?xml version="1.0" encoding="utf-8"?>
-<p:sld xmlns:a="http://schemas.openxmlformats.org/drawingml/2006/main" xmlns:r="http://schemas.openxmlformats.org/officeDocument/2006/relationships" xmlns:p="http://schemas.openxmlformats.org/presentationml/2006/main" xmlns:m="http://schemas.openxmlformats.org/officeDocument/2006/math" xmlns:w="http://schemas.openxmlformats.org/wordprocessingml/2006/main" showMasterPhAnim="0" show="1">
-  <p:cSld name="">
+<p:sld xmlns:a="http://schemas.openxmlformats.org/drawingml/2006/main" xmlns:r="http://schemas.openxmlformats.org/officeDocument/2006/relationships" xmlns:p="http://schemas.openxmlformats.org/presentationml/2006/main" showMasterPhAnim="0">
+  <p:cSld>
+    <p:spTree>
+      <p:nvGrpSpPr>
+        <p:cNvPr id="1" name=""/>
+        <p:cNvGrpSpPr/>
+        <p:nvPr/>
+      </p:nvGrpSpPr>
+      <p:grpSpPr bwMode="auto">
+        <a:xfrm>
+          <a:off x="0" y="0"/>
+          <a:ext cx="0" cy="0"/>
+          <a:chOff x="0" y="0"/>
+          <a:chExt cx="0" cy="0"/>
+        </a:xfrm>
+      </p:grpSpPr>
+      <p:sp>
+        <p:nvSpPr>
+          <p:cNvPr id="2" name="Título 1"/>
+          <p:cNvSpPr>
+            <a:spLocks noGrp="1"/>
+          </p:cNvSpPr>
+          <p:nvPr>
+            <p:ph type="title"/>
+          </p:nvPr>
+        </p:nvSpPr>
+        <p:spPr bwMode="auto"/>
+        <p:txBody>
+          <a:bodyPr/>
+          <a:lstStyle/>
+          <a:p>
+            <a:pPr>
+              <a:defRPr/>
+            </a:pPr>
+            <a:r>
+              <a:rPr lang="pt-BR"/>
+              <a:t>Transformada de Hough</a:t>
+            </a:r>
+            <a:br>
+              <a:rPr lang="pt-BR"/>
+            </a:br>
+            <a:endParaRPr sz="1800"/>
+          </a:p>
+        </p:txBody>
+      </p:sp>
+      <p:sp>
+        <p:nvSpPr>
+          <p:cNvPr id="7" name="Espaço Reservado para Texto 6"/>
+          <p:cNvSpPr>
+            <a:spLocks noGrp="1"/>
+          </p:cNvSpPr>
+          <p:nvPr>
+            <p:ph type="body" sz="quarter" idx="13"/>
+          </p:nvPr>
+        </p:nvSpPr>
+        <p:spPr bwMode="auto"/>
+        <p:txBody>
+          <a:bodyPr/>
+          <a:lstStyle/>
+          <a:p>
+            <a:pPr>
+              <a:defRPr/>
+            </a:pPr>
+            <a:endParaRPr lang="pt-BR"/>
+          </a:p>
+        </p:txBody>
+      </p:sp>
+      <p:sp>
+        <p:nvSpPr>
+          <p:cNvPr id="1956192845" name="CaixaDeTexto 1956192844"/>
+          <p:cNvSpPr txBox="1"/>
+          <p:nvPr/>
+        </p:nvSpPr>
+        <p:spPr bwMode="auto">
+          <a:xfrm>
+            <a:off x="472710" y="1575630"/>
+            <a:ext cx="8339315" cy="3932279"/>
+          </a:xfrm>
+          <a:prstGeom prst="rect">
+            <a:avLst/>
+          </a:prstGeom>
+          <a:noFill/>
+        </p:spPr>
+        <p:txBody>
+          <a:bodyPr vertOverflow="overflow" horzOverflow="overflow" vert="horz" wrap="square" lIns="91440" tIns="45720" rIns="91440" bIns="45720" numCol="1" spcCol="0" rtlCol="0" fromWordArt="0" anchor="t" anchorCtr="0" forceAA="0" compatLnSpc="0">
+            <a:spAutoFit/>
+          </a:bodyPr>
+          <a:lstStyle/>
+          <a:p>
+            <a:pPr marL="283879" indent="-283879">
+              <a:buAutoNum type="arabicPeriod"/>
+              <a:defRPr/>
+            </a:pPr>
+            <a:r>
+              <a:t>Detecta formas em uma imagem</a:t>
+            </a:r>
+          </a:p>
+          <a:p>
+            <a:pPr marL="283879" indent="-283879">
+              <a:buAutoNum type="arabicPeriod"/>
+              <a:defRPr/>
+            </a:pPr>
+            <a:endParaRPr/>
+          </a:p>
+          <a:p>
+            <a:pPr marL="283879" indent="-283879">
+              <a:buAutoNum type="arabicPeriod"/>
+              <a:defRPr/>
+            </a:pPr>
+            <a:r>
+              <a:t>Muito usada para círculos e retas</a:t>
+            </a:r>
+          </a:p>
+          <a:p>
+            <a:pPr marL="283879" indent="-283879">
+              <a:buAutoNum type="arabicPeriod"/>
+              <a:defRPr/>
+            </a:pPr>
+            <a:endParaRPr/>
+          </a:p>
+          <a:p>
+            <a:pPr marL="283879" indent="-283879">
+              <a:buAutoNum type="arabicPeriod"/>
+              <a:defRPr/>
+            </a:pPr>
+            <a:r>
+              <a:t>Exige pós-processamento dos dados obtidos</a:t>
+            </a:r>
+          </a:p>
+          <a:p>
+            <a:pPr marL="283879" indent="-283879">
+              <a:buAutoNum type="arabicPeriod"/>
+              <a:defRPr/>
+            </a:pPr>
+            <a:endParaRPr/>
+          </a:p>
+          <a:p>
+            <a:pPr marL="683929" lvl="1" indent="-283879">
+              <a:buFont typeface="Arial"/>
+              <a:buChar char="•"/>
+              <a:defRPr/>
+            </a:pPr>
+            <a:r>
+              <a:t>Problemas comuns: muitas retas/círculos parecidos (quase mesma posição, orientação ou raio)</a:t>
+            </a:r>
+          </a:p>
+          <a:p>
+            <a:pPr marL="683929" lvl="1" indent="-283879">
+              <a:buFont typeface="Arial"/>
+              <a:buChar char="•"/>
+              <a:defRPr/>
+            </a:pPr>
+            <a:endParaRPr/>
+          </a:p>
+          <a:p>
+            <a:pPr marL="683929" lvl="1" indent="-283879">
+              <a:buFont typeface="Arial"/>
+              <a:buChar char="•"/>
+              <a:defRPr/>
+            </a:pPr>
+            <a:r>
+              <a:t>Falamos em elementos de mais alto nível, não em pixels</a:t>
+            </a:r>
+          </a:p>
+          <a:p>
+            <a:pPr marL="683929" lvl="1" indent="-283879">
+              <a:buFont typeface="Arial"/>
+              <a:buChar char="•"/>
+              <a:defRPr/>
+            </a:pPr>
+            <a:endParaRPr/>
+          </a:p>
+          <a:p>
+            <a:pPr marL="683929" lvl="1" indent="-283879">
+              <a:buFont typeface="Arial"/>
+              <a:buChar char="•"/>
+              <a:defRPr/>
+            </a:pPr>
+            <a:r>
+              <a:t>Filtragem: eliminar retas/círculos “parecidos” com algum já selecionado</a:t>
+            </a:r>
+          </a:p>
+          <a:p>
+            <a:pPr marL="683929" lvl="1" indent="-283879">
+              <a:buFont typeface="Arial"/>
+              <a:buChar char="•"/>
+              <a:defRPr/>
+            </a:pPr>
+            <a:endParaRPr/>
+          </a:p>
+          <a:p>
+            <a:pPr marL="683929" lvl="1" indent="-283879">
+              <a:buFont typeface="Arial"/>
+              <a:buChar char="•"/>
+              <a:defRPr/>
+            </a:pPr>
+            <a:endParaRPr/>
+          </a:p>
+        </p:txBody>
+      </p:sp>
+    </p:spTree>
+  </p:cSld>
+  <p:clrMapOvr>
+    <a:masterClrMapping/>
+  </p:clrMapOvr>
+</p:sld>
+</file>
+
+<file path=ppt/slides/slide11.xml><?xml version="1.0" encoding="utf-8"?>
+<p:sld xmlns:a="http://schemas.openxmlformats.org/drawingml/2006/main" xmlns:r="http://schemas.openxmlformats.org/officeDocument/2006/relationships" xmlns:p="http://schemas.openxmlformats.org/presentationml/2006/main" showMasterPhAnim="0">
+  <p:cSld>
     <p:spTree>
       <p:nvGrpSpPr>
         <p:cNvPr id="1" name=""/>
@@ -3445,146 +3524,6 @@
             </a:pPr>
             <a:r>
               <a:rPr lang="pt-BR"/>
-              <a:t>Exemplo de aplicação da detecção de retas</a:t>
-            </a:r>
-            <a:endParaRPr/>
-          </a:p>
-        </p:txBody>
-      </p:sp>
-      <p:pic>
-        <p:nvPicPr>
-          <p:cNvPr id="15362" name="Picture 2" descr="Resultado de imagem"/>
-          <p:cNvPicPr>
-            <a:picLocks noChangeAspect="1" noChangeArrowheads="1" noGrp="1"/>
-          </p:cNvPicPr>
-          <p:nvPr>
-            <p:ph idx="1"/>
-          </p:nvPr>
-        </p:nvPicPr>
-        <p:blipFill>
-          <a:blip r:embed="rId2"/>
-          <a:stretch/>
-        </p:blipFill>
-        <p:spPr bwMode="auto">
-          <a:xfrm>
-            <a:off x="657225" y="1581536"/>
-            <a:ext cx="8029575" cy="4533128"/>
-          </a:xfrm>
-          <a:prstGeom prst="rect">
-            <a:avLst/>
-          </a:prstGeom>
-          <a:noFill/>
-        </p:spPr>
-      </p:pic>
-      <p:sp>
-        <p:nvSpPr>
-          <p:cNvPr id="4" name="Espaço Reservado para Texto 3"/>
-          <p:cNvSpPr>
-            <a:spLocks noGrp="1"/>
-          </p:cNvSpPr>
-          <p:nvPr>
-            <p:ph type="body" sz="quarter" idx="13"/>
-          </p:nvPr>
-        </p:nvSpPr>
-        <p:spPr bwMode="auto"/>
-        <p:txBody>
-          <a:bodyPr/>
-          <a:lstStyle/>
-          <a:p>
-            <a:pPr>
-              <a:defRPr/>
-            </a:pPr>
-            <a:endParaRPr lang="pt-BR"/>
-          </a:p>
-        </p:txBody>
-      </p:sp>
-      <p:sp>
-        <p:nvSpPr>
-          <p:cNvPr id="5" name="Retângulo 4"/>
-          <p:cNvSpPr/>
-          <p:nvPr/>
-        </p:nvSpPr>
-        <p:spPr bwMode="auto">
-          <a:xfrm>
-            <a:off x="308558" y="5658492"/>
-            <a:ext cx="8340436" cy="523220"/>
-          </a:xfrm>
-          <a:prstGeom prst="rect">
-            <a:avLst/>
-          </a:prstGeom>
-        </p:spPr>
-        <p:txBody>
-          <a:bodyPr wrap="square">
-            <a:spAutoFit/>
-          </a:bodyPr>
-          <a:lstStyle/>
-          <a:p>
-            <a:pPr>
-              <a:defRPr/>
-            </a:pPr>
-            <a:r>
-              <a:rPr lang="pt-BR" sz="1400"/>
-              <a:t>https://www.mathworks.com/matlabcentral/answers/88166-how-can-i-find-the-intersection-point-of-hough-lines-for-vision-based-navigation?requestedDomain=www.mathworks.com</a:t>
-            </a:r>
-            <a:endParaRPr/>
-          </a:p>
-        </p:txBody>
-      </p:sp>
-    </p:spTree>
-  </p:cSld>
-  <p:clrMapOvr>
-    <a:masterClrMapping/>
-  </p:clrMapOvr>
-  <mc:AlternateContent xmlns:mc="http://schemas.openxmlformats.org/markup-compatibility/2006">
-    <mc:Choice xmlns:p14="http://schemas.microsoft.com/office/powerpoint/2010/main" Requires="p14">
-      <p:transition p14:dur="2000" advClick="1"/>
-    </mc:Choice>
-    <mc:Fallback>
-      <p:transition advClick="1"/>
-    </mc:Fallback>
-  </mc:AlternateContent>
-</p:sld>
-</file>
-
-<file path=ppt/slides/slide11.xml><?xml version="1.0" encoding="utf-8"?>
-<p:sld xmlns:a="http://schemas.openxmlformats.org/drawingml/2006/main" xmlns:r="http://schemas.openxmlformats.org/officeDocument/2006/relationships" xmlns:p="http://schemas.openxmlformats.org/presentationml/2006/main" xmlns:m="http://schemas.openxmlformats.org/officeDocument/2006/math" xmlns:w="http://schemas.openxmlformats.org/wordprocessingml/2006/main" showMasterPhAnim="0" show="1">
-  <p:cSld name="">
-    <p:spTree>
-      <p:nvGrpSpPr>
-        <p:cNvPr id="1" name=""/>
-        <p:cNvGrpSpPr/>
-        <p:nvPr/>
-      </p:nvGrpSpPr>
-      <p:grpSpPr bwMode="auto">
-        <a:xfrm>
-          <a:off x="0" y="0"/>
-          <a:ext cx="0" cy="0"/>
-          <a:chOff x="0" y="0"/>
-          <a:chExt cx="0" cy="0"/>
-        </a:xfrm>
-      </p:grpSpPr>
-      <p:sp>
-        <p:nvSpPr>
-          <p:cNvPr id="2" name="Título 1"/>
-          <p:cNvSpPr>
-            <a:spLocks noGrp="1"/>
-          </p:cNvSpPr>
-          <p:nvPr>
-            <p:ph type="title"/>
-          </p:nvPr>
-        </p:nvSpPr>
-        <p:spPr bwMode="auto"/>
-        <p:txBody>
-          <a:bodyPr>
-            <a:normAutofit fontScale="90000"/>
-          </a:bodyPr>
-          <a:lstStyle/>
-          <a:p>
-            <a:pPr>
-              <a:defRPr/>
-            </a:pPr>
-            <a:r>
-              <a:rPr lang="pt-BR"/>
               <a:t>Exemplo de detecção de circunferências</a:t>
             </a:r>
             <a:endParaRPr/>
@@ -3595,7 +3534,7 @@
         <p:nvPicPr>
           <p:cNvPr id="16394" name="Picture 10" descr="This is what I have so far. LEFT: masked pupil RIGHT: canny result"/>
           <p:cNvPicPr>
-            <a:picLocks noChangeAspect="1" noChangeArrowheads="1" noGrp="1"/>
+            <a:picLocks noGrp="1" noChangeAspect="1" noChangeArrowheads="1"/>
           </p:cNvPicPr>
           <p:nvPr>
             <p:ph idx="1"/>
@@ -3721,2509 +3660,12 @@
   <p:clrMapOvr>
     <a:masterClrMapping/>
   </p:clrMapOvr>
-  <mc:AlternateContent xmlns:mc="http://schemas.openxmlformats.org/markup-compatibility/2006">
-    <mc:Choice xmlns:p14="http://schemas.microsoft.com/office/powerpoint/2010/main" Requires="p14">
-      <p:transition p14:dur="2000" advClick="1"/>
-    </mc:Choice>
-    <mc:Fallback>
-      <p:transition advClick="1"/>
-    </mc:Fallback>
-  </mc:AlternateContent>
 </p:sld>
 </file>
 
 <file path=ppt/slides/slide12.xml><?xml version="1.0" encoding="utf-8"?>
-<p:sld xmlns:a="http://schemas.openxmlformats.org/drawingml/2006/main" xmlns:r="http://schemas.openxmlformats.org/officeDocument/2006/relationships" xmlns:p="http://schemas.openxmlformats.org/presentationml/2006/main" xmlns:m="http://schemas.openxmlformats.org/officeDocument/2006/math" xmlns:w="http://schemas.openxmlformats.org/wordprocessingml/2006/main" showMasterPhAnim="0" show="1">
-  <p:cSld name="">
-    <p:spTree>
-      <p:nvGrpSpPr>
-        <p:cNvPr id="1" name=""/>
-        <p:cNvGrpSpPr/>
-        <p:nvPr/>
-      </p:nvGrpSpPr>
-      <p:grpSpPr bwMode="auto">
-        <a:xfrm>
-          <a:off x="0" y="0"/>
-          <a:ext cx="0" cy="0"/>
-          <a:chOff x="0" y="0"/>
-          <a:chExt cx="0" cy="0"/>
-        </a:xfrm>
-      </p:grpSpPr>
-      <p:sp>
-        <p:nvSpPr>
-          <p:cNvPr id="2" name="Título 1"/>
-          <p:cNvSpPr>
-            <a:spLocks noGrp="1"/>
-          </p:cNvSpPr>
-          <p:nvPr>
-            <p:ph type="title"/>
-          </p:nvPr>
-        </p:nvSpPr>
-        <p:spPr bwMode="auto">
-          <a:xfrm flipH="0" flipV="0">
-            <a:off x="0" y="0"/>
-            <a:ext cx="11466518" cy="1422461"/>
-          </a:xfrm>
-        </p:spPr>
-        <p:txBody>
-          <a:bodyPr/>
-          <a:lstStyle/>
-          <a:p>
-            <a:pPr>
-              <a:defRPr/>
-            </a:pPr>
-            <a:r>
-              <a:rPr lang="pt-BR"/>
-              <a:t>Comparação entre modelos</a:t>
-            </a:r>
-            <a:endParaRPr/>
-          </a:p>
-        </p:txBody>
-      </p:sp>
-      <p:cxnSp>
-        <p:nvCxnSpPr>
-          <p:cNvPr id="6" name="Conector de seta reta 5"/>
-          <p:cNvCxnSpPr>
-            <a:cxnSpLocks/>
-          </p:cNvCxnSpPr>
-          <p:nvPr/>
-        </p:nvCxnSpPr>
-        <p:spPr bwMode="auto">
-          <a:xfrm flipV="1">
-            <a:off x="1953491" y="1565564"/>
-            <a:ext cx="0" cy="3934691"/>
-          </a:xfrm>
-          <a:prstGeom prst="straightConnector1">
-            <a:avLst/>
-          </a:prstGeom>
-          <a:ln w="28575">
-            <a:solidFill>
-              <a:srgbClr val="303030"/>
-            </a:solidFill>
-            <a:tailEnd type="arrow"/>
-          </a:ln>
-        </p:spPr>
-        <p:style>
-          <a:lnRef idx="2">
-            <a:schemeClr val="accent1"/>
-          </a:lnRef>
-          <a:fillRef idx="0">
-            <a:schemeClr val="accent1"/>
-          </a:fillRef>
-          <a:effectRef idx="1">
-            <a:schemeClr val="accent1"/>
-          </a:effectRef>
-          <a:fontRef idx="minor">
-            <a:schemeClr val="tx1"/>
-          </a:fontRef>
-        </p:style>
-      </p:cxnSp>
-      <p:cxnSp>
-        <p:nvCxnSpPr>
-          <p:cNvPr id="8" name="Conector de seta reta 7"/>
-          <p:cNvCxnSpPr>
-            <a:cxnSpLocks/>
-          </p:cNvCxnSpPr>
-          <p:nvPr/>
-        </p:nvCxnSpPr>
-        <p:spPr bwMode="auto">
-          <a:xfrm>
-            <a:off x="1953491" y="5500255"/>
-            <a:ext cx="5818909" cy="0"/>
-          </a:xfrm>
-          <a:prstGeom prst="straightConnector1">
-            <a:avLst/>
-          </a:prstGeom>
-          <a:ln w="28575">
-            <a:solidFill>
-              <a:srgbClr val="303030"/>
-            </a:solidFill>
-            <a:tailEnd type="arrow"/>
-          </a:ln>
-        </p:spPr>
-        <p:style>
-          <a:lnRef idx="2">
-            <a:schemeClr val="accent1"/>
-          </a:lnRef>
-          <a:fillRef idx="0">
-            <a:schemeClr val="accent1"/>
-          </a:fillRef>
-          <a:effectRef idx="1">
-            <a:schemeClr val="accent1"/>
-          </a:effectRef>
-          <a:fontRef idx="minor">
-            <a:schemeClr val="tx1"/>
-          </a:fontRef>
-        </p:style>
-      </p:cxnSp>
-      <p:cxnSp>
-        <p:nvCxnSpPr>
-          <p:cNvPr id="10" name="Conector reto 9"/>
-          <p:cNvCxnSpPr>
-            <a:cxnSpLocks/>
-          </p:cNvCxnSpPr>
-          <p:nvPr/>
-        </p:nvCxnSpPr>
-        <p:spPr bwMode="auto">
-          <a:xfrm>
-            <a:off x="1953491" y="2064327"/>
-            <a:ext cx="4530436" cy="3435928"/>
-          </a:xfrm>
-          <a:prstGeom prst="line">
-            <a:avLst/>
-          </a:prstGeom>
-          <a:ln>
-            <a:solidFill>
-              <a:srgbClr val="FF0000"/>
-            </a:solidFill>
-          </a:ln>
-        </p:spPr>
-        <p:style>
-          <a:lnRef idx="2">
-            <a:schemeClr val="accent1"/>
-          </a:lnRef>
-          <a:fillRef idx="0">
-            <a:schemeClr val="accent1"/>
-          </a:fillRef>
-          <a:effectRef idx="1">
-            <a:schemeClr val="accent1"/>
-          </a:effectRef>
-          <a:fontRef idx="minor">
-            <a:schemeClr val="tx1"/>
-          </a:fontRef>
-        </p:style>
-      </p:cxnSp>
-      <p:cxnSp>
-        <p:nvCxnSpPr>
-          <p:cNvPr id="14" name="Conector de seta reta 13"/>
-          <p:cNvCxnSpPr>
-            <a:cxnSpLocks/>
-          </p:cNvCxnSpPr>
-          <p:nvPr/>
-        </p:nvCxnSpPr>
-        <p:spPr bwMode="auto">
-          <a:xfrm flipV="1">
-            <a:off x="1953491" y="3352800"/>
-            <a:ext cx="1704109" cy="2147455"/>
-          </a:xfrm>
-          <a:prstGeom prst="straightConnector1">
-            <a:avLst/>
-          </a:prstGeom>
-          <a:ln w="6350">
-            <a:solidFill>
-              <a:srgbClr val="020000"/>
-            </a:solidFill>
-            <a:headEnd type="none" w="med" len="med"/>
-            <a:tailEnd type="none" w="med" len="med"/>
-          </a:ln>
-          <a:effectLst/>
-        </p:spPr>
-        <p:style>
-          <a:lnRef idx="2">
-            <a:schemeClr val="accent1"/>
-          </a:lnRef>
-          <a:fillRef idx="0">
-            <a:schemeClr val="accent1"/>
-          </a:fillRef>
-          <a:effectRef idx="1">
-            <a:schemeClr val="accent1"/>
-          </a:effectRef>
-          <a:fontRef idx="minor">
-            <a:schemeClr val="tx1"/>
-          </a:fontRef>
-        </p:style>
-      </p:cxnSp>
-      <p:sp>
-        <p:nvSpPr>
-          <p:cNvPr id="15" name="Arco 14"/>
-          <p:cNvSpPr/>
-          <p:nvPr/>
-        </p:nvSpPr>
-        <p:spPr bwMode="auto">
-          <a:xfrm rot="831530">
-            <a:off x="1939634" y="5216234"/>
-            <a:ext cx="401782" cy="346364"/>
-          </a:xfrm>
-          <a:prstGeom prst="arc">
-            <a:avLst>
-              <a:gd name="adj1" fmla="val 16200000"/>
-              <a:gd name="adj2" fmla="val 657242"/>
-            </a:avLst>
-          </a:prstGeom>
-          <a:ln w="6350">
-            <a:solidFill>
-              <a:srgbClr val="020000"/>
-            </a:solidFill>
-          </a:ln>
-          <a:effectLst/>
-        </p:spPr>
-        <p:style>
-          <a:lnRef idx="2">
-            <a:schemeClr val="accent1"/>
-          </a:lnRef>
-          <a:fillRef idx="0">
-            <a:schemeClr val="accent1"/>
-          </a:fillRef>
-          <a:effectRef idx="1">
-            <a:schemeClr val="accent1"/>
-          </a:effectRef>
-          <a:fontRef idx="minor">
-            <a:schemeClr val="tx1"/>
-          </a:fontRef>
-        </p:style>
-        <p:txBody>
-          <a:bodyPr rtlCol="0" anchor="ctr"/>
-          <a:lstStyle/>
-          <a:p>
-            <a:pPr algn="ctr">
-              <a:defRPr/>
-            </a:pPr>
-            <a:endParaRPr lang="pt-BR"/>
-          </a:p>
-        </p:txBody>
-      </p:sp>
-      <p:sp>
-        <p:nvSpPr>
-          <p:cNvPr id="16" name="CaixaDeTexto 15"/>
-          <p:cNvSpPr txBox="1"/>
-          <p:nvPr/>
-        </p:nvSpPr>
-        <p:spPr bwMode="auto">
-          <a:xfrm>
-            <a:off x="2377052" y="4239491"/>
-            <a:ext cx="351635" cy="369332"/>
-          </a:xfrm>
-          <a:prstGeom prst="rect">
-            <a:avLst/>
-          </a:prstGeom>
-          <a:noFill/>
-        </p:spPr>
-        <p:txBody>
-          <a:bodyPr wrap="none" rtlCol="0">
-            <a:spAutoFit/>
-          </a:bodyPr>
-          <a:lstStyle/>
-          <a:p>
-            <a:pPr>
-              <a:defRPr/>
-            </a:pPr>
-            <mc:AlternateContent xmlns:mc="http://schemas.openxmlformats.org/markup-compatibility/2006" xmlns:m="http://schemas.openxmlformats.org/officeDocument/2006/math">
-              <mc:Choice xmlns:a14="http://schemas.microsoft.com/office/drawing/2010/main" Requires="a14">
-                <a14:m>
-                  <m:oMathPara>
-                    <m:oMathParaPr>
-                      <m:jc m:val="centerGroup"/>
-                    </m:oMathParaPr>
-                    <m:oMath>
-                      <m:r>
-                        <m:rPr/>
-                        <a:rPr lang="pt-BR" b="0" i="1">
-                          <a:latin typeface="Cambria Math"/>
-                        </a:rPr>
-                        <m:t>𝑟</m:t>
-                      </m:r>
-                    </m:oMath>
-                  </m:oMathPara>
-                </a14:m>
-              </mc:Choice>
-              <mc:Fallback/>
-            </mc:AlternateContent>
-            <a:endParaRPr lang="pt-BR" b="0"/>
-          </a:p>
-        </p:txBody>
-      </p:sp>
-      <p:sp>
-        <p:nvSpPr>
-          <p:cNvPr id="17" name="CaixaDeTexto 16"/>
-          <p:cNvSpPr txBox="1"/>
-          <p:nvPr/>
-        </p:nvSpPr>
-        <p:spPr bwMode="auto">
-          <a:xfrm>
-            <a:off x="2353634" y="5043052"/>
-            <a:ext cx="374140" cy="369332"/>
-          </a:xfrm>
-          <a:prstGeom prst="rect">
-            <a:avLst/>
-          </a:prstGeom>
-          <a:noFill/>
-        </p:spPr>
-        <p:txBody>
-          <a:bodyPr wrap="none" rtlCol="0">
-            <a:spAutoFit/>
-          </a:bodyPr>
-          <a:lstStyle/>
-          <a:p>
-            <a:pPr>
-              <a:defRPr/>
-            </a:pPr>
-            <mc:AlternateContent xmlns:mc="http://schemas.openxmlformats.org/markup-compatibility/2006" xmlns:m="http://schemas.openxmlformats.org/officeDocument/2006/math">
-              <mc:Choice xmlns:a14="http://schemas.microsoft.com/office/drawing/2010/main" Requires="a14">
-                <a14:m>
-                  <m:oMathPara>
-                    <m:oMathParaPr>
-                      <m:jc m:val="centerGroup"/>
-                    </m:oMathParaPr>
-                    <m:oMath>
-                      <m:r>
-                        <m:rPr/>
-                        <a:rPr lang="pt-BR" b="0" i="1">
-                          <a:latin typeface="Cambria Math"/>
-                        </a:rPr>
-                        <m:t>𝜃</m:t>
-                      </m:r>
-                    </m:oMath>
-                  </m:oMathPara>
-                </a14:m>
-              </mc:Choice>
-              <mc:Fallback/>
-            </mc:AlternateContent>
-            <a:endParaRPr lang="pt-BR" b="0"/>
-          </a:p>
-        </p:txBody>
-      </p:sp>
-      <p:sp>
-        <p:nvSpPr>
-          <p:cNvPr id="18" name="CaixaDeTexto 17"/>
-          <p:cNvSpPr txBox="1"/>
-          <p:nvPr/>
-        </p:nvSpPr>
-        <p:spPr bwMode="auto">
-          <a:xfrm>
-            <a:off x="1529860" y="1879661"/>
-            <a:ext cx="367665" cy="369332"/>
-          </a:xfrm>
-          <a:prstGeom prst="rect">
-            <a:avLst/>
-          </a:prstGeom>
-          <a:noFill/>
-        </p:spPr>
-        <p:txBody>
-          <a:bodyPr wrap="none" rtlCol="0">
-            <a:spAutoFit/>
-          </a:bodyPr>
-          <a:lstStyle/>
-          <a:p>
-            <a:pPr>
-              <a:defRPr/>
-            </a:pPr>
-            <mc:AlternateContent xmlns:mc="http://schemas.openxmlformats.org/markup-compatibility/2006" xmlns:m="http://schemas.openxmlformats.org/officeDocument/2006/math">
-              <mc:Choice xmlns:a14="http://schemas.microsoft.com/office/drawing/2010/main" Requires="a14">
-                <a14:m>
-                  <m:oMathPara>
-                    <m:oMathParaPr>
-                      <m:jc m:val="centerGroup"/>
-                    </m:oMathParaPr>
-                    <m:oMath>
-                      <m:r>
-                        <m:rPr/>
-                        <a:rPr lang="pt-BR" b="0" i="1">
-                          <a:latin typeface="Cambria Math"/>
-                        </a:rPr>
-                        <m:t>𝑏</m:t>
-                      </m:r>
-                    </m:oMath>
-                  </m:oMathPara>
-                </a14:m>
-              </mc:Choice>
-              <mc:Fallback/>
-            </mc:AlternateContent>
-            <a:endParaRPr lang="pt-BR" b="0"/>
-          </a:p>
-        </p:txBody>
-      </p:sp>
-      <p:sp>
-        <p:nvSpPr>
-          <p:cNvPr id="19" name="CaixaDeTexto 18"/>
-          <p:cNvSpPr txBox="1"/>
-          <p:nvPr/>
-        </p:nvSpPr>
-        <p:spPr bwMode="auto">
-          <a:xfrm>
-            <a:off x="6192404" y="5600260"/>
-            <a:ext cx="583045" cy="618246"/>
-          </a:xfrm>
-          <a:prstGeom prst="rect">
-            <a:avLst/>
-          </a:prstGeom>
-          <a:noFill/>
-        </p:spPr>
-        <p:txBody>
-          <a:bodyPr wrap="none" rtlCol="0">
-            <a:spAutoFit/>
-          </a:bodyPr>
-          <a:lstStyle/>
-          <a:p>
-            <a:pPr>
-              <a:defRPr/>
-            </a:pPr>
-            <mc:AlternateContent xmlns:mc="http://schemas.openxmlformats.org/markup-compatibility/2006" xmlns:m="http://schemas.openxmlformats.org/officeDocument/2006/math">
-              <mc:Choice xmlns:a14="http://schemas.microsoft.com/office/drawing/2010/main" Requires="a14">
-                <a14:m>
-                  <m:oMathPara>
-                    <m:oMathParaPr>
-                      <m:jc m:val="centerGroup"/>
-                    </m:oMathParaPr>
-                    <m:oMath>
-                      <m:r>
-                        <m:rPr/>
-                        <a:rPr lang="pt-BR" b="0" i="1">
-                          <a:latin typeface="Cambria Math"/>
-                        </a:rPr>
-                        <m:t>−</m:t>
-                      </m:r>
-                      <m:f>
-                        <m:fPr>
-                          <m:ctrlPr>
-                            <a:rPr lang="pt-BR" b="0" i="1">
-                              <a:latin typeface="Cambria Math"/>
-                              <a:ea typeface="Cambria Math"/>
-                              <a:cs typeface="Cambria Math"/>
-                            </a:rPr>
-                          </m:ctrlPr>
-                        </m:fPr>
-                        <m:num>
-                          <m:r>
-                            <m:rPr/>
-                            <a:rPr lang="pt-BR" b="0" i="1">
-                              <a:latin typeface="Cambria Math"/>
-                            </a:rPr>
-                            <m:t>𝑏</m:t>
-                          </m:r>
-                        </m:num>
-                        <m:den>
-                          <m:r>
-                            <m:rPr/>
-                            <a:rPr lang="pt-BR" b="0" i="1">
-                              <a:latin typeface="Cambria Math"/>
-                            </a:rPr>
-                            <m:t>𝑎</m:t>
-                          </m:r>
-                        </m:den>
-                      </m:f>
-                    </m:oMath>
-                  </m:oMathPara>
-                </a14:m>
-              </mc:Choice>
-              <mc:Fallback/>
-            </mc:AlternateContent>
-            <a:endParaRPr lang="pt-BR" b="0"/>
-          </a:p>
-        </p:txBody>
-      </p:sp>
-      <p:sp>
-        <p:nvSpPr>
-          <p:cNvPr id="20" name="CaixaDeTexto 19"/>
-          <p:cNvSpPr txBox="1"/>
-          <p:nvPr/>
-        </p:nvSpPr>
-        <p:spPr bwMode="auto">
-          <a:xfrm>
-            <a:off x="4123127" y="1879661"/>
-            <a:ext cx="1479636" cy="1641219"/>
-          </a:xfrm>
-          <a:prstGeom prst="rect">
-            <a:avLst/>
-          </a:prstGeom>
-          <a:noFill/>
-        </p:spPr>
-        <p:txBody>
-          <a:bodyPr wrap="none" rtlCol="0">
-            <a:spAutoFit/>
-          </a:bodyPr>
-          <a:lstStyle/>
-          <a:p>
-            <a:pPr>
-              <a:defRPr/>
-            </a:pPr>
-            <mc:AlternateContent xmlns:mc="http://schemas.openxmlformats.org/markup-compatibility/2006" xmlns:m="http://schemas.openxmlformats.org/officeDocument/2006/math">
-              <mc:Choice xmlns:a14="http://schemas.microsoft.com/office/drawing/2010/main" Requires="a14">
-                <a14:m>
-                  <m:oMathPara>
-                    <m:oMathParaPr>
-                      <m:jc m:val="centerGroup"/>
-                    </m:oMathParaPr>
-                    <m:oMath>
-                      <m:r>
-                        <m:rPr/>
-                        <a:rPr lang="pt-BR" b="0" i="1">
-                          <a:latin typeface="Cambria Math"/>
-                        </a:rPr>
-                        <m:t>𝑎</m:t>
-                      </m:r>
-                      <m:r>
-                        <m:rPr/>
-                        <a:rPr lang="pt-BR" b="0" i="1">
-                          <a:latin typeface="Cambria Math"/>
-                        </a:rPr>
-                        <m:t>=−</m:t>
-                      </m:r>
-                      <m:f>
-                        <m:fPr>
-                          <m:ctrlPr>
-                            <a:rPr lang="pt-BR" b="0" i="1">
-                              <a:latin typeface="Cambria Math"/>
-                              <a:ea typeface="Cambria Math"/>
-                              <a:cs typeface="Cambria Math"/>
-                            </a:rPr>
-                          </m:ctrlPr>
-                        </m:fPr>
-                        <m:num>
-                          <m:r>
-                            <m:rPr/>
-                            <a:rPr lang="pt-BR" b="0" i="1">
-                              <a:latin typeface="Cambria Math"/>
-                            </a:rPr>
-                            <m:t>1</m:t>
-                          </m:r>
-                        </m:num>
-                        <m:den>
-                          <m:func>
-                            <m:funcPr>
-                              <m:ctrlPr>
-                                <a:rPr lang="pt-BR" b="0" i="1">
-                                  <a:latin typeface="Cambria Math"/>
-                                  <a:ea typeface="Cambria Math"/>
-                                  <a:cs typeface="Cambria Math"/>
-                                </a:rPr>
-                              </m:ctrlPr>
-                            </m:funcPr>
-                            <m:fName>
-                              <m:r>
-                                <m:rPr>
-                                  <m:sty m:val="p"/>
-                                </m:rPr>
-                                <a:rPr lang="pt-BR" b="0" i="0">
-                                  <a:latin typeface="Cambria Math"/>
-                                </a:rPr>
-                                <m:t>tan</m:t>
-                              </m:r>
-                            </m:fName>
-                            <m:e>
-                              <m:r>
-                                <m:rPr/>
-                                <a:rPr lang="pt-BR" b="0" i="1">
-                                  <a:latin typeface="Cambria Math"/>
-                                </a:rPr>
-                                <m:t>𝜃</m:t>
-                              </m:r>
-                            </m:e>
-                          </m:func>
-                        </m:den>
-                      </m:f>
-                    </m:oMath>
-                  </m:oMathPara>
-                </a14:m>
-              </mc:Choice>
-              <mc:Fallback/>
-            </mc:AlternateContent>
-            <a:endParaRPr lang="pt-BR" b="0"/>
-          </a:p>
-          <a:p>
-            <a:pPr>
-              <a:defRPr/>
-            </a:pPr>
-            <a:endParaRPr lang="pt-BR" b="0"/>
-          </a:p>
-          <a:p>
-            <a:pPr>
-              <a:defRPr/>
-            </a:pPr>
-            <mc:AlternateContent xmlns:mc="http://schemas.openxmlformats.org/markup-compatibility/2006" xmlns:m="http://schemas.openxmlformats.org/officeDocument/2006/math">
-              <mc:Choice xmlns:a14="http://schemas.microsoft.com/office/drawing/2010/main" Requires="a14">
-                <a14:m>
-                  <m:oMathPara>
-                    <m:oMathParaPr>
-                      <m:jc m:val="centerGroup"/>
-                    </m:oMathParaPr>
-                    <m:oMath>
-                      <m:r>
-                        <m:rPr/>
-                        <a:rPr lang="pt-BR" b="0" i="1">
-                          <a:latin typeface="Cambria Math"/>
-                        </a:rPr>
-                        <m:t>𝑏</m:t>
-                      </m:r>
-                      <m:r>
-                        <m:rPr/>
-                        <a:rPr lang="pt-BR" i="1">
-                          <a:latin typeface="Cambria Math"/>
-                        </a:rPr>
-                        <m:t>=</m:t>
-                      </m:r>
-                      <m:f>
-                        <m:fPr>
-                          <m:ctrlPr>
-                            <a:rPr lang="pt-BR" i="1">
-                              <a:latin typeface="Cambria Math"/>
-                              <a:ea typeface="Cambria Math"/>
-                              <a:cs typeface="Cambria Math"/>
-                            </a:rPr>
-                          </m:ctrlPr>
-                        </m:fPr>
-                        <m:num>
-                          <m:r>
-                            <m:rPr/>
-                            <a:rPr lang="pt-BR" b="0" i="1">
-                              <a:latin typeface="Cambria Math"/>
-                            </a:rPr>
-                            <m:t>𝑟</m:t>
-                          </m:r>
-                        </m:num>
-                        <m:den>
-                          <m:func>
-                            <m:funcPr>
-                              <m:ctrlPr>
-                                <a:rPr lang="pt-BR" b="0" i="1">
-                                  <a:latin typeface="Cambria Math"/>
-                                  <a:ea typeface="Cambria Math"/>
-                                  <a:cs typeface="Cambria Math"/>
-                                </a:rPr>
-                              </m:ctrlPr>
-                            </m:funcPr>
-                            <m:fName>
-                              <m:r>
-                                <m:rPr>
-                                  <m:sty m:val="p"/>
-                                </m:rPr>
-                                <a:rPr lang="pt-BR" b="0" i="0">
-                                  <a:latin typeface="Cambria Math"/>
-                                </a:rPr>
-                                <m:t>sin</m:t>
-                              </m:r>
-                            </m:fName>
-                            <m:e>
-                              <m:r>
-                                <m:rPr/>
-                                <a:rPr lang="pt-BR" b="0" i="1">
-                                  <a:latin typeface="Cambria Math"/>
-                                </a:rPr>
-                                <m:t>𝜃</m:t>
-                              </m:r>
-                            </m:e>
-                          </m:func>
-                        </m:den>
-                      </m:f>
-                    </m:oMath>
-                  </m:oMathPara>
-                </a14:m>
-              </mc:Choice>
-              <mc:Fallback/>
-            </mc:AlternateContent>
-            <a:endParaRPr lang="pt-BR"/>
-          </a:p>
-          <a:p>
-            <a:pPr>
-              <a:defRPr/>
-            </a:pPr>
-            <a:endParaRPr lang="pt-BR" b="0"/>
-          </a:p>
-        </p:txBody>
-      </p:sp>
-      <p:sp>
-        <p:nvSpPr>
-          <p:cNvPr id="3" name="CaixaDeTexto 2"/>
-          <p:cNvSpPr txBox="1"/>
-          <p:nvPr/>
-        </p:nvSpPr>
-        <p:spPr bwMode="auto">
-          <a:xfrm>
-            <a:off x="1623468" y="1422462"/>
-            <a:ext cx="300082" cy="369332"/>
-          </a:xfrm>
-          <a:prstGeom prst="rect">
-            <a:avLst/>
-          </a:prstGeom>
-          <a:noFill/>
-        </p:spPr>
-        <p:txBody>
-          <a:bodyPr wrap="none" rtlCol="0">
-            <a:spAutoFit/>
-          </a:bodyPr>
-          <a:lstStyle/>
-          <a:p>
-            <a:pPr>
-              <a:defRPr/>
-            </a:pPr>
-            <a:r>
-              <a:rPr lang="pt-BR" b="1">
-                <a:latin typeface="Times New Roman"/>
-                <a:cs typeface="Times New Roman"/>
-              </a:rPr>
-              <a:t>y</a:t>
-            </a:r>
-            <a:endParaRPr/>
-          </a:p>
-        </p:txBody>
-      </p:sp>
-      <p:sp>
-        <p:nvSpPr>
-          <p:cNvPr id="21" name="CaixaDeTexto 20"/>
-          <p:cNvSpPr txBox="1"/>
-          <p:nvPr/>
-        </p:nvSpPr>
-        <p:spPr bwMode="auto">
-          <a:xfrm>
-            <a:off x="7472318" y="5724718"/>
-            <a:ext cx="300082" cy="369332"/>
-          </a:xfrm>
-          <a:prstGeom prst="rect">
-            <a:avLst/>
-          </a:prstGeom>
-          <a:noFill/>
-        </p:spPr>
-        <p:txBody>
-          <a:bodyPr wrap="none" rtlCol="0">
-            <a:spAutoFit/>
-          </a:bodyPr>
-          <a:lstStyle/>
-          <a:p>
-            <a:pPr>
-              <a:defRPr/>
-            </a:pPr>
-            <a:r>
-              <a:rPr lang="pt-BR" b="1">
-                <a:latin typeface="Times New Roman"/>
-                <a:cs typeface="Times New Roman"/>
-              </a:rPr>
-              <a:t>x</a:t>
-            </a:r>
-            <a:endParaRPr/>
-          </a:p>
-        </p:txBody>
-      </p:sp>
-    </p:spTree>
-  </p:cSld>
-  <p:clrMapOvr>
-    <a:masterClrMapping/>
-  </p:clrMapOvr>
-  <mc:AlternateContent xmlns:mc="http://schemas.openxmlformats.org/markup-compatibility/2006">
-    <mc:Choice xmlns:p14="http://schemas.microsoft.com/office/powerpoint/2010/main" Requires="p14">
-      <p:transition p14:dur="2000" advClick="1"/>
-    </mc:Choice>
-    <mc:Fallback>
-      <p:transition advClick="1"/>
-    </mc:Fallback>
-  </mc:AlternateContent>
-</p:sld>
-</file>
-
-<file path=ppt/slides/slide13.xml><?xml version="1.0" encoding="utf-8"?>
-<p:sld xmlns:a="http://schemas.openxmlformats.org/drawingml/2006/main" xmlns:r="http://schemas.openxmlformats.org/officeDocument/2006/relationships" xmlns:p="http://schemas.openxmlformats.org/presentationml/2006/main" xmlns:m="http://schemas.openxmlformats.org/officeDocument/2006/math" xmlns:w="http://schemas.openxmlformats.org/wordprocessingml/2006/main" showMasterPhAnim="0" show="1">
-  <p:cSld name="">
-    <p:spTree>
-      <p:nvGrpSpPr>
-        <p:cNvPr id="1" name=""/>
-        <p:cNvGrpSpPr/>
-        <p:nvPr/>
-      </p:nvGrpSpPr>
-      <p:grpSpPr bwMode="auto">
-        <a:xfrm>
-          <a:off x="0" y="0"/>
-          <a:ext cx="0" cy="0"/>
-          <a:chOff x="0" y="0"/>
-          <a:chExt cx="0" cy="0"/>
-        </a:xfrm>
-      </p:grpSpPr>
-      <p:sp>
-        <p:nvSpPr>
-          <p:cNvPr id="2" name="Título 1"/>
-          <p:cNvSpPr>
-            <a:spLocks noGrp="1"/>
-          </p:cNvSpPr>
-          <p:nvPr>
-            <p:ph type="title"/>
-          </p:nvPr>
-        </p:nvSpPr>
-        <p:spPr bwMode="auto">
-          <a:xfrm flipH="0" flipV="0">
-            <a:off x="0" y="0"/>
-            <a:ext cx="11128247" cy="1762570"/>
-          </a:xfrm>
-        </p:spPr>
-        <p:txBody>
-          <a:bodyPr vertOverflow="overflow" horzOverflow="overflow" vert="horz" wrap="square" lIns="91440" tIns="45720" rIns="91440" bIns="45720" numCol="1" spcCol="0" rtlCol="0" fromWordArt="0" anchor="t" anchorCtr="0" forceAA="0" upright="0" compatLnSpc="0">
-            <a:normAutofit/>
-          </a:bodyPr>
-          <a:lstStyle/>
-          <a:p>
-            <a:pPr>
-              <a:defRPr/>
-            </a:pPr>
-            <a:r>
-              <a:rPr lang="pt-BR"/>
-              <a:t>Parâmetros das retas para apenas um </a:t>
-            </a:r>
-            <a:br>
-              <a:rPr lang="pt-BR"/>
-            </a:br>
-            <a:r>
-              <a:rPr lang="pt-BR"/>
-              <a:t>ponto na imagem</a:t>
-            </a:r>
-            <a:endParaRPr/>
-          </a:p>
-        </p:txBody>
-      </p:sp>
-      <p:pic>
-        <p:nvPicPr>
-          <p:cNvPr id="13314" name="Picture 2" descr="Polar plot of a the family of lines of a point"/>
-          <p:cNvPicPr>
-            <a:picLocks noChangeAspect="1" noChangeArrowheads="1" noGrp="1"/>
-          </p:cNvPicPr>
-          <p:nvPr>
-            <p:ph idx="1"/>
-          </p:nvPr>
-        </p:nvPicPr>
-        <p:blipFill>
-          <a:blip r:embed="rId2"/>
-          <a:stretch/>
-        </p:blipFill>
-        <p:spPr bwMode="auto">
-          <a:xfrm>
-            <a:off x="1435326" y="1662545"/>
-            <a:ext cx="6080983" cy="4114799"/>
-          </a:xfrm>
-          <a:prstGeom prst="rect">
-            <a:avLst/>
-          </a:prstGeom>
-          <a:noFill/>
-        </p:spPr>
-      </p:pic>
-      <p:cxnSp>
-        <p:nvCxnSpPr>
-          <p:cNvPr id="6" name="Conector reto 5"/>
-          <p:cNvCxnSpPr>
-            <a:cxnSpLocks/>
-          </p:cNvCxnSpPr>
-          <p:nvPr/>
-        </p:nvCxnSpPr>
-        <p:spPr bwMode="auto">
-          <a:xfrm flipH="1" flipV="1">
-            <a:off x="4793662" y="2576946"/>
-            <a:ext cx="13854" cy="2743200"/>
-          </a:xfrm>
-          <a:prstGeom prst="line">
-            <a:avLst/>
-          </a:prstGeom>
-          <a:ln>
-            <a:solidFill>
-              <a:schemeClr val="accent1">
-                <a:lumMod val="50000"/>
-              </a:schemeClr>
-            </a:solidFill>
-            <a:prstDash val="dash"/>
-          </a:ln>
-        </p:spPr>
-        <p:style>
-          <a:lnRef idx="2">
-            <a:schemeClr val="accent1"/>
-          </a:lnRef>
-          <a:fillRef idx="0">
-            <a:schemeClr val="accent1"/>
-          </a:fillRef>
-          <a:effectRef idx="1">
-            <a:schemeClr val="accent1"/>
-          </a:effectRef>
-          <a:fontRef idx="minor">
-            <a:schemeClr val="tx1"/>
-          </a:fontRef>
-        </p:style>
-      </p:cxnSp>
-      <p:cxnSp>
-        <p:nvCxnSpPr>
-          <p:cNvPr id="8" name="Conector reto 7"/>
-          <p:cNvCxnSpPr>
-            <a:cxnSpLocks/>
-          </p:cNvCxnSpPr>
-          <p:nvPr/>
-        </p:nvCxnSpPr>
-        <p:spPr bwMode="auto">
-          <a:xfrm flipV="1">
-            <a:off x="1911927" y="2590785"/>
-            <a:ext cx="2881733" cy="4"/>
-          </a:xfrm>
-          <a:prstGeom prst="line">
-            <a:avLst/>
-          </a:prstGeom>
-          <a:ln>
-            <a:solidFill>
-              <a:schemeClr val="accent1">
-                <a:lumMod val="50000"/>
-              </a:schemeClr>
-            </a:solidFill>
-            <a:prstDash val="dash"/>
-          </a:ln>
-        </p:spPr>
-        <p:style>
-          <a:lnRef idx="2">
-            <a:schemeClr val="accent1"/>
-          </a:lnRef>
-          <a:fillRef idx="0">
-            <a:schemeClr val="accent1"/>
-          </a:fillRef>
-          <a:effectRef idx="1">
-            <a:schemeClr val="accent1"/>
-          </a:effectRef>
-          <a:fontRef idx="minor">
-            <a:schemeClr val="tx1"/>
-          </a:fontRef>
-        </p:style>
-      </p:cxnSp>
-      <p:sp>
-        <p:nvSpPr>
-          <p:cNvPr id="11" name="CaixaDeTexto 10"/>
-          <p:cNvSpPr txBox="1"/>
-          <p:nvPr/>
-        </p:nvSpPr>
-        <p:spPr bwMode="auto">
-          <a:xfrm>
-            <a:off x="4350315" y="5592839"/>
-            <a:ext cx="1547668" cy="562975"/>
-          </a:xfrm>
-          <a:prstGeom prst="rect">
-            <a:avLst/>
-          </a:prstGeom>
-          <a:noFill/>
-        </p:spPr>
-        <p:txBody>
-          <a:bodyPr wrap="none" rtlCol="0">
-            <a:spAutoFit/>
-          </a:bodyPr>
-          <a:lstStyle/>
-          <a:p>
-            <a:pPr>
-              <a:defRPr/>
-            </a:pPr>
-            <mc:AlternateContent xmlns:mc="http://schemas.openxmlformats.org/markup-compatibility/2006" xmlns:m="http://schemas.openxmlformats.org/officeDocument/2006/math">
-              <mc:Choice xmlns:a14="http://schemas.microsoft.com/office/drawing/2010/main" Requires="a14">
-                <a14:m>
-                  <m:oMathPara>
-                    <m:oMathParaPr>
-                      <m:jc m:val="centerGroup"/>
-                    </m:oMathParaPr>
-                    <m:oMath>
-                      <m:r>
-                        <m:rPr/>
-                        <a:rPr lang="pt-BR" b="0" i="1">
-                          <a:latin typeface="Cambria Math"/>
-                        </a:rPr>
-                        <m:t>𝜃</m:t>
-                      </m:r>
-                      <m:r>
-                        <m:rPr/>
-                        <a:rPr lang="pt-BR" b="0" i="1">
-                          <a:latin typeface="Cambria Math"/>
-                        </a:rPr>
-                        <m:t>=</m:t>
-                      </m:r>
-                      <m:f>
-                        <m:fPr>
-                          <m:ctrlPr>
-                            <a:rPr lang="pt-BR" b="0" i="1">
-                              <a:latin typeface="Cambria Math"/>
-                              <a:ea typeface="Cambria Math"/>
-                              <a:cs typeface="Cambria Math"/>
-                            </a:rPr>
-                          </m:ctrlPr>
-                        </m:fPr>
-                        <m:num>
-                          <m:r>
-                            <m:rPr/>
-                            <a:rPr lang="pt-BR" b="0" i="1">
-                              <a:latin typeface="Cambria Math"/>
-                            </a:rPr>
-                            <m:t>𝜋</m:t>
-                          </m:r>
-                        </m:num>
-                        <m:den>
-                          <m:r>
-                            <m:rPr/>
-                            <a:rPr lang="pt-BR" b="0" i="1">
-                              <a:latin typeface="Cambria Math"/>
-                            </a:rPr>
-                            <m:t>2</m:t>
-                          </m:r>
-                        </m:den>
-                      </m:f>
-                      <m:r>
-                        <m:rPr/>
-                        <a:rPr lang="pt-BR" b="0" i="1">
-                          <a:latin typeface="Cambria Math"/>
-                        </a:rPr>
-                        <m:t>≈1.57</m:t>
-                      </m:r>
-                    </m:oMath>
-                  </m:oMathPara>
-                </a14:m>
-              </mc:Choice>
-              <mc:Fallback/>
-            </mc:AlternateContent>
-            <a:endParaRPr lang="pt-BR"/>
-          </a:p>
-        </p:txBody>
-      </p:sp>
-      <p:sp>
-        <p:nvSpPr>
-          <p:cNvPr id="14" name="CaixaDeTexto 13"/>
-          <p:cNvSpPr txBox="1"/>
-          <p:nvPr/>
-        </p:nvSpPr>
-        <p:spPr bwMode="auto">
-          <a:xfrm>
-            <a:off x="817406" y="1930615"/>
-            <a:ext cx="800989" cy="646331"/>
-          </a:xfrm>
-          <a:prstGeom prst="rect">
-            <a:avLst/>
-          </a:prstGeom>
-          <a:noFill/>
-        </p:spPr>
-        <p:txBody>
-          <a:bodyPr wrap="none" rtlCol="0">
-            <a:spAutoFit/>
-          </a:bodyPr>
-          <a:lstStyle/>
-          <a:p>
-            <a:pPr>
-              <a:defRPr/>
-            </a:pPr>
-            <mc:AlternateContent xmlns:mc="http://schemas.openxmlformats.org/markup-compatibility/2006" xmlns:m="http://schemas.openxmlformats.org/officeDocument/2006/math">
-              <mc:Choice xmlns:a14="http://schemas.microsoft.com/office/drawing/2010/main" Requires="a14">
-                <a14:m>
-                  <m:oMathPara>
-                    <m:oMathParaPr>
-                      <m:jc m:val="centerGroup"/>
-                    </m:oMathParaPr>
-                    <m:oMath>
-                      <m:r>
-                        <m:rPr/>
-                        <a:rPr lang="pt-BR" b="0" i="1">
-                          <a:latin typeface="Cambria Math"/>
-                        </a:rPr>
-                        <m:t>𝑥</m:t>
-                      </m:r>
-                      <m:r>
-                        <m:rPr/>
-                        <a:rPr lang="pt-BR" b="0" i="1">
-                          <a:latin typeface="Cambria Math"/>
-                        </a:rPr>
-                        <m:t>=8</m:t>
-                      </m:r>
-                    </m:oMath>
-                  </m:oMathPara>
-                </a14:m>
-              </mc:Choice>
-              <mc:Fallback/>
-            </mc:AlternateContent>
-            <a:endParaRPr lang="pt-BR"/>
-          </a:p>
-          <a:p>
-            <a:pPr>
-              <a:defRPr/>
-            </a:pPr>
-            <mc:AlternateContent xmlns:mc="http://schemas.openxmlformats.org/markup-compatibility/2006" xmlns:m="http://schemas.openxmlformats.org/officeDocument/2006/math">
-              <mc:Choice xmlns:a14="http://schemas.microsoft.com/office/drawing/2010/main" Requires="a14">
-                <a14:m>
-                  <m:oMathPara>
-                    <m:oMathParaPr>
-                      <m:jc m:val="centerGroup"/>
-                    </m:oMathParaPr>
-                    <m:oMath>
-                      <m:r>
-                        <m:rPr/>
-                        <a:rPr lang="pt-BR" b="0" i="1">
-                          <a:latin typeface="Cambria Math"/>
-                        </a:rPr>
-                        <m:t>𝑦</m:t>
-                      </m:r>
-                      <m:r>
-                        <m:rPr/>
-                        <a:rPr lang="pt-BR" i="1">
-                          <a:latin typeface="Cambria Math"/>
-                        </a:rPr>
-                        <m:t>=</m:t>
-                      </m:r>
-                      <m:r>
-                        <m:rPr/>
-                        <a:rPr lang="pt-BR" b="0" i="1">
-                          <a:latin typeface="Cambria Math"/>
-                        </a:rPr>
-                        <m:t>6</m:t>
-                      </m:r>
-                    </m:oMath>
-                  </m:oMathPara>
-                </a14:m>
-              </mc:Choice>
-              <mc:Fallback/>
-            </mc:AlternateContent>
-            <a:endParaRPr lang="pt-BR"/>
-          </a:p>
-        </p:txBody>
-      </p:sp>
-      <p:sp>
-        <p:nvSpPr>
-          <p:cNvPr id="13" name="Retângulo 12"/>
-          <p:cNvSpPr/>
-          <p:nvPr/>
-        </p:nvSpPr>
-        <p:spPr bwMode="auto">
-          <a:xfrm>
-            <a:off x="69272" y="6419393"/>
-            <a:ext cx="9047018" cy="369332"/>
-          </a:xfrm>
-          <a:prstGeom prst="rect">
-            <a:avLst/>
-          </a:prstGeom>
-        </p:spPr>
-        <p:txBody>
-          <a:bodyPr wrap="square">
-            <a:spAutoFit/>
-          </a:bodyPr>
-          <a:lstStyle/>
-          <a:p>
-            <a:pPr>
-              <a:defRPr/>
-            </a:pPr>
-            <a:r>
-              <a:rPr lang="pt-BR"/>
-              <a:t>http://docs.opencv.org/2.4.13/doc/tutorials/imgproc/imgtrans/hough_lines/hough_lines.html</a:t>
-            </a:r>
-            <a:endParaRPr/>
-          </a:p>
-        </p:txBody>
-      </p:sp>
-    </p:spTree>
-  </p:cSld>
-  <p:clrMapOvr>
-    <a:masterClrMapping/>
-  </p:clrMapOvr>
-  <mc:AlternateContent xmlns:mc="http://schemas.openxmlformats.org/markup-compatibility/2006">
-    <mc:Choice xmlns:p14="http://schemas.microsoft.com/office/powerpoint/2010/main" Requires="p14">
-      <p:transition p14:dur="2000" advClick="1"/>
-    </mc:Choice>
-    <mc:Fallback>
-      <p:transition advClick="1"/>
-    </mc:Fallback>
-  </mc:AlternateContent>
-</p:sld>
-</file>
-
-<file path=ppt/slides/slide14.xml><?xml version="1.0" encoding="utf-8"?>
-<p:sld xmlns:a="http://schemas.openxmlformats.org/drawingml/2006/main" xmlns:r="http://schemas.openxmlformats.org/officeDocument/2006/relationships" xmlns:p="http://schemas.openxmlformats.org/presentationml/2006/main" xmlns:m="http://schemas.openxmlformats.org/officeDocument/2006/math" xmlns:w="http://schemas.openxmlformats.org/wordprocessingml/2006/main" showMasterPhAnim="0" show="1">
-  <p:cSld name="">
-    <p:spTree>
-      <p:nvGrpSpPr>
-        <p:cNvPr id="1" name=""/>
-        <p:cNvGrpSpPr/>
-        <p:nvPr/>
-      </p:nvGrpSpPr>
-      <p:grpSpPr bwMode="auto">
-        <a:xfrm>
-          <a:off x="0" y="0"/>
-          <a:ext cx="0" cy="0"/>
-          <a:chOff x="0" y="0"/>
-          <a:chExt cx="0" cy="0"/>
-        </a:xfrm>
-      </p:grpSpPr>
-      <p:sp>
-        <p:nvSpPr>
-          <p:cNvPr id="2" name="Título 1"/>
-          <p:cNvSpPr>
-            <a:spLocks noGrp="1"/>
-          </p:cNvSpPr>
-          <p:nvPr>
-            <p:ph type="title"/>
-          </p:nvPr>
-        </p:nvSpPr>
-        <p:spPr bwMode="auto">
-          <a:xfrm flipH="0" flipV="0">
-            <a:off x="0" y="0"/>
-            <a:ext cx="11902710" cy="1860490"/>
-          </a:xfrm>
-        </p:spPr>
-        <p:txBody>
-          <a:bodyPr vertOverflow="overflow" horzOverflow="overflow" vert="horz" wrap="square" lIns="91440" tIns="45720" rIns="91440" bIns="45720" numCol="1" spcCol="0" rtlCol="0" fromWordArt="0" anchor="t" anchorCtr="0" forceAA="0" upright="0" compatLnSpc="0">
-            <a:normAutofit/>
-          </a:bodyPr>
-          <a:lstStyle/>
-          <a:p>
-            <a:pPr>
-              <a:defRPr/>
-            </a:pPr>
-            <a:r>
-              <a:rPr lang="pt-BR"/>
-              <a:t>Parâmetros das retas em três pontos</a:t>
-            </a:r>
-            <a:br>
-              <a:rPr lang="pt-BR"/>
-            </a:br>
-            <a:r>
-              <a:rPr lang="pt-BR"/>
-              <a:t>colineares</a:t>
-            </a:r>
-            <a:endParaRPr/>
-          </a:p>
-        </p:txBody>
-      </p:sp>
-      <p:pic>
-        <p:nvPicPr>
-          <p:cNvPr id="14338" name="Picture 2" descr="Polar plot of the family of lines for three points"/>
-          <p:cNvPicPr>
-            <a:picLocks noChangeAspect="1" noChangeArrowheads="1" noGrp="1"/>
-          </p:cNvPicPr>
-          <p:nvPr>
-            <p:ph idx="1"/>
-          </p:nvPr>
-        </p:nvPicPr>
-        <p:blipFill>
-          <a:blip r:embed="rId2"/>
-          <a:stretch/>
-        </p:blipFill>
-        <p:spPr bwMode="auto">
-          <a:xfrm>
-            <a:off x="1426995" y="1607131"/>
-            <a:ext cx="5800762" cy="3770495"/>
-          </a:xfrm>
-          <a:prstGeom prst="rect">
-            <a:avLst/>
-          </a:prstGeom>
-          <a:noFill/>
-        </p:spPr>
-      </p:pic>
-      <p:sp>
-        <p:nvSpPr>
-          <p:cNvPr id="6" name="CaixaDeTexto 5"/>
-          <p:cNvSpPr txBox="1"/>
-          <p:nvPr/>
-        </p:nvSpPr>
-        <p:spPr bwMode="auto">
-          <a:xfrm>
-            <a:off x="4903750" y="3796101"/>
-            <a:ext cx="814647" cy="646331"/>
-          </a:xfrm>
-          <a:prstGeom prst="rect">
-            <a:avLst/>
-          </a:prstGeom>
-          <a:noFill/>
-        </p:spPr>
-        <p:txBody>
-          <a:bodyPr wrap="none" rtlCol="0">
-            <a:spAutoFit/>
-          </a:bodyPr>
-          <a:lstStyle/>
-          <a:p>
-            <a:pPr>
-              <a:defRPr/>
-            </a:pPr>
-            <mc:AlternateContent xmlns:mc="http://schemas.openxmlformats.org/markup-compatibility/2006" xmlns:m="http://schemas.openxmlformats.org/officeDocument/2006/math">
-              <mc:Choice xmlns:a14="http://schemas.microsoft.com/office/drawing/2010/main" Requires="a14">
-                <a14:m>
-                  <m:oMathPara>
-                    <m:oMathParaPr/>
-                    <m:oMath>
-                      <m:r>
-                        <m:rPr/>
-                        <a:rPr lang="pt-BR" b="1" i="1">
-                          <a:solidFill>
-                            <a:schemeClr val="accent5">
-                              <a:lumMod val="60000"/>
-                              <a:lumOff val="40000"/>
-                            </a:schemeClr>
-                          </a:solidFill>
-                          <a:latin typeface="Cambria Math"/>
-                        </a:rPr>
-                        <m:t>𝒙</m:t>
-                      </m:r>
-                      <m:r>
-                        <m:rPr/>
-                        <a:rPr lang="pt-BR" b="1" i="1">
-                          <a:solidFill>
-                            <a:schemeClr val="accent5">
-                              <a:lumMod val="60000"/>
-                              <a:lumOff val="40000"/>
-                            </a:schemeClr>
-                          </a:solidFill>
-                          <a:latin typeface="Cambria Math"/>
-                        </a:rPr>
-                        <m:t>=</m:t>
-                      </m:r>
-                    </m:oMath>
-                  </m:oMathPara>
-                </a14:m>
-              </mc:Choice>
-              <mc:Fallback/>
-            </mc:AlternateContent>
-            <a:r>
-              <a:rPr lang="pt-BR" b="1">
-                <a:solidFill>
-                  <a:schemeClr val="accent5">
-                    <a:lumMod val="60000"/>
-                    <a:lumOff val="40000"/>
-                  </a:schemeClr>
-                </a:solidFill>
-              </a:rPr>
-              <a:t>12</a:t>
-            </a:r>
-            <a:endParaRPr/>
-          </a:p>
-          <a:p>
-            <a:pPr>
-              <a:defRPr/>
-            </a:pPr>
-            <mc:AlternateContent xmlns:mc="http://schemas.openxmlformats.org/markup-compatibility/2006" xmlns:m="http://schemas.openxmlformats.org/officeDocument/2006/math">
-              <mc:Choice xmlns:a14="http://schemas.microsoft.com/office/drawing/2010/main" Requires="a14">
-                <a14:m>
-                  <m:oMathPara>
-                    <m:oMathParaPr>
-                      <m:jc m:val="left"/>
-                    </m:oMathParaPr>
-                    <m:oMath>
-                      <m:r>
-                        <m:rPr/>
-                        <a:rPr lang="pt-BR" b="1" i="1">
-                          <a:solidFill>
-                            <a:schemeClr val="accent5">
-                              <a:lumMod val="60000"/>
-                              <a:lumOff val="40000"/>
-                            </a:schemeClr>
-                          </a:solidFill>
-                          <a:latin typeface="Cambria Math"/>
-                        </a:rPr>
-                        <m:t>𝒚</m:t>
-                      </m:r>
-                      <m:r>
-                        <m:rPr/>
-                        <a:rPr lang="pt-BR" b="1" i="1">
-                          <a:solidFill>
-                            <a:schemeClr val="accent5">
-                              <a:lumMod val="60000"/>
-                              <a:lumOff val="40000"/>
-                            </a:schemeClr>
-                          </a:solidFill>
-                          <a:latin typeface="Cambria Math"/>
-                        </a:rPr>
-                        <m:t>=</m:t>
-                      </m:r>
-                      <m:r>
-                        <m:rPr/>
-                        <a:rPr lang="pt-BR" b="1" i="1">
-                          <a:solidFill>
-                            <a:schemeClr val="accent5">
-                              <a:lumMod val="60000"/>
-                              <a:lumOff val="40000"/>
-                            </a:schemeClr>
-                          </a:solidFill>
-                          <a:latin typeface="Cambria Math"/>
-                        </a:rPr>
-                        <m:t>𝟑</m:t>
-                      </m:r>
-                    </m:oMath>
-                  </m:oMathPara>
-                </a14:m>
-              </mc:Choice>
-              <mc:Fallback/>
-            </mc:AlternateContent>
-            <a:endParaRPr lang="pt-BR" b="1">
-              <a:solidFill>
-                <a:schemeClr val="accent5">
-                  <a:lumMod val="60000"/>
-                  <a:lumOff val="40000"/>
-                </a:schemeClr>
-              </a:solidFill>
-            </a:endParaRPr>
-          </a:p>
-        </p:txBody>
-      </p:sp>
-      <p:sp>
-        <p:nvSpPr>
-          <p:cNvPr id="7" name="CaixaDeTexto 6"/>
-          <p:cNvSpPr txBox="1"/>
-          <p:nvPr/>
-        </p:nvSpPr>
-        <p:spPr bwMode="auto">
-          <a:xfrm>
-            <a:off x="975217" y="2091622"/>
-            <a:ext cx="814647" cy="646331"/>
-          </a:xfrm>
-          <a:prstGeom prst="rect">
-            <a:avLst/>
-          </a:prstGeom>
-          <a:noFill/>
-        </p:spPr>
-        <p:txBody>
-          <a:bodyPr wrap="none" rtlCol="0">
-            <a:spAutoFit/>
-          </a:bodyPr>
-          <a:lstStyle/>
-          <a:p>
-            <a:pPr>
-              <a:defRPr/>
-            </a:pPr>
-            <mc:AlternateContent xmlns:mc="http://schemas.openxmlformats.org/markup-compatibility/2006" xmlns:m="http://schemas.openxmlformats.org/officeDocument/2006/math">
-              <mc:Choice xmlns:a14="http://schemas.microsoft.com/office/drawing/2010/main" Requires="a14">
-                <a14:m>
-                  <m:oMathPara>
-                    <m:oMathParaPr>
-                      <m:jc m:val="centerGroup"/>
-                    </m:oMathParaPr>
-                    <m:oMath>
-                      <m:r>
-                        <m:rPr/>
-                        <a:rPr lang="pt-BR" b="1" i="1">
-                          <a:solidFill>
-                            <a:schemeClr val="accent1">
-                              <a:lumMod val="50000"/>
-                            </a:schemeClr>
-                          </a:solidFill>
-                          <a:latin typeface="Cambria Math"/>
-                        </a:rPr>
-                        <m:t>𝒙</m:t>
-                      </m:r>
-                      <m:r>
-                        <m:rPr/>
-                        <a:rPr lang="pt-BR" b="1" i="1">
-                          <a:solidFill>
-                            <a:schemeClr val="accent1">
-                              <a:lumMod val="50000"/>
-                            </a:schemeClr>
-                          </a:solidFill>
-                          <a:latin typeface="Cambria Math"/>
-                        </a:rPr>
-                        <m:t>=</m:t>
-                      </m:r>
-                      <m:r>
-                        <m:rPr/>
-                        <a:rPr lang="pt-BR" b="1" i="1">
-                          <a:solidFill>
-                            <a:schemeClr val="accent1">
-                              <a:lumMod val="50000"/>
-                            </a:schemeClr>
-                          </a:solidFill>
-                          <a:latin typeface="Cambria Math"/>
-                        </a:rPr>
-                        <m:t>𝟖</m:t>
-                      </m:r>
-                    </m:oMath>
-                  </m:oMathPara>
-                </a14:m>
-              </mc:Choice>
-              <mc:Fallback/>
-            </mc:AlternateContent>
-            <a:endParaRPr lang="pt-BR" b="1">
-              <a:solidFill>
-                <a:schemeClr val="accent1">
-                  <a:lumMod val="50000"/>
-                </a:schemeClr>
-              </a:solidFill>
-            </a:endParaRPr>
-          </a:p>
-          <a:p>
-            <a:pPr>
-              <a:defRPr/>
-            </a:pPr>
-            <mc:AlternateContent xmlns:mc="http://schemas.openxmlformats.org/markup-compatibility/2006" xmlns:m="http://schemas.openxmlformats.org/officeDocument/2006/math">
-              <mc:Choice xmlns:a14="http://schemas.microsoft.com/office/drawing/2010/main" Requires="a14">
-                <a14:m>
-                  <m:oMathPara>
-                    <m:oMathParaPr>
-                      <m:jc m:val="centerGroup"/>
-                    </m:oMathParaPr>
-                    <m:oMath>
-                      <m:r>
-                        <m:rPr/>
-                        <a:rPr lang="pt-BR" b="1" i="1">
-                          <a:solidFill>
-                            <a:schemeClr val="accent1">
-                              <a:lumMod val="50000"/>
-                            </a:schemeClr>
-                          </a:solidFill>
-                          <a:latin typeface="Cambria Math"/>
-                        </a:rPr>
-                        <m:t>𝒚</m:t>
-                      </m:r>
-                      <m:r>
-                        <m:rPr/>
-                        <a:rPr lang="pt-BR" b="1" i="1">
-                          <a:solidFill>
-                            <a:schemeClr val="accent1">
-                              <a:lumMod val="50000"/>
-                            </a:schemeClr>
-                          </a:solidFill>
-                          <a:latin typeface="Cambria Math"/>
-                        </a:rPr>
-                        <m:t>=</m:t>
-                      </m:r>
-                      <m:r>
-                        <m:rPr/>
-                        <a:rPr lang="pt-BR" b="1" i="1">
-                          <a:solidFill>
-                            <a:schemeClr val="accent1">
-                              <a:lumMod val="50000"/>
-                            </a:schemeClr>
-                          </a:solidFill>
-                          <a:latin typeface="Cambria Math"/>
-                        </a:rPr>
-                        <m:t>𝟔</m:t>
-                      </m:r>
-                    </m:oMath>
-                  </m:oMathPara>
-                </a14:m>
-              </mc:Choice>
-              <mc:Fallback/>
-            </mc:AlternateContent>
-            <a:endParaRPr lang="pt-BR" b="1">
-              <a:solidFill>
-                <a:schemeClr val="accent1">
-                  <a:lumMod val="50000"/>
-                </a:schemeClr>
-              </a:solidFill>
-            </a:endParaRPr>
-          </a:p>
-        </p:txBody>
-      </p:sp>
-      <p:sp>
-        <p:nvSpPr>
-          <p:cNvPr id="8" name="CaixaDeTexto 7"/>
-          <p:cNvSpPr txBox="1"/>
-          <p:nvPr/>
-        </p:nvSpPr>
-        <p:spPr bwMode="auto">
-          <a:xfrm>
-            <a:off x="5061646" y="1920856"/>
-            <a:ext cx="672748" cy="646331"/>
-          </a:xfrm>
-          <a:prstGeom prst="rect">
-            <a:avLst/>
-          </a:prstGeom>
-          <a:noFill/>
-        </p:spPr>
-        <p:txBody>
-          <a:bodyPr wrap="none" rtlCol="0">
-            <a:spAutoFit/>
-          </a:bodyPr>
-          <a:lstStyle/>
-          <a:p>
-            <a:pPr>
-              <a:defRPr/>
-            </a:pPr>
-            <mc:AlternateContent xmlns:mc="http://schemas.openxmlformats.org/markup-compatibility/2006" xmlns:m="http://schemas.openxmlformats.org/officeDocument/2006/math">
-              <mc:Choice xmlns:a14="http://schemas.microsoft.com/office/drawing/2010/main" Requires="a14">
-                <a14:m>
-                  <m:oMathPara>
-                    <m:oMathParaPr/>
-                    <m:oMath>
-                      <m:r>
-                        <m:rPr/>
-                        <a:rPr lang="pt-BR" b="1" i="1">
-                          <a:solidFill>
-                            <a:schemeClr val="accent2">
-                              <a:lumMod val="75000"/>
-                            </a:schemeClr>
-                          </a:solidFill>
-                          <a:latin typeface="Cambria Math"/>
-                        </a:rPr>
-                        <m:t>𝒙</m:t>
-                      </m:r>
-                      <m:r>
-                        <m:rPr/>
-                        <a:rPr lang="pt-BR" b="1" i="1">
-                          <a:solidFill>
-                            <a:schemeClr val="accent2">
-                              <a:lumMod val="75000"/>
-                            </a:schemeClr>
-                          </a:solidFill>
-                          <a:latin typeface="Cambria Math"/>
-                        </a:rPr>
-                        <m:t>=</m:t>
-                      </m:r>
-                    </m:oMath>
-                  </m:oMathPara>
-                </a14:m>
-              </mc:Choice>
-              <mc:Fallback/>
-            </mc:AlternateContent>
-            <a:r>
-              <a:rPr lang="pt-BR" b="1">
-                <a:solidFill>
-                  <a:schemeClr val="accent2">
-                    <a:lumMod val="75000"/>
-                  </a:schemeClr>
-                </a:solidFill>
-              </a:rPr>
-              <a:t>4</a:t>
-            </a:r>
-            <a:endParaRPr/>
-          </a:p>
-          <a:p>
-            <a:pPr>
-              <a:defRPr/>
-            </a:pPr>
-            <mc:AlternateContent xmlns:mc="http://schemas.openxmlformats.org/markup-compatibility/2006" xmlns:m="http://schemas.openxmlformats.org/officeDocument/2006/math">
-              <mc:Choice xmlns:a14="http://schemas.microsoft.com/office/drawing/2010/main" Requires="a14">
-                <a14:m>
-                  <m:oMathPara>
-                    <m:oMathParaPr/>
-                    <m:oMath>
-                      <m:r>
-                        <m:rPr/>
-                        <a:rPr lang="pt-BR" b="1" i="1">
-                          <a:solidFill>
-                            <a:schemeClr val="accent2">
-                              <a:lumMod val="75000"/>
-                            </a:schemeClr>
-                          </a:solidFill>
-                          <a:latin typeface="Cambria Math"/>
-                        </a:rPr>
-                        <m:t>𝒚</m:t>
-                      </m:r>
-                      <m:r>
-                        <m:rPr/>
-                        <a:rPr lang="pt-BR" b="1" i="1">
-                          <a:solidFill>
-                            <a:schemeClr val="accent2">
-                              <a:lumMod val="75000"/>
-                            </a:schemeClr>
-                          </a:solidFill>
-                          <a:latin typeface="Cambria Math"/>
-                        </a:rPr>
-                        <m:t>=</m:t>
-                      </m:r>
-                    </m:oMath>
-                  </m:oMathPara>
-                </a14:m>
-              </mc:Choice>
-              <mc:Fallback/>
-            </mc:AlternateContent>
-            <a:r>
-              <a:rPr lang="pt-BR" b="1">
-                <a:solidFill>
-                  <a:schemeClr val="accent2">
-                    <a:lumMod val="75000"/>
-                  </a:schemeClr>
-                </a:solidFill>
-              </a:rPr>
-              <a:t>9</a:t>
-            </a:r>
-            <a:endParaRPr/>
-          </a:p>
-        </p:txBody>
-      </p:sp>
-      <p:sp>
-        <p:nvSpPr>
-          <p:cNvPr id="9" name="CaixaDeTexto 8"/>
-          <p:cNvSpPr txBox="1"/>
-          <p:nvPr/>
-        </p:nvSpPr>
-        <p:spPr bwMode="auto">
-          <a:xfrm>
-            <a:off x="2521529" y="2732286"/>
-            <a:ext cx="1996380" cy="923330"/>
-          </a:xfrm>
-          <a:prstGeom prst="rect">
-            <a:avLst/>
-          </a:prstGeom>
-          <a:noFill/>
-        </p:spPr>
-        <p:txBody>
-          <a:bodyPr wrap="none" rtlCol="0">
-            <a:spAutoFit/>
-          </a:bodyPr>
-          <a:lstStyle/>
-          <a:p>
-            <a:pPr>
-              <a:defRPr/>
-            </a:pPr>
-            <a:r>
-              <a:rPr lang="pt-BR" b="1"/>
-              <a:t>Intersecção:</a:t>
-            </a:r>
-            <a:endParaRPr/>
-          </a:p>
-          <a:p>
-            <a:pPr>
-              <a:defRPr/>
-            </a:pPr>
-            <a:r>
-              <a:rPr lang="pt-BR" b="0"/>
-              <a:t>   </a:t>
-            </a:r>
-            <mc:AlternateContent xmlns:mc="http://schemas.openxmlformats.org/markup-compatibility/2006" xmlns:m="http://schemas.openxmlformats.org/officeDocument/2006/math">
-              <mc:Choice xmlns:a14="http://schemas.microsoft.com/office/drawing/2010/main" Requires="a14">
-                <a14:m>
-                  <m:oMathPara>
-                    <m:oMathParaPr/>
-                    <m:oMath>
-                      <m:r>
-                        <m:rPr/>
-                        <a:rPr lang="pt-BR" b="0" i="1">
-                          <a:latin typeface="Cambria Math"/>
-                        </a:rPr>
-                        <m:t>𝜃</m:t>
-                      </m:r>
-                      <m:r>
-                        <m:rPr/>
-                        <a:rPr lang="pt-BR" b="0" i="1">
-                          <a:latin typeface="Cambria Math"/>
-                        </a:rPr>
-                        <m:t>=0,925≈53º</m:t>
-                      </m:r>
-                    </m:oMath>
-                  </m:oMathPara>
-                </a14:m>
-              </mc:Choice>
-              <mc:Fallback/>
-            </mc:AlternateContent>
-            <a:endParaRPr lang="pt-BR" b="0"/>
-          </a:p>
-          <a:p>
-            <a:pPr>
-              <a:defRPr/>
-            </a:pPr>
-            <a:r>
-              <a:rPr lang="pt-BR" b="0"/>
-              <a:t> </a:t>
-            </a:r>
-            <mc:AlternateContent xmlns:mc="http://schemas.openxmlformats.org/markup-compatibility/2006" xmlns:m="http://schemas.openxmlformats.org/officeDocument/2006/math">
-              <mc:Choice xmlns:a14="http://schemas.microsoft.com/office/drawing/2010/main" Requires="a14">
-                <a14:m>
-                  <m:oMathPara>
-                    <m:oMathParaPr/>
-                    <m:oMath>
-                      <m:r>
-                        <m:rPr/>
-                        <a:rPr lang="pt-BR" b="0" i="0">
-                          <a:latin typeface="Cambria Math"/>
-                        </a:rPr>
-                        <m:t>  </m:t>
-                      </m:r>
-                      <m:r>
-                        <m:rPr/>
-                        <a:rPr lang="pt-BR" b="0" i="1">
-                          <a:latin typeface="Cambria Math"/>
-                        </a:rPr>
-                        <m:t>𝑟</m:t>
-                      </m:r>
-                      <m:r>
-                        <m:rPr/>
-                        <a:rPr lang="pt-BR" i="1">
-                          <a:latin typeface="Cambria Math"/>
-                        </a:rPr>
-                        <m:t>=9</m:t>
-                      </m:r>
-                      <m:r>
-                        <m:rPr/>
-                        <a:rPr lang="pt-BR" b="0" i="1">
-                          <a:latin typeface="Cambria Math"/>
-                        </a:rPr>
-                        <m:t>,6</m:t>
-                      </m:r>
-                    </m:oMath>
-                  </m:oMathPara>
-                </a14:m>
-              </mc:Choice>
-              <mc:Fallback/>
-            </mc:AlternateContent>
-            <a:r>
-              <a:rPr lang="pt-BR"/>
-              <a:t> pixels</a:t>
-            </a:r>
-            <a:endParaRPr/>
-          </a:p>
-        </p:txBody>
-      </p:sp>
-      <p:sp>
-        <p:nvSpPr>
-          <p:cNvPr id="11" name="Retângulo 10"/>
-          <p:cNvSpPr/>
-          <p:nvPr/>
-        </p:nvSpPr>
-        <p:spPr bwMode="auto">
-          <a:xfrm>
-            <a:off x="69272" y="6419393"/>
-            <a:ext cx="9047018" cy="369332"/>
-          </a:xfrm>
-          <a:prstGeom prst="rect">
-            <a:avLst/>
-          </a:prstGeom>
-        </p:spPr>
-        <p:txBody>
-          <a:bodyPr wrap="square">
-            <a:spAutoFit/>
-          </a:bodyPr>
-          <a:lstStyle/>
-          <a:p>
-            <a:pPr>
-              <a:defRPr/>
-            </a:pPr>
-            <a:r>
-              <a:rPr lang="pt-BR"/>
-              <a:t>http://docs.opencv.org/2.4.13/doc/tutorials/imgproc/imgtrans/hough_lines/hough_lines.html</a:t>
-            </a:r>
-            <a:endParaRPr/>
-          </a:p>
-        </p:txBody>
-      </p:sp>
-    </p:spTree>
-  </p:cSld>
-  <p:clrMapOvr>
-    <a:masterClrMapping/>
-  </p:clrMapOvr>
-  <mc:AlternateContent xmlns:mc="http://schemas.openxmlformats.org/markup-compatibility/2006">
-    <mc:Choice xmlns:p14="http://schemas.microsoft.com/office/powerpoint/2010/main" Requires="p14">
-      <p:transition p14:dur="2000" advClick="1"/>
-    </mc:Choice>
-    <mc:Fallback>
-      <p:transition advClick="1"/>
-    </mc:Fallback>
-  </mc:AlternateContent>
-</p:sld>
-</file>
-
-<file path=ppt/slides/slide15.xml><?xml version="1.0" encoding="utf-8"?>
-<p:sld xmlns:a="http://schemas.openxmlformats.org/drawingml/2006/main" xmlns:r="http://schemas.openxmlformats.org/officeDocument/2006/relationships" xmlns:p="http://schemas.openxmlformats.org/presentationml/2006/main" xmlns:m="http://schemas.openxmlformats.org/officeDocument/2006/math" xmlns:w="http://schemas.openxmlformats.org/wordprocessingml/2006/main" showMasterPhAnim="0" show="1">
-  <p:cSld name="">
-    <p:spTree>
-      <p:nvGrpSpPr>
-        <p:cNvPr id="1" name=""/>
-        <p:cNvGrpSpPr/>
-        <p:nvPr/>
-      </p:nvGrpSpPr>
-      <p:grpSpPr bwMode="auto">
-        <a:xfrm>
-          <a:off x="0" y="0"/>
-          <a:ext cx="0" cy="0"/>
-          <a:chOff x="0" y="0"/>
-          <a:chExt cx="0" cy="0"/>
-        </a:xfrm>
-      </p:grpSpPr>
-      <p:sp>
-        <p:nvSpPr>
-          <p:cNvPr id="1251313432" name="Título 1"/>
-          <p:cNvSpPr>
-            <a:spLocks noGrp="1"/>
-          </p:cNvSpPr>
-          <p:nvPr>
-            <p:ph type="title"/>
-          </p:nvPr>
-        </p:nvSpPr>
-        <p:spPr bwMode="auto"/>
-        <p:txBody>
-          <a:bodyPr/>
-          <a:lstStyle/>
-          <a:p>
-            <a:pPr>
-              <a:defRPr/>
-            </a:pPr>
-            <a:r>
-              <a:rPr lang="pt-BR"/>
-              <a:t>Regressão Linear</a:t>
-            </a:r>
-            <a:endParaRPr sz="1800"/>
-          </a:p>
-        </p:txBody>
-      </p:sp>
-      <p:sp>
-        <p:nvSpPr>
-          <p:cNvPr id="1694353913" name="Espaço Reservado para Texto 6"/>
-          <p:cNvSpPr>
-            <a:spLocks noGrp="1"/>
-          </p:cNvSpPr>
-          <p:nvPr>
-            <p:ph type="body" sz="quarter" idx="13"/>
-          </p:nvPr>
-        </p:nvSpPr>
-        <p:spPr bwMode="auto"/>
-        <p:txBody>
-          <a:bodyPr/>
-          <a:lstStyle/>
-          <a:p>
-            <a:pPr>
-              <a:defRPr/>
-            </a:pPr>
-            <a:endParaRPr lang="pt-BR"/>
-          </a:p>
-        </p:txBody>
-      </p:sp>
-      <p:sp>
-        <p:nvSpPr>
-          <p:cNvPr id="242420994" name=""/>
-          <p:cNvSpPr txBox="1"/>
-          <p:nvPr/>
-        </p:nvSpPr>
-        <p:spPr bwMode="auto">
-          <a:xfrm flipH="0" flipV="0">
-            <a:off x="472709" y="1575630"/>
-            <a:ext cx="8442994" cy="4480919"/>
-          </a:xfrm>
-          <a:prstGeom prst="rect">
-            <a:avLst/>
-          </a:prstGeom>
-          <a:noFill/>
-        </p:spPr>
-        <p:txBody>
-          <a:bodyPr vertOverflow="overflow" horzOverflow="overflow" vert="horz" wrap="square" lIns="91440" tIns="45720" rIns="91440" bIns="45720" numCol="1" spcCol="0" rtlCol="0" fromWordArt="0" anchor="t" anchorCtr="0" forceAA="0" upright="0" compatLnSpc="0">
-            <a:spAutoFit/>
-          </a:bodyPr>
-          <a:p>
-            <a:pPr marL="283878" indent="-283878">
-              <a:buAutoNum type="arabicPeriod"/>
-              <a:defRPr/>
-            </a:pPr>
-            <a:r>
-              <a:rPr/>
-              <a:t>Encontrar reta (ou qualquer outra função) que melhor “encaixa” em um conjunto de pontos</a:t>
-            </a:r>
-            <a:endParaRPr/>
-          </a:p>
-          <a:p>
-            <a:pPr marL="283878" indent="-283878">
-              <a:buAutoNum type="arabicPeriod"/>
-              <a:defRPr/>
-            </a:pPr>
-            <a:endParaRPr/>
-          </a:p>
-          <a:p>
-            <a:pPr marL="283878" indent="-283878">
-              <a:buAutoNum type="arabicPeriod"/>
-              <a:defRPr/>
-            </a:pPr>
-            <a:endParaRPr/>
-          </a:p>
-          <a:p>
-            <a:pPr marL="283878" indent="-283878">
-              <a:buAutoNum type="arabicPeriod"/>
-              <a:defRPr/>
-            </a:pPr>
-            <a:endParaRPr/>
-          </a:p>
-          <a:p>
-            <a:pPr marL="283878" indent="-283878">
-              <a:buAutoNum type="arabicPeriod"/>
-              <a:defRPr/>
-            </a:pPr>
-            <a:endParaRPr/>
-          </a:p>
-          <a:p>
-            <a:pPr marL="283878" indent="-283878">
-              <a:buAutoNum type="arabicPeriod"/>
-              <a:defRPr/>
-            </a:pPr>
-            <a:endParaRPr/>
-          </a:p>
-          <a:p>
-            <a:pPr marL="283878" indent="-283878">
-              <a:buAutoNum type="arabicPeriod"/>
-              <a:defRPr/>
-            </a:pPr>
-            <a:endParaRPr/>
-          </a:p>
-          <a:p>
-            <a:pPr marL="283878" indent="-283878">
-              <a:buAutoNum type="arabicPeriod"/>
-              <a:defRPr/>
-            </a:pPr>
-            <a:endParaRPr/>
-          </a:p>
-          <a:p>
-            <a:pPr marL="283878" indent="-283878">
-              <a:buAutoNum type="arabicPeriod"/>
-              <a:defRPr/>
-            </a:pPr>
-            <a:endParaRPr/>
-          </a:p>
-          <a:p>
-            <a:pPr marL="283878" indent="-283878">
-              <a:buAutoNum type="arabicPeriod"/>
-              <a:defRPr/>
-            </a:pPr>
-            <a:endParaRPr/>
-          </a:p>
-          <a:p>
-            <a:pPr marL="283878" indent="-283878">
-              <a:buAutoNum type="arabicPeriod"/>
-              <a:defRPr/>
-            </a:pPr>
-            <a:endParaRPr/>
-          </a:p>
-          <a:p>
-            <a:pPr marL="283878" indent="-283878">
-              <a:buAutoNum type="arabicPeriod"/>
-              <a:defRPr/>
-            </a:pPr>
-            <a:endParaRPr/>
-          </a:p>
-          <a:p>
-            <a:pPr marL="283878" indent="-283878">
-              <a:buAutoNum type="arabicPeriod"/>
-              <a:defRPr/>
-            </a:pPr>
-            <a:r>
-              <a:rPr/>
-              <a:t>Útil para encontrar “direção” em uma coleção de objetos</a:t>
-            </a:r>
-            <a:endParaRPr/>
-          </a:p>
-          <a:p>
-            <a:pPr marL="283878" indent="-283878">
-              <a:buAutoNum type="arabicPeriod"/>
-              <a:defRPr/>
-            </a:pPr>
-            <a:endParaRPr/>
-          </a:p>
-          <a:p>
-            <a:pPr marL="283878" indent="-283878">
-              <a:buAutoNum type="arabicPeriod"/>
-              <a:defRPr/>
-            </a:pPr>
-            <a:r>
-              <a:rPr/>
-              <a:t>“Resumindo” a posição de um conjunto de objetos em uma reta</a:t>
-            </a:r>
-            <a:endParaRPr/>
-          </a:p>
-        </p:txBody>
-      </p:sp>
-      <p:pic>
-        <p:nvPicPr>
-          <p:cNvPr id="1016929925" name=""/>
-          <p:cNvPicPr>
-            <a:picLocks noChangeAspect="1"/>
-          </p:cNvPicPr>
-          <p:nvPr/>
-        </p:nvPicPr>
-        <p:blipFill>
-          <a:blip r:embed="rId2"/>
-          <a:stretch/>
-        </p:blipFill>
-        <p:spPr bwMode="auto">
-          <a:xfrm>
-            <a:off x="893391" y="2465817"/>
-            <a:ext cx="3228975" cy="2400300"/>
-          </a:xfrm>
-          <a:prstGeom prst="rect">
-            <a:avLst/>
-          </a:prstGeom>
-        </p:spPr>
-      </p:pic>
-      <p:pic>
-        <p:nvPicPr>
-          <p:cNvPr id="1912982362" name=""/>
-          <p:cNvPicPr>
-            <a:picLocks noChangeAspect="1"/>
-          </p:cNvPicPr>
-          <p:nvPr/>
-        </p:nvPicPr>
-        <p:blipFill>
-          <a:blip r:embed="rId3"/>
-          <a:stretch/>
-        </p:blipFill>
-        <p:spPr bwMode="auto">
-          <a:xfrm>
-            <a:off x="5020653" y="2465817"/>
-            <a:ext cx="3228975" cy="2400300"/>
-          </a:xfrm>
-          <a:prstGeom prst="rect">
-            <a:avLst/>
-          </a:prstGeom>
-        </p:spPr>
-      </p:pic>
-    </p:spTree>
-  </p:cSld>
-  <p:clrMapOvr>
-    <a:masterClrMapping/>
-  </p:clrMapOvr>
-  <mc:AlternateContent xmlns:mc="http://schemas.openxmlformats.org/markup-compatibility/2006">
-    <mc:Choice xmlns:p14="http://schemas.microsoft.com/office/powerpoint/2010/main" Requires="p14">
-      <p:transition p14:dur="2000" advClick="1"/>
-    </mc:Choice>
-    <mc:Fallback>
-      <p:transition advClick="1"/>
-    </mc:Fallback>
-  </mc:AlternateContent>
-</p:sld>
-</file>
-
-<file path=ppt/slides/slide2.xml><?xml version="1.0" encoding="utf-8"?>
-<p:sld xmlns:a="http://schemas.openxmlformats.org/drawingml/2006/main" xmlns:r="http://schemas.openxmlformats.org/officeDocument/2006/relationships" xmlns:p="http://schemas.openxmlformats.org/presentationml/2006/main" xmlns:m="http://schemas.openxmlformats.org/officeDocument/2006/math" xmlns:w="http://schemas.openxmlformats.org/wordprocessingml/2006/main" showMasterPhAnim="0" show="1">
-  <p:cSld name="">
-    <p:spTree>
-      <p:nvGrpSpPr>
-        <p:cNvPr id="1" name=""/>
-        <p:cNvGrpSpPr/>
-        <p:nvPr/>
-      </p:nvGrpSpPr>
-      <p:grpSpPr bwMode="auto">
-        <a:xfrm>
-          <a:off x="0" y="0"/>
-          <a:ext cx="0" cy="0"/>
-          <a:chOff x="0" y="0"/>
-          <a:chExt cx="0" cy="0"/>
-        </a:xfrm>
-      </p:grpSpPr>
-      <p:sp>
-        <p:nvSpPr>
-          <p:cNvPr id="2" name="Título 1"/>
-          <p:cNvSpPr>
-            <a:spLocks noGrp="1"/>
-          </p:cNvSpPr>
-          <p:nvPr>
-            <p:ph type="title"/>
-          </p:nvPr>
-        </p:nvSpPr>
-        <p:spPr bwMode="auto"/>
-        <p:txBody>
-          <a:bodyPr/>
-          <a:lstStyle/>
-          <a:p>
-            <a:pPr>
-              <a:defRPr/>
-            </a:pPr>
-            <a:r>
-              <a:rPr lang="pt-BR"/>
-              <a:t>Filtro de Convolução</a:t>
-            </a:r>
-            <a:endParaRPr/>
-          </a:p>
-        </p:txBody>
-      </p:sp>
-      <p:sp>
-        <p:nvSpPr>
-          <p:cNvPr id="3" name="Espaço Reservado para Conteúdo 2"/>
-          <p:cNvSpPr>
-            <a:spLocks noGrp="1"/>
-          </p:cNvSpPr>
-          <p:nvPr>
-            <p:ph idx="1"/>
-          </p:nvPr>
-        </p:nvSpPr>
-        <p:spPr bwMode="auto"/>
-        <p:txBody>
-          <a:bodyPr/>
-          <a:lstStyle/>
-          <a:p>
-            <a:pPr>
-              <a:defRPr/>
-            </a:pPr>
-            <a:r>
-              <a:rPr lang="pt-BR"/>
-              <a:t>Convolução 1D</a:t>
-            </a:r>
-            <a:endParaRPr/>
-          </a:p>
-        </p:txBody>
-      </p:sp>
-      <p:sp>
-        <p:nvSpPr>
-          <p:cNvPr id="4" name="Espaço Reservado para Texto 3"/>
-          <p:cNvSpPr>
-            <a:spLocks noGrp="1"/>
-          </p:cNvSpPr>
-          <p:nvPr>
-            <p:ph type="body" sz="quarter" idx="13"/>
-          </p:nvPr>
-        </p:nvSpPr>
-        <p:spPr bwMode="auto"/>
-        <p:txBody>
-          <a:bodyPr/>
-          <a:lstStyle/>
-          <a:p>
-            <a:pPr>
-              <a:defRPr/>
-            </a:pPr>
-            <a:endParaRPr lang="pt-BR"/>
-          </a:p>
-        </p:txBody>
-      </p:sp>
-      <p:sp>
-        <p:nvSpPr>
-          <p:cNvPr id="7" name="CaixaDeTexto 6"/>
-          <p:cNvSpPr txBox="1"/>
-          <p:nvPr/>
-        </p:nvSpPr>
-        <p:spPr bwMode="auto">
-          <a:xfrm>
-            <a:off x="2167530" y="5707618"/>
-            <a:ext cx="4572000" cy="369332"/>
-          </a:xfrm>
-          <a:prstGeom prst="rect">
-            <a:avLst/>
-          </a:prstGeom>
-          <a:noFill/>
-        </p:spPr>
-        <p:txBody>
-          <a:bodyPr wrap="square">
-            <a:spAutoFit/>
-          </a:bodyPr>
-          <a:lstStyle/>
-          <a:p>
-            <a:pPr>
-              <a:defRPr/>
-            </a:pPr>
-            <a:r>
-              <a:rPr lang="pt-BR"/>
-              <a:t>https://en.wikipedia.org/wiki/Convolution</a:t>
-            </a:r>
-            <a:endParaRPr/>
-          </a:p>
-        </p:txBody>
-      </p:sp>
-      <p:pic>
-        <p:nvPicPr>
-          <p:cNvPr id="247596415" name=""/>
-          <p:cNvPicPr>
-            <a:picLocks noChangeAspect="1"/>
-          </p:cNvPicPr>
-          <p:nvPr/>
-        </p:nvPicPr>
-        <p:blipFill>
-          <a:blip r:embed="rId2"/>
-          <a:stretch/>
-        </p:blipFill>
-        <p:spPr bwMode="auto">
-          <a:xfrm flipH="0" flipV="0">
-            <a:off x="657224" y="2225467"/>
-            <a:ext cx="7747314" cy="2430210"/>
-          </a:xfrm>
-          <a:prstGeom prst="rect">
-            <a:avLst/>
-          </a:prstGeom>
-        </p:spPr>
-      </p:pic>
-    </p:spTree>
-  </p:cSld>
-  <p:clrMapOvr>
-    <a:masterClrMapping/>
-  </p:clrMapOvr>
-  <mc:AlternateContent xmlns:mc="http://schemas.openxmlformats.org/markup-compatibility/2006">
-    <mc:Choice xmlns:p14="http://schemas.microsoft.com/office/powerpoint/2010/main" Requires="p14">
-      <p:transition p14:dur="2000" advClick="1"/>
-    </mc:Choice>
-    <mc:Fallback>
-      <p:transition advClick="1"/>
-    </mc:Fallback>
-  </mc:AlternateContent>
-</p:sld>
-</file>
-
-<file path=ppt/slides/slide3.xml><?xml version="1.0" encoding="utf-8"?>
-<p:sld xmlns:a="http://schemas.openxmlformats.org/drawingml/2006/main" xmlns:r="http://schemas.openxmlformats.org/officeDocument/2006/relationships" xmlns:p="http://schemas.openxmlformats.org/presentationml/2006/main" xmlns:m="http://schemas.openxmlformats.org/officeDocument/2006/math" xmlns:w="http://schemas.openxmlformats.org/wordprocessingml/2006/main" showMasterPhAnim="0" show="1">
-  <p:cSld name="">
-    <p:spTree>
-      <p:nvGrpSpPr>
-        <p:cNvPr id="1" name=""/>
-        <p:cNvGrpSpPr/>
-        <p:nvPr/>
-      </p:nvGrpSpPr>
-      <p:grpSpPr bwMode="auto">
-        <a:xfrm>
-          <a:off x="0" y="0"/>
-          <a:ext cx="0" cy="0"/>
-          <a:chOff x="0" y="0"/>
-          <a:chExt cx="0" cy="0"/>
-        </a:xfrm>
-      </p:grpSpPr>
-      <p:sp>
-        <p:nvSpPr>
-          <p:cNvPr id="2" name="Título 1"/>
-          <p:cNvSpPr>
-            <a:spLocks noGrp="1"/>
-          </p:cNvSpPr>
-          <p:nvPr>
-            <p:ph type="title"/>
-          </p:nvPr>
-        </p:nvSpPr>
-        <p:spPr bwMode="auto"/>
-        <p:txBody>
-          <a:bodyPr/>
-          <a:lstStyle/>
-          <a:p>
-            <a:pPr>
-              <a:defRPr/>
-            </a:pPr>
-            <a:r>
-              <a:rPr lang="pt-BR"/>
-              <a:t>Convolução em 2D</a:t>
-            </a:r>
-            <a:endParaRPr/>
-          </a:p>
-        </p:txBody>
-      </p:sp>
-      <p:sp>
-        <p:nvSpPr>
-          <p:cNvPr id="4" name="Espaço Reservado para Texto 3"/>
-          <p:cNvSpPr>
-            <a:spLocks noGrp="1"/>
-          </p:cNvSpPr>
-          <p:nvPr>
-            <p:ph type="body" sz="quarter" idx="13"/>
-          </p:nvPr>
-        </p:nvSpPr>
-        <p:spPr bwMode="auto"/>
-        <p:txBody>
-          <a:bodyPr/>
-          <a:lstStyle/>
-          <a:p>
-            <a:pPr>
-              <a:defRPr/>
-            </a:pPr>
-            <a:endParaRPr lang="pt-BR"/>
-          </a:p>
-        </p:txBody>
-      </p:sp>
-      <p:pic>
-        <p:nvPicPr>
-          <p:cNvPr id="1028" name="Picture 4"/>
-          <p:cNvPicPr>
-            <a:picLocks noChangeAspect="1" noChangeArrowheads="1" noGrp="1"/>
-          </p:cNvPicPr>
-          <p:nvPr>
-            <p:ph idx="1"/>
-          </p:nvPr>
-        </p:nvPicPr>
-        <p:blipFill>
-          <a:blip r:embed="rId2"/>
-          <a:stretch/>
-        </p:blipFill>
-        <p:spPr bwMode="auto">
-          <a:xfrm>
-            <a:off x="2790824" y="1709737"/>
-            <a:ext cx="3762375" cy="4276725"/>
-          </a:xfrm>
-          <a:prstGeom prst="rect">
-            <a:avLst/>
-          </a:prstGeom>
-          <a:noFill/>
-        </p:spPr>
-      </p:pic>
-    </p:spTree>
-  </p:cSld>
-  <p:clrMapOvr>
-    <a:masterClrMapping/>
-  </p:clrMapOvr>
-  <mc:AlternateContent xmlns:mc="http://schemas.openxmlformats.org/markup-compatibility/2006">
-    <mc:Choice xmlns:p14="http://schemas.microsoft.com/office/powerpoint/2010/main" Requires="p14">
-      <p:transition p14:dur="2000" advClick="1"/>
-    </mc:Choice>
-    <mc:Fallback>
-      <p:transition advClick="1"/>
-    </mc:Fallback>
-  </mc:AlternateContent>
-</p:sld>
-</file>
-
-<file path=ppt/slides/slide4.xml><?xml version="1.0" encoding="utf-8"?>
-<p:sld xmlns:a="http://schemas.openxmlformats.org/drawingml/2006/main" xmlns:r="http://schemas.openxmlformats.org/officeDocument/2006/relationships" xmlns:p="http://schemas.openxmlformats.org/presentationml/2006/main" xmlns:m="http://schemas.openxmlformats.org/officeDocument/2006/math" xmlns:w="http://schemas.openxmlformats.org/wordprocessingml/2006/main" showMasterPhAnim="0" show="1">
-  <p:cSld name="">
-    <p:spTree>
-      <p:nvGrpSpPr>
-        <p:cNvPr id="1" name=""/>
-        <p:cNvGrpSpPr/>
-        <p:nvPr/>
-      </p:nvGrpSpPr>
-      <p:grpSpPr bwMode="auto">
-        <a:xfrm>
-          <a:off x="0" y="0"/>
-          <a:ext cx="0" cy="0"/>
-          <a:chOff x="0" y="0"/>
-          <a:chExt cx="0" cy="0"/>
-        </a:xfrm>
-      </p:grpSpPr>
-      <p:sp>
-        <p:nvSpPr>
-          <p:cNvPr id="2" name="Título 1"/>
-          <p:cNvSpPr>
-            <a:spLocks noGrp="1"/>
-          </p:cNvSpPr>
-          <p:nvPr>
-            <p:ph type="title"/>
-          </p:nvPr>
-        </p:nvSpPr>
-        <p:spPr bwMode="auto">
-          <a:xfrm>
-            <a:off x="457200" y="622115"/>
-            <a:ext cx="8229600" cy="619125"/>
-          </a:xfrm>
-        </p:spPr>
-        <p:txBody>
-          <a:bodyPr/>
-          <a:lstStyle/>
-          <a:p>
-            <a:pPr>
-              <a:defRPr/>
-            </a:pPr>
-            <a:r>
-              <a:rPr lang="pt-BR"/>
-              <a:t>Aplicações – Efeitos especiais</a:t>
-            </a:r>
-            <a:endParaRPr/>
-          </a:p>
-        </p:txBody>
-      </p:sp>
-      <p:sp>
-        <p:nvSpPr>
-          <p:cNvPr id="4" name="Espaço Reservado para Texto 3"/>
-          <p:cNvSpPr>
-            <a:spLocks noGrp="1"/>
-          </p:cNvSpPr>
-          <p:nvPr>
-            <p:ph type="body" sz="quarter" idx="13"/>
-          </p:nvPr>
-        </p:nvSpPr>
-        <p:spPr bwMode="auto"/>
-        <p:txBody>
-          <a:bodyPr/>
-          <a:lstStyle/>
-          <a:p>
-            <a:pPr>
-              <a:defRPr/>
-            </a:pPr>
-            <a:endParaRPr lang="pt-BR"/>
-          </a:p>
-        </p:txBody>
-      </p:sp>
-      <p:pic>
-        <p:nvPicPr>
-          <p:cNvPr id="9220" name="Picture 4" descr="Image embossing - Wikipedia"/>
-          <p:cNvPicPr>
-            <a:picLocks noChangeAspect="1" noChangeArrowheads="1"/>
-          </p:cNvPicPr>
-          <p:nvPr/>
-        </p:nvPicPr>
-        <p:blipFill>
-          <a:blip r:embed="rId2"/>
-          <a:stretch/>
-        </p:blipFill>
-        <p:spPr bwMode="auto">
-          <a:xfrm>
-            <a:off x="815681" y="1282885"/>
-            <a:ext cx="7679409" cy="5119607"/>
-          </a:xfrm>
-          <a:prstGeom prst="rect">
-            <a:avLst/>
-          </a:prstGeom>
-          <a:noFill/>
-        </p:spPr>
-      </p:pic>
-    </p:spTree>
-  </p:cSld>
-  <p:clrMapOvr>
-    <a:masterClrMapping/>
-  </p:clrMapOvr>
-  <mc:AlternateContent xmlns:mc="http://schemas.openxmlformats.org/markup-compatibility/2006">
-    <mc:Choice xmlns:p14="http://schemas.microsoft.com/office/powerpoint/2010/main" Requires="p14">
-      <p:transition p14:dur="2000" advClick="1"/>
-    </mc:Choice>
-    <mc:Fallback>
-      <p:transition advClick="1"/>
-    </mc:Fallback>
-  </mc:AlternateContent>
-</p:sld>
-</file>
-
-<file path=ppt/slides/slide5.xml><?xml version="1.0" encoding="utf-8"?>
-<p:sld xmlns:a="http://schemas.openxmlformats.org/drawingml/2006/main" xmlns:r="http://schemas.openxmlformats.org/officeDocument/2006/relationships" xmlns:p="http://schemas.openxmlformats.org/presentationml/2006/main" xmlns:m="http://schemas.openxmlformats.org/officeDocument/2006/math" xmlns:w="http://schemas.openxmlformats.org/wordprocessingml/2006/main" showMasterPhAnim="0" show="1">
-  <p:cSld name="">
+<p:sld xmlns:a="http://schemas.openxmlformats.org/drawingml/2006/main" xmlns:r="http://schemas.openxmlformats.org/officeDocument/2006/relationships" xmlns:p="http://schemas.openxmlformats.org/presentationml/2006/main" showMasterPhAnim="0">
+  <p:cSld>
     <p:spTree>
       <p:nvGrpSpPr>
         <p:cNvPr id="1" name=""/>
@@ -6260,12 +3702,37 @@
             </a:pPr>
             <a:r>
               <a:rPr lang="pt-BR"/>
-              <a:t>Aplicações - redução ou remoção de ruído</a:t>
+              <a:t>Exemplo de aplicação da detecção de retas</a:t>
             </a:r>
             <a:endParaRPr/>
           </a:p>
         </p:txBody>
       </p:sp>
+      <p:pic>
+        <p:nvPicPr>
+          <p:cNvPr id="15362" name="Picture 2" descr="Resultado de imagem"/>
+          <p:cNvPicPr>
+            <a:picLocks noGrp="1" noChangeAspect="1" noChangeArrowheads="1"/>
+          </p:cNvPicPr>
+          <p:nvPr>
+            <p:ph idx="1"/>
+          </p:nvPr>
+        </p:nvPicPr>
+        <p:blipFill>
+          <a:blip r:embed="rId2"/>
+          <a:stretch/>
+        </p:blipFill>
+        <p:spPr bwMode="auto">
+          <a:xfrm>
+            <a:off x="657225" y="1581536"/>
+            <a:ext cx="8029575" cy="4533128"/>
+          </a:xfrm>
+          <a:prstGeom prst="rect">
+            <a:avLst/>
+          </a:prstGeom>
+          <a:noFill/>
+        </p:spPr>
+      </p:pic>
       <p:sp>
         <p:nvSpPr>
           <p:cNvPr id="4" name="Espaço Reservado para Texto 3"/>
@@ -6288,48 +3755,419 @@
           </a:p>
         </p:txBody>
       </p:sp>
-      <p:pic>
-        <p:nvPicPr>
-          <p:cNvPr id="11266" name="Picture 2" descr="Median Filtering with Python and OpenCV | by Tony Flores | Medium"/>
-          <p:cNvPicPr>
-            <a:picLocks noChangeAspect="1" noChangeArrowheads="1"/>
-          </p:cNvPicPr>
+      <p:sp>
+        <p:nvSpPr>
+          <p:cNvPr id="5" name="Retângulo 4"/>
+          <p:cNvSpPr/>
           <p:nvPr/>
-        </p:nvPicPr>
-        <p:blipFill>
-          <a:blip r:embed="rId2"/>
-          <a:stretch/>
-        </p:blipFill>
+        </p:nvSpPr>
         <p:spPr bwMode="auto">
           <a:xfrm>
-            <a:off x="1569285" y="2151357"/>
-            <a:ext cx="5800017" cy="2792601"/>
+            <a:off x="308558" y="5658492"/>
+            <a:ext cx="8340436" cy="523220"/>
           </a:xfrm>
           <a:prstGeom prst="rect">
             <a:avLst/>
           </a:prstGeom>
-          <a:noFill/>
         </p:spPr>
-      </p:pic>
+        <p:txBody>
+          <a:bodyPr wrap="square">
+            <a:spAutoFit/>
+          </a:bodyPr>
+          <a:lstStyle/>
+          <a:p>
+            <a:pPr>
+              <a:defRPr/>
+            </a:pPr>
+            <a:r>
+              <a:rPr lang="pt-BR" sz="1400"/>
+              <a:t>https://www.mathworks.com/matlabcentral/answers/88166-how-can-i-find-the-intersection-point-of-hough-lines-for-vision-based-navigation?requestedDomain=www.mathworks.com</a:t>
+            </a:r>
+            <a:endParaRPr/>
+          </a:p>
+        </p:txBody>
+      </p:sp>
     </p:spTree>
   </p:cSld>
   <p:clrMapOvr>
     <a:masterClrMapping/>
   </p:clrMapOvr>
-  <mc:AlternateContent xmlns:mc="http://schemas.openxmlformats.org/markup-compatibility/2006">
-    <mc:Choice xmlns:p14="http://schemas.microsoft.com/office/powerpoint/2010/main" Requires="p14">
-      <p:transition p14:dur="2000" advClick="1"/>
-    </mc:Choice>
-    <mc:Fallback>
-      <p:transition advClick="1"/>
-    </mc:Fallback>
-  </mc:AlternateContent>
 </p:sld>
 </file>
 
-<file path=ppt/slides/slide6.xml><?xml version="1.0" encoding="utf-8"?>
-<p:sld xmlns:a="http://schemas.openxmlformats.org/drawingml/2006/main" xmlns:r="http://schemas.openxmlformats.org/officeDocument/2006/relationships" xmlns:p="http://schemas.openxmlformats.org/presentationml/2006/main" xmlns:m="http://schemas.openxmlformats.org/officeDocument/2006/math" xmlns:w="http://schemas.openxmlformats.org/wordprocessingml/2006/main" showMasterPhAnim="0" show="1">
-  <p:cSld name="">
+<file path=ppt/slides/slide13.xml><?xml version="1.0" encoding="utf-8"?>
+<p:sld xmlns:a="http://schemas.openxmlformats.org/drawingml/2006/main" xmlns:r="http://schemas.openxmlformats.org/officeDocument/2006/relationships" xmlns:p="http://schemas.openxmlformats.org/presentationml/2006/main" showMasterPhAnim="0">
+  <p:cSld>
+    <p:spTree>
+      <p:nvGrpSpPr>
+        <p:cNvPr id="1" name=""/>
+        <p:cNvGrpSpPr/>
+        <p:nvPr/>
+      </p:nvGrpSpPr>
+      <p:grpSpPr bwMode="auto">
+        <a:xfrm>
+          <a:off x="0" y="0"/>
+          <a:ext cx="0" cy="0"/>
+          <a:chOff x="0" y="0"/>
+          <a:chExt cx="0" cy="0"/>
+        </a:xfrm>
+      </p:grpSpPr>
+      <p:sp>
+        <p:nvSpPr>
+          <p:cNvPr id="378245863" name="Title 1">
+            <a:extLst>
+              <a:ext uri="{FF2B5EF4-FFF2-40B4-BE49-F238E27FC236}">
+                <a16:creationId xmlns:a16="http://schemas.microsoft.com/office/drawing/2014/main" id="{BDFB7A7F-DC8B-7543-F755-C55A2119C539}"/>
+              </a:ext>
+            </a:extLst>
+          </p:cNvPr>
+          <p:cNvSpPr>
+            <a:spLocks noGrp="1"/>
+          </p:cNvSpPr>
+          <p:nvPr>
+            <p:ph type="ctrTitle"/>
+          </p:nvPr>
+        </p:nvSpPr>
+        <p:spPr>
+          <a:xfrm>
+            <a:off x="1143000" y="3027532"/>
+            <a:ext cx="6858000" cy="802936"/>
+          </a:xfrm>
+        </p:spPr>
+        <p:txBody>
+          <a:bodyPr/>
+          <a:lstStyle/>
+          <a:p>
+            <a:r>
+              <a:rPr lang="pt-BR" dirty="0"/>
+              <a:t>Visão de Alto Nível</a:t>
+            </a:r>
+            <a:endParaRPr lang="en-US" dirty="0"/>
+          </a:p>
+        </p:txBody>
+      </p:sp>
+      <p:sp>
+        <p:nvSpPr>
+          <p:cNvPr id="378245865" name="Slide Number Placeholder 3">
+            <a:extLst>
+              <a:ext uri="{FF2B5EF4-FFF2-40B4-BE49-F238E27FC236}">
+                <a16:creationId xmlns:a16="http://schemas.microsoft.com/office/drawing/2014/main" id="{981FF8E3-A548-A1D5-FA45-DE039B451D80}"/>
+              </a:ext>
+            </a:extLst>
+          </p:cNvPr>
+          <p:cNvSpPr>
+            <a:spLocks noGrp="1"/>
+          </p:cNvSpPr>
+          <p:nvPr>
+            <p:ph type="sldNum" sz="quarter" idx="12"/>
+          </p:nvPr>
+        </p:nvSpPr>
+        <p:spPr>
+          <a:xfrm>
+            <a:off x="6553200" y="5503070"/>
+            <a:ext cx="2133600" cy="273844"/>
+          </a:xfrm>
+        </p:spPr>
+        <p:txBody>
+          <a:bodyPr/>
+          <a:lstStyle/>
+          <a:p>
+            <a:pPr defTabSz="342900">
+              <a:spcAft>
+                <a:spcPts val="450"/>
+              </a:spcAft>
+              <a:defRPr/>
+            </a:pPr>
+            <a:fld id="{FA3AAB12-BB6E-1B4F-AF2F-E6C37C68B919}" type="slidenum">
+              <a:rPr lang="en-US">
+                <a:solidFill>
+                  <a:prstClr val="black"/>
+                </a:solidFill>
+                <a:latin typeface="Calibri"/>
+                <a:cs typeface="Arial"/>
+              </a:rPr>
+              <a:pPr defTabSz="342900">
+                <a:spcAft>
+                  <a:spcPts val="450"/>
+                </a:spcAft>
+                <a:defRPr/>
+              </a:pPr>
+              <a:t>13</a:t>
+            </a:fld>
+            <a:endParaRPr lang="en-US" dirty="0">
+              <a:solidFill>
+                <a:prstClr val="black"/>
+              </a:solidFill>
+              <a:latin typeface="Calibri"/>
+              <a:cs typeface="Arial"/>
+            </a:endParaRPr>
+          </a:p>
+        </p:txBody>
+      </p:sp>
+    </p:spTree>
+    <p:extLst>
+      <p:ext uri="{BB962C8B-B14F-4D97-AF65-F5344CB8AC3E}">
+        <p14:creationId xmlns:p14="http://schemas.microsoft.com/office/powerpoint/2010/main" val="2605224762"/>
+      </p:ext>
+    </p:extLst>
+  </p:cSld>
+  <p:clrMapOvr>
+    <a:masterClrMapping/>
+  </p:clrMapOvr>
+</p:sld>
+</file>
+
+<file path=ppt/slides/slide14.xml><?xml version="1.0" encoding="utf-8"?>
+<p:sld xmlns:a="http://schemas.openxmlformats.org/drawingml/2006/main" xmlns:r="http://schemas.openxmlformats.org/officeDocument/2006/relationships" xmlns:p="http://schemas.openxmlformats.org/presentationml/2006/main" showMasterPhAnim="0">
+  <p:cSld>
+    <p:spTree>
+      <p:nvGrpSpPr>
+        <p:cNvPr id="1" name=""/>
+        <p:cNvGrpSpPr/>
+        <p:nvPr/>
+      </p:nvGrpSpPr>
+      <p:grpSpPr bwMode="auto">
+        <a:xfrm>
+          <a:off x="0" y="0"/>
+          <a:ext cx="0" cy="0"/>
+          <a:chOff x="0" y="0"/>
+          <a:chExt cx="0" cy="0"/>
+        </a:xfrm>
+      </p:grpSpPr>
+      <p:sp>
+        <p:nvSpPr>
+          <p:cNvPr id="378245863" name="Title 1">
+            <a:extLst>
+              <a:ext uri="{FF2B5EF4-FFF2-40B4-BE49-F238E27FC236}">
+                <a16:creationId xmlns:a16="http://schemas.microsoft.com/office/drawing/2014/main" id="{BDFB7A7F-DC8B-7543-F755-C55A2119C539}"/>
+              </a:ext>
+            </a:extLst>
+          </p:cNvPr>
+          <p:cNvSpPr>
+            <a:spLocks noGrp="1"/>
+          </p:cNvSpPr>
+          <p:nvPr>
+            <p:ph type="ctrTitle"/>
+          </p:nvPr>
+        </p:nvSpPr>
+        <p:spPr>
+          <a:xfrm>
+            <a:off x="1143000" y="2681085"/>
+            <a:ext cx="6858000" cy="1495830"/>
+          </a:xfrm>
+        </p:spPr>
+        <p:txBody>
+          <a:bodyPr/>
+          <a:lstStyle/>
+          <a:p>
+            <a:r>
+              <a:rPr lang="pt-BR" dirty="0"/>
+              <a:t>Localização com Marcadores </a:t>
+            </a:r>
+            <a:r>
+              <a:rPr lang="pt-BR" dirty="0" err="1"/>
+              <a:t>Aruco</a:t>
+            </a:r>
+            <a:endParaRPr lang="en-US" dirty="0"/>
+          </a:p>
+        </p:txBody>
+      </p:sp>
+      <p:sp>
+        <p:nvSpPr>
+          <p:cNvPr id="378245865" name="Slide Number Placeholder 3">
+            <a:extLst>
+              <a:ext uri="{FF2B5EF4-FFF2-40B4-BE49-F238E27FC236}">
+                <a16:creationId xmlns:a16="http://schemas.microsoft.com/office/drawing/2014/main" id="{981FF8E3-A548-A1D5-FA45-DE039B451D80}"/>
+              </a:ext>
+            </a:extLst>
+          </p:cNvPr>
+          <p:cNvSpPr>
+            <a:spLocks noGrp="1"/>
+          </p:cNvSpPr>
+          <p:nvPr>
+            <p:ph type="sldNum" sz="quarter" idx="12"/>
+          </p:nvPr>
+        </p:nvSpPr>
+        <p:spPr>
+          <a:xfrm>
+            <a:off x="6553200" y="5503070"/>
+            <a:ext cx="2133600" cy="273844"/>
+          </a:xfrm>
+        </p:spPr>
+        <p:txBody>
+          <a:bodyPr/>
+          <a:lstStyle/>
+          <a:p>
+            <a:pPr defTabSz="342900">
+              <a:spcAft>
+                <a:spcPts val="450"/>
+              </a:spcAft>
+              <a:defRPr/>
+            </a:pPr>
+            <a:fld id="{FA3AAB12-BB6E-1B4F-AF2F-E6C37C68B919}" type="slidenum">
+              <a:rPr lang="en-US">
+                <a:solidFill>
+                  <a:prstClr val="black"/>
+                </a:solidFill>
+                <a:latin typeface="Calibri"/>
+                <a:cs typeface="Arial"/>
+              </a:rPr>
+              <a:pPr defTabSz="342900">
+                <a:spcAft>
+                  <a:spcPts val="450"/>
+                </a:spcAft>
+                <a:defRPr/>
+              </a:pPr>
+              <a:t>14</a:t>
+            </a:fld>
+            <a:endParaRPr lang="en-US" dirty="0">
+              <a:solidFill>
+                <a:prstClr val="black"/>
+              </a:solidFill>
+              <a:latin typeface="Calibri"/>
+              <a:cs typeface="Arial"/>
+            </a:endParaRPr>
+          </a:p>
+        </p:txBody>
+      </p:sp>
+    </p:spTree>
+    <p:extLst>
+      <p:ext uri="{BB962C8B-B14F-4D97-AF65-F5344CB8AC3E}">
+        <p14:creationId xmlns:p14="http://schemas.microsoft.com/office/powerpoint/2010/main" val="2861917767"/>
+      </p:ext>
+    </p:extLst>
+  </p:cSld>
+  <p:clrMapOvr>
+    <a:masterClrMapping/>
+  </p:clrMapOvr>
+</p:sld>
+</file>
+
+<file path=ppt/slides/slide2.xml><?xml version="1.0" encoding="utf-8"?>
+<p:sld xmlns:a="http://schemas.openxmlformats.org/drawingml/2006/main" xmlns:r="http://schemas.openxmlformats.org/officeDocument/2006/relationships" xmlns:p="http://schemas.openxmlformats.org/presentationml/2006/main" showMasterPhAnim="0">
+  <p:cSld>
+    <p:spTree>
+      <p:nvGrpSpPr>
+        <p:cNvPr id="1" name=""/>
+        <p:cNvGrpSpPr/>
+        <p:nvPr/>
+      </p:nvGrpSpPr>
+      <p:grpSpPr bwMode="auto">
+        <a:xfrm>
+          <a:off x="0" y="0"/>
+          <a:ext cx="0" cy="0"/>
+          <a:chOff x="0" y="0"/>
+          <a:chExt cx="0" cy="0"/>
+        </a:xfrm>
+      </p:grpSpPr>
+      <p:sp>
+        <p:nvSpPr>
+          <p:cNvPr id="378245863" name="Title 1">
+            <a:extLst>
+              <a:ext uri="{FF2B5EF4-FFF2-40B4-BE49-F238E27FC236}">
+                <a16:creationId xmlns:a16="http://schemas.microsoft.com/office/drawing/2014/main" id="{BDFB7A7F-DC8B-7543-F755-C55A2119C539}"/>
+              </a:ext>
+            </a:extLst>
+          </p:cNvPr>
+          <p:cNvSpPr>
+            <a:spLocks noGrp="1"/>
+          </p:cNvSpPr>
+          <p:nvPr>
+            <p:ph type="ctrTitle"/>
+          </p:nvPr>
+        </p:nvSpPr>
+        <p:spPr>
+          <a:xfrm>
+            <a:off x="1143000" y="2681085"/>
+            <a:ext cx="6858000" cy="1495830"/>
+          </a:xfrm>
+        </p:spPr>
+        <p:txBody>
+          <a:bodyPr/>
+          <a:lstStyle/>
+          <a:p>
+            <a:r>
+              <a:rPr lang="pt-BR" dirty="0"/>
+              <a:t>Convolução e Filtragem</a:t>
+            </a:r>
+            <a:endParaRPr lang="en-US" dirty="0"/>
+          </a:p>
+        </p:txBody>
+      </p:sp>
+      <p:sp>
+        <p:nvSpPr>
+          <p:cNvPr id="378245865" name="Slide Number Placeholder 3">
+            <a:extLst>
+              <a:ext uri="{FF2B5EF4-FFF2-40B4-BE49-F238E27FC236}">
+                <a16:creationId xmlns:a16="http://schemas.microsoft.com/office/drawing/2014/main" id="{981FF8E3-A548-A1D5-FA45-DE039B451D80}"/>
+              </a:ext>
+            </a:extLst>
+          </p:cNvPr>
+          <p:cNvSpPr>
+            <a:spLocks noGrp="1"/>
+          </p:cNvSpPr>
+          <p:nvPr>
+            <p:ph type="sldNum" sz="quarter" idx="12"/>
+          </p:nvPr>
+        </p:nvSpPr>
+        <p:spPr>
+          <a:xfrm>
+            <a:off x="6553200" y="5503070"/>
+            <a:ext cx="2133600" cy="273844"/>
+          </a:xfrm>
+        </p:spPr>
+        <p:txBody>
+          <a:bodyPr/>
+          <a:lstStyle/>
+          <a:p>
+            <a:pPr defTabSz="342900">
+              <a:spcAft>
+                <a:spcPts val="450"/>
+              </a:spcAft>
+              <a:defRPr/>
+            </a:pPr>
+            <a:fld id="{FA3AAB12-BB6E-1B4F-AF2F-E6C37C68B919}" type="slidenum">
+              <a:rPr lang="en-US">
+                <a:solidFill>
+                  <a:prstClr val="black"/>
+                </a:solidFill>
+                <a:latin typeface="Calibri"/>
+                <a:cs typeface="Arial"/>
+              </a:rPr>
+              <a:pPr defTabSz="342900">
+                <a:spcAft>
+                  <a:spcPts val="450"/>
+                </a:spcAft>
+                <a:defRPr/>
+              </a:pPr>
+              <a:t>2</a:t>
+            </a:fld>
+            <a:endParaRPr lang="en-US" dirty="0">
+              <a:solidFill>
+                <a:prstClr val="black"/>
+              </a:solidFill>
+              <a:latin typeface="Calibri"/>
+              <a:cs typeface="Arial"/>
+            </a:endParaRPr>
+          </a:p>
+        </p:txBody>
+      </p:sp>
+    </p:spTree>
+    <p:extLst>
+      <p:ext uri="{BB962C8B-B14F-4D97-AF65-F5344CB8AC3E}">
+        <p14:creationId xmlns:p14="http://schemas.microsoft.com/office/powerpoint/2010/main" val="1241808597"/>
+      </p:ext>
+    </p:extLst>
+  </p:cSld>
+  <p:clrMapOvr>
+    <a:masterClrMapping/>
+  </p:clrMapOvr>
+</p:sld>
+</file>
+
+<file path=ppt/slides/slide3.xml><?xml version="1.0" encoding="utf-8"?>
+<p:sld xmlns:a="http://schemas.openxmlformats.org/drawingml/2006/main" xmlns:r="http://schemas.openxmlformats.org/officeDocument/2006/relationships" xmlns:p="http://schemas.openxmlformats.org/presentationml/2006/main" showMasterPhAnim="0">
+  <p:cSld>
     <p:spTree>
       <p:nvGrpSpPr>
         <p:cNvPr id="1" name=""/>
@@ -6354,25 +4192,68 @@
             <p:ph type="title"/>
           </p:nvPr>
         </p:nvSpPr>
-        <p:spPr bwMode="auto"/>
+        <p:spPr bwMode="auto">
+          <a:xfrm>
+            <a:off x="457200" y="781050"/>
+            <a:ext cx="8229600" cy="619125"/>
+          </a:xfrm>
+        </p:spPr>
         <p:txBody>
-          <a:bodyPr/>
+          <a:bodyPr>
+            <a:normAutofit/>
+          </a:bodyPr>
           <a:lstStyle/>
           <a:p>
             <a:pPr>
               <a:defRPr/>
             </a:pPr>
             <a:r>
-              <a:rPr lang="pt-BR"/>
-              <a:t>Aplicações – Recuperação da imagem</a:t>
+              <a:rPr lang="pt-BR" dirty="0"/>
+              <a:t>Convolução em 2D</a:t>
             </a:r>
-            <a:endParaRPr/>
+            <a:endParaRPr dirty="0"/>
           </a:p>
         </p:txBody>
       </p:sp>
+      <p:pic>
+        <p:nvPicPr>
+          <p:cNvPr id="7" name="Espaço Reservado para Conteúdo 6" descr="Forma&#10;&#10;Descrição gerada automaticamente">
+            <a:extLst>
+              <a:ext uri="{FF2B5EF4-FFF2-40B4-BE49-F238E27FC236}">
+                <a16:creationId xmlns:a16="http://schemas.microsoft.com/office/drawing/2014/main" id="{B40A56B8-6CF0-BE3A-0215-6625E0644C7C}"/>
+              </a:ext>
+            </a:extLst>
+          </p:cNvPr>
+          <p:cNvPicPr>
+            <a:picLocks noGrp="1" noChangeAspect="1"/>
+          </p:cNvPicPr>
+          <p:nvPr>
+            <p:ph idx="1"/>
+          </p:nvPr>
+        </p:nvPicPr>
+        <p:blipFill>
+          <a:blip r:embed="rId2"/>
+          <a:stretch>
+            <a:fillRect/>
+          </a:stretch>
+        </p:blipFill>
+        <p:spPr>
+          <a:xfrm>
+            <a:off x="2593908" y="1485900"/>
+            <a:ext cx="4156208" cy="4724399"/>
+          </a:xfrm>
+          <a:noFill/>
+        </p:spPr>
+      </p:pic>
       <p:sp>
         <p:nvSpPr>
-          <p:cNvPr id="5" name="Espaço Reservado para Texto 4"/>
+          <p:cNvPr id="12" name="Text Placeholder 3">
+            <a:extLst>
+              <a:ext uri="{FF2B5EF4-FFF2-40B4-BE49-F238E27FC236}">
+                <a16:creationId xmlns:a16="http://schemas.microsoft.com/office/drawing/2014/main" id="{898F30B0-4EA2-A27F-8FEA-670223CD866E}"/>
+              </a:ext>
+            </a:extLst>
+          </p:cNvPr>
           <p:cNvSpPr>
             <a:spLocks noGrp="1"/>
           </p:cNvSpPr>
@@ -6380,163 +4261,31 @@
             <p:ph type="body" sz="quarter" idx="13"/>
           </p:nvPr>
         </p:nvSpPr>
-        <p:spPr bwMode="auto"/>
+        <p:spPr>
+          <a:xfrm>
+            <a:off x="161925" y="85725"/>
+            <a:ext cx="7229475" cy="352425"/>
+          </a:xfrm>
+        </p:spPr>
         <p:txBody>
           <a:bodyPr/>
           <a:lstStyle/>
           <a:p>
-            <a:pPr>
-              <a:defRPr/>
-            </a:pPr>
-            <a:endParaRPr lang="pt-BR"/>
+            <a:endParaRPr lang="en-US"/>
           </a:p>
         </p:txBody>
       </p:sp>
-      <p:pic>
-        <p:nvPicPr>
-          <p:cNvPr id="4" name="Imagem 3"/>
-          <p:cNvPicPr>
-            <a:picLocks noChangeAspect="1"/>
-          </p:cNvPicPr>
-          <p:nvPr/>
-        </p:nvPicPr>
-        <p:blipFill>
-          <a:blip r:embed="rId2"/>
-          <a:stretch/>
-        </p:blipFill>
-        <p:spPr bwMode="auto">
-          <a:xfrm>
-            <a:off x="484320" y="1751308"/>
-            <a:ext cx="8018824" cy="3084163"/>
-          </a:xfrm>
-          <a:prstGeom prst="rect">
-            <a:avLst/>
-          </a:prstGeom>
-        </p:spPr>
-      </p:pic>
     </p:spTree>
   </p:cSld>
   <p:clrMapOvr>
     <a:masterClrMapping/>
   </p:clrMapOvr>
-  <mc:AlternateContent xmlns:mc="http://schemas.openxmlformats.org/markup-compatibility/2006">
-    <mc:Choice xmlns:p14="http://schemas.microsoft.com/office/powerpoint/2010/main" Requires="p14">
-      <p:transition p14:dur="2000" advClick="1"/>
-    </mc:Choice>
-    <mc:Fallback>
-      <p:transition advClick="1"/>
-    </mc:Fallback>
-  </mc:AlternateContent>
 </p:sld>
 </file>
 
-<file path=ppt/slides/slide7.xml><?xml version="1.0" encoding="utf-8"?>
-<p:sld xmlns:a="http://schemas.openxmlformats.org/drawingml/2006/main" xmlns:r="http://schemas.openxmlformats.org/officeDocument/2006/relationships" xmlns:p="http://schemas.openxmlformats.org/presentationml/2006/main" xmlns:m="http://schemas.openxmlformats.org/officeDocument/2006/math" xmlns:w="http://schemas.openxmlformats.org/wordprocessingml/2006/main" showMasterPhAnim="0" show="1">
-  <p:cSld name="">
-    <p:spTree>
-      <p:nvGrpSpPr>
-        <p:cNvPr id="1" name=""/>
-        <p:cNvGrpSpPr/>
-        <p:nvPr/>
-      </p:nvGrpSpPr>
-      <p:grpSpPr bwMode="auto">
-        <a:xfrm>
-          <a:off x="0" y="0"/>
-          <a:ext cx="0" cy="0"/>
-          <a:chOff x="0" y="0"/>
-          <a:chExt cx="0" cy="0"/>
-        </a:xfrm>
-      </p:grpSpPr>
-      <p:sp>
-        <p:nvSpPr>
-          <p:cNvPr id="2" name="Título 1"/>
-          <p:cNvSpPr>
-            <a:spLocks noGrp="1"/>
-          </p:cNvSpPr>
-          <p:nvPr>
-            <p:ph type="title"/>
-          </p:nvPr>
-        </p:nvSpPr>
-        <p:spPr bwMode="auto"/>
-        <p:txBody>
-          <a:bodyPr/>
-          <a:lstStyle/>
-          <a:p>
-            <a:pPr>
-              <a:defRPr/>
-            </a:pPr>
-            <a:r>
-              <a:rPr lang="pt-BR"/>
-              <a:t>Realce de padrões específicos</a:t>
-            </a:r>
-            <a:endParaRPr/>
-          </a:p>
-        </p:txBody>
-      </p:sp>
-      <p:sp>
-        <p:nvSpPr>
-          <p:cNvPr id="4" name="Espaço Reservado para Texto 3"/>
-          <p:cNvSpPr>
-            <a:spLocks noGrp="1"/>
-          </p:cNvSpPr>
-          <p:nvPr>
-            <p:ph type="body" sz="quarter" idx="13"/>
-          </p:nvPr>
-        </p:nvSpPr>
-        <p:spPr bwMode="auto"/>
-        <p:txBody>
-          <a:bodyPr/>
-          <a:lstStyle/>
-          <a:p>
-            <a:pPr>
-              <a:defRPr/>
-            </a:pPr>
-            <a:endParaRPr lang="pt-BR"/>
-          </a:p>
-        </p:txBody>
-      </p:sp>
-      <p:pic>
-        <p:nvPicPr>
-          <p:cNvPr id="10242" name="Picture 2" descr="Fingerprint algorithm recognition | by Manuel Cuevas | Medium"/>
-          <p:cNvPicPr>
-            <a:picLocks noChangeAspect="1" noChangeArrowheads="1"/>
-          </p:cNvPicPr>
-          <p:nvPr/>
-        </p:nvPicPr>
-        <p:blipFill>
-          <a:blip r:embed="rId2"/>
-          <a:stretch/>
-        </p:blipFill>
-        <p:spPr bwMode="auto">
-          <a:xfrm>
-            <a:off x="1098846" y="1282885"/>
-            <a:ext cx="6791325" cy="5257800"/>
-          </a:xfrm>
-          <a:prstGeom prst="rect">
-            <a:avLst/>
-          </a:prstGeom>
-          <a:noFill/>
-        </p:spPr>
-      </p:pic>
-    </p:spTree>
-  </p:cSld>
-  <p:clrMapOvr>
-    <a:masterClrMapping/>
-  </p:clrMapOvr>
-  <mc:AlternateContent xmlns:mc="http://schemas.openxmlformats.org/markup-compatibility/2006">
-    <mc:Choice xmlns:p14="http://schemas.microsoft.com/office/powerpoint/2010/main" Requires="p14">
-      <p:transition p14:dur="2000" advClick="1"/>
-    </mc:Choice>
-    <mc:Fallback>
-      <p:transition advClick="1"/>
-    </mc:Fallback>
-  </mc:AlternateContent>
-</p:sld>
-</file>
-
-<file path=ppt/slides/slide8.xml><?xml version="1.0" encoding="utf-8"?>
-<p:sld xmlns:a="http://schemas.openxmlformats.org/drawingml/2006/main" xmlns:r="http://schemas.openxmlformats.org/officeDocument/2006/relationships" xmlns:p="http://schemas.openxmlformats.org/presentationml/2006/main" xmlns:m="http://schemas.openxmlformats.org/officeDocument/2006/math" xmlns:w="http://schemas.openxmlformats.org/wordprocessingml/2006/main" showMasterPhAnim="0" show="1">
-  <p:cSld name="">
+<file path=ppt/slides/slide4.xml><?xml version="1.0" encoding="utf-8"?>
+<p:sld xmlns:a="http://schemas.openxmlformats.org/drawingml/2006/main" xmlns:r="http://schemas.openxmlformats.org/officeDocument/2006/relationships" xmlns:p="http://schemas.openxmlformats.org/presentationml/2006/main" showMasterPhAnim="0">
+  <p:cSld>
     <p:spTree>
       <p:nvGrpSpPr>
         <p:cNvPr id="1" name=""/>
@@ -6585,7 +4334,7 @@
             </a:cxnLst>
             <a:rect l="l" t="t" r="r" b="b"/>
             <a:pathLst>
-              <a:path w="21600" h="21600" fill="norm" stroke="1" extrusionOk="0">
+              <a:path w="21600" h="21600" extrusionOk="0">
                 <a:moveTo>
                   <a:pt x="f0" y="f0"/>
                 </a:moveTo>
@@ -6790,7 +4539,7 @@
               </a:cxnLst>
               <a:rect l="l" t="t" r="r" b="b"/>
               <a:pathLst>
-                <a:path w="21600" h="21600" fill="norm" stroke="1" extrusionOk="0">
+                <a:path w="21600" h="21600" extrusionOk="0">
                   <a:moveTo>
                     <a:pt x="f0" y="f0"/>
                   </a:moveTo>
@@ -6913,7 +4662,7 @@
               </a:cxnLst>
               <a:rect l="l" t="t" r="r" b="b"/>
               <a:pathLst>
-                <a:path w="21600" h="21600" fill="norm" stroke="1" extrusionOk="0">
+                <a:path w="21600" h="21600" extrusionOk="0">
                   <a:moveTo>
                     <a:pt x="f0" y="f0"/>
                   </a:moveTo>
@@ -7036,7 +4785,7 @@
               </a:cxnLst>
               <a:rect l="l" t="t" r="r" b="b"/>
               <a:pathLst>
-                <a:path w="21600" h="21600" fill="norm" stroke="1" extrusionOk="0">
+                <a:path w="21600" h="21600" extrusionOk="0">
                   <a:moveTo>
                     <a:pt x="f0" y="f0"/>
                   </a:moveTo>
@@ -7159,7 +4908,7 @@
               </a:cxnLst>
               <a:rect l="l" t="t" r="r" b="b"/>
               <a:pathLst>
-                <a:path w="21600" h="21600" fill="norm" stroke="1" extrusionOk="0">
+                <a:path w="21600" h="21600" extrusionOk="0">
                   <a:moveTo>
                     <a:pt x="f0" y="f0"/>
                   </a:moveTo>
@@ -7282,7 +5031,7 @@
               </a:cxnLst>
               <a:rect l="l" t="t" r="r" b="b"/>
               <a:pathLst>
-                <a:path w="21600" h="21600" fill="norm" stroke="1" extrusionOk="0">
+                <a:path w="21600" h="21600" extrusionOk="0">
                   <a:moveTo>
                     <a:pt x="f0" y="f0"/>
                   </a:moveTo>
@@ -7405,7 +5154,7 @@
               </a:cxnLst>
               <a:rect l="l" t="t" r="r" b="b"/>
               <a:pathLst>
-                <a:path w="21600" h="21600" fill="norm" stroke="1" extrusionOk="0">
+                <a:path w="21600" h="21600" extrusionOk="0">
                   <a:moveTo>
                     <a:pt x="f0" y="f0"/>
                   </a:moveTo>
@@ -7528,7 +5277,7 @@
               </a:cxnLst>
               <a:rect l="l" t="t" r="r" b="b"/>
               <a:pathLst>
-                <a:path w="21600" h="21600" fill="norm" stroke="1" extrusionOk="0">
+                <a:path w="21600" h="21600" extrusionOk="0">
                   <a:moveTo>
                     <a:pt x="f0" y="f0"/>
                   </a:moveTo>
@@ -7651,7 +5400,7 @@
               </a:cxnLst>
               <a:rect l="l" t="t" r="r" b="b"/>
               <a:pathLst>
-                <a:path w="21600" h="21600" fill="norm" stroke="1" extrusionOk="0">
+                <a:path w="21600" h="21600" extrusionOk="0">
                   <a:moveTo>
                     <a:pt x="f0" y="f0"/>
                   </a:moveTo>
@@ -7774,7 +5523,7 @@
               </a:cxnLst>
               <a:rect l="l" t="t" r="r" b="b"/>
               <a:pathLst>
-                <a:path w="21600" h="21600" fill="norm" stroke="1" extrusionOk="0">
+                <a:path w="21600" h="21600" extrusionOk="0">
                   <a:moveTo>
                     <a:pt x="f0" y="f0"/>
                   </a:moveTo>
@@ -7897,7 +5646,7 @@
               </a:cxnLst>
               <a:rect l="l" t="t" r="r" b="b"/>
               <a:pathLst>
-                <a:path w="21600" h="21600" fill="norm" stroke="1" extrusionOk="0">
+                <a:path w="21600" h="21600" extrusionOk="0">
                   <a:moveTo>
                     <a:pt x="f0" y="f0"/>
                   </a:moveTo>
@@ -8020,7 +5769,7 @@
               </a:cxnLst>
               <a:rect l="l" t="t" r="r" b="b"/>
               <a:pathLst>
-                <a:path w="21600" h="21600" fill="norm" stroke="1" extrusionOk="0">
+                <a:path w="21600" h="21600" extrusionOk="0">
                   <a:moveTo>
                     <a:pt x="f0" y="f0"/>
                   </a:moveTo>
@@ -8143,7 +5892,7 @@
               </a:cxnLst>
               <a:rect l="l" t="t" r="r" b="b"/>
               <a:pathLst>
-                <a:path w="21600" h="21600" fill="norm" stroke="1" extrusionOk="0">
+                <a:path w="21600" h="21600" extrusionOk="0">
                   <a:moveTo>
                     <a:pt x="f0" y="f0"/>
                   </a:moveTo>
@@ -8266,7 +6015,7 @@
               </a:cxnLst>
               <a:rect l="l" t="t" r="r" b="b"/>
               <a:pathLst>
-                <a:path w="21600" h="21600" fill="norm" stroke="1" extrusionOk="0">
+                <a:path w="21600" h="21600" extrusionOk="0">
                   <a:moveTo>
                     <a:pt x="f0" y="f0"/>
                   </a:moveTo>
@@ -8389,7 +6138,7 @@
               </a:cxnLst>
               <a:rect l="l" t="t" r="r" b="b"/>
               <a:pathLst>
-                <a:path w="21600" h="21600" fill="norm" stroke="1" extrusionOk="0">
+                <a:path w="21600" h="21600" extrusionOk="0">
                   <a:moveTo>
                     <a:pt x="f0" y="f0"/>
                   </a:moveTo>
@@ -8512,7 +6261,7 @@
               </a:cxnLst>
               <a:rect l="l" t="t" r="r" b="b"/>
               <a:pathLst>
-                <a:path w="21600" h="21600" fill="norm" stroke="1" extrusionOk="0">
+                <a:path w="21600" h="21600" extrusionOk="0">
                   <a:moveTo>
                     <a:pt x="f0" y="f0"/>
                   </a:moveTo>
@@ -8635,7 +6384,7 @@
               </a:cxnLst>
               <a:rect l="l" t="t" r="r" b="b"/>
               <a:pathLst>
-                <a:path w="21600" h="21600" fill="norm" stroke="1" extrusionOk="0">
+                <a:path w="21600" h="21600" extrusionOk="0">
                   <a:moveTo>
                     <a:pt x="f0" y="f0"/>
                   </a:moveTo>
@@ -8760,7 +6509,7 @@
               </a:cxnLst>
               <a:rect l="l" t="t" r="r" b="b"/>
               <a:pathLst>
-                <a:path w="21600" h="21600" fill="norm" stroke="1" extrusionOk="0">
+                <a:path w="21600" h="21600" extrusionOk="0">
                   <a:moveTo>
                     <a:pt x="f0" y="f0"/>
                   </a:moveTo>
@@ -8883,7 +6632,7 @@
               </a:cxnLst>
               <a:rect l="l" t="t" r="r" b="b"/>
               <a:pathLst>
-                <a:path w="21600" h="21600" fill="norm" stroke="1" extrusionOk="0">
+                <a:path w="21600" h="21600" extrusionOk="0">
                   <a:moveTo>
                     <a:pt x="f0" y="f0"/>
                   </a:moveTo>
@@ -9006,7 +6755,7 @@
               </a:cxnLst>
               <a:rect l="l" t="t" r="r" b="b"/>
               <a:pathLst>
-                <a:path w="21600" h="21600" fill="norm" stroke="1" extrusionOk="0">
+                <a:path w="21600" h="21600" extrusionOk="0">
                   <a:moveTo>
                     <a:pt x="f0" y="f0"/>
                   </a:moveTo>
@@ -9129,7 +6878,7 @@
               </a:cxnLst>
               <a:rect l="l" t="t" r="r" b="b"/>
               <a:pathLst>
-                <a:path w="21600" h="21600" fill="norm" stroke="1" extrusionOk="0">
+                <a:path w="21600" h="21600" extrusionOk="0">
                   <a:moveTo>
                     <a:pt x="f0" y="f0"/>
                   </a:moveTo>
@@ -9252,7 +7001,7 @@
               </a:cxnLst>
               <a:rect l="l" t="t" r="r" b="b"/>
               <a:pathLst>
-                <a:path w="21600" h="21600" fill="norm" stroke="1" extrusionOk="0">
+                <a:path w="21600" h="21600" extrusionOk="0">
                   <a:moveTo>
                     <a:pt x="f0" y="f0"/>
                   </a:moveTo>
@@ -9375,7 +7124,7 @@
               </a:cxnLst>
               <a:rect l="l" t="t" r="r" b="b"/>
               <a:pathLst>
-                <a:path w="21600" h="21600" fill="norm" stroke="1" extrusionOk="0">
+                <a:path w="21600" h="21600" extrusionOk="0">
                   <a:moveTo>
                     <a:pt x="f0" y="f0"/>
                   </a:moveTo>
@@ -9498,7 +7247,7 @@
               </a:cxnLst>
               <a:rect l="l" t="t" r="r" b="b"/>
               <a:pathLst>
-                <a:path w="21600" h="21600" fill="norm" stroke="1" extrusionOk="0">
+                <a:path w="21600" h="21600" extrusionOk="0">
                   <a:moveTo>
                     <a:pt x="f0" y="f0"/>
                   </a:moveTo>
@@ -9621,7 +7370,7 @@
               </a:cxnLst>
               <a:rect l="l" t="t" r="r" b="b"/>
               <a:pathLst>
-                <a:path w="21600" h="21600" fill="norm" stroke="1" extrusionOk="0">
+                <a:path w="21600" h="21600" extrusionOk="0">
                   <a:moveTo>
                     <a:pt x="f0" y="f0"/>
                   </a:moveTo>
@@ -9759,7 +7508,7 @@
               </a:cxnLst>
               <a:rect l="l" t="t" r="r" b="b"/>
               <a:pathLst>
-                <a:path w="21600" h="21600" fill="norm" stroke="1" extrusionOk="0">
+                <a:path w="21600" h="21600" extrusionOk="0">
                   <a:moveTo>
                     <a:pt x="f0" y="f0"/>
                   </a:moveTo>
@@ -9887,7 +7636,7 @@
               </a:cxnLst>
               <a:rect l="l" t="t" r="r" b="b"/>
               <a:pathLst>
-                <a:path w="21600" h="21600" fill="norm" stroke="1" extrusionOk="0">
+                <a:path w="21600" h="21600" extrusionOk="0">
                   <a:moveTo>
                     <a:pt x="f0" y="f0"/>
                   </a:moveTo>
@@ -10008,7 +7757,7 @@
               </a:cxnLst>
               <a:rect l="l" t="t" r="r" b="b"/>
               <a:pathLst>
-                <a:path w="21600" h="21600" fill="norm" stroke="1" extrusionOk="0">
+                <a:path w="21600" h="21600" extrusionOk="0">
                   <a:moveTo>
                     <a:pt x="f0" y="f0"/>
                   </a:moveTo>
@@ -10136,7 +7885,7 @@
               </a:cxnLst>
               <a:rect l="l" t="t" r="r" b="b"/>
               <a:pathLst>
-                <a:path w="21600" h="21600" fill="norm" stroke="1" extrusionOk="0">
+                <a:path w="21600" h="21600" extrusionOk="0">
                   <a:moveTo>
                     <a:pt x="f0" y="f0"/>
                   </a:moveTo>
@@ -10257,7 +8006,7 @@
               </a:cxnLst>
               <a:rect l="l" t="t" r="r" b="b"/>
               <a:pathLst>
-                <a:path w="21600" h="21600" fill="norm" stroke="1" extrusionOk="0">
+                <a:path w="21600" h="21600" extrusionOk="0">
                   <a:moveTo>
                     <a:pt x="f0" y="f0"/>
                   </a:moveTo>
@@ -10380,7 +8129,7 @@
               </a:cxnLst>
               <a:rect l="l" t="t" r="r" b="b"/>
               <a:pathLst>
-                <a:path w="21600" h="21600" fill="norm" stroke="1" extrusionOk="0">
+                <a:path w="21600" h="21600" extrusionOk="0">
                   <a:moveTo>
                     <a:pt x="f0" y="f0"/>
                   </a:moveTo>
@@ -10508,7 +8257,7 @@
               </a:cxnLst>
               <a:rect l="l" t="t" r="r" b="b"/>
               <a:pathLst>
-                <a:path w="21600" h="21600" fill="norm" stroke="1" extrusionOk="0">
+                <a:path w="21600" h="21600" extrusionOk="0">
                   <a:moveTo>
                     <a:pt x="f0" y="f0"/>
                   </a:moveTo>
@@ -10636,7 +8385,7 @@
               </a:cxnLst>
               <a:rect l="l" t="t" r="r" b="b"/>
               <a:pathLst>
-                <a:path w="21600" h="21600" fill="norm" stroke="1" extrusionOk="0">
+                <a:path w="21600" h="21600" extrusionOk="0">
                   <a:moveTo>
                     <a:pt x="f0" y="f0"/>
                   </a:moveTo>
@@ -10764,7 +8513,7 @@
               </a:cxnLst>
               <a:rect l="l" t="t" r="r" b="b"/>
               <a:pathLst>
-                <a:path w="21600" h="21600" fill="norm" stroke="1" extrusionOk="0">
+                <a:path w="21600" h="21600" extrusionOk="0">
                   <a:moveTo>
                     <a:pt x="f0" y="f0"/>
                   </a:moveTo>
@@ -10893,7 +8642,7 @@
             </a:cxnLst>
             <a:rect l="l" t="t" r="r" b="b"/>
             <a:pathLst>
-              <a:path w="21600" h="21600" fill="norm" stroke="1" extrusionOk="0">
+              <a:path w="21600" h="21600" extrusionOk="0">
                 <a:moveTo>
                   <a:pt x="f0" y="f0"/>
                 </a:moveTo>
@@ -11013,7 +8762,7 @@
             </a:cxnLst>
             <a:rect l="l" t="t" r="r" b="b"/>
             <a:pathLst>
-              <a:path w="21600" h="21600" fill="norm" stroke="1" extrusionOk="0">
+              <a:path w="21600" h="21600" extrusionOk="0">
                 <a:moveTo>
                   <a:pt x="f0" y="f0"/>
                 </a:moveTo>
@@ -11175,7 +8924,7 @@
               </a:cxnLst>
               <a:rect l="l" t="t" r="r" b="b"/>
               <a:pathLst>
-                <a:path w="21600" h="21600" fill="norm" stroke="1" extrusionOk="0">
+                <a:path w="21600" h="21600" extrusionOk="0">
                   <a:moveTo>
                     <a:pt x="f0" y="f0"/>
                   </a:moveTo>
@@ -11292,7 +9041,7 @@
               </a:cxnLst>
               <a:rect l="l" t="t" r="r" b="b"/>
               <a:pathLst>
-                <a:path w="21600" h="21600" fill="norm" stroke="1" extrusionOk="0">
+                <a:path w="21600" h="21600" extrusionOk="0">
                   <a:moveTo>
                     <a:pt x="f0" y="f0"/>
                   </a:moveTo>
@@ -11409,7 +9158,7 @@
               </a:cxnLst>
               <a:rect l="l" t="t" r="r" b="b"/>
               <a:pathLst>
-                <a:path w="21600" h="21600" fill="norm" stroke="1" extrusionOk="0">
+                <a:path w="21600" h="21600" extrusionOk="0">
                   <a:moveTo>
                     <a:pt x="f0" y="f0"/>
                   </a:moveTo>
@@ -11526,7 +9275,7 @@
               </a:cxnLst>
               <a:rect l="l" t="t" r="r" b="b"/>
               <a:pathLst>
-                <a:path w="21600" h="21600" fill="norm" stroke="1" extrusionOk="0">
+                <a:path w="21600" h="21600" extrusionOk="0">
                   <a:moveTo>
                     <a:pt x="f0" y="f0"/>
                   </a:moveTo>
@@ -11643,7 +9392,7 @@
               </a:cxnLst>
               <a:rect l="l" t="t" r="r" b="b"/>
               <a:pathLst>
-                <a:path w="21600" h="21600" fill="norm" stroke="1" extrusionOk="0">
+                <a:path w="21600" h="21600" extrusionOk="0">
                   <a:moveTo>
                     <a:pt x="f0" y="f0"/>
                   </a:moveTo>
@@ -11764,7 +9513,7 @@
               </a:cxnLst>
               <a:rect l="l" t="t" r="r" b="b"/>
               <a:pathLst>
-                <a:path w="21600" h="21600" fill="norm" stroke="1" extrusionOk="0">
+                <a:path w="21600" h="21600" extrusionOk="0">
                   <a:moveTo>
                     <a:pt x="f0" y="f0"/>
                   </a:moveTo>
@@ -11881,7 +9630,7 @@
               </a:cxnLst>
               <a:rect l="l" t="t" r="r" b="b"/>
               <a:pathLst>
-                <a:path w="21600" h="21600" fill="norm" stroke="1" extrusionOk="0">
+                <a:path w="21600" h="21600" extrusionOk="0">
                   <a:moveTo>
                     <a:pt x="f0" y="f0"/>
                   </a:moveTo>
@@ -11998,7 +9747,7 @@
               </a:cxnLst>
               <a:rect l="l" t="t" r="r" b="b"/>
               <a:pathLst>
-                <a:path w="21600" h="21600" fill="norm" stroke="1" extrusionOk="0">
+                <a:path w="21600" h="21600" extrusionOk="0">
                   <a:moveTo>
                     <a:pt x="f0" y="f0"/>
                   </a:moveTo>
@@ -12115,7 +9864,7 @@
               </a:cxnLst>
               <a:rect l="l" t="t" r="r" b="b"/>
               <a:pathLst>
-                <a:path w="21600" h="21600" fill="norm" stroke="1" extrusionOk="0">
+                <a:path w="21600" h="21600" extrusionOk="0">
                   <a:moveTo>
                     <a:pt x="f0" y="f0"/>
                   </a:moveTo>
@@ -12227,7 +9976,6 @@
               <a:rPr lang="pt-BR"/>
               <a:t>Exemplo de realização de convolução:</a:t>
             </a:r>
-            <a:endParaRPr lang="pt-BR"/>
           </a:p>
           <a:p>
             <a:pPr>
@@ -12248,20 +9996,211 @@
   <p:clrMapOvr>
     <a:masterClrMapping/>
   </p:clrMapOvr>
-  <mc:AlternateContent xmlns:mc="http://schemas.openxmlformats.org/markup-compatibility/2006">
-    <mc:Choice xmlns:p14="http://schemas.microsoft.com/office/powerpoint/2010/main" Requires="p14">
-      <p:transition p14:dur="2000" advClick="1"/>
-    </mc:Choice>
-    <mc:Fallback>
-      <p:transition advClick="1"/>
-    </mc:Fallback>
-  </mc:AlternateContent>
 </p:sld>
 </file>
 
-<file path=ppt/slides/slide9.xml><?xml version="1.0" encoding="utf-8"?>
-<p:sld xmlns:a="http://schemas.openxmlformats.org/drawingml/2006/main" xmlns:r="http://schemas.openxmlformats.org/officeDocument/2006/relationships" xmlns:p="http://schemas.openxmlformats.org/presentationml/2006/main" xmlns:m="http://schemas.openxmlformats.org/officeDocument/2006/math" xmlns:w="http://schemas.openxmlformats.org/wordprocessingml/2006/main" showMasterPhAnim="0" show="1">
-  <p:cSld name="">
+<file path=ppt/slides/slide5.xml><?xml version="1.0" encoding="utf-8"?>
+<p:sld xmlns:a="http://schemas.openxmlformats.org/drawingml/2006/main" xmlns:r="http://schemas.openxmlformats.org/officeDocument/2006/relationships" xmlns:p="http://schemas.openxmlformats.org/presentationml/2006/main" showMasterPhAnim="0">
+  <p:cSld>
+    <p:spTree>
+      <p:nvGrpSpPr>
+        <p:cNvPr id="1" name=""/>
+        <p:cNvGrpSpPr/>
+        <p:nvPr/>
+      </p:nvGrpSpPr>
+      <p:grpSpPr bwMode="auto">
+        <a:xfrm>
+          <a:off x="0" y="0"/>
+          <a:ext cx="0" cy="0"/>
+          <a:chOff x="0" y="0"/>
+          <a:chExt cx="0" cy="0"/>
+        </a:xfrm>
+      </p:grpSpPr>
+      <p:sp>
+        <p:nvSpPr>
+          <p:cNvPr id="2" name="Título 1"/>
+          <p:cNvSpPr>
+            <a:spLocks noGrp="1"/>
+          </p:cNvSpPr>
+          <p:nvPr>
+            <p:ph type="title"/>
+          </p:nvPr>
+        </p:nvSpPr>
+        <p:spPr bwMode="auto">
+          <a:xfrm>
+            <a:off x="457200" y="622115"/>
+            <a:ext cx="8229600" cy="619125"/>
+          </a:xfrm>
+        </p:spPr>
+        <p:txBody>
+          <a:bodyPr/>
+          <a:lstStyle/>
+          <a:p>
+            <a:pPr>
+              <a:defRPr/>
+            </a:pPr>
+            <a:r>
+              <a:rPr lang="pt-BR"/>
+              <a:t>Aplicações – Efeitos especiais</a:t>
+            </a:r>
+            <a:endParaRPr/>
+          </a:p>
+        </p:txBody>
+      </p:sp>
+      <p:sp>
+        <p:nvSpPr>
+          <p:cNvPr id="4" name="Espaço Reservado para Texto 3"/>
+          <p:cNvSpPr>
+            <a:spLocks noGrp="1"/>
+          </p:cNvSpPr>
+          <p:nvPr>
+            <p:ph type="body" sz="quarter" idx="13"/>
+          </p:nvPr>
+        </p:nvSpPr>
+        <p:spPr bwMode="auto"/>
+        <p:txBody>
+          <a:bodyPr/>
+          <a:lstStyle/>
+          <a:p>
+            <a:pPr>
+              <a:defRPr/>
+            </a:pPr>
+            <a:endParaRPr lang="pt-BR"/>
+          </a:p>
+        </p:txBody>
+      </p:sp>
+      <p:pic>
+        <p:nvPicPr>
+          <p:cNvPr id="9220" name="Picture 4" descr="Image embossing - Wikipedia"/>
+          <p:cNvPicPr>
+            <a:picLocks noChangeAspect="1" noChangeArrowheads="1"/>
+          </p:cNvPicPr>
+          <p:nvPr/>
+        </p:nvPicPr>
+        <p:blipFill>
+          <a:blip r:embed="rId2"/>
+          <a:stretch/>
+        </p:blipFill>
+        <p:spPr bwMode="auto">
+          <a:xfrm>
+            <a:off x="815681" y="1282885"/>
+            <a:ext cx="7679409" cy="5119607"/>
+          </a:xfrm>
+          <a:prstGeom prst="rect">
+            <a:avLst/>
+          </a:prstGeom>
+          <a:noFill/>
+        </p:spPr>
+      </p:pic>
+    </p:spTree>
+  </p:cSld>
+  <p:clrMapOvr>
+    <a:masterClrMapping/>
+  </p:clrMapOvr>
+</p:sld>
+</file>
+
+<file path=ppt/slides/slide6.xml><?xml version="1.0" encoding="utf-8"?>
+<p:sld xmlns:a="http://schemas.openxmlformats.org/drawingml/2006/main" xmlns:r="http://schemas.openxmlformats.org/officeDocument/2006/relationships" xmlns:p="http://schemas.openxmlformats.org/presentationml/2006/main" showMasterPhAnim="0">
+  <p:cSld>
+    <p:spTree>
+      <p:nvGrpSpPr>
+        <p:cNvPr id="1" name=""/>
+        <p:cNvGrpSpPr/>
+        <p:nvPr/>
+      </p:nvGrpSpPr>
+      <p:grpSpPr bwMode="auto">
+        <a:xfrm>
+          <a:off x="0" y="0"/>
+          <a:ext cx="0" cy="0"/>
+          <a:chOff x="0" y="0"/>
+          <a:chExt cx="0" cy="0"/>
+        </a:xfrm>
+      </p:grpSpPr>
+      <p:sp>
+        <p:nvSpPr>
+          <p:cNvPr id="2" name="Título 1"/>
+          <p:cNvSpPr>
+            <a:spLocks noGrp="1"/>
+          </p:cNvSpPr>
+          <p:nvPr>
+            <p:ph type="title"/>
+          </p:nvPr>
+        </p:nvSpPr>
+        <p:spPr bwMode="auto"/>
+        <p:txBody>
+          <a:bodyPr>
+            <a:normAutofit fontScale="90000"/>
+          </a:bodyPr>
+          <a:lstStyle/>
+          <a:p>
+            <a:pPr>
+              <a:defRPr/>
+            </a:pPr>
+            <a:r>
+              <a:rPr lang="pt-BR"/>
+              <a:t>Aplicações - redução ou remoção de ruído</a:t>
+            </a:r>
+            <a:endParaRPr/>
+          </a:p>
+        </p:txBody>
+      </p:sp>
+      <p:sp>
+        <p:nvSpPr>
+          <p:cNvPr id="4" name="Espaço Reservado para Texto 3"/>
+          <p:cNvSpPr>
+            <a:spLocks noGrp="1"/>
+          </p:cNvSpPr>
+          <p:nvPr>
+            <p:ph type="body" sz="quarter" idx="13"/>
+          </p:nvPr>
+        </p:nvSpPr>
+        <p:spPr bwMode="auto"/>
+        <p:txBody>
+          <a:bodyPr/>
+          <a:lstStyle/>
+          <a:p>
+            <a:pPr>
+              <a:defRPr/>
+            </a:pPr>
+            <a:endParaRPr lang="pt-BR"/>
+          </a:p>
+        </p:txBody>
+      </p:sp>
+      <p:pic>
+        <p:nvPicPr>
+          <p:cNvPr id="11266" name="Picture 2" descr="Median Filtering with Python and OpenCV | by Tony Flores | Medium"/>
+          <p:cNvPicPr>
+            <a:picLocks noChangeAspect="1" noChangeArrowheads="1"/>
+          </p:cNvPicPr>
+          <p:nvPr/>
+        </p:nvPicPr>
+        <p:blipFill>
+          <a:blip r:embed="rId2"/>
+          <a:stretch/>
+        </p:blipFill>
+        <p:spPr bwMode="auto">
+          <a:xfrm>
+            <a:off x="1569285" y="2151357"/>
+            <a:ext cx="5800017" cy="2792601"/>
+          </a:xfrm>
+          <a:prstGeom prst="rect">
+            <a:avLst/>
+          </a:prstGeom>
+          <a:noFill/>
+        </p:spPr>
+      </p:pic>
+    </p:spTree>
+  </p:cSld>
+  <p:clrMapOvr>
+    <a:masterClrMapping/>
+  </p:clrMapOvr>
+</p:sld>
+</file>
+
+<file path=ppt/slides/slide7.xml><?xml version="1.0" encoding="utf-8"?>
+<p:sld xmlns:a="http://schemas.openxmlformats.org/drawingml/2006/main" xmlns:r="http://schemas.openxmlformats.org/officeDocument/2006/relationships" xmlns:p="http://schemas.openxmlformats.org/presentationml/2006/main" showMasterPhAnim="0">
+  <p:cSld>
     <p:spTree>
       <p:nvGrpSpPr>
         <p:cNvPr id="1" name=""/>
@@ -12296,22 +10235,15 @@
             </a:pPr>
             <a:r>
               <a:rPr lang="pt-BR"/>
-              <a:t>Transformada de </a:t>
+              <a:t>Aplicações – Recuperação da imagem</a:t>
             </a:r>
-            <a:r>
-              <a:rPr lang="pt-BR"/>
-              <a:t>Hough</a:t>
-            </a:r>
-            <a:br>
-              <a:rPr lang="pt-BR"/>
-            </a:br>
-            <a:endParaRPr sz="1800"/>
+            <a:endParaRPr/>
           </a:p>
         </p:txBody>
       </p:sp>
       <p:sp>
         <p:nvSpPr>
-          <p:cNvPr id="7" name="Espaço Reservado para Texto 6"/>
+          <p:cNvPr id="5" name="Espaço Reservado para Texto 4"/>
           <p:cNvSpPr>
             <a:spLocks noGrp="1"/>
           </p:cNvSpPr>
@@ -12331,168 +10263,260 @@
           </a:p>
         </p:txBody>
       </p:sp>
+      <p:pic>
+        <p:nvPicPr>
+          <p:cNvPr id="4" name="Imagem 3"/>
+          <p:cNvPicPr>
+            <a:picLocks noChangeAspect="1"/>
+          </p:cNvPicPr>
+          <p:nvPr/>
+        </p:nvPicPr>
+        <p:blipFill>
+          <a:blip r:embed="rId2"/>
+          <a:stretch/>
+        </p:blipFill>
+        <p:spPr bwMode="auto">
+          <a:xfrm>
+            <a:off x="484320" y="1751308"/>
+            <a:ext cx="8018824" cy="3084163"/>
+          </a:xfrm>
+          <a:prstGeom prst="rect">
+            <a:avLst/>
+          </a:prstGeom>
+        </p:spPr>
+      </p:pic>
+    </p:spTree>
+  </p:cSld>
+  <p:clrMapOvr>
+    <a:masterClrMapping/>
+  </p:clrMapOvr>
+</p:sld>
+</file>
+
+<file path=ppt/slides/slide8.xml><?xml version="1.0" encoding="utf-8"?>
+<p:sld xmlns:a="http://schemas.openxmlformats.org/drawingml/2006/main" xmlns:r="http://schemas.openxmlformats.org/officeDocument/2006/relationships" xmlns:p="http://schemas.openxmlformats.org/presentationml/2006/main" showMasterPhAnim="0">
+  <p:cSld>
+    <p:spTree>
+      <p:nvGrpSpPr>
+        <p:cNvPr id="1" name=""/>
+        <p:cNvGrpSpPr/>
+        <p:nvPr/>
+      </p:nvGrpSpPr>
+      <p:grpSpPr bwMode="auto">
+        <a:xfrm>
+          <a:off x="0" y="0"/>
+          <a:ext cx="0" cy="0"/>
+          <a:chOff x="0" y="0"/>
+          <a:chExt cx="0" cy="0"/>
+        </a:xfrm>
+      </p:grpSpPr>
       <p:sp>
         <p:nvSpPr>
-          <p:cNvPr id="1956192845" name=""/>
-          <p:cNvSpPr txBox="1"/>
+          <p:cNvPr id="2" name="Título 1"/>
+          <p:cNvSpPr>
+            <a:spLocks noGrp="1"/>
+          </p:cNvSpPr>
+          <p:nvPr>
+            <p:ph type="title"/>
+          </p:nvPr>
+        </p:nvSpPr>
+        <p:spPr bwMode="auto"/>
+        <p:txBody>
+          <a:bodyPr/>
+          <a:lstStyle/>
+          <a:p>
+            <a:pPr>
+              <a:defRPr/>
+            </a:pPr>
+            <a:r>
+              <a:rPr lang="pt-BR"/>
+              <a:t>Realce de padrões específicos</a:t>
+            </a:r>
+            <a:endParaRPr/>
+          </a:p>
+        </p:txBody>
+      </p:sp>
+      <p:sp>
+        <p:nvSpPr>
+          <p:cNvPr id="4" name="Espaço Reservado para Texto 3"/>
+          <p:cNvSpPr>
+            <a:spLocks noGrp="1"/>
+          </p:cNvSpPr>
+          <p:nvPr>
+            <p:ph type="body" sz="quarter" idx="13"/>
+          </p:nvPr>
+        </p:nvSpPr>
+        <p:spPr bwMode="auto"/>
+        <p:txBody>
+          <a:bodyPr/>
+          <a:lstStyle/>
+          <a:p>
+            <a:pPr>
+              <a:defRPr/>
+            </a:pPr>
+            <a:endParaRPr lang="pt-BR"/>
+          </a:p>
+        </p:txBody>
+      </p:sp>
+      <p:pic>
+        <p:nvPicPr>
+          <p:cNvPr id="10242" name="Picture 2" descr="Fingerprint algorithm recognition | by Manuel Cuevas | Medium"/>
+          <p:cNvPicPr>
+            <a:picLocks noChangeAspect="1" noChangeArrowheads="1"/>
+          </p:cNvPicPr>
           <p:nvPr/>
-        </p:nvSpPr>
+        </p:nvPicPr>
+        <p:blipFill>
+          <a:blip r:embed="rId2"/>
+          <a:stretch/>
+        </p:blipFill>
         <p:spPr bwMode="auto">
-          <a:xfrm flipH="0" flipV="0">
-            <a:off x="472710" y="1575630"/>
-            <a:ext cx="8339315" cy="3932279"/>
+          <a:xfrm>
+            <a:off x="1098846" y="1282885"/>
+            <a:ext cx="6791325" cy="5257800"/>
           </a:xfrm>
           <a:prstGeom prst="rect">
             <a:avLst/>
           </a:prstGeom>
           <a:noFill/>
         </p:spPr>
-        <p:txBody>
-          <a:bodyPr vertOverflow="overflow" horzOverflow="overflow" vert="horz" wrap="square" lIns="91440" tIns="45720" rIns="91440" bIns="45720" numCol="1" spcCol="0" rtlCol="0" fromWordArt="0" anchor="t" anchorCtr="0" forceAA="0" upright="0" compatLnSpc="0">
-            <a:spAutoFit/>
-          </a:bodyPr>
-          <a:p>
-            <a:pPr marL="283879" indent="-283879">
-              <a:buAutoNum type="arabicPeriod"/>
-              <a:defRPr/>
-            </a:pPr>
-            <a:r>
-              <a:rPr/>
-              <a:t>Detecta formas em uma imagem</a:t>
-            </a:r>
-            <a:endParaRPr/>
-          </a:p>
-          <a:p>
-            <a:pPr marL="283879" indent="-283879">
-              <a:buAutoNum type="arabicPeriod"/>
-              <a:defRPr/>
-            </a:pPr>
-            <a:endParaRPr/>
-          </a:p>
-          <a:p>
-            <a:pPr marL="283879" indent="-283879">
-              <a:buAutoNum type="arabicPeriod"/>
-              <a:defRPr/>
-            </a:pPr>
-            <a:r>
-              <a:rPr/>
-              <a:t>Muito usada para círculos e retas</a:t>
-            </a:r>
-            <a:endParaRPr/>
-          </a:p>
-          <a:p>
-            <a:pPr marL="283879" indent="-283879">
-              <a:buAutoNum type="arabicPeriod"/>
-              <a:defRPr/>
-            </a:pPr>
-            <a:endParaRPr/>
-          </a:p>
-          <a:p>
-            <a:pPr marL="283879" indent="-283879">
-              <a:buAutoNum type="arabicPeriod"/>
-              <a:defRPr/>
-            </a:pPr>
-            <a:r>
-              <a:rPr/>
-              <a:t>Exige pós-processamento dos dados obtidos</a:t>
-            </a:r>
-            <a:endParaRPr/>
-          </a:p>
-          <a:p>
-            <a:pPr marL="283879" indent="-283879">
-              <a:buAutoNum type="arabicPeriod"/>
-              <a:defRPr/>
-            </a:pPr>
-            <a:endParaRPr/>
-          </a:p>
-          <a:p>
-            <a:pPr marL="683929" lvl="1" indent="-283879">
-              <a:buFont typeface="Arial"/>
-              <a:buChar char="•"/>
-              <a:defRPr/>
-            </a:pPr>
-            <a:r>
-              <a:rPr/>
-              <a:t>Problemas comuns: muitas retas/círculos parecidos (quase mesma posição, orientação ou raio)</a:t>
-            </a:r>
-            <a:endParaRPr/>
-          </a:p>
-          <a:p>
-            <a:pPr marL="683929" lvl="1" indent="-283879">
-              <a:buFont typeface="Arial"/>
-              <a:buChar char="•"/>
-              <a:defRPr/>
-            </a:pPr>
-            <a:endParaRPr/>
-          </a:p>
-          <a:p>
-            <a:pPr marL="683929" lvl="1" indent="-283879">
-              <a:buFont typeface="Arial"/>
-              <a:buChar char="•"/>
-              <a:defRPr/>
-            </a:pPr>
-            <a:r>
-              <a:rPr/>
-              <a:t>Falamos em elementos de mais alto nível, não em pixels</a:t>
-            </a:r>
-            <a:endParaRPr/>
-          </a:p>
-          <a:p>
-            <a:pPr marL="683929" lvl="1" indent="-283879">
-              <a:buFont typeface="Arial"/>
-              <a:buChar char="•"/>
-              <a:defRPr/>
-            </a:pPr>
-            <a:endParaRPr/>
-          </a:p>
-          <a:p>
-            <a:pPr marL="683929" lvl="1" indent="-283879">
-              <a:buFont typeface="Arial"/>
-              <a:buChar char="•"/>
-              <a:defRPr/>
-            </a:pPr>
-            <a:r>
-              <a:rPr/>
-              <a:t>Filtragem: eliminar retas/círculos “parecidos” com algum já selecionado</a:t>
-            </a:r>
-            <a:endParaRPr/>
-          </a:p>
-          <a:p>
-            <a:pPr marL="683929" lvl="1" indent="-283879">
-              <a:buFont typeface="Arial"/>
-              <a:buChar char="•"/>
-              <a:defRPr/>
-            </a:pPr>
-            <a:endParaRPr/>
-          </a:p>
-          <a:p>
-            <a:pPr marL="683929" lvl="1" indent="-283879">
-              <a:buFont typeface="Arial"/>
-              <a:buChar char="•"/>
-              <a:defRPr/>
-            </a:pPr>
-            <a:endParaRPr/>
-          </a:p>
-        </p:txBody>
-      </p:sp>
+      </p:pic>
     </p:spTree>
   </p:cSld>
   <p:clrMapOvr>
     <a:masterClrMapping/>
   </p:clrMapOvr>
-  <mc:AlternateContent xmlns:mc="http://schemas.openxmlformats.org/markup-compatibility/2006">
-    <mc:Choice xmlns:p14="http://schemas.microsoft.com/office/powerpoint/2010/main" Requires="p14">
-      <p:transition p14:dur="2000" advClick="1"/>
-    </mc:Choice>
-    <mc:Fallback>
-      <p:transition advClick="1"/>
-    </mc:Fallback>
-  </mc:AlternateContent>
+</p:sld>
+</file>
+
+<file path=ppt/slides/slide9.xml><?xml version="1.0" encoding="utf-8"?>
+<p:sld xmlns:a="http://schemas.openxmlformats.org/drawingml/2006/main" xmlns:r="http://schemas.openxmlformats.org/officeDocument/2006/relationships" xmlns:p="http://schemas.openxmlformats.org/presentationml/2006/main" showMasterPhAnim="0">
+  <p:cSld>
+    <p:spTree>
+      <p:nvGrpSpPr>
+        <p:cNvPr id="1" name=""/>
+        <p:cNvGrpSpPr/>
+        <p:nvPr/>
+      </p:nvGrpSpPr>
+      <p:grpSpPr bwMode="auto">
+        <a:xfrm>
+          <a:off x="0" y="0"/>
+          <a:ext cx="0" cy="0"/>
+          <a:chOff x="0" y="0"/>
+          <a:chExt cx="0" cy="0"/>
+        </a:xfrm>
+      </p:grpSpPr>
+      <p:sp>
+        <p:nvSpPr>
+          <p:cNvPr id="378245863" name="Title 1">
+            <a:extLst>
+              <a:ext uri="{FF2B5EF4-FFF2-40B4-BE49-F238E27FC236}">
+                <a16:creationId xmlns:a16="http://schemas.microsoft.com/office/drawing/2014/main" id="{BDFB7A7F-DC8B-7543-F755-C55A2119C539}"/>
+              </a:ext>
+            </a:extLst>
+          </p:cNvPr>
+          <p:cNvSpPr>
+            <a:spLocks noGrp="1"/>
+          </p:cNvSpPr>
+          <p:nvPr>
+            <p:ph type="ctrTitle"/>
+          </p:nvPr>
+        </p:nvSpPr>
+        <p:spPr>
+          <a:xfrm>
+            <a:off x="1143000" y="2681085"/>
+            <a:ext cx="6858000" cy="1495830"/>
+          </a:xfrm>
+        </p:spPr>
+        <p:txBody>
+          <a:bodyPr/>
+          <a:lstStyle/>
+          <a:p>
+            <a:r>
+              <a:rPr lang="pt-BR" dirty="0"/>
+              <a:t>Transformada de </a:t>
+            </a:r>
+            <a:r>
+              <a:rPr lang="pt-BR" dirty="0" err="1"/>
+              <a:t>Hough</a:t>
+            </a:r>
+            <a:endParaRPr lang="en-US" dirty="0"/>
+          </a:p>
+        </p:txBody>
+      </p:sp>
+      <p:sp>
+        <p:nvSpPr>
+          <p:cNvPr id="378245865" name="Slide Number Placeholder 3">
+            <a:extLst>
+              <a:ext uri="{FF2B5EF4-FFF2-40B4-BE49-F238E27FC236}">
+                <a16:creationId xmlns:a16="http://schemas.microsoft.com/office/drawing/2014/main" id="{981FF8E3-A548-A1D5-FA45-DE039B451D80}"/>
+              </a:ext>
+            </a:extLst>
+          </p:cNvPr>
+          <p:cNvSpPr>
+            <a:spLocks noGrp="1"/>
+          </p:cNvSpPr>
+          <p:nvPr>
+            <p:ph type="sldNum" sz="quarter" idx="12"/>
+          </p:nvPr>
+        </p:nvSpPr>
+        <p:spPr>
+          <a:xfrm>
+            <a:off x="6553200" y="5503070"/>
+            <a:ext cx="2133600" cy="273844"/>
+          </a:xfrm>
+        </p:spPr>
+        <p:txBody>
+          <a:bodyPr/>
+          <a:lstStyle/>
+          <a:p>
+            <a:pPr defTabSz="342900">
+              <a:spcAft>
+                <a:spcPts val="450"/>
+              </a:spcAft>
+              <a:defRPr/>
+            </a:pPr>
+            <a:fld id="{FA3AAB12-BB6E-1B4F-AF2F-E6C37C68B919}" type="slidenum">
+              <a:rPr lang="en-US">
+                <a:solidFill>
+                  <a:prstClr val="black"/>
+                </a:solidFill>
+                <a:latin typeface="Calibri"/>
+                <a:cs typeface="Arial"/>
+              </a:rPr>
+              <a:pPr defTabSz="342900">
+                <a:spcAft>
+                  <a:spcPts val="450"/>
+                </a:spcAft>
+                <a:defRPr/>
+              </a:pPr>
+              <a:t>9</a:t>
+            </a:fld>
+            <a:endParaRPr lang="en-US" dirty="0">
+              <a:solidFill>
+                <a:prstClr val="black"/>
+              </a:solidFill>
+              <a:latin typeface="Calibri"/>
+              <a:cs typeface="Arial"/>
+            </a:endParaRPr>
+          </a:p>
+        </p:txBody>
+      </p:sp>
+    </p:spTree>
+    <p:extLst>
+      <p:ext uri="{BB962C8B-B14F-4D97-AF65-F5344CB8AC3E}">
+        <p14:creationId xmlns:p14="http://schemas.microsoft.com/office/powerpoint/2010/main" val="2119880936"/>
+      </p:ext>
+    </p:extLst>
+  </p:cSld>
+  <p:clrMapOvr>
+    <a:masterClrMapping/>
+  </p:clrMapOvr>
 </p:sld>
 </file>
 
 <file path=ppt/theme/theme1.xml><?xml version="1.0" encoding="utf-8"?>
-<a:theme xmlns:a="http://schemas.openxmlformats.org/drawingml/2006/main" xmlns:r="http://schemas.openxmlformats.org/officeDocument/2006/relationships" xmlns:p="http://schemas.openxmlformats.org/presentationml/2006/main" name="Personalizar design">
+<a:theme xmlns:a="http://schemas.openxmlformats.org/drawingml/2006/main" name="Personalizar design">
   <a:themeElements>
     <a:clrScheme name="Escritório">
       <a:dk1>
@@ -12697,5 +10721,6 @@
     </a:fmtScheme>
   </a:themeElements>
   <a:objectDefaults/>
+  <a:extraClrSchemeLst/>
 </a:theme>
 </file>
--- a/docs/modulos/03-visao/slides-1.pptx
+++ b/docs/modulos/03-visao/slides-1.pptx
@@ -10,15 +10,14 @@
     <p:sldId id="258" r:id="rId4"/>
     <p:sldId id="263" r:id="rId5"/>
     <p:sldId id="259" r:id="rId6"/>
-    <p:sldId id="260" r:id="rId7"/>
-    <p:sldId id="261" r:id="rId8"/>
-    <p:sldId id="262" r:id="rId9"/>
-    <p:sldId id="272" r:id="rId10"/>
-    <p:sldId id="264" r:id="rId11"/>
-    <p:sldId id="266" r:id="rId12"/>
-    <p:sldId id="265" r:id="rId13"/>
-    <p:sldId id="271" r:id="rId14"/>
-    <p:sldId id="273" r:id="rId15"/>
+    <p:sldId id="261" r:id="rId7"/>
+    <p:sldId id="262" r:id="rId8"/>
+    <p:sldId id="272" r:id="rId9"/>
+    <p:sldId id="264" r:id="rId10"/>
+    <p:sldId id="266" r:id="rId11"/>
+    <p:sldId id="265" r:id="rId12"/>
+    <p:sldId id="271" r:id="rId13"/>
+    <p:sldId id="273" r:id="rId14"/>
   </p:sldIdLst>
   <p:sldSz cx="9144000" cy="6858000" type="screen4x3"/>
   <p:notesSz cx="9144000" cy="6858000"/>
@@ -134,6 +133,3073 @@
     </p:ext>
   </p:extLst>
 </p:presentation>
+</file>
+
+<file path=ppt/diagrams/colors1.xml><?xml version="1.0" encoding="utf-8"?>
+<dgm:colorsDef xmlns:dgm="http://schemas.openxmlformats.org/drawingml/2006/diagram" xmlns:a="http://schemas.openxmlformats.org/drawingml/2006/main" uniqueId="urn:microsoft.com/office/officeart/2005/8/colors/accent2_2">
+  <dgm:title val=""/>
+  <dgm:desc val=""/>
+  <dgm:catLst>
+    <dgm:cat type="accent2" pri="11200"/>
+  </dgm:catLst>
+  <dgm:styleLbl name="node0">
+    <dgm:fillClrLst meth="repeat">
+      <a:schemeClr val="accent2"/>
+    </dgm:fillClrLst>
+    <dgm:linClrLst meth="repeat">
+      <a:schemeClr val="lt1"/>
+    </dgm:linClrLst>
+    <dgm:effectClrLst/>
+    <dgm:txLinClrLst/>
+    <dgm:txFillClrLst/>
+    <dgm:txEffectClrLst/>
+  </dgm:styleLbl>
+  <dgm:styleLbl name="node1">
+    <dgm:fillClrLst meth="repeat">
+      <a:schemeClr val="accent2"/>
+    </dgm:fillClrLst>
+    <dgm:linClrLst meth="repeat">
+      <a:schemeClr val="lt1"/>
+    </dgm:linClrLst>
+    <dgm:effectClrLst/>
+    <dgm:txLinClrLst/>
+    <dgm:txFillClrLst/>
+    <dgm:txEffectClrLst/>
+  </dgm:styleLbl>
+  <dgm:styleLbl name="alignNode1">
+    <dgm:fillClrLst meth="repeat">
+      <a:schemeClr val="accent2"/>
+    </dgm:fillClrLst>
+    <dgm:linClrLst meth="repeat">
+      <a:schemeClr val="accent2"/>
+    </dgm:linClrLst>
+    <dgm:effectClrLst/>
+    <dgm:txLinClrLst/>
+    <dgm:txFillClrLst/>
+    <dgm:txEffectClrLst/>
+  </dgm:styleLbl>
+  <dgm:styleLbl name="lnNode1">
+    <dgm:fillClrLst meth="repeat">
+      <a:schemeClr val="accent2"/>
+    </dgm:fillClrLst>
+    <dgm:linClrLst meth="repeat">
+      <a:schemeClr val="lt1"/>
+    </dgm:linClrLst>
+    <dgm:effectClrLst/>
+    <dgm:txLinClrLst/>
+    <dgm:txFillClrLst/>
+    <dgm:txEffectClrLst/>
+  </dgm:styleLbl>
+  <dgm:styleLbl name="vennNode1">
+    <dgm:fillClrLst meth="repeat">
+      <a:schemeClr val="accent2">
+        <a:alpha val="50000"/>
+      </a:schemeClr>
+    </dgm:fillClrLst>
+    <dgm:linClrLst meth="repeat">
+      <a:schemeClr val="lt1"/>
+    </dgm:linClrLst>
+    <dgm:effectClrLst/>
+    <dgm:txLinClrLst/>
+    <dgm:txFillClrLst/>
+    <dgm:txEffectClrLst/>
+  </dgm:styleLbl>
+  <dgm:styleLbl name="node2">
+    <dgm:fillClrLst meth="repeat">
+      <a:schemeClr val="accent2"/>
+    </dgm:fillClrLst>
+    <dgm:linClrLst meth="repeat">
+      <a:schemeClr val="lt1"/>
+    </dgm:linClrLst>
+    <dgm:effectClrLst/>
+    <dgm:txLinClrLst/>
+    <dgm:txFillClrLst/>
+    <dgm:txEffectClrLst/>
+  </dgm:styleLbl>
+  <dgm:styleLbl name="node3">
+    <dgm:fillClrLst meth="repeat">
+      <a:schemeClr val="accent2"/>
+    </dgm:fillClrLst>
+    <dgm:linClrLst meth="repeat">
+      <a:schemeClr val="lt1"/>
+    </dgm:linClrLst>
+    <dgm:effectClrLst/>
+    <dgm:txLinClrLst/>
+    <dgm:txFillClrLst/>
+    <dgm:txEffectClrLst/>
+  </dgm:styleLbl>
+  <dgm:styleLbl name="node4">
+    <dgm:fillClrLst meth="repeat">
+      <a:schemeClr val="accent2"/>
+    </dgm:fillClrLst>
+    <dgm:linClrLst meth="repeat">
+      <a:schemeClr val="lt1"/>
+    </dgm:linClrLst>
+    <dgm:effectClrLst/>
+    <dgm:txLinClrLst/>
+    <dgm:txFillClrLst/>
+    <dgm:txEffectClrLst/>
+  </dgm:styleLbl>
+  <dgm:styleLbl name="fgImgPlace1">
+    <dgm:fillClrLst meth="repeat">
+      <a:schemeClr val="accent2">
+        <a:tint val="50000"/>
+      </a:schemeClr>
+    </dgm:fillClrLst>
+    <dgm:linClrLst meth="repeat">
+      <a:schemeClr val="lt1"/>
+    </dgm:linClrLst>
+    <dgm:effectClrLst/>
+    <dgm:txLinClrLst/>
+    <dgm:txFillClrLst meth="repeat">
+      <a:schemeClr val="lt1"/>
+    </dgm:txFillClrLst>
+    <dgm:txEffectClrLst/>
+  </dgm:styleLbl>
+  <dgm:styleLbl name="alignImgPlace1">
+    <dgm:fillClrLst meth="repeat">
+      <a:schemeClr val="accent2">
+        <a:tint val="50000"/>
+      </a:schemeClr>
+    </dgm:fillClrLst>
+    <dgm:linClrLst meth="repeat">
+      <a:schemeClr val="lt1"/>
+    </dgm:linClrLst>
+    <dgm:effectClrLst/>
+    <dgm:txLinClrLst/>
+    <dgm:txFillClrLst meth="repeat">
+      <a:schemeClr val="lt1"/>
+    </dgm:txFillClrLst>
+    <dgm:txEffectClrLst/>
+  </dgm:styleLbl>
+  <dgm:styleLbl name="bgImgPlace1">
+    <dgm:fillClrLst meth="repeat">
+      <a:schemeClr val="accent2">
+        <a:tint val="50000"/>
+      </a:schemeClr>
+    </dgm:fillClrLst>
+    <dgm:linClrLst meth="repeat">
+      <a:schemeClr val="lt1"/>
+    </dgm:linClrLst>
+    <dgm:effectClrLst/>
+    <dgm:txLinClrLst/>
+    <dgm:txFillClrLst meth="repeat">
+      <a:schemeClr val="lt1"/>
+    </dgm:txFillClrLst>
+    <dgm:txEffectClrLst/>
+  </dgm:styleLbl>
+  <dgm:styleLbl name="sibTrans2D1">
+    <dgm:fillClrLst meth="repeat">
+      <a:schemeClr val="accent2">
+        <a:tint val="60000"/>
+      </a:schemeClr>
+    </dgm:fillClrLst>
+    <dgm:linClrLst meth="repeat">
+      <a:schemeClr val="accent2">
+        <a:tint val="60000"/>
+      </a:schemeClr>
+    </dgm:linClrLst>
+    <dgm:effectClrLst/>
+    <dgm:txLinClrLst/>
+    <dgm:txFillClrLst/>
+    <dgm:txEffectClrLst/>
+  </dgm:styleLbl>
+  <dgm:styleLbl name="fgSibTrans2D1">
+    <dgm:fillClrLst meth="repeat">
+      <a:schemeClr val="accent2">
+        <a:tint val="60000"/>
+      </a:schemeClr>
+    </dgm:fillClrLst>
+    <dgm:linClrLst meth="repeat">
+      <a:schemeClr val="accent2">
+        <a:tint val="60000"/>
+      </a:schemeClr>
+    </dgm:linClrLst>
+    <dgm:effectClrLst/>
+    <dgm:txLinClrLst/>
+    <dgm:txFillClrLst/>
+    <dgm:txEffectClrLst/>
+  </dgm:styleLbl>
+  <dgm:styleLbl name="bgSibTrans2D1">
+    <dgm:fillClrLst meth="repeat">
+      <a:schemeClr val="accent2">
+        <a:tint val="60000"/>
+      </a:schemeClr>
+    </dgm:fillClrLst>
+    <dgm:linClrLst meth="repeat">
+      <a:schemeClr val="accent2">
+        <a:tint val="60000"/>
+      </a:schemeClr>
+    </dgm:linClrLst>
+    <dgm:effectClrLst/>
+    <dgm:txLinClrLst/>
+    <dgm:txFillClrLst/>
+    <dgm:txEffectClrLst/>
+  </dgm:styleLbl>
+  <dgm:styleLbl name="sibTrans1D1">
+    <dgm:fillClrLst meth="repeat">
+      <a:schemeClr val="accent2"/>
+    </dgm:fillClrLst>
+    <dgm:linClrLst meth="repeat">
+      <a:schemeClr val="accent2"/>
+    </dgm:linClrLst>
+    <dgm:effectClrLst/>
+    <dgm:txLinClrLst/>
+    <dgm:txFillClrLst meth="repeat">
+      <a:schemeClr val="tx1"/>
+    </dgm:txFillClrLst>
+    <dgm:txEffectClrLst/>
+  </dgm:styleLbl>
+  <dgm:styleLbl name="callout">
+    <dgm:fillClrLst meth="repeat">
+      <a:schemeClr val="accent2"/>
+    </dgm:fillClrLst>
+    <dgm:linClrLst meth="repeat">
+      <a:schemeClr val="accent2">
+        <a:tint val="50000"/>
+      </a:schemeClr>
+    </dgm:linClrLst>
+    <dgm:effectClrLst/>
+    <dgm:txLinClrLst/>
+    <dgm:txFillClrLst meth="repeat">
+      <a:schemeClr val="tx1"/>
+    </dgm:txFillClrLst>
+    <dgm:txEffectClrLst/>
+  </dgm:styleLbl>
+  <dgm:styleLbl name="asst0">
+    <dgm:fillClrLst meth="repeat">
+      <a:schemeClr val="accent2"/>
+    </dgm:fillClrLst>
+    <dgm:linClrLst meth="repeat">
+      <a:schemeClr val="lt1"/>
+    </dgm:linClrLst>
+    <dgm:effectClrLst/>
+    <dgm:txLinClrLst/>
+    <dgm:txFillClrLst/>
+    <dgm:txEffectClrLst/>
+  </dgm:styleLbl>
+  <dgm:styleLbl name="asst1">
+    <dgm:fillClrLst meth="repeat">
+      <a:schemeClr val="accent2"/>
+    </dgm:fillClrLst>
+    <dgm:linClrLst meth="repeat">
+      <a:schemeClr val="lt1"/>
+    </dgm:linClrLst>
+    <dgm:effectClrLst/>
+    <dgm:txLinClrLst/>
+    <dgm:txFillClrLst/>
+    <dgm:txEffectClrLst/>
+  </dgm:styleLbl>
+  <dgm:styleLbl name="asst2">
+    <dgm:fillClrLst meth="repeat">
+      <a:schemeClr val="accent2"/>
+    </dgm:fillClrLst>
+    <dgm:linClrLst meth="repeat">
+      <a:schemeClr val="lt1"/>
+    </dgm:linClrLst>
+    <dgm:effectClrLst/>
+    <dgm:txLinClrLst/>
+    <dgm:txFillClrLst/>
+    <dgm:txEffectClrLst/>
+  </dgm:styleLbl>
+  <dgm:styleLbl name="asst3">
+    <dgm:fillClrLst meth="repeat">
+      <a:schemeClr val="accent2"/>
+    </dgm:fillClrLst>
+    <dgm:linClrLst meth="repeat">
+      <a:schemeClr val="lt1"/>
+    </dgm:linClrLst>
+    <dgm:effectClrLst/>
+    <dgm:txLinClrLst/>
+    <dgm:txFillClrLst/>
+    <dgm:txEffectClrLst/>
+  </dgm:styleLbl>
+  <dgm:styleLbl name="asst4">
+    <dgm:fillClrLst meth="repeat">
+      <a:schemeClr val="accent2"/>
+    </dgm:fillClrLst>
+    <dgm:linClrLst meth="repeat">
+      <a:schemeClr val="lt1"/>
+    </dgm:linClrLst>
+    <dgm:effectClrLst/>
+    <dgm:txLinClrLst/>
+    <dgm:txFillClrLst/>
+    <dgm:txEffectClrLst/>
+  </dgm:styleLbl>
+  <dgm:styleLbl name="parChTrans2D1">
+    <dgm:fillClrLst meth="repeat">
+      <a:schemeClr val="accent2">
+        <a:tint val="60000"/>
+      </a:schemeClr>
+    </dgm:fillClrLst>
+    <dgm:linClrLst meth="repeat">
+      <a:schemeClr val="accent2">
+        <a:tint val="60000"/>
+      </a:schemeClr>
+    </dgm:linClrLst>
+    <dgm:effectClrLst/>
+    <dgm:txLinClrLst/>
+    <dgm:txFillClrLst meth="repeat">
+      <a:schemeClr val="lt1"/>
+    </dgm:txFillClrLst>
+    <dgm:txEffectClrLst/>
+  </dgm:styleLbl>
+  <dgm:styleLbl name="parChTrans2D2">
+    <dgm:fillClrLst meth="repeat">
+      <a:schemeClr val="accent2"/>
+    </dgm:fillClrLst>
+    <dgm:linClrLst meth="repeat">
+      <a:schemeClr val="accent2"/>
+    </dgm:linClrLst>
+    <dgm:effectClrLst/>
+    <dgm:txLinClrLst/>
+    <dgm:txFillClrLst meth="repeat">
+      <a:schemeClr val="lt1"/>
+    </dgm:txFillClrLst>
+    <dgm:txEffectClrLst/>
+  </dgm:styleLbl>
+  <dgm:styleLbl name="parChTrans2D3">
+    <dgm:fillClrLst meth="repeat">
+      <a:schemeClr val="accent2"/>
+    </dgm:fillClrLst>
+    <dgm:linClrLst meth="repeat">
+      <a:schemeClr val="accent2"/>
+    </dgm:linClrLst>
+    <dgm:effectClrLst/>
+    <dgm:txLinClrLst/>
+    <dgm:txFillClrLst meth="repeat">
+      <a:schemeClr val="lt1"/>
+    </dgm:txFillClrLst>
+    <dgm:txEffectClrLst/>
+  </dgm:styleLbl>
+  <dgm:styleLbl name="parChTrans2D4">
+    <dgm:fillClrLst meth="repeat">
+      <a:schemeClr val="accent2"/>
+    </dgm:fillClrLst>
+    <dgm:linClrLst meth="repeat">
+      <a:schemeClr val="accent2"/>
+    </dgm:linClrLst>
+    <dgm:effectClrLst/>
+    <dgm:txLinClrLst/>
+    <dgm:txFillClrLst meth="repeat">
+      <a:schemeClr val="lt1"/>
+    </dgm:txFillClrLst>
+    <dgm:txEffectClrLst/>
+  </dgm:styleLbl>
+  <dgm:styleLbl name="parChTrans1D1">
+    <dgm:fillClrLst meth="repeat">
+      <a:schemeClr val="accent2"/>
+    </dgm:fillClrLst>
+    <dgm:linClrLst meth="repeat">
+      <a:schemeClr val="accent2">
+        <a:shade val="60000"/>
+      </a:schemeClr>
+    </dgm:linClrLst>
+    <dgm:effectClrLst/>
+    <dgm:txLinClrLst/>
+    <dgm:txFillClrLst meth="repeat">
+      <a:schemeClr val="tx1"/>
+    </dgm:txFillClrLst>
+    <dgm:txEffectClrLst/>
+  </dgm:styleLbl>
+  <dgm:styleLbl name="parChTrans1D2">
+    <dgm:fillClrLst meth="repeat">
+      <a:schemeClr val="accent2"/>
+    </dgm:fillClrLst>
+    <dgm:linClrLst meth="repeat">
+      <a:schemeClr val="accent2">
+        <a:shade val="60000"/>
+      </a:schemeClr>
+    </dgm:linClrLst>
+    <dgm:effectClrLst/>
+    <dgm:txLinClrLst/>
+    <dgm:txFillClrLst meth="repeat">
+      <a:schemeClr val="tx1"/>
+    </dgm:txFillClrLst>
+    <dgm:txEffectClrLst/>
+  </dgm:styleLbl>
+  <dgm:styleLbl name="parChTrans1D3">
+    <dgm:fillClrLst meth="repeat">
+      <a:schemeClr val="accent2"/>
+    </dgm:fillClrLst>
+    <dgm:linClrLst meth="repeat">
+      <a:schemeClr val="accent2">
+        <a:shade val="80000"/>
+      </a:schemeClr>
+    </dgm:linClrLst>
+    <dgm:effectClrLst/>
+    <dgm:txLinClrLst/>
+    <dgm:txFillClrLst meth="repeat">
+      <a:schemeClr val="tx1"/>
+    </dgm:txFillClrLst>
+    <dgm:txEffectClrLst/>
+  </dgm:styleLbl>
+  <dgm:styleLbl name="parChTrans1D4">
+    <dgm:fillClrLst meth="repeat">
+      <a:schemeClr val="accent2"/>
+    </dgm:fillClrLst>
+    <dgm:linClrLst meth="repeat">
+      <a:schemeClr val="accent2">
+        <a:shade val="80000"/>
+      </a:schemeClr>
+    </dgm:linClrLst>
+    <dgm:effectClrLst/>
+    <dgm:txLinClrLst/>
+    <dgm:txFillClrLst meth="repeat">
+      <a:schemeClr val="tx1"/>
+    </dgm:txFillClrLst>
+    <dgm:txEffectClrLst/>
+  </dgm:styleLbl>
+  <dgm:styleLbl name="fgAcc1">
+    <dgm:fillClrLst meth="repeat">
+      <a:schemeClr val="lt1">
+        <a:alpha val="90000"/>
+      </a:schemeClr>
+    </dgm:fillClrLst>
+    <dgm:linClrLst meth="repeat">
+      <a:schemeClr val="accent2"/>
+    </dgm:linClrLst>
+    <dgm:effectClrLst/>
+    <dgm:txLinClrLst/>
+    <dgm:txFillClrLst meth="repeat">
+      <a:schemeClr val="dk1"/>
+    </dgm:txFillClrLst>
+    <dgm:txEffectClrLst/>
+  </dgm:styleLbl>
+  <dgm:styleLbl name="conFgAcc1">
+    <dgm:fillClrLst meth="repeat">
+      <a:schemeClr val="lt1">
+        <a:alpha val="90000"/>
+      </a:schemeClr>
+    </dgm:fillClrLst>
+    <dgm:linClrLst meth="repeat">
+      <a:schemeClr val="accent2"/>
+    </dgm:linClrLst>
+    <dgm:effectClrLst/>
+    <dgm:txLinClrLst/>
+    <dgm:txFillClrLst meth="repeat">
+      <a:schemeClr val="dk1"/>
+    </dgm:txFillClrLst>
+    <dgm:txEffectClrLst/>
+  </dgm:styleLbl>
+  <dgm:styleLbl name="alignAcc1">
+    <dgm:fillClrLst meth="repeat">
+      <a:schemeClr val="lt1">
+        <a:alpha val="90000"/>
+      </a:schemeClr>
+    </dgm:fillClrLst>
+    <dgm:linClrLst meth="repeat">
+      <a:schemeClr val="accent2"/>
+    </dgm:linClrLst>
+    <dgm:effectClrLst/>
+    <dgm:txLinClrLst/>
+    <dgm:txFillClrLst meth="repeat">
+      <a:schemeClr val="dk1"/>
+    </dgm:txFillClrLst>
+    <dgm:txEffectClrLst/>
+  </dgm:styleLbl>
+  <dgm:styleLbl name="trAlignAcc1">
+    <dgm:fillClrLst meth="repeat">
+      <a:schemeClr val="lt1">
+        <a:alpha val="40000"/>
+      </a:schemeClr>
+    </dgm:fillClrLst>
+    <dgm:linClrLst meth="repeat">
+      <a:schemeClr val="accent2"/>
+    </dgm:linClrLst>
+    <dgm:effectClrLst/>
+    <dgm:txLinClrLst/>
+    <dgm:txFillClrLst meth="repeat">
+      <a:schemeClr val="dk1"/>
+    </dgm:txFillClrLst>
+    <dgm:txEffectClrLst/>
+  </dgm:styleLbl>
+  <dgm:styleLbl name="bgAcc1">
+    <dgm:fillClrLst meth="repeat">
+      <a:schemeClr val="lt1">
+        <a:alpha val="90000"/>
+      </a:schemeClr>
+    </dgm:fillClrLst>
+    <dgm:linClrLst meth="repeat">
+      <a:schemeClr val="accent2"/>
+    </dgm:linClrLst>
+    <dgm:effectClrLst/>
+    <dgm:txLinClrLst/>
+    <dgm:txFillClrLst meth="repeat">
+      <a:schemeClr val="dk1"/>
+    </dgm:txFillClrLst>
+    <dgm:txEffectClrLst/>
+  </dgm:styleLbl>
+  <dgm:styleLbl name="solidFgAcc1">
+    <dgm:fillClrLst meth="repeat">
+      <a:schemeClr val="lt1"/>
+    </dgm:fillClrLst>
+    <dgm:linClrLst meth="repeat">
+      <a:schemeClr val="accent2"/>
+    </dgm:linClrLst>
+    <dgm:effectClrLst/>
+    <dgm:txLinClrLst/>
+    <dgm:txFillClrLst meth="repeat">
+      <a:schemeClr val="dk1"/>
+    </dgm:txFillClrLst>
+    <dgm:txEffectClrLst/>
+  </dgm:styleLbl>
+  <dgm:styleLbl name="solidAlignAcc1">
+    <dgm:fillClrLst meth="repeat">
+      <a:schemeClr val="lt1"/>
+    </dgm:fillClrLst>
+    <dgm:linClrLst meth="repeat">
+      <a:schemeClr val="accent2"/>
+    </dgm:linClrLst>
+    <dgm:effectClrLst/>
+    <dgm:txLinClrLst/>
+    <dgm:txFillClrLst meth="repeat">
+      <a:schemeClr val="dk1"/>
+    </dgm:txFillClrLst>
+    <dgm:txEffectClrLst/>
+  </dgm:styleLbl>
+  <dgm:styleLbl name="solidBgAcc1">
+    <dgm:fillClrLst meth="repeat">
+      <a:schemeClr val="lt1"/>
+    </dgm:fillClrLst>
+    <dgm:linClrLst meth="repeat">
+      <a:schemeClr val="accent2"/>
+    </dgm:linClrLst>
+    <dgm:effectClrLst/>
+    <dgm:txLinClrLst/>
+    <dgm:txFillClrLst meth="repeat">
+      <a:schemeClr val="dk1"/>
+    </dgm:txFillClrLst>
+    <dgm:txEffectClrLst/>
+  </dgm:styleLbl>
+  <dgm:styleLbl name="fgAccFollowNode1">
+    <dgm:fillClrLst meth="repeat">
+      <a:schemeClr val="accent2">
+        <a:alpha val="90000"/>
+        <a:tint val="40000"/>
+      </a:schemeClr>
+    </dgm:fillClrLst>
+    <dgm:linClrLst meth="repeat">
+      <a:schemeClr val="accent2">
+        <a:alpha val="90000"/>
+        <a:tint val="40000"/>
+      </a:schemeClr>
+    </dgm:linClrLst>
+    <dgm:effectClrLst/>
+    <dgm:txLinClrLst/>
+    <dgm:txFillClrLst meth="repeat">
+      <a:schemeClr val="dk1"/>
+    </dgm:txFillClrLst>
+    <dgm:txEffectClrLst/>
+  </dgm:styleLbl>
+  <dgm:styleLbl name="alignAccFollowNode1">
+    <dgm:fillClrLst meth="repeat">
+      <a:schemeClr val="accent2">
+        <a:alpha val="90000"/>
+        <a:tint val="40000"/>
+      </a:schemeClr>
+    </dgm:fillClrLst>
+    <dgm:linClrLst meth="repeat">
+      <a:schemeClr val="accent2">
+        <a:alpha val="90000"/>
+        <a:tint val="40000"/>
+      </a:schemeClr>
+    </dgm:linClrLst>
+    <dgm:effectClrLst/>
+    <dgm:txLinClrLst/>
+    <dgm:txFillClrLst meth="repeat">
+      <a:schemeClr val="dk1"/>
+    </dgm:txFillClrLst>
+    <dgm:txEffectClrLst/>
+  </dgm:styleLbl>
+  <dgm:styleLbl name="bgAccFollowNode1">
+    <dgm:fillClrLst meth="repeat">
+      <a:schemeClr val="accent2">
+        <a:alpha val="90000"/>
+        <a:tint val="40000"/>
+      </a:schemeClr>
+    </dgm:fillClrLst>
+    <dgm:linClrLst meth="repeat">
+      <a:schemeClr val="accent2">
+        <a:alpha val="90000"/>
+        <a:tint val="40000"/>
+      </a:schemeClr>
+    </dgm:linClrLst>
+    <dgm:effectClrLst/>
+    <dgm:txLinClrLst/>
+    <dgm:txFillClrLst meth="repeat">
+      <a:schemeClr val="dk1"/>
+    </dgm:txFillClrLst>
+    <dgm:txEffectClrLst/>
+  </dgm:styleLbl>
+  <dgm:styleLbl name="fgAcc0">
+    <dgm:fillClrLst meth="repeat">
+      <a:schemeClr val="lt1">
+        <a:alpha val="90000"/>
+      </a:schemeClr>
+    </dgm:fillClrLst>
+    <dgm:linClrLst meth="repeat">
+      <a:schemeClr val="accent2"/>
+    </dgm:linClrLst>
+    <dgm:effectClrLst/>
+    <dgm:txLinClrLst/>
+    <dgm:txFillClrLst meth="repeat">
+      <a:schemeClr val="dk1"/>
+    </dgm:txFillClrLst>
+    <dgm:txEffectClrLst/>
+  </dgm:styleLbl>
+  <dgm:styleLbl name="fgAcc2">
+    <dgm:fillClrLst meth="repeat">
+      <a:schemeClr val="lt1">
+        <a:alpha val="90000"/>
+      </a:schemeClr>
+    </dgm:fillClrLst>
+    <dgm:linClrLst meth="repeat">
+      <a:schemeClr val="accent2"/>
+    </dgm:linClrLst>
+    <dgm:effectClrLst/>
+    <dgm:txLinClrLst/>
+    <dgm:txFillClrLst meth="repeat">
+      <a:schemeClr val="dk1"/>
+    </dgm:txFillClrLst>
+    <dgm:txEffectClrLst/>
+  </dgm:styleLbl>
+  <dgm:styleLbl name="fgAcc3">
+    <dgm:fillClrLst meth="repeat">
+      <a:schemeClr val="lt1">
+        <a:alpha val="90000"/>
+      </a:schemeClr>
+    </dgm:fillClrLst>
+    <dgm:linClrLst meth="repeat">
+      <a:schemeClr val="accent2"/>
+    </dgm:linClrLst>
+    <dgm:effectClrLst/>
+    <dgm:txLinClrLst/>
+    <dgm:txFillClrLst meth="repeat">
+      <a:schemeClr val="dk1"/>
+    </dgm:txFillClrLst>
+    <dgm:txEffectClrLst/>
+  </dgm:styleLbl>
+  <dgm:styleLbl name="fgAcc4">
+    <dgm:fillClrLst meth="repeat">
+      <a:schemeClr val="lt1">
+        <a:alpha val="90000"/>
+      </a:schemeClr>
+    </dgm:fillClrLst>
+    <dgm:linClrLst meth="repeat">
+      <a:schemeClr val="accent2"/>
+    </dgm:linClrLst>
+    <dgm:effectClrLst/>
+    <dgm:txLinClrLst/>
+    <dgm:txFillClrLst meth="repeat">
+      <a:schemeClr val="dk1"/>
+    </dgm:txFillClrLst>
+    <dgm:txEffectClrLst/>
+  </dgm:styleLbl>
+  <dgm:styleLbl name="bgShp">
+    <dgm:fillClrLst meth="repeat">
+      <a:schemeClr val="accent2">
+        <a:tint val="40000"/>
+      </a:schemeClr>
+    </dgm:fillClrLst>
+    <dgm:linClrLst meth="repeat">
+      <a:schemeClr val="accent2"/>
+    </dgm:linClrLst>
+    <dgm:effectClrLst/>
+    <dgm:txLinClrLst/>
+    <dgm:txFillClrLst meth="repeat">
+      <a:schemeClr val="dk1"/>
+    </dgm:txFillClrLst>
+    <dgm:txEffectClrLst/>
+  </dgm:styleLbl>
+  <dgm:styleLbl name="dkBgShp">
+    <dgm:fillClrLst meth="repeat">
+      <a:schemeClr val="accent2">
+        <a:shade val="80000"/>
+      </a:schemeClr>
+    </dgm:fillClrLst>
+    <dgm:linClrLst meth="repeat">
+      <a:schemeClr val="accent2"/>
+    </dgm:linClrLst>
+    <dgm:effectClrLst/>
+    <dgm:txLinClrLst/>
+    <dgm:txFillClrLst meth="repeat">
+      <a:schemeClr val="lt1"/>
+    </dgm:txFillClrLst>
+    <dgm:txEffectClrLst/>
+  </dgm:styleLbl>
+  <dgm:styleLbl name="trBgShp">
+    <dgm:fillClrLst meth="repeat">
+      <a:schemeClr val="accent2">
+        <a:tint val="50000"/>
+        <a:alpha val="40000"/>
+      </a:schemeClr>
+    </dgm:fillClrLst>
+    <dgm:linClrLst meth="repeat">
+      <a:schemeClr val="accent2"/>
+    </dgm:linClrLst>
+    <dgm:effectClrLst/>
+    <dgm:txLinClrLst/>
+    <dgm:txFillClrLst meth="repeat">
+      <a:schemeClr val="lt1"/>
+    </dgm:txFillClrLst>
+    <dgm:txEffectClrLst/>
+  </dgm:styleLbl>
+  <dgm:styleLbl name="fgShp">
+    <dgm:fillClrLst meth="repeat">
+      <a:schemeClr val="accent2">
+        <a:tint val="60000"/>
+      </a:schemeClr>
+    </dgm:fillClrLst>
+    <dgm:linClrLst meth="repeat">
+      <a:schemeClr val="lt1"/>
+    </dgm:linClrLst>
+    <dgm:effectClrLst/>
+    <dgm:txLinClrLst/>
+    <dgm:txFillClrLst meth="repeat">
+      <a:schemeClr val="dk1"/>
+    </dgm:txFillClrLst>
+    <dgm:txEffectClrLst/>
+  </dgm:styleLbl>
+  <dgm:styleLbl name="revTx">
+    <dgm:fillClrLst meth="repeat">
+      <a:schemeClr val="lt1">
+        <a:alpha val="0"/>
+      </a:schemeClr>
+    </dgm:fillClrLst>
+    <dgm:linClrLst meth="repeat">
+      <a:schemeClr val="dk1">
+        <a:alpha val="0"/>
+      </a:schemeClr>
+    </dgm:linClrLst>
+    <dgm:effectClrLst/>
+    <dgm:txLinClrLst/>
+    <dgm:txFillClrLst meth="repeat">
+      <a:schemeClr val="tx1"/>
+    </dgm:txFillClrLst>
+    <dgm:txEffectClrLst/>
+  </dgm:styleLbl>
+</dgm:colorsDef>
+</file>
+
+<file path=ppt/diagrams/data1.xml><?xml version="1.0" encoding="utf-8"?>
+<dgm:dataModel xmlns:dgm="http://schemas.openxmlformats.org/drawingml/2006/diagram" xmlns:a="http://schemas.openxmlformats.org/drawingml/2006/main">
+  <dgm:ptLst>
+    <dgm:pt modelId="{F2841720-CBD2-4431-B455-1ED15A919181}" type="doc">
+      <dgm:prSet loTypeId="urn:microsoft.com/office/officeart/2018/2/layout/IconVerticalSolidList" loCatId="icon" qsTypeId="urn:microsoft.com/office/officeart/2005/8/quickstyle/simple1" qsCatId="simple" csTypeId="urn:microsoft.com/office/officeart/2005/8/colors/accent2_2" csCatId="accent2" phldr="1"/>
+      <dgm:spPr/>
+      <dgm:t>
+        <a:bodyPr/>
+        <a:lstStyle/>
+        <a:p>
+          <a:endParaRPr lang="en-US"/>
+        </a:p>
+      </dgm:t>
+    </dgm:pt>
+    <dgm:pt modelId="{A0C9800F-779D-4A6A-A523-F26DB28786D5}">
+      <dgm:prSet/>
+      <dgm:spPr/>
+      <dgm:t>
+        <a:bodyPr/>
+        <a:lstStyle/>
+        <a:p>
+          <a:pPr>
+            <a:lnSpc>
+              <a:spcPct val="100000"/>
+            </a:lnSpc>
+          </a:pPr>
+          <a:r>
+            <a:rPr lang="pt-BR" noProof="0" dirty="0"/>
+            <a:t>Detecta formas em uma imagem</a:t>
+          </a:r>
+        </a:p>
+      </dgm:t>
+    </dgm:pt>
+    <dgm:pt modelId="{BCB952B1-2823-4C96-8FD5-D16F176F28A1}" type="parTrans" cxnId="{C4911982-C8EB-45F5-B281-0979BA0F8CDB}">
+      <dgm:prSet/>
+      <dgm:spPr/>
+      <dgm:t>
+        <a:bodyPr/>
+        <a:lstStyle/>
+        <a:p>
+          <a:endParaRPr lang="en-US"/>
+        </a:p>
+      </dgm:t>
+    </dgm:pt>
+    <dgm:pt modelId="{D3693C7C-9B0B-4FAE-AC4F-EF8C1E9B158C}" type="sibTrans" cxnId="{C4911982-C8EB-45F5-B281-0979BA0F8CDB}">
+      <dgm:prSet/>
+      <dgm:spPr/>
+      <dgm:t>
+        <a:bodyPr/>
+        <a:lstStyle/>
+        <a:p>
+          <a:endParaRPr lang="en-US"/>
+        </a:p>
+      </dgm:t>
+    </dgm:pt>
+    <dgm:pt modelId="{DD7849E8-C969-4207-9BE5-80DCC7A2DCBC}">
+      <dgm:prSet/>
+      <dgm:spPr/>
+      <dgm:t>
+        <a:bodyPr/>
+        <a:lstStyle/>
+        <a:p>
+          <a:pPr>
+            <a:lnSpc>
+              <a:spcPct val="100000"/>
+            </a:lnSpc>
+          </a:pPr>
+          <a:r>
+            <a:rPr lang="pt-BR" noProof="0" dirty="0"/>
+            <a:t>Muito usada para círculos e retas</a:t>
+          </a:r>
+        </a:p>
+      </dgm:t>
+    </dgm:pt>
+    <dgm:pt modelId="{C754EC26-FA5F-4BBC-81CE-581E259B7C0A}" type="parTrans" cxnId="{97FD7BB5-CAC0-4034-8EF7-0C50429A1B5E}">
+      <dgm:prSet/>
+      <dgm:spPr/>
+      <dgm:t>
+        <a:bodyPr/>
+        <a:lstStyle/>
+        <a:p>
+          <a:endParaRPr lang="en-US"/>
+        </a:p>
+      </dgm:t>
+    </dgm:pt>
+    <dgm:pt modelId="{39DBD2C5-92BD-4378-BC48-E267D294D073}" type="sibTrans" cxnId="{97FD7BB5-CAC0-4034-8EF7-0C50429A1B5E}">
+      <dgm:prSet/>
+      <dgm:spPr/>
+      <dgm:t>
+        <a:bodyPr/>
+        <a:lstStyle/>
+        <a:p>
+          <a:endParaRPr lang="en-US"/>
+        </a:p>
+      </dgm:t>
+    </dgm:pt>
+    <dgm:pt modelId="{84C1C6E8-AB99-4334-94F2-12F92F8F74CF}">
+      <dgm:prSet/>
+      <dgm:spPr/>
+      <dgm:t>
+        <a:bodyPr/>
+        <a:lstStyle/>
+        <a:p>
+          <a:pPr>
+            <a:lnSpc>
+              <a:spcPct val="100000"/>
+            </a:lnSpc>
+          </a:pPr>
+          <a:r>
+            <a:rPr lang="en-US"/>
+            <a:t>Exige pós-processamento dos dados obtidos</a:t>
+          </a:r>
+        </a:p>
+      </dgm:t>
+    </dgm:pt>
+    <dgm:pt modelId="{5AD58A27-32EB-4F2C-ABCA-4DA26BAB71F3}" type="parTrans" cxnId="{BE66D854-D94B-4214-A587-55E0B7FEBB69}">
+      <dgm:prSet/>
+      <dgm:spPr/>
+      <dgm:t>
+        <a:bodyPr/>
+        <a:lstStyle/>
+        <a:p>
+          <a:endParaRPr lang="en-US"/>
+        </a:p>
+      </dgm:t>
+    </dgm:pt>
+    <dgm:pt modelId="{C6B0E4E8-9B2E-465D-A6DE-205DBAE3CFF4}" type="sibTrans" cxnId="{BE66D854-D94B-4214-A587-55E0B7FEBB69}">
+      <dgm:prSet/>
+      <dgm:spPr/>
+      <dgm:t>
+        <a:bodyPr/>
+        <a:lstStyle/>
+        <a:p>
+          <a:endParaRPr lang="en-US"/>
+        </a:p>
+      </dgm:t>
+    </dgm:pt>
+    <dgm:pt modelId="{4A450CD6-1E6F-4FBB-8148-A6AF253E0F4C}">
+      <dgm:prSet custT="1"/>
+      <dgm:spPr/>
+      <dgm:t>
+        <a:bodyPr/>
+        <a:lstStyle/>
+        <a:p>
+          <a:pPr>
+            <a:lnSpc>
+              <a:spcPct val="100000"/>
+            </a:lnSpc>
+          </a:pPr>
+          <a:r>
+            <a:rPr lang="pt-BR" sz="1600" noProof="0" dirty="0"/>
+            <a:t>Problemas</a:t>
+          </a:r>
+          <a:r>
+            <a:rPr lang="en-US" sz="1600" dirty="0"/>
+            <a:t>: </a:t>
+          </a:r>
+          <a:r>
+            <a:rPr lang="pt-BR" sz="1600" noProof="0" dirty="0"/>
+            <a:t>Encontra muitas retas/círculos parecidos (posição e dimensões)</a:t>
+          </a:r>
+        </a:p>
+      </dgm:t>
+    </dgm:pt>
+    <dgm:pt modelId="{1A6E91AA-986D-43F2-9A9C-BE78E00FB3EF}" type="parTrans" cxnId="{B7C0726C-218E-4FC6-80EB-4C8F80C97A4D}">
+      <dgm:prSet/>
+      <dgm:spPr/>
+      <dgm:t>
+        <a:bodyPr/>
+        <a:lstStyle/>
+        <a:p>
+          <a:endParaRPr lang="en-US"/>
+        </a:p>
+      </dgm:t>
+    </dgm:pt>
+    <dgm:pt modelId="{98CE7F86-42F2-49BF-9F4D-8F8758BC30A3}" type="sibTrans" cxnId="{B7C0726C-218E-4FC6-80EB-4C8F80C97A4D}">
+      <dgm:prSet/>
+      <dgm:spPr/>
+      <dgm:t>
+        <a:bodyPr/>
+        <a:lstStyle/>
+        <a:p>
+          <a:endParaRPr lang="en-US"/>
+        </a:p>
+      </dgm:t>
+    </dgm:pt>
+    <dgm:pt modelId="{1423F381-A2B9-45AD-99BA-F05E2E6E8AE8}">
+      <dgm:prSet custT="1"/>
+      <dgm:spPr/>
+      <dgm:t>
+        <a:bodyPr/>
+        <a:lstStyle/>
+        <a:p>
+          <a:pPr>
+            <a:lnSpc>
+              <a:spcPct val="100000"/>
+            </a:lnSpc>
+          </a:pPr>
+          <a:r>
+            <a:rPr lang="pt-BR" sz="1600" noProof="0" dirty="0"/>
+            <a:t>Desafio: Filtragem - eliminar retas/círculos “parecidos”.</a:t>
+          </a:r>
+          <a:endParaRPr lang="pt-BR" sz="1200" noProof="0" dirty="0"/>
+        </a:p>
+      </dgm:t>
+    </dgm:pt>
+    <dgm:pt modelId="{E5D73731-75FE-45F8-8B13-11A23550F98F}" type="parTrans" cxnId="{36B2B475-977F-46C7-8133-F3F702484A6E}">
+      <dgm:prSet/>
+      <dgm:spPr/>
+      <dgm:t>
+        <a:bodyPr/>
+        <a:lstStyle/>
+        <a:p>
+          <a:endParaRPr lang="en-US"/>
+        </a:p>
+      </dgm:t>
+    </dgm:pt>
+    <dgm:pt modelId="{622F9D2B-088B-4D49-ACEC-E10F655382DE}" type="sibTrans" cxnId="{36B2B475-977F-46C7-8133-F3F702484A6E}">
+      <dgm:prSet/>
+      <dgm:spPr/>
+      <dgm:t>
+        <a:bodyPr/>
+        <a:lstStyle/>
+        <a:p>
+          <a:endParaRPr lang="en-US"/>
+        </a:p>
+      </dgm:t>
+    </dgm:pt>
+    <dgm:pt modelId="{136635BD-30C1-4B30-9E2E-3A60ED79BF82}" type="pres">
+      <dgm:prSet presAssocID="{F2841720-CBD2-4431-B455-1ED15A919181}" presName="root" presStyleCnt="0">
+        <dgm:presLayoutVars>
+          <dgm:dir/>
+          <dgm:resizeHandles val="exact"/>
+        </dgm:presLayoutVars>
+      </dgm:prSet>
+      <dgm:spPr/>
+    </dgm:pt>
+    <dgm:pt modelId="{D896E8F7-DE19-4FC5-B9AD-89F214164751}" type="pres">
+      <dgm:prSet presAssocID="{A0C9800F-779D-4A6A-A523-F26DB28786D5}" presName="compNode" presStyleCnt="0"/>
+      <dgm:spPr/>
+    </dgm:pt>
+    <dgm:pt modelId="{27E13194-160A-48CE-8B57-810D71172CB1}" type="pres">
+      <dgm:prSet presAssocID="{A0C9800F-779D-4A6A-A523-F26DB28786D5}" presName="bgRect" presStyleLbl="bgShp" presStyleIdx="0" presStyleCnt="3"/>
+      <dgm:spPr/>
+    </dgm:pt>
+    <dgm:pt modelId="{9398997D-AB73-477A-9BE5-55656EFE899A}" type="pres">
+      <dgm:prSet presAssocID="{A0C9800F-779D-4A6A-A523-F26DB28786D5}" presName="iconRect" presStyleLbl="node1" presStyleIdx="0" presStyleCnt="3"/>
+      <dgm:spPr>
+        <a:blipFill>
+          <a:blip xmlns:r="http://schemas.openxmlformats.org/officeDocument/2006/relationships" r:embed="rId1">
+            <a:extLst>
+              <a:ext uri="{28A0092B-C50C-407E-A947-70E740481C1C}">
+                <a14:useLocalDpi xmlns:a14="http://schemas.microsoft.com/office/drawing/2010/main" val="0"/>
+              </a:ext>
+              <a:ext uri="{96DAC541-7B7A-43D3-8B79-37D633B846F1}">
+                <asvg:svgBlip xmlns:asvg="http://schemas.microsoft.com/office/drawing/2016/SVG/main" r:embed="rId2"/>
+              </a:ext>
+            </a:extLst>
+          </a:blip>
+          <a:stretch>
+            <a:fillRect/>
+          </a:stretch>
+        </a:blipFill>
+        <a:ln>
+          <a:noFill/>
+        </a:ln>
+      </dgm:spPr>
+      <dgm:extLst>
+        <a:ext uri="{E40237B7-FDA0-4F09-8148-C483321AD2D9}">
+          <dgm14:cNvPr xmlns:dgm14="http://schemas.microsoft.com/office/drawing/2010/diagram" id="0" name="" descr="Câmera"/>
+        </a:ext>
+      </dgm:extLst>
+    </dgm:pt>
+    <dgm:pt modelId="{962E69A8-8ADC-4A73-A58C-99B826F163EF}" type="pres">
+      <dgm:prSet presAssocID="{A0C9800F-779D-4A6A-A523-F26DB28786D5}" presName="spaceRect" presStyleCnt="0"/>
+      <dgm:spPr/>
+    </dgm:pt>
+    <dgm:pt modelId="{D4BE9145-78E0-4E14-AC85-C675A1C43914}" type="pres">
+      <dgm:prSet presAssocID="{A0C9800F-779D-4A6A-A523-F26DB28786D5}" presName="parTx" presStyleLbl="revTx" presStyleIdx="0" presStyleCnt="4">
+        <dgm:presLayoutVars>
+          <dgm:chMax val="0"/>
+          <dgm:chPref val="0"/>
+        </dgm:presLayoutVars>
+      </dgm:prSet>
+      <dgm:spPr/>
+    </dgm:pt>
+    <dgm:pt modelId="{6EAFBF74-BCFF-4B7A-9CAA-96DF4E9A7C4B}" type="pres">
+      <dgm:prSet presAssocID="{D3693C7C-9B0B-4FAE-AC4F-EF8C1E9B158C}" presName="sibTrans" presStyleCnt="0"/>
+      <dgm:spPr/>
+    </dgm:pt>
+    <dgm:pt modelId="{63F14E32-7FC6-467D-B9FA-47324FE8E92B}" type="pres">
+      <dgm:prSet presAssocID="{DD7849E8-C969-4207-9BE5-80DCC7A2DCBC}" presName="compNode" presStyleCnt="0"/>
+      <dgm:spPr/>
+    </dgm:pt>
+    <dgm:pt modelId="{0C0C50F1-5AA4-4288-8808-4281220095B2}" type="pres">
+      <dgm:prSet presAssocID="{DD7849E8-C969-4207-9BE5-80DCC7A2DCBC}" presName="bgRect" presStyleLbl="bgShp" presStyleIdx="1" presStyleCnt="3"/>
+      <dgm:spPr/>
+    </dgm:pt>
+    <dgm:pt modelId="{BFF2FD52-93DF-48AC-850B-1E451B82F0E0}" type="pres">
+      <dgm:prSet presAssocID="{DD7849E8-C969-4207-9BE5-80DCC7A2DCBC}" presName="iconRect" presStyleLbl="node1" presStyleIdx="1" presStyleCnt="3"/>
+      <dgm:spPr>
+        <a:blipFill>
+          <a:blip xmlns:r="http://schemas.openxmlformats.org/officeDocument/2006/relationships" r:embed="rId3">
+            <a:extLst>
+              <a:ext uri="{28A0092B-C50C-407E-A947-70E740481C1C}">
+                <a14:useLocalDpi xmlns:a14="http://schemas.microsoft.com/office/drawing/2010/main" val="0"/>
+              </a:ext>
+              <a:ext uri="{96DAC541-7B7A-43D3-8B79-37D633B846F1}">
+                <asvg:svgBlip xmlns:asvg="http://schemas.microsoft.com/office/drawing/2016/SVG/main" r:embed="rId4"/>
+              </a:ext>
+            </a:extLst>
+          </a:blip>
+          <a:stretch>
+            <a:fillRect/>
+          </a:stretch>
+        </a:blipFill>
+        <a:ln>
+          <a:noFill/>
+        </a:ln>
+      </dgm:spPr>
+      <dgm:extLst>
+        <a:ext uri="{E40237B7-FDA0-4F09-8148-C483321AD2D9}">
+          <dgm14:cNvPr xmlns:dgm14="http://schemas.microsoft.com/office/drawing/2010/diagram" id="0" name="" descr="Tesouras"/>
+        </a:ext>
+      </dgm:extLst>
+    </dgm:pt>
+    <dgm:pt modelId="{6747E601-A352-4479-954D-C6FEB933FCC7}" type="pres">
+      <dgm:prSet presAssocID="{DD7849E8-C969-4207-9BE5-80DCC7A2DCBC}" presName="spaceRect" presStyleCnt="0"/>
+      <dgm:spPr/>
+    </dgm:pt>
+    <dgm:pt modelId="{CFF7CFE9-EA96-4C86-8322-01B93BFBBFCC}" type="pres">
+      <dgm:prSet presAssocID="{DD7849E8-C969-4207-9BE5-80DCC7A2DCBC}" presName="parTx" presStyleLbl="revTx" presStyleIdx="1" presStyleCnt="4">
+        <dgm:presLayoutVars>
+          <dgm:chMax val="0"/>
+          <dgm:chPref val="0"/>
+        </dgm:presLayoutVars>
+      </dgm:prSet>
+      <dgm:spPr/>
+    </dgm:pt>
+    <dgm:pt modelId="{3A509F0B-E86D-445A-BB41-606666B7249D}" type="pres">
+      <dgm:prSet presAssocID="{39DBD2C5-92BD-4378-BC48-E267D294D073}" presName="sibTrans" presStyleCnt="0"/>
+      <dgm:spPr/>
+    </dgm:pt>
+    <dgm:pt modelId="{350A0913-55F9-450B-B03F-F058F4956BDF}" type="pres">
+      <dgm:prSet presAssocID="{84C1C6E8-AB99-4334-94F2-12F92F8F74CF}" presName="compNode" presStyleCnt="0"/>
+      <dgm:spPr/>
+    </dgm:pt>
+    <dgm:pt modelId="{340170AA-E9BF-4404-9A48-3DFD8BE8114A}" type="pres">
+      <dgm:prSet presAssocID="{84C1C6E8-AB99-4334-94F2-12F92F8F74CF}" presName="bgRect" presStyleLbl="bgShp" presStyleIdx="2" presStyleCnt="3"/>
+      <dgm:spPr/>
+    </dgm:pt>
+    <dgm:pt modelId="{02EEA1CD-E433-40D3-996C-85730027B90C}" type="pres">
+      <dgm:prSet presAssocID="{84C1C6E8-AB99-4334-94F2-12F92F8F74CF}" presName="iconRect" presStyleLbl="node1" presStyleIdx="2" presStyleCnt="3"/>
+      <dgm:spPr>
+        <a:blipFill>
+          <a:blip xmlns:r="http://schemas.openxmlformats.org/officeDocument/2006/relationships" r:embed="rId5">
+            <a:extLst>
+              <a:ext uri="{28A0092B-C50C-407E-A947-70E740481C1C}">
+                <a14:useLocalDpi xmlns:a14="http://schemas.microsoft.com/office/drawing/2010/main" val="0"/>
+              </a:ext>
+              <a:ext uri="{96DAC541-7B7A-43D3-8B79-37D633B846F1}">
+                <asvg:svgBlip xmlns:asvg="http://schemas.microsoft.com/office/drawing/2016/SVG/main" r:embed="rId6"/>
+              </a:ext>
+            </a:extLst>
+          </a:blip>
+          <a:stretch>
+            <a:fillRect/>
+          </a:stretch>
+        </a:blipFill>
+        <a:ln>
+          <a:noFill/>
+        </a:ln>
+      </dgm:spPr>
+      <dgm:extLst>
+        <a:ext uri="{E40237B7-FDA0-4F09-8148-C483321AD2D9}">
+          <dgm14:cNvPr xmlns:dgm14="http://schemas.microsoft.com/office/drawing/2010/diagram" id="0" name="" descr="Desconectado"/>
+        </a:ext>
+      </dgm:extLst>
+    </dgm:pt>
+    <dgm:pt modelId="{FDE68933-D6AA-4FCC-949C-3F3ED6F45588}" type="pres">
+      <dgm:prSet presAssocID="{84C1C6E8-AB99-4334-94F2-12F92F8F74CF}" presName="spaceRect" presStyleCnt="0"/>
+      <dgm:spPr/>
+    </dgm:pt>
+    <dgm:pt modelId="{4A1D3E4A-D609-4618-8679-D419B3A4F657}" type="pres">
+      <dgm:prSet presAssocID="{84C1C6E8-AB99-4334-94F2-12F92F8F74CF}" presName="parTx" presStyleLbl="revTx" presStyleIdx="2" presStyleCnt="4">
+        <dgm:presLayoutVars>
+          <dgm:chMax val="0"/>
+          <dgm:chPref val="0"/>
+        </dgm:presLayoutVars>
+      </dgm:prSet>
+      <dgm:spPr/>
+    </dgm:pt>
+    <dgm:pt modelId="{A304D6B9-4876-4CFD-900B-4738665E4820}" type="pres">
+      <dgm:prSet presAssocID="{84C1C6E8-AB99-4334-94F2-12F92F8F74CF}" presName="desTx" presStyleLbl="revTx" presStyleIdx="3" presStyleCnt="4">
+        <dgm:presLayoutVars/>
+      </dgm:prSet>
+      <dgm:spPr/>
+    </dgm:pt>
+  </dgm:ptLst>
+  <dgm:cxnLst>
+    <dgm:cxn modelId="{16920F38-738A-412F-A8A0-8A8E78B1BEC4}" type="presOf" srcId="{F2841720-CBD2-4431-B455-1ED15A919181}" destId="{136635BD-30C1-4B30-9E2E-3A60ED79BF82}" srcOrd="0" destOrd="0" presId="urn:microsoft.com/office/officeart/2018/2/layout/IconVerticalSolidList"/>
+    <dgm:cxn modelId="{B7C0726C-218E-4FC6-80EB-4C8F80C97A4D}" srcId="{84C1C6E8-AB99-4334-94F2-12F92F8F74CF}" destId="{4A450CD6-1E6F-4FBB-8148-A6AF253E0F4C}" srcOrd="0" destOrd="0" parTransId="{1A6E91AA-986D-43F2-9A9C-BE78E00FB3EF}" sibTransId="{98CE7F86-42F2-49BF-9F4D-8F8758BC30A3}"/>
+    <dgm:cxn modelId="{BE66D854-D94B-4214-A587-55E0B7FEBB69}" srcId="{F2841720-CBD2-4431-B455-1ED15A919181}" destId="{84C1C6E8-AB99-4334-94F2-12F92F8F74CF}" srcOrd="2" destOrd="0" parTransId="{5AD58A27-32EB-4F2C-ABCA-4DA26BAB71F3}" sibTransId="{C6B0E4E8-9B2E-465D-A6DE-205DBAE3CFF4}"/>
+    <dgm:cxn modelId="{36B2B475-977F-46C7-8133-F3F702484A6E}" srcId="{84C1C6E8-AB99-4334-94F2-12F92F8F74CF}" destId="{1423F381-A2B9-45AD-99BA-F05E2E6E8AE8}" srcOrd="1" destOrd="0" parTransId="{E5D73731-75FE-45F8-8B13-11A23550F98F}" sibTransId="{622F9D2B-088B-4D49-ACEC-E10F655382DE}"/>
+    <dgm:cxn modelId="{15F5427B-B3EE-4ECE-B3B6-8C5902F19AFE}" type="presOf" srcId="{1423F381-A2B9-45AD-99BA-F05E2E6E8AE8}" destId="{A304D6B9-4876-4CFD-900B-4738665E4820}" srcOrd="0" destOrd="1" presId="urn:microsoft.com/office/officeart/2018/2/layout/IconVerticalSolidList"/>
+    <dgm:cxn modelId="{C4911982-C8EB-45F5-B281-0979BA0F8CDB}" srcId="{F2841720-CBD2-4431-B455-1ED15A919181}" destId="{A0C9800F-779D-4A6A-A523-F26DB28786D5}" srcOrd="0" destOrd="0" parTransId="{BCB952B1-2823-4C96-8FD5-D16F176F28A1}" sibTransId="{D3693C7C-9B0B-4FAE-AC4F-EF8C1E9B158C}"/>
+    <dgm:cxn modelId="{97FD7BB5-CAC0-4034-8EF7-0C50429A1B5E}" srcId="{F2841720-CBD2-4431-B455-1ED15A919181}" destId="{DD7849E8-C969-4207-9BE5-80DCC7A2DCBC}" srcOrd="1" destOrd="0" parTransId="{C754EC26-FA5F-4BBC-81CE-581E259B7C0A}" sibTransId="{39DBD2C5-92BD-4378-BC48-E267D294D073}"/>
+    <dgm:cxn modelId="{D368CDC7-A3E7-410B-BD83-CF4D5E592F5F}" type="presOf" srcId="{84C1C6E8-AB99-4334-94F2-12F92F8F74CF}" destId="{4A1D3E4A-D609-4618-8679-D419B3A4F657}" srcOrd="0" destOrd="0" presId="urn:microsoft.com/office/officeart/2018/2/layout/IconVerticalSolidList"/>
+    <dgm:cxn modelId="{8C88EFCD-61C2-40D8-A531-05801313D1FF}" type="presOf" srcId="{A0C9800F-779D-4A6A-A523-F26DB28786D5}" destId="{D4BE9145-78E0-4E14-AC85-C675A1C43914}" srcOrd="0" destOrd="0" presId="urn:microsoft.com/office/officeart/2018/2/layout/IconVerticalSolidList"/>
+    <dgm:cxn modelId="{FA6D4EDD-BDF0-438D-869D-C4EF561F4355}" type="presOf" srcId="{DD7849E8-C969-4207-9BE5-80DCC7A2DCBC}" destId="{CFF7CFE9-EA96-4C86-8322-01B93BFBBFCC}" srcOrd="0" destOrd="0" presId="urn:microsoft.com/office/officeart/2018/2/layout/IconVerticalSolidList"/>
+    <dgm:cxn modelId="{A70E93F2-2EAC-4A47-8B73-E96F7225D17F}" type="presOf" srcId="{4A450CD6-1E6F-4FBB-8148-A6AF253E0F4C}" destId="{A304D6B9-4876-4CFD-900B-4738665E4820}" srcOrd="0" destOrd="0" presId="urn:microsoft.com/office/officeart/2018/2/layout/IconVerticalSolidList"/>
+    <dgm:cxn modelId="{20407C17-03D7-41E8-9BF6-EE9DC0F3E093}" type="presParOf" srcId="{136635BD-30C1-4B30-9E2E-3A60ED79BF82}" destId="{D896E8F7-DE19-4FC5-B9AD-89F214164751}" srcOrd="0" destOrd="0" presId="urn:microsoft.com/office/officeart/2018/2/layout/IconVerticalSolidList"/>
+    <dgm:cxn modelId="{F6AB7001-A753-479B-BBA9-1B7BB605C286}" type="presParOf" srcId="{D896E8F7-DE19-4FC5-B9AD-89F214164751}" destId="{27E13194-160A-48CE-8B57-810D71172CB1}" srcOrd="0" destOrd="0" presId="urn:microsoft.com/office/officeart/2018/2/layout/IconVerticalSolidList"/>
+    <dgm:cxn modelId="{06E8EE1E-23D7-471C-A85D-B0B5EEC90333}" type="presParOf" srcId="{D896E8F7-DE19-4FC5-B9AD-89F214164751}" destId="{9398997D-AB73-477A-9BE5-55656EFE899A}" srcOrd="1" destOrd="0" presId="urn:microsoft.com/office/officeart/2018/2/layout/IconVerticalSolidList"/>
+    <dgm:cxn modelId="{4E8F6199-5921-47CC-B498-FE2556381FC5}" type="presParOf" srcId="{D896E8F7-DE19-4FC5-B9AD-89F214164751}" destId="{962E69A8-8ADC-4A73-A58C-99B826F163EF}" srcOrd="2" destOrd="0" presId="urn:microsoft.com/office/officeart/2018/2/layout/IconVerticalSolidList"/>
+    <dgm:cxn modelId="{2BB91340-AB81-4069-9A00-0E69150E419A}" type="presParOf" srcId="{D896E8F7-DE19-4FC5-B9AD-89F214164751}" destId="{D4BE9145-78E0-4E14-AC85-C675A1C43914}" srcOrd="3" destOrd="0" presId="urn:microsoft.com/office/officeart/2018/2/layout/IconVerticalSolidList"/>
+    <dgm:cxn modelId="{F08C569A-0F9B-4A1E-B224-6754EBB58686}" type="presParOf" srcId="{136635BD-30C1-4B30-9E2E-3A60ED79BF82}" destId="{6EAFBF74-BCFF-4B7A-9CAA-96DF4E9A7C4B}" srcOrd="1" destOrd="0" presId="urn:microsoft.com/office/officeart/2018/2/layout/IconVerticalSolidList"/>
+    <dgm:cxn modelId="{CBCBD380-B5BF-4ADB-AF21-9535FC2E47D3}" type="presParOf" srcId="{136635BD-30C1-4B30-9E2E-3A60ED79BF82}" destId="{63F14E32-7FC6-467D-B9FA-47324FE8E92B}" srcOrd="2" destOrd="0" presId="urn:microsoft.com/office/officeart/2018/2/layout/IconVerticalSolidList"/>
+    <dgm:cxn modelId="{0C0905DF-ADFC-4737-B85B-084C9B0A86AD}" type="presParOf" srcId="{63F14E32-7FC6-467D-B9FA-47324FE8E92B}" destId="{0C0C50F1-5AA4-4288-8808-4281220095B2}" srcOrd="0" destOrd="0" presId="urn:microsoft.com/office/officeart/2018/2/layout/IconVerticalSolidList"/>
+    <dgm:cxn modelId="{F2141A50-C95E-4265-952D-14C5A32C75B5}" type="presParOf" srcId="{63F14E32-7FC6-467D-B9FA-47324FE8E92B}" destId="{BFF2FD52-93DF-48AC-850B-1E451B82F0E0}" srcOrd="1" destOrd="0" presId="urn:microsoft.com/office/officeart/2018/2/layout/IconVerticalSolidList"/>
+    <dgm:cxn modelId="{69E755F7-8B14-4B4B-A22B-7F8D055EE207}" type="presParOf" srcId="{63F14E32-7FC6-467D-B9FA-47324FE8E92B}" destId="{6747E601-A352-4479-954D-C6FEB933FCC7}" srcOrd="2" destOrd="0" presId="urn:microsoft.com/office/officeart/2018/2/layout/IconVerticalSolidList"/>
+    <dgm:cxn modelId="{D914356C-6C94-4075-86C7-5826EDA00A1A}" type="presParOf" srcId="{63F14E32-7FC6-467D-B9FA-47324FE8E92B}" destId="{CFF7CFE9-EA96-4C86-8322-01B93BFBBFCC}" srcOrd="3" destOrd="0" presId="urn:microsoft.com/office/officeart/2018/2/layout/IconVerticalSolidList"/>
+    <dgm:cxn modelId="{B538A1EC-BE0E-4122-A5C2-865378C48AD8}" type="presParOf" srcId="{136635BD-30C1-4B30-9E2E-3A60ED79BF82}" destId="{3A509F0B-E86D-445A-BB41-606666B7249D}" srcOrd="3" destOrd="0" presId="urn:microsoft.com/office/officeart/2018/2/layout/IconVerticalSolidList"/>
+    <dgm:cxn modelId="{A7CF8BD4-6D60-4651-BC08-73E9D0729E2E}" type="presParOf" srcId="{136635BD-30C1-4B30-9E2E-3A60ED79BF82}" destId="{350A0913-55F9-450B-B03F-F058F4956BDF}" srcOrd="4" destOrd="0" presId="urn:microsoft.com/office/officeart/2018/2/layout/IconVerticalSolidList"/>
+    <dgm:cxn modelId="{F60E6373-12D7-4321-927A-DB742241222A}" type="presParOf" srcId="{350A0913-55F9-450B-B03F-F058F4956BDF}" destId="{340170AA-E9BF-4404-9A48-3DFD8BE8114A}" srcOrd="0" destOrd="0" presId="urn:microsoft.com/office/officeart/2018/2/layout/IconVerticalSolidList"/>
+    <dgm:cxn modelId="{ABF8A0C9-2A26-4D3D-95F8-8F96FC2FF601}" type="presParOf" srcId="{350A0913-55F9-450B-B03F-F058F4956BDF}" destId="{02EEA1CD-E433-40D3-996C-85730027B90C}" srcOrd="1" destOrd="0" presId="urn:microsoft.com/office/officeart/2018/2/layout/IconVerticalSolidList"/>
+    <dgm:cxn modelId="{CD78A0E9-898F-407E-AA90-166091D1B0E7}" type="presParOf" srcId="{350A0913-55F9-450B-B03F-F058F4956BDF}" destId="{FDE68933-D6AA-4FCC-949C-3F3ED6F45588}" srcOrd="2" destOrd="0" presId="urn:microsoft.com/office/officeart/2018/2/layout/IconVerticalSolidList"/>
+    <dgm:cxn modelId="{714C8D45-C918-42A8-B4E8-034E9EAE9516}" type="presParOf" srcId="{350A0913-55F9-450B-B03F-F058F4956BDF}" destId="{4A1D3E4A-D609-4618-8679-D419B3A4F657}" srcOrd="3" destOrd="0" presId="urn:microsoft.com/office/officeart/2018/2/layout/IconVerticalSolidList"/>
+    <dgm:cxn modelId="{2E015161-E43C-4698-A4AB-EFF2467D7FD9}" type="presParOf" srcId="{350A0913-55F9-450B-B03F-F058F4956BDF}" destId="{A304D6B9-4876-4CFD-900B-4738665E4820}" srcOrd="4" destOrd="0" presId="urn:microsoft.com/office/officeart/2018/2/layout/IconVerticalSolidList"/>
+  </dgm:cxnLst>
+  <dgm:bg/>
+  <dgm:whole/>
+  <dgm:extLst>
+    <a:ext uri="http://schemas.microsoft.com/office/drawing/2008/diagram">
+      <dsp:dataModelExt xmlns:dsp="http://schemas.microsoft.com/office/drawing/2008/diagram" relId="rId6" minVer="http://schemas.openxmlformats.org/drawingml/2006/diagram"/>
+    </a:ext>
+  </dgm:extLst>
+</dgm:dataModel>
+</file>
+
+<file path=ppt/diagrams/drawing1.xml><?xml version="1.0" encoding="utf-8"?>
+<dsp:drawing xmlns:dgm="http://schemas.openxmlformats.org/drawingml/2006/diagram" xmlns:dsp="http://schemas.microsoft.com/office/drawing/2008/diagram" xmlns:a="http://schemas.openxmlformats.org/drawingml/2006/main">
+  <dsp:spTree>
+    <dsp:nvGrpSpPr>
+      <dsp:cNvPr id="0" name=""/>
+      <dsp:cNvGrpSpPr/>
+    </dsp:nvGrpSpPr>
+    <dsp:grpSpPr/>
+    <dsp:sp modelId="{27E13194-160A-48CE-8B57-810D71172CB1}">
+      <dsp:nvSpPr>
+        <dsp:cNvPr id="0" name=""/>
+        <dsp:cNvSpPr/>
+      </dsp:nvSpPr>
+      <dsp:spPr>
+        <a:xfrm>
+          <a:off x="0" y="2882"/>
+          <a:ext cx="8029575" cy="1348180"/>
+        </a:xfrm>
+        <a:prstGeom prst="roundRect">
+          <a:avLst>
+            <a:gd name="adj" fmla="val 10000"/>
+          </a:avLst>
+        </a:prstGeom>
+        <a:solidFill>
+          <a:schemeClr val="accent2">
+            <a:tint val="40000"/>
+            <a:hueOff val="0"/>
+            <a:satOff val="0"/>
+            <a:lumOff val="0"/>
+            <a:alphaOff val="0"/>
+          </a:schemeClr>
+        </a:solidFill>
+        <a:ln>
+          <a:noFill/>
+        </a:ln>
+        <a:effectLst/>
+      </dsp:spPr>
+      <dsp:style>
+        <a:lnRef idx="0">
+          <a:scrgbClr r="0" g="0" b="0"/>
+        </a:lnRef>
+        <a:fillRef idx="1">
+          <a:scrgbClr r="0" g="0" b="0"/>
+        </a:fillRef>
+        <a:effectRef idx="0">
+          <a:scrgbClr r="0" g="0" b="0"/>
+        </a:effectRef>
+        <a:fontRef idx="minor"/>
+      </dsp:style>
+    </dsp:sp>
+    <dsp:sp modelId="{9398997D-AB73-477A-9BE5-55656EFE899A}">
+      <dsp:nvSpPr>
+        <dsp:cNvPr id="0" name=""/>
+        <dsp:cNvSpPr/>
+      </dsp:nvSpPr>
+      <dsp:spPr>
+        <a:xfrm>
+          <a:off x="407824" y="306223"/>
+          <a:ext cx="741499" cy="741499"/>
+        </a:xfrm>
+        <a:prstGeom prst="rect">
+          <a:avLst/>
+        </a:prstGeom>
+        <a:blipFill>
+          <a:blip xmlns:r="http://schemas.openxmlformats.org/officeDocument/2006/relationships" r:embed="rId1">
+            <a:extLst>
+              <a:ext uri="{28A0092B-C50C-407E-A947-70E740481C1C}">
+                <a14:useLocalDpi xmlns:a14="http://schemas.microsoft.com/office/drawing/2010/main" val="0"/>
+              </a:ext>
+              <a:ext uri="{96DAC541-7B7A-43D3-8B79-37D633B846F1}">
+                <asvg:svgBlip xmlns:asvg="http://schemas.microsoft.com/office/drawing/2016/SVG/main" r:embed="rId2"/>
+              </a:ext>
+            </a:extLst>
+          </a:blip>
+          <a:stretch>
+            <a:fillRect/>
+          </a:stretch>
+        </a:blipFill>
+        <a:ln w="25400" cap="flat" cmpd="sng" algn="ctr">
+          <a:noFill/>
+          <a:prstDash val="solid"/>
+        </a:ln>
+        <a:effectLst/>
+      </dsp:spPr>
+      <dsp:style>
+        <a:lnRef idx="2">
+          <a:scrgbClr r="0" g="0" b="0"/>
+        </a:lnRef>
+        <a:fillRef idx="1">
+          <a:scrgbClr r="0" g="0" b="0"/>
+        </a:fillRef>
+        <a:effectRef idx="0">
+          <a:scrgbClr r="0" g="0" b="0"/>
+        </a:effectRef>
+        <a:fontRef idx="minor">
+          <a:schemeClr val="lt1"/>
+        </a:fontRef>
+      </dsp:style>
+    </dsp:sp>
+    <dsp:sp modelId="{D4BE9145-78E0-4E14-AC85-C675A1C43914}">
+      <dsp:nvSpPr>
+        <dsp:cNvPr id="0" name=""/>
+        <dsp:cNvSpPr/>
+      </dsp:nvSpPr>
+      <dsp:spPr>
+        <a:xfrm>
+          <a:off x="1557148" y="2882"/>
+          <a:ext cx="6470903" cy="1348180"/>
+        </a:xfrm>
+        <a:prstGeom prst="rect">
+          <a:avLst/>
+        </a:prstGeom>
+        <a:noFill/>
+        <a:ln>
+          <a:noFill/>
+        </a:ln>
+        <a:effectLst/>
+      </dsp:spPr>
+      <dsp:style>
+        <a:lnRef idx="0">
+          <a:scrgbClr r="0" g="0" b="0"/>
+        </a:lnRef>
+        <a:fillRef idx="0">
+          <a:scrgbClr r="0" g="0" b="0"/>
+        </a:fillRef>
+        <a:effectRef idx="0">
+          <a:scrgbClr r="0" g="0" b="0"/>
+        </a:effectRef>
+        <a:fontRef idx="minor"/>
+      </dsp:style>
+      <dsp:txBody>
+        <a:bodyPr spcFirstLastPara="0" vert="horz" wrap="square" lIns="142682" tIns="142682" rIns="142682" bIns="142682" numCol="1" spcCol="1270" anchor="ctr" anchorCtr="0">
+          <a:noAutofit/>
+        </a:bodyPr>
+        <a:lstStyle/>
+        <a:p>
+          <a:pPr marL="0" lvl="0" indent="0" algn="l" defTabSz="1111250">
+            <a:lnSpc>
+              <a:spcPct val="100000"/>
+            </a:lnSpc>
+            <a:spcBef>
+              <a:spcPct val="0"/>
+            </a:spcBef>
+            <a:spcAft>
+              <a:spcPct val="35000"/>
+            </a:spcAft>
+            <a:buNone/>
+          </a:pPr>
+          <a:r>
+            <a:rPr lang="pt-BR" sz="2500" kern="1200" noProof="0" dirty="0"/>
+            <a:t>Detecta formas em uma imagem</a:t>
+          </a:r>
+        </a:p>
+      </dsp:txBody>
+      <dsp:txXfrm>
+        <a:off x="1557148" y="2882"/>
+        <a:ext cx="6470903" cy="1348180"/>
+      </dsp:txXfrm>
+    </dsp:sp>
+    <dsp:sp modelId="{0C0C50F1-5AA4-4288-8808-4281220095B2}">
+      <dsp:nvSpPr>
+        <dsp:cNvPr id="0" name=""/>
+        <dsp:cNvSpPr/>
+      </dsp:nvSpPr>
+      <dsp:spPr>
+        <a:xfrm>
+          <a:off x="0" y="1688109"/>
+          <a:ext cx="8029575" cy="1348180"/>
+        </a:xfrm>
+        <a:prstGeom prst="roundRect">
+          <a:avLst>
+            <a:gd name="adj" fmla="val 10000"/>
+          </a:avLst>
+        </a:prstGeom>
+        <a:solidFill>
+          <a:schemeClr val="accent2">
+            <a:tint val="40000"/>
+            <a:hueOff val="0"/>
+            <a:satOff val="0"/>
+            <a:lumOff val="0"/>
+            <a:alphaOff val="0"/>
+          </a:schemeClr>
+        </a:solidFill>
+        <a:ln>
+          <a:noFill/>
+        </a:ln>
+        <a:effectLst/>
+      </dsp:spPr>
+      <dsp:style>
+        <a:lnRef idx="0">
+          <a:scrgbClr r="0" g="0" b="0"/>
+        </a:lnRef>
+        <a:fillRef idx="1">
+          <a:scrgbClr r="0" g="0" b="0"/>
+        </a:fillRef>
+        <a:effectRef idx="0">
+          <a:scrgbClr r="0" g="0" b="0"/>
+        </a:effectRef>
+        <a:fontRef idx="minor"/>
+      </dsp:style>
+    </dsp:sp>
+    <dsp:sp modelId="{BFF2FD52-93DF-48AC-850B-1E451B82F0E0}">
+      <dsp:nvSpPr>
+        <dsp:cNvPr id="0" name=""/>
+        <dsp:cNvSpPr/>
+      </dsp:nvSpPr>
+      <dsp:spPr>
+        <a:xfrm>
+          <a:off x="407824" y="1991449"/>
+          <a:ext cx="741499" cy="741499"/>
+        </a:xfrm>
+        <a:prstGeom prst="rect">
+          <a:avLst/>
+        </a:prstGeom>
+        <a:blipFill>
+          <a:blip xmlns:r="http://schemas.openxmlformats.org/officeDocument/2006/relationships" r:embed="rId3">
+            <a:extLst>
+              <a:ext uri="{28A0092B-C50C-407E-A947-70E740481C1C}">
+                <a14:useLocalDpi xmlns:a14="http://schemas.microsoft.com/office/drawing/2010/main" val="0"/>
+              </a:ext>
+              <a:ext uri="{96DAC541-7B7A-43D3-8B79-37D633B846F1}">
+                <asvg:svgBlip xmlns:asvg="http://schemas.microsoft.com/office/drawing/2016/SVG/main" r:embed="rId4"/>
+              </a:ext>
+            </a:extLst>
+          </a:blip>
+          <a:stretch>
+            <a:fillRect/>
+          </a:stretch>
+        </a:blipFill>
+        <a:ln w="25400" cap="flat" cmpd="sng" algn="ctr">
+          <a:noFill/>
+          <a:prstDash val="solid"/>
+        </a:ln>
+        <a:effectLst/>
+      </dsp:spPr>
+      <dsp:style>
+        <a:lnRef idx="2">
+          <a:scrgbClr r="0" g="0" b="0"/>
+        </a:lnRef>
+        <a:fillRef idx="1">
+          <a:scrgbClr r="0" g="0" b="0"/>
+        </a:fillRef>
+        <a:effectRef idx="0">
+          <a:scrgbClr r="0" g="0" b="0"/>
+        </a:effectRef>
+        <a:fontRef idx="minor">
+          <a:schemeClr val="lt1"/>
+        </a:fontRef>
+      </dsp:style>
+    </dsp:sp>
+    <dsp:sp modelId="{CFF7CFE9-EA96-4C86-8322-01B93BFBBFCC}">
+      <dsp:nvSpPr>
+        <dsp:cNvPr id="0" name=""/>
+        <dsp:cNvSpPr/>
+      </dsp:nvSpPr>
+      <dsp:spPr>
+        <a:xfrm>
+          <a:off x="1557148" y="1688109"/>
+          <a:ext cx="6470903" cy="1348180"/>
+        </a:xfrm>
+        <a:prstGeom prst="rect">
+          <a:avLst/>
+        </a:prstGeom>
+        <a:noFill/>
+        <a:ln>
+          <a:noFill/>
+        </a:ln>
+        <a:effectLst/>
+      </dsp:spPr>
+      <dsp:style>
+        <a:lnRef idx="0">
+          <a:scrgbClr r="0" g="0" b="0"/>
+        </a:lnRef>
+        <a:fillRef idx="0">
+          <a:scrgbClr r="0" g="0" b="0"/>
+        </a:fillRef>
+        <a:effectRef idx="0">
+          <a:scrgbClr r="0" g="0" b="0"/>
+        </a:effectRef>
+        <a:fontRef idx="minor"/>
+      </dsp:style>
+      <dsp:txBody>
+        <a:bodyPr spcFirstLastPara="0" vert="horz" wrap="square" lIns="142682" tIns="142682" rIns="142682" bIns="142682" numCol="1" spcCol="1270" anchor="ctr" anchorCtr="0">
+          <a:noAutofit/>
+        </a:bodyPr>
+        <a:lstStyle/>
+        <a:p>
+          <a:pPr marL="0" lvl="0" indent="0" algn="l" defTabSz="1111250">
+            <a:lnSpc>
+              <a:spcPct val="100000"/>
+            </a:lnSpc>
+            <a:spcBef>
+              <a:spcPct val="0"/>
+            </a:spcBef>
+            <a:spcAft>
+              <a:spcPct val="35000"/>
+            </a:spcAft>
+            <a:buNone/>
+          </a:pPr>
+          <a:r>
+            <a:rPr lang="pt-BR" sz="2500" kern="1200" noProof="0" dirty="0"/>
+            <a:t>Muito usada para círculos e retas</a:t>
+          </a:r>
+        </a:p>
+      </dsp:txBody>
+      <dsp:txXfrm>
+        <a:off x="1557148" y="1688109"/>
+        <a:ext cx="6470903" cy="1348180"/>
+      </dsp:txXfrm>
+    </dsp:sp>
+    <dsp:sp modelId="{340170AA-E9BF-4404-9A48-3DFD8BE8114A}">
+      <dsp:nvSpPr>
+        <dsp:cNvPr id="0" name=""/>
+        <dsp:cNvSpPr/>
+      </dsp:nvSpPr>
+      <dsp:spPr>
+        <a:xfrm>
+          <a:off x="0" y="3373335"/>
+          <a:ext cx="8029575" cy="1348180"/>
+        </a:xfrm>
+        <a:prstGeom prst="roundRect">
+          <a:avLst>
+            <a:gd name="adj" fmla="val 10000"/>
+          </a:avLst>
+        </a:prstGeom>
+        <a:solidFill>
+          <a:schemeClr val="accent2">
+            <a:tint val="40000"/>
+            <a:hueOff val="0"/>
+            <a:satOff val="0"/>
+            <a:lumOff val="0"/>
+            <a:alphaOff val="0"/>
+          </a:schemeClr>
+        </a:solidFill>
+        <a:ln>
+          <a:noFill/>
+        </a:ln>
+        <a:effectLst/>
+      </dsp:spPr>
+      <dsp:style>
+        <a:lnRef idx="0">
+          <a:scrgbClr r="0" g="0" b="0"/>
+        </a:lnRef>
+        <a:fillRef idx="1">
+          <a:scrgbClr r="0" g="0" b="0"/>
+        </a:fillRef>
+        <a:effectRef idx="0">
+          <a:scrgbClr r="0" g="0" b="0"/>
+        </a:effectRef>
+        <a:fontRef idx="minor"/>
+      </dsp:style>
+    </dsp:sp>
+    <dsp:sp modelId="{02EEA1CD-E433-40D3-996C-85730027B90C}">
+      <dsp:nvSpPr>
+        <dsp:cNvPr id="0" name=""/>
+        <dsp:cNvSpPr/>
+      </dsp:nvSpPr>
+      <dsp:spPr>
+        <a:xfrm>
+          <a:off x="407824" y="3676675"/>
+          <a:ext cx="741499" cy="741499"/>
+        </a:xfrm>
+        <a:prstGeom prst="rect">
+          <a:avLst/>
+        </a:prstGeom>
+        <a:blipFill>
+          <a:blip xmlns:r="http://schemas.openxmlformats.org/officeDocument/2006/relationships" r:embed="rId5">
+            <a:extLst>
+              <a:ext uri="{28A0092B-C50C-407E-A947-70E740481C1C}">
+                <a14:useLocalDpi xmlns:a14="http://schemas.microsoft.com/office/drawing/2010/main" val="0"/>
+              </a:ext>
+              <a:ext uri="{96DAC541-7B7A-43D3-8B79-37D633B846F1}">
+                <asvg:svgBlip xmlns:asvg="http://schemas.microsoft.com/office/drawing/2016/SVG/main" r:embed="rId6"/>
+              </a:ext>
+            </a:extLst>
+          </a:blip>
+          <a:stretch>
+            <a:fillRect/>
+          </a:stretch>
+        </a:blipFill>
+        <a:ln w="25400" cap="flat" cmpd="sng" algn="ctr">
+          <a:noFill/>
+          <a:prstDash val="solid"/>
+        </a:ln>
+        <a:effectLst/>
+      </dsp:spPr>
+      <dsp:style>
+        <a:lnRef idx="2">
+          <a:scrgbClr r="0" g="0" b="0"/>
+        </a:lnRef>
+        <a:fillRef idx="1">
+          <a:scrgbClr r="0" g="0" b="0"/>
+        </a:fillRef>
+        <a:effectRef idx="0">
+          <a:scrgbClr r="0" g="0" b="0"/>
+        </a:effectRef>
+        <a:fontRef idx="minor">
+          <a:schemeClr val="lt1"/>
+        </a:fontRef>
+      </dsp:style>
+    </dsp:sp>
+    <dsp:sp modelId="{4A1D3E4A-D609-4618-8679-D419B3A4F657}">
+      <dsp:nvSpPr>
+        <dsp:cNvPr id="0" name=""/>
+        <dsp:cNvSpPr/>
+      </dsp:nvSpPr>
+      <dsp:spPr>
+        <a:xfrm>
+          <a:off x="1557148" y="3373335"/>
+          <a:ext cx="3613308" cy="1348180"/>
+        </a:xfrm>
+        <a:prstGeom prst="rect">
+          <a:avLst/>
+        </a:prstGeom>
+        <a:noFill/>
+        <a:ln>
+          <a:noFill/>
+        </a:ln>
+        <a:effectLst/>
+      </dsp:spPr>
+      <dsp:style>
+        <a:lnRef idx="0">
+          <a:scrgbClr r="0" g="0" b="0"/>
+        </a:lnRef>
+        <a:fillRef idx="0">
+          <a:scrgbClr r="0" g="0" b="0"/>
+        </a:fillRef>
+        <a:effectRef idx="0">
+          <a:scrgbClr r="0" g="0" b="0"/>
+        </a:effectRef>
+        <a:fontRef idx="minor"/>
+      </dsp:style>
+      <dsp:txBody>
+        <a:bodyPr spcFirstLastPara="0" vert="horz" wrap="square" lIns="142682" tIns="142682" rIns="142682" bIns="142682" numCol="1" spcCol="1270" anchor="ctr" anchorCtr="0">
+          <a:noAutofit/>
+        </a:bodyPr>
+        <a:lstStyle/>
+        <a:p>
+          <a:pPr marL="0" lvl="0" indent="0" algn="l" defTabSz="1111250">
+            <a:lnSpc>
+              <a:spcPct val="100000"/>
+            </a:lnSpc>
+            <a:spcBef>
+              <a:spcPct val="0"/>
+            </a:spcBef>
+            <a:spcAft>
+              <a:spcPct val="35000"/>
+            </a:spcAft>
+            <a:buNone/>
+          </a:pPr>
+          <a:r>
+            <a:rPr lang="en-US" sz="2500" kern="1200"/>
+            <a:t>Exige pós-processamento dos dados obtidos</a:t>
+          </a:r>
+        </a:p>
+      </dsp:txBody>
+      <dsp:txXfrm>
+        <a:off x="1557148" y="3373335"/>
+        <a:ext cx="3613308" cy="1348180"/>
+      </dsp:txXfrm>
+    </dsp:sp>
+    <dsp:sp modelId="{A304D6B9-4876-4CFD-900B-4738665E4820}">
+      <dsp:nvSpPr>
+        <dsp:cNvPr id="0" name=""/>
+        <dsp:cNvSpPr/>
+      </dsp:nvSpPr>
+      <dsp:spPr>
+        <a:xfrm>
+          <a:off x="5170457" y="3373335"/>
+          <a:ext cx="2857595" cy="1348180"/>
+        </a:xfrm>
+        <a:prstGeom prst="rect">
+          <a:avLst/>
+        </a:prstGeom>
+        <a:noFill/>
+        <a:ln>
+          <a:noFill/>
+        </a:ln>
+        <a:effectLst/>
+      </dsp:spPr>
+      <dsp:style>
+        <a:lnRef idx="0">
+          <a:scrgbClr r="0" g="0" b="0"/>
+        </a:lnRef>
+        <a:fillRef idx="0">
+          <a:scrgbClr r="0" g="0" b="0"/>
+        </a:fillRef>
+        <a:effectRef idx="0">
+          <a:scrgbClr r="0" g="0" b="0"/>
+        </a:effectRef>
+        <a:fontRef idx="minor"/>
+      </dsp:style>
+      <dsp:txBody>
+        <a:bodyPr spcFirstLastPara="0" vert="horz" wrap="square" lIns="142682" tIns="142682" rIns="142682" bIns="142682" numCol="1" spcCol="1270" anchor="ctr" anchorCtr="0">
+          <a:noAutofit/>
+        </a:bodyPr>
+        <a:lstStyle/>
+        <a:p>
+          <a:pPr marL="0" lvl="0" indent="0" algn="l" defTabSz="711200">
+            <a:lnSpc>
+              <a:spcPct val="100000"/>
+            </a:lnSpc>
+            <a:spcBef>
+              <a:spcPct val="0"/>
+            </a:spcBef>
+            <a:spcAft>
+              <a:spcPct val="35000"/>
+            </a:spcAft>
+            <a:buNone/>
+          </a:pPr>
+          <a:r>
+            <a:rPr lang="pt-BR" sz="1600" kern="1200" noProof="0" dirty="0"/>
+            <a:t>Problemas</a:t>
+          </a:r>
+          <a:r>
+            <a:rPr lang="en-US" sz="1600" kern="1200" dirty="0"/>
+            <a:t>: </a:t>
+          </a:r>
+          <a:r>
+            <a:rPr lang="pt-BR" sz="1600" kern="1200" noProof="0" dirty="0"/>
+            <a:t>Encontra muitas retas/círculos parecidos (posição e dimensões)</a:t>
+          </a:r>
+        </a:p>
+        <a:p>
+          <a:pPr marL="0" lvl="0" indent="0" algn="l" defTabSz="711200">
+            <a:lnSpc>
+              <a:spcPct val="100000"/>
+            </a:lnSpc>
+            <a:spcBef>
+              <a:spcPct val="0"/>
+            </a:spcBef>
+            <a:spcAft>
+              <a:spcPct val="35000"/>
+            </a:spcAft>
+            <a:buNone/>
+          </a:pPr>
+          <a:r>
+            <a:rPr lang="pt-BR" sz="1600" kern="1200" noProof="0" dirty="0"/>
+            <a:t>Desafio: Filtragem - eliminar retas/círculos “parecidos”.</a:t>
+          </a:r>
+          <a:endParaRPr lang="pt-BR" sz="1200" kern="1200" noProof="0" dirty="0"/>
+        </a:p>
+      </dsp:txBody>
+      <dsp:txXfrm>
+        <a:off x="5170457" y="3373335"/>
+        <a:ext cx="2857595" cy="1348180"/>
+      </dsp:txXfrm>
+    </dsp:sp>
+  </dsp:spTree>
+</dsp:drawing>
+</file>
+
+<file path=ppt/diagrams/layout1.xml><?xml version="1.0" encoding="utf-8"?>
+<dgm:layoutDef xmlns:dgm="http://schemas.openxmlformats.org/drawingml/2006/diagram" xmlns:a="http://schemas.openxmlformats.org/drawingml/2006/main" uniqueId="urn:microsoft.com/office/officeart/2018/2/layout/IconVerticalSolidList">
+  <dgm:title val="Icon Vertical Solid List"/>
+  <dgm:desc val="Use to show a series of visuals from top to bottom with Level 1 or Level 1 and Level 2 text grouped in a shape. Works best with icons or small pictures with lengthier descriptions."/>
+  <dgm:catLst>
+    <dgm:cat type="icon" pri="500"/>
+  </dgm:catLst>
+  <dgm:sampData useDef="1">
+    <dgm:dataModel>
+      <dgm:ptLst/>
+      <dgm:bg/>
+      <dgm:whole/>
+    </dgm:dataModel>
+  </dgm:sampData>
+  <dgm:styleData useDef="1">
+    <dgm:dataModel>
+      <dgm:ptLst/>
+      <dgm:bg/>
+      <dgm:whole/>
+    </dgm:dataModel>
+  </dgm:styleData>
+  <dgm:clrData useDef="1">
+    <dgm:dataModel>
+      <dgm:ptLst/>
+      <dgm:bg/>
+      <dgm:whole/>
+    </dgm:dataModel>
+  </dgm:clrData>
+  <dgm:layoutNode name="root">
+    <dgm:varLst>
+      <dgm:dir/>
+      <dgm:resizeHandles val="exact"/>
+    </dgm:varLst>
+    <dgm:choose name="Name0">
+      <dgm:if name="Name1" axis="self" func="var" arg="dir" op="equ" val="norm">
+        <dgm:alg type="lin">
+          <dgm:param type="linDir" val="fromT"/>
+          <dgm:param type="nodeHorzAlign" val="l"/>
+        </dgm:alg>
+      </dgm:if>
+      <dgm:else name="Name2">
+        <dgm:alg type="lin">
+          <dgm:param type="linDir" val="fromT"/>
+          <dgm:param type="nodeHorzAlign" val="r"/>
+        </dgm:alg>
+      </dgm:else>
+    </dgm:choose>
+    <dgm:shape xmlns:r="http://schemas.openxmlformats.org/officeDocument/2006/relationships" r:blip="">
+      <dgm:adjLst/>
+    </dgm:shape>
+    <dgm:presOf/>
+    <dgm:choose name="Name3">
+      <dgm:if name="Name4" axis="ch" ptType="node" func="cnt" op="lte" val="3">
+        <dgm:constrLst>
+          <dgm:constr type="h" for="ch" forName="compNode" refType="h" fact="0.3"/>
+          <dgm:constr type="w" for="ch" forName="compNode" refType="w"/>
+          <dgm:constr type="h" for="ch" forName="sibTrans" refType="h" refFor="ch" refForName="compNode" fact="0.25"/>
+          <dgm:constr type="primFontSz" for="des" forName="parTx" val="25"/>
+          <dgm:constr type="primFontSz" for="des" forName="desTx" refType="primFontSz" refFor="des" refForName="parTx" op="lte" fact="0.75"/>
+          <dgm:constr type="h" for="des" forName="compNode" op="equ"/>
+          <dgm:constr type="h" for="des" forName="bgRect" op="equ"/>
+          <dgm:constr type="h" for="des" forName="iconRect" op="equ"/>
+          <dgm:constr type="w" for="des" forName="iconRect" op="equ"/>
+          <dgm:constr type="h" for="des" forName="spaceRect" op="equ"/>
+          <dgm:constr type="h" for="des" forName="parTx" op="equ"/>
+          <dgm:constr type="h" for="des" forName="desTx" op="equ"/>
+        </dgm:constrLst>
+      </dgm:if>
+      <dgm:if name="Name5" axis="ch" ptType="node" func="cnt" op="lte" val="4">
+        <dgm:constrLst>
+          <dgm:constr type="h" for="ch" forName="compNode" refType="h" fact="0.3"/>
+          <dgm:constr type="w" for="ch" forName="compNode" refType="w"/>
+          <dgm:constr type="h" for="ch" forName="sibTrans" refType="h" refFor="ch" refForName="compNode" fact="0.25"/>
+          <dgm:constr type="primFontSz" for="des" forName="parTx" val="22"/>
+          <dgm:constr type="primFontSz" for="des" forName="desTx" refType="primFontSz" refFor="des" refForName="parTx" op="lte" fact="0.75"/>
+          <dgm:constr type="h" for="des" forName="compNode" op="equ"/>
+          <dgm:constr type="h" for="des" forName="bgRect" op="equ"/>
+          <dgm:constr type="h" for="des" forName="iconRect" op="equ"/>
+          <dgm:constr type="w" for="des" forName="iconRect" op="equ"/>
+          <dgm:constr type="h" for="des" forName="spaceRect" op="equ"/>
+          <dgm:constr type="h" for="des" forName="parTx" op="equ"/>
+          <dgm:constr type="h" for="des" forName="desTx" op="equ"/>
+        </dgm:constrLst>
+      </dgm:if>
+      <dgm:if name="Name6" axis="ch" ptType="node" func="cnt" op="lte" val="6">
+        <dgm:constrLst>
+          <dgm:constr type="h" for="ch" forName="compNode" refType="h" fact="0.3"/>
+          <dgm:constr type="w" for="ch" forName="compNode" refType="w"/>
+          <dgm:constr type="h" for="ch" forName="sibTrans" refType="h" refFor="ch" refForName="compNode" fact="0.25"/>
+          <dgm:constr type="primFontSz" for="des" forName="parTx" val="19"/>
+          <dgm:constr type="primFontSz" for="des" forName="desTx" refType="primFontSz" refFor="des" refForName="parTx" op="lte" fact="0.75"/>
+          <dgm:constr type="h" for="des" forName="compNode" op="equ"/>
+          <dgm:constr type="h" for="des" forName="bgRect" op="equ"/>
+          <dgm:constr type="h" for="des" forName="iconRect" op="equ"/>
+          <dgm:constr type="w" for="des" forName="iconRect" op="equ"/>
+          <dgm:constr type="h" for="des" forName="spaceRect" op="equ"/>
+          <dgm:constr type="h" for="des" forName="parTx" op="equ"/>
+          <dgm:constr type="h" for="des" forName="desTx" op="equ"/>
+        </dgm:constrLst>
+      </dgm:if>
+      <dgm:else name="Name7">
+        <dgm:constrLst>
+          <dgm:constr type="h" for="ch" forName="compNode" refType="h" fact="0.3"/>
+          <dgm:constr type="w" for="ch" forName="compNode" refType="w"/>
+          <dgm:constr type="h" for="ch" forName="sibTrans" refType="h" refFor="ch" refForName="compNode" fact="0.25"/>
+          <dgm:constr type="primFontSz" for="des" forName="parTx" val="16"/>
+          <dgm:constr type="primFontSz" for="des" forName="desTx" refType="primFontSz" refFor="des" refForName="parTx" op="lte" fact="0.75"/>
+          <dgm:constr type="h" for="des" forName="compNode" op="equ"/>
+          <dgm:constr type="h" for="des" forName="bgRect" op="equ"/>
+          <dgm:constr type="h" for="des" forName="iconRect" op="equ"/>
+          <dgm:constr type="w" for="des" forName="iconRect" op="equ"/>
+          <dgm:constr type="h" for="des" forName="spaceRect" op="equ"/>
+          <dgm:constr type="h" for="des" forName="parTx" op="equ"/>
+          <dgm:constr type="h" for="des" forName="desTx" op="equ"/>
+        </dgm:constrLst>
+      </dgm:else>
+    </dgm:choose>
+    <dgm:ruleLst>
+      <dgm:rule type="h" for="ch" forName="compNode" val="0" fact="NaN" max="NaN"/>
+    </dgm:ruleLst>
+    <dgm:forEach name="Name8" axis="ch" ptType="node">
+      <dgm:layoutNode name="compNode">
+        <dgm:alg type="composite"/>
+        <dgm:shape xmlns:r="http://schemas.openxmlformats.org/officeDocument/2006/relationships" r:blip="">
+          <dgm:adjLst/>
+        </dgm:shape>
+        <dgm:presOf axis="self"/>
+        <dgm:choose name="Name9">
+          <dgm:if name="Name10" axis="ch" ptType="node" func="cnt" op="gte" val="1">
+            <dgm:constrLst>
+              <dgm:constr type="w" for="ch" forName="bgRect" refType="w"/>
+              <dgm:constr type="h" for="ch" forName="bgRect" refType="h"/>
+              <dgm:constr type="l" for="ch" forName="bgRect"/>
+              <dgm:constr type="t" for="ch" forName="bgRect"/>
+              <dgm:constr type="h" for="ch" forName="iconRect" refType="h" fact="0.55"/>
+              <dgm:constr type="w" for="ch" forName="iconRect" refType="h" refFor="ch" refForName="iconRect"/>
+              <dgm:constr type="l" for="ch" forName="iconRect" refType="h" refFor="ch" refForName="iconRect" fact="0.55"/>
+              <dgm:constr type="ctrY" for="ch" forName="iconRect" refType="ctrY" refFor="ch" refForName="bgRect"/>
+              <dgm:constr type="w" for="ch" forName="spaceRect" refType="l" refFor="ch" refForName="iconRect"/>
+              <dgm:constr type="h" for="ch" forName="spaceRect" refType="h"/>
+              <dgm:constr type="l" for="ch" forName="spaceRect" refType="r" refFor="ch" refForName="iconRect"/>
+              <dgm:constr type="t" for="ch" forName="spaceRect"/>
+              <dgm:constr type="w" for="ch" forName="parTx" refType="w" fact="0.45"/>
+              <dgm:constr type="h" for="ch" forName="parTx" refType="h"/>
+              <dgm:constr type="l" for="ch" forName="parTx" refType="r" refFor="ch" refForName="spaceRect"/>
+              <dgm:constr type="t" for="ch" forName="parTx"/>
+              <dgm:constr type="h" for="ch" forName="desTx" refType="h"/>
+              <dgm:constr type="l" for="ch" forName="desTx" refType="r" refFor="ch" refForName="parTx"/>
+              <dgm:constr type="t" for="ch" forName="desTx"/>
+            </dgm:constrLst>
+          </dgm:if>
+          <dgm:else name="Name11">
+            <dgm:constrLst>
+              <dgm:constr type="w" for="ch" forName="bgRect" refType="w"/>
+              <dgm:constr type="h" for="ch" forName="bgRect" refType="h"/>
+              <dgm:constr type="l" for="ch" forName="bgRect"/>
+              <dgm:constr type="t" for="ch" forName="bgRect"/>
+              <dgm:constr type="h" for="ch" forName="iconRect" refType="h" fact="0.55"/>
+              <dgm:constr type="w" for="ch" forName="iconRect" refType="h" refFor="ch" refForName="iconRect"/>
+              <dgm:constr type="l" for="ch" forName="iconRect" refType="h" refFor="ch" refForName="iconRect" fact="0.55"/>
+              <dgm:constr type="ctrY" for="ch" forName="iconRect" refType="ctrY" refFor="ch" refForName="bgRect"/>
+              <dgm:constr type="w" for="ch" forName="spaceRect" refType="l" refFor="ch" refForName="iconRect"/>
+              <dgm:constr type="h" for="ch" forName="spaceRect" refType="h"/>
+              <dgm:constr type="l" for="ch" forName="spaceRect" refType="r" refFor="ch" refForName="iconRect"/>
+              <dgm:constr type="t" for="ch" forName="spaceRect"/>
+              <dgm:constr type="h" for="ch" forName="parTx" refType="h"/>
+              <dgm:constr type="l" for="ch" forName="parTx" refType="r" refFor="ch" refForName="spaceRect"/>
+              <dgm:constr type="t" for="ch" forName="parTx"/>
+            </dgm:constrLst>
+          </dgm:else>
+        </dgm:choose>
+        <dgm:ruleLst>
+          <dgm:rule type="h" val="INF" fact="NaN" max="NaN"/>
+        </dgm:ruleLst>
+        <dgm:layoutNode name="bgRect" styleLbl="bgShp">
+          <dgm:alg type="sp"/>
+          <dgm:shape xmlns:r="http://schemas.openxmlformats.org/officeDocument/2006/relationships" type="roundRect" r:blip="">
+            <dgm:adjLst>
+              <dgm:adj idx="1" val="0.1"/>
+            </dgm:adjLst>
+          </dgm:shape>
+          <dgm:presOf/>
+          <dgm:constrLst/>
+          <dgm:ruleLst/>
+        </dgm:layoutNode>
+        <dgm:layoutNode name="iconRect" styleLbl="node1">
+          <dgm:alg type="sp"/>
+          <dgm:shape xmlns:r="http://schemas.openxmlformats.org/officeDocument/2006/relationships" type="rect" r:blip="" blipPhldr="1">
+            <dgm:adjLst/>
+          </dgm:shape>
+          <dgm:presOf/>
+          <dgm:constrLst/>
+          <dgm:ruleLst/>
+        </dgm:layoutNode>
+        <dgm:layoutNode name="spaceRect">
+          <dgm:alg type="sp"/>
+          <dgm:shape xmlns:r="http://schemas.openxmlformats.org/officeDocument/2006/relationships" r:blip="">
+            <dgm:adjLst/>
+          </dgm:shape>
+          <dgm:presOf/>
+          <dgm:constrLst/>
+          <dgm:ruleLst/>
+        </dgm:layoutNode>
+        <dgm:layoutNode name="parTx" styleLbl="revTx">
+          <dgm:varLst>
+            <dgm:chMax val="0"/>
+            <dgm:chPref val="0"/>
+          </dgm:varLst>
+          <dgm:alg type="tx">
+            <dgm:param type="txAnchorVert" val="mid"/>
+            <dgm:param type="parTxLTRAlign" val="l"/>
+            <dgm:param type="shpTxLTRAlignCh" val="l"/>
+            <dgm:param type="parTxRTLAlign" val="r"/>
+            <dgm:param type="shpTxRTLAlignCh" val="r"/>
+          </dgm:alg>
+          <dgm:shape xmlns:r="http://schemas.openxmlformats.org/officeDocument/2006/relationships" type="rect" r:blip="">
+            <dgm:adjLst/>
+          </dgm:shape>
+          <dgm:presOf axis="self" ptType="node"/>
+          <dgm:constrLst>
+            <dgm:constr type="lMarg" refType="h" fact="0.3"/>
+            <dgm:constr type="rMarg" refType="h" fact="0.3"/>
+            <dgm:constr type="tMarg" refType="h" fact="0.3"/>
+            <dgm:constr type="bMarg" refType="h" fact="0.3"/>
+          </dgm:constrLst>
+          <dgm:ruleLst>
+            <dgm:rule type="primFontSz" val="14" fact="NaN" max="NaN"/>
+            <dgm:rule type="h" val="INF" fact="NaN" max="NaN"/>
+          </dgm:ruleLst>
+        </dgm:layoutNode>
+        <dgm:choose name="Name12">
+          <dgm:if name="Name13" axis="ch" ptType="node" func="cnt" op="gte" val="1">
+            <dgm:layoutNode name="desTx" styleLbl="revTx">
+              <dgm:varLst/>
+              <dgm:alg type="tx">
+                <dgm:param type="txAnchorVertCh" val="mid"/>
+                <dgm:param type="parTxLTRAlign" val="l"/>
+                <dgm:param type="shpTxLTRAlignCh" val="l"/>
+                <dgm:param type="parTxRTLAlign" val="r"/>
+                <dgm:param type="shpTxRTLAlignCh" val="r"/>
+                <dgm:param type="stBulletLvl" val="0"/>
+              </dgm:alg>
+              <dgm:shape xmlns:r="http://schemas.openxmlformats.org/officeDocument/2006/relationships" type="rect" r:blip="">
+                <dgm:adjLst/>
+              </dgm:shape>
+              <dgm:presOf axis="des" ptType="node"/>
+              <dgm:constrLst>
+                <dgm:constr type="primFontSz" val="18"/>
+                <dgm:constr type="secFontSz" refType="primFontSz"/>
+                <dgm:constr type="lMarg" refType="h" fact="0.3"/>
+                <dgm:constr type="rMarg" refType="h" fact="0.3"/>
+                <dgm:constr type="tMarg" refType="h" fact="0.3"/>
+                <dgm:constr type="bMarg" refType="h" fact="0.3"/>
+              </dgm:constrLst>
+              <dgm:ruleLst>
+                <dgm:rule type="primFontSz" val="11" fact="NaN" max="NaN"/>
+              </dgm:ruleLst>
+            </dgm:layoutNode>
+          </dgm:if>
+          <dgm:else name="Name14"/>
+        </dgm:choose>
+      </dgm:layoutNode>
+      <dgm:forEach name="Name15" axis="followSib" ptType="sibTrans" cnt="1">
+        <dgm:layoutNode name="sibTrans">
+          <dgm:alg type="sp"/>
+          <dgm:shape xmlns:r="http://schemas.openxmlformats.org/officeDocument/2006/relationships" r:blip="">
+            <dgm:adjLst/>
+          </dgm:shape>
+          <dgm:presOf axis="self"/>
+          <dgm:constrLst/>
+          <dgm:ruleLst/>
+        </dgm:layoutNode>
+      </dgm:forEach>
+    </dgm:forEach>
+  </dgm:layoutNode>
+  <dgm:extLst>
+    <a:ext uri="{68A01E43-0DF5-4B5B-8FA6-DAF915123BFB}">
+      <dgm1612:lstStyle xmlns:dgm1612="http://schemas.microsoft.com/office/drawing/2016/12/diagram">
+        <a:lvl1pPr>
+          <a:lnSpc>
+            <a:spcPct val="100000"/>
+          </a:lnSpc>
+        </a:lvl1pPr>
+        <a:lvl2pPr>
+          <a:lnSpc>
+            <a:spcPct val="100000"/>
+          </a:lnSpc>
+        </a:lvl2pPr>
+      </dgm1612:lstStyle>
+    </a:ext>
+  </dgm:extLst>
+</dgm:layoutDef>
+</file>
+
+<file path=ppt/diagrams/quickStyle1.xml><?xml version="1.0" encoding="utf-8"?>
+<dgm:styleDef xmlns:dgm="http://schemas.openxmlformats.org/drawingml/2006/diagram" xmlns:a="http://schemas.openxmlformats.org/drawingml/2006/main" uniqueId="urn:microsoft.com/office/officeart/2005/8/quickstyle/simple1">
+  <dgm:title val=""/>
+  <dgm:desc val=""/>
+  <dgm:catLst>
+    <dgm:cat type="simple" pri="10100"/>
+  </dgm:catLst>
+  <dgm:scene3d>
+    <a:camera prst="orthographicFront"/>
+    <a:lightRig rig="threePt" dir="t"/>
+  </dgm:scene3d>
+  <dgm:styleLbl name="node0">
+    <dgm:scene3d>
+      <a:camera prst="orthographicFront"/>
+      <a:lightRig rig="threePt" dir="t"/>
+    </dgm:scene3d>
+    <dgm:sp3d/>
+    <dgm:txPr/>
+    <dgm:style>
+      <a:lnRef idx="2">
+        <a:scrgbClr r="0" g="0" b="0"/>
+      </a:lnRef>
+      <a:fillRef idx="1">
+        <a:scrgbClr r="0" g="0" b="0"/>
+      </a:fillRef>
+      <a:effectRef idx="0">
+        <a:scrgbClr r="0" g="0" b="0"/>
+      </a:effectRef>
+      <a:fontRef idx="minor">
+        <a:schemeClr val="lt1"/>
+      </a:fontRef>
+    </dgm:style>
+  </dgm:styleLbl>
+  <dgm:styleLbl name="lnNode1">
+    <dgm:scene3d>
+      <a:camera prst="orthographicFront"/>
+      <a:lightRig rig="threePt" dir="t"/>
+    </dgm:scene3d>
+    <dgm:sp3d/>
+    <dgm:txPr/>
+    <dgm:style>
+      <a:lnRef idx="2">
+        <a:scrgbClr r="0" g="0" b="0"/>
+      </a:lnRef>
+      <a:fillRef idx="1">
+        <a:scrgbClr r="0" g="0" b="0"/>
+      </a:fillRef>
+      <a:effectRef idx="0">
+        <a:scrgbClr r="0" g="0" b="0"/>
+      </a:effectRef>
+      <a:fontRef idx="minor">
+        <a:schemeClr val="lt1"/>
+      </a:fontRef>
+    </dgm:style>
+  </dgm:styleLbl>
+  <dgm:styleLbl name="vennNode1">
+    <dgm:scene3d>
+      <a:camera prst="orthographicFront"/>
+      <a:lightRig rig="threePt" dir="t"/>
+    </dgm:scene3d>
+    <dgm:sp3d/>
+    <dgm:txPr/>
+    <dgm:style>
+      <a:lnRef idx="2">
+        <a:scrgbClr r="0" g="0" b="0"/>
+      </a:lnRef>
+      <a:fillRef idx="1">
+        <a:scrgbClr r="0" g="0" b="0"/>
+      </a:fillRef>
+      <a:effectRef idx="0">
+        <a:scrgbClr r="0" g="0" b="0"/>
+      </a:effectRef>
+      <a:fontRef idx="minor">
+        <a:schemeClr val="tx1"/>
+      </a:fontRef>
+    </dgm:style>
+  </dgm:styleLbl>
+  <dgm:styleLbl name="alignNode1">
+    <dgm:scene3d>
+      <a:camera prst="orthographicFront"/>
+      <a:lightRig rig="threePt" dir="t"/>
+    </dgm:scene3d>
+    <dgm:sp3d/>
+    <dgm:txPr/>
+    <dgm:style>
+      <a:lnRef idx="2">
+        <a:scrgbClr r="0" g="0" b="0"/>
+      </a:lnRef>
+      <a:fillRef idx="1">
+        <a:scrgbClr r="0" g="0" b="0"/>
+      </a:fillRef>
+      <a:effectRef idx="0">
+        <a:scrgbClr r="0" g="0" b="0"/>
+      </a:effectRef>
+      <a:fontRef idx="minor">
+        <a:schemeClr val="lt1"/>
+      </a:fontRef>
+    </dgm:style>
+  </dgm:styleLbl>
+  <dgm:styleLbl name="node1">
+    <dgm:scene3d>
+      <a:camera prst="orthographicFront"/>
+      <a:lightRig rig="threePt" dir="t"/>
+    </dgm:scene3d>
+    <dgm:sp3d/>
+    <dgm:txPr/>
+    <dgm:style>
+      <a:lnRef idx="2">
+        <a:scrgbClr r="0" g="0" b="0"/>
+      </a:lnRef>
+      <a:fillRef idx="1">
+        <a:scrgbClr r="0" g="0" b="0"/>
+      </a:fillRef>
+      <a:effectRef idx="0">
+        <a:scrgbClr r="0" g="0" b="0"/>
+      </a:effectRef>
+      <a:fontRef idx="minor">
+        <a:schemeClr val="lt1"/>
+      </a:fontRef>
+    </dgm:style>
+  </dgm:styleLbl>
+  <dgm:styleLbl name="node2">
+    <dgm:scene3d>
+      <a:camera prst="orthographicFront"/>
+      <a:lightRig rig="threePt" dir="t"/>
+    </dgm:scene3d>
+    <dgm:sp3d/>
+    <dgm:txPr/>
+    <dgm:style>
+      <a:lnRef idx="2">
+        <a:scrgbClr r="0" g="0" b="0"/>
+      </a:lnRef>
+      <a:fillRef idx="1">
+        <a:scrgbClr r="0" g="0" b="0"/>
+      </a:fillRef>
+      <a:effectRef idx="0">
+        <a:scrgbClr r="0" g="0" b="0"/>
+      </a:effectRef>
+      <a:fontRef idx="minor">
+        <a:schemeClr val="lt1"/>
+      </a:fontRef>
+    </dgm:style>
+  </dgm:styleLbl>
+  <dgm:styleLbl name="node3">
+    <dgm:scene3d>
+      <a:camera prst="orthographicFront"/>
+      <a:lightRig rig="threePt" dir="t"/>
+    </dgm:scene3d>
+    <dgm:sp3d/>
+    <dgm:txPr/>
+    <dgm:style>
+      <a:lnRef idx="2">
+        <a:scrgbClr r="0" g="0" b="0"/>
+      </a:lnRef>
+      <a:fillRef idx="1">
+        <a:scrgbClr r="0" g="0" b="0"/>
+      </a:fillRef>
+      <a:effectRef idx="0">
+        <a:scrgbClr r="0" g="0" b="0"/>
+      </a:effectRef>
+      <a:fontRef idx="minor">
+        <a:schemeClr val="lt1"/>
+      </a:fontRef>
+    </dgm:style>
+  </dgm:styleLbl>
+  <dgm:styleLbl name="node4">
+    <dgm:scene3d>
+      <a:camera prst="orthographicFront"/>
+      <a:lightRig rig="threePt" dir="t"/>
+    </dgm:scene3d>
+    <dgm:sp3d/>
+    <dgm:txPr/>
+    <dgm:style>
+      <a:lnRef idx="2">
+        <a:scrgbClr r="0" g="0" b="0"/>
+      </a:lnRef>
+      <a:fillRef idx="1">
+        <a:scrgbClr r="0" g="0" b="0"/>
+      </a:fillRef>
+      <a:effectRef idx="0">
+        <a:scrgbClr r="0" g="0" b="0"/>
+      </a:effectRef>
+      <a:fontRef idx="minor">
+        <a:schemeClr val="lt1"/>
+      </a:fontRef>
+    </dgm:style>
+  </dgm:styleLbl>
+  <dgm:styleLbl name="fgImgPlace1">
+    <dgm:scene3d>
+      <a:camera prst="orthographicFront"/>
+      <a:lightRig rig="threePt" dir="t"/>
+    </dgm:scene3d>
+    <dgm:sp3d/>
+    <dgm:txPr/>
+    <dgm:style>
+      <a:lnRef idx="2">
+        <a:scrgbClr r="0" g="0" b="0"/>
+      </a:lnRef>
+      <a:fillRef idx="1">
+        <a:scrgbClr r="0" g="0" b="0"/>
+      </a:fillRef>
+      <a:effectRef idx="0">
+        <a:scrgbClr r="0" g="0" b="0"/>
+      </a:effectRef>
+      <a:fontRef idx="minor"/>
+    </dgm:style>
+  </dgm:styleLbl>
+  <dgm:styleLbl name="alignImgPlace1">
+    <dgm:scene3d>
+      <a:camera prst="orthographicFront"/>
+      <a:lightRig rig="threePt" dir="t"/>
+    </dgm:scene3d>
+    <dgm:sp3d/>
+    <dgm:txPr/>
+    <dgm:style>
+      <a:lnRef idx="2">
+        <a:scrgbClr r="0" g="0" b="0"/>
+      </a:lnRef>
+      <a:fillRef idx="1">
+        <a:scrgbClr r="0" g="0" b="0"/>
+      </a:fillRef>
+      <a:effectRef idx="0">
+        <a:scrgbClr r="0" g="0" b="0"/>
+      </a:effectRef>
+      <a:fontRef idx="minor"/>
+    </dgm:style>
+  </dgm:styleLbl>
+  <dgm:styleLbl name="bgImgPlace1">
+    <dgm:scene3d>
+      <a:camera prst="orthographicFront"/>
+      <a:lightRig rig="threePt" dir="t"/>
+    </dgm:scene3d>
+    <dgm:sp3d/>
+    <dgm:txPr/>
+    <dgm:style>
+      <a:lnRef idx="2">
+        <a:scrgbClr r="0" g="0" b="0"/>
+      </a:lnRef>
+      <a:fillRef idx="1">
+        <a:scrgbClr r="0" g="0" b="0"/>
+      </a:fillRef>
+      <a:effectRef idx="0">
+        <a:scrgbClr r="0" g="0" b="0"/>
+      </a:effectRef>
+      <a:fontRef idx="minor"/>
+    </dgm:style>
+  </dgm:styleLbl>
+  <dgm:styleLbl name="sibTrans2D1">
+    <dgm:scene3d>
+      <a:camera prst="orthographicFront"/>
+      <a:lightRig rig="threePt" dir="t"/>
+    </dgm:scene3d>
+    <dgm:sp3d/>
+    <dgm:txPr/>
+    <dgm:style>
+      <a:lnRef idx="0">
+        <a:scrgbClr r="0" g="0" b="0"/>
+      </a:lnRef>
+      <a:fillRef idx="1">
+        <a:scrgbClr r="0" g="0" b="0"/>
+      </a:fillRef>
+      <a:effectRef idx="0">
+        <a:scrgbClr r="0" g="0" b="0"/>
+      </a:effectRef>
+      <a:fontRef idx="minor">
+        <a:schemeClr val="lt1"/>
+      </a:fontRef>
+    </dgm:style>
+  </dgm:styleLbl>
+  <dgm:styleLbl name="fgSibTrans2D1">
+    <dgm:scene3d>
+      <a:camera prst="orthographicFront"/>
+      <a:lightRig rig="threePt" dir="t"/>
+    </dgm:scene3d>
+    <dgm:sp3d/>
+    <dgm:txPr/>
+    <dgm:style>
+      <a:lnRef idx="0">
+        <a:scrgbClr r="0" g="0" b="0"/>
+      </a:lnRef>
+      <a:fillRef idx="1">
+        <a:scrgbClr r="0" g="0" b="0"/>
+      </a:fillRef>
+      <a:effectRef idx="0">
+        <a:scrgbClr r="0" g="0" b="0"/>
+      </a:effectRef>
+      <a:fontRef idx="minor">
+        <a:schemeClr val="lt1"/>
+      </a:fontRef>
+    </dgm:style>
+  </dgm:styleLbl>
+  <dgm:styleLbl name="bgSibTrans2D1">
+    <dgm:scene3d>
+      <a:camera prst="orthographicFront"/>
+      <a:lightRig rig="threePt" dir="t"/>
+    </dgm:scene3d>
+    <dgm:sp3d/>
+    <dgm:txPr/>
+    <dgm:style>
+      <a:lnRef idx="0">
+        <a:scrgbClr r="0" g="0" b="0"/>
+      </a:lnRef>
+      <a:fillRef idx="1">
+        <a:scrgbClr r="0" g="0" b="0"/>
+      </a:fillRef>
+      <a:effectRef idx="0">
+        <a:scrgbClr r="0" g="0" b="0"/>
+      </a:effectRef>
+      <a:fontRef idx="minor">
+        <a:schemeClr val="lt1"/>
+      </a:fontRef>
+    </dgm:style>
+  </dgm:styleLbl>
+  <dgm:styleLbl name="sibTrans1D1">
+    <dgm:scene3d>
+      <a:camera prst="orthographicFront"/>
+      <a:lightRig rig="threePt" dir="t"/>
+    </dgm:scene3d>
+    <dgm:sp3d/>
+    <dgm:txPr/>
+    <dgm:style>
+      <a:lnRef idx="1">
+        <a:scrgbClr r="0" g="0" b="0"/>
+      </a:lnRef>
+      <a:fillRef idx="0">
+        <a:scrgbClr r="0" g="0" b="0"/>
+      </a:fillRef>
+      <a:effectRef idx="0">
+        <a:scrgbClr r="0" g="0" b="0"/>
+      </a:effectRef>
+      <a:fontRef idx="minor"/>
+    </dgm:style>
+  </dgm:styleLbl>
+  <dgm:styleLbl name="callout">
+    <dgm:scene3d>
+      <a:camera prst="orthographicFront"/>
+      <a:lightRig rig="threePt" dir="t"/>
+    </dgm:scene3d>
+    <dgm:sp3d/>
+    <dgm:txPr/>
+    <dgm:style>
+      <a:lnRef idx="2">
+        <a:scrgbClr r="0" g="0" b="0"/>
+      </a:lnRef>
+      <a:fillRef idx="1">
+        <a:scrgbClr r="0" g="0" b="0"/>
+      </a:fillRef>
+      <a:effectRef idx="0">
+        <a:scrgbClr r="0" g="0" b="0"/>
+      </a:effectRef>
+      <a:fontRef idx="minor"/>
+    </dgm:style>
+  </dgm:styleLbl>
+  <dgm:styleLbl name="asst0">
+    <dgm:scene3d>
+      <a:camera prst="orthographicFront"/>
+      <a:lightRig rig="threePt" dir="t"/>
+    </dgm:scene3d>
+    <dgm:sp3d/>
+    <dgm:txPr/>
+    <dgm:style>
+      <a:lnRef idx="2">
+        <a:scrgbClr r="0" g="0" b="0"/>
+      </a:lnRef>
+      <a:fillRef idx="1">
+        <a:scrgbClr r="0" g="0" b="0"/>
+      </a:fillRef>
+      <a:effectRef idx="0">
+        <a:scrgbClr r="0" g="0" b="0"/>
+      </a:effectRef>
+      <a:fontRef idx="minor">
+        <a:schemeClr val="lt1"/>
+      </a:fontRef>
+    </dgm:style>
+  </dgm:styleLbl>
+  <dgm:styleLbl name="asst1">
+    <dgm:scene3d>
+      <a:camera prst="orthographicFront"/>
+      <a:lightRig rig="threePt" dir="t"/>
+    </dgm:scene3d>
+    <dgm:sp3d/>
+    <dgm:txPr/>
+    <dgm:style>
+      <a:lnRef idx="2">
+        <a:scrgbClr r="0" g="0" b="0"/>
+      </a:lnRef>
+      <a:fillRef idx="1">
+        <a:scrgbClr r="0" g="0" b="0"/>
+      </a:fillRef>
+      <a:effectRef idx="0">
+        <a:scrgbClr r="0" g="0" b="0"/>
+      </a:effectRef>
+      <a:fontRef idx="minor">
+        <a:schemeClr val="lt1"/>
+      </a:fontRef>
+    </dgm:style>
+  </dgm:styleLbl>
+  <dgm:styleLbl name="asst2">
+    <dgm:scene3d>
+      <a:camera prst="orthographicFront"/>
+      <a:lightRig rig="threePt" dir="t"/>
+    </dgm:scene3d>
+    <dgm:sp3d/>
+    <dgm:txPr/>
+    <dgm:style>
+      <a:lnRef idx="2">
+        <a:scrgbClr r="0" g="0" b="0"/>
+      </a:lnRef>
+      <a:fillRef idx="1">
+        <a:scrgbClr r="0" g="0" b="0"/>
+      </a:fillRef>
+      <a:effectRef idx="0">
+        <a:scrgbClr r="0" g="0" b="0"/>
+      </a:effectRef>
+      <a:fontRef idx="minor">
+        <a:schemeClr val="lt1"/>
+      </a:fontRef>
+    </dgm:style>
+  </dgm:styleLbl>
+  <dgm:styleLbl name="asst3">
+    <dgm:scene3d>
+      <a:camera prst="orthographicFront"/>
+      <a:lightRig rig="threePt" dir="t"/>
+    </dgm:scene3d>
+    <dgm:sp3d/>
+    <dgm:txPr/>
+    <dgm:style>
+      <a:lnRef idx="2">
+        <a:scrgbClr r="0" g="0" b="0"/>
+      </a:lnRef>
+      <a:fillRef idx="1">
+        <a:scrgbClr r="0" g="0" b="0"/>
+      </a:fillRef>
+      <a:effectRef idx="0">
+        <a:scrgbClr r="0" g="0" b="0"/>
+      </a:effectRef>
+      <a:fontRef idx="minor">
+        <a:schemeClr val="lt1"/>
+      </a:fontRef>
+    </dgm:style>
+  </dgm:styleLbl>
+  <dgm:styleLbl name="asst4">
+    <dgm:scene3d>
+      <a:camera prst="orthographicFront"/>
+      <a:lightRig rig="threePt" dir="t"/>
+    </dgm:scene3d>
+    <dgm:sp3d/>
+    <dgm:txPr/>
+    <dgm:style>
+      <a:lnRef idx="2">
+        <a:scrgbClr r="0" g="0" b="0"/>
+      </a:lnRef>
+      <a:fillRef idx="1">
+        <a:scrgbClr r="0" g="0" b="0"/>
+      </a:fillRef>
+      <a:effectRef idx="0">
+        <a:scrgbClr r="0" g="0" b="0"/>
+      </a:effectRef>
+      <a:fontRef idx="minor">
+        <a:schemeClr val="lt1"/>
+      </a:fontRef>
+    </dgm:style>
+  </dgm:styleLbl>
+  <dgm:styleLbl name="parChTrans2D1">
+    <dgm:scene3d>
+      <a:camera prst="orthographicFront"/>
+      <a:lightRig rig="threePt" dir="t"/>
+    </dgm:scene3d>
+    <dgm:sp3d/>
+    <dgm:txPr/>
+    <dgm:style>
+      <a:lnRef idx="2">
+        <a:scrgbClr r="0" g="0" b="0"/>
+      </a:lnRef>
+      <a:fillRef idx="1">
+        <a:scrgbClr r="0" g="0" b="0"/>
+      </a:fillRef>
+      <a:effectRef idx="0">
+        <a:scrgbClr r="0" g="0" b="0"/>
+      </a:effectRef>
+      <a:fontRef idx="minor">
+        <a:schemeClr val="lt1"/>
+      </a:fontRef>
+    </dgm:style>
+  </dgm:styleLbl>
+  <dgm:styleLbl name="parChTrans2D2">
+    <dgm:scene3d>
+      <a:camera prst="orthographicFront"/>
+      <a:lightRig rig="threePt" dir="t"/>
+    </dgm:scene3d>
+    <dgm:sp3d/>
+    <dgm:txPr/>
+    <dgm:style>
+      <a:lnRef idx="2">
+        <a:scrgbClr r="0" g="0" b="0"/>
+      </a:lnRef>
+      <a:fillRef idx="1">
+        <a:scrgbClr r="0" g="0" b="0"/>
+      </a:fillRef>
+      <a:effectRef idx="0">
+        <a:scrgbClr r="0" g="0" b="0"/>
+      </a:effectRef>
+      <a:fontRef idx="minor">
+        <a:schemeClr val="lt1"/>
+      </a:fontRef>
+    </dgm:style>
+  </dgm:styleLbl>
+  <dgm:styleLbl name="parChTrans2D3">
+    <dgm:scene3d>
+      <a:camera prst="orthographicFront"/>
+      <a:lightRig rig="threePt" dir="t"/>
+    </dgm:scene3d>
+    <dgm:sp3d/>
+    <dgm:txPr/>
+    <dgm:style>
+      <a:lnRef idx="2">
+        <a:scrgbClr r="0" g="0" b="0"/>
+      </a:lnRef>
+      <a:fillRef idx="1">
+        <a:scrgbClr r="0" g="0" b="0"/>
+      </a:fillRef>
+      <a:effectRef idx="0">
+        <a:scrgbClr r="0" g="0" b="0"/>
+      </a:effectRef>
+      <a:fontRef idx="minor">
+        <a:schemeClr val="lt1"/>
+      </a:fontRef>
+    </dgm:style>
+  </dgm:styleLbl>
+  <dgm:styleLbl name="parChTrans2D4">
+    <dgm:scene3d>
+      <a:camera prst="orthographicFront"/>
+      <a:lightRig rig="threePt" dir="t"/>
+    </dgm:scene3d>
+    <dgm:sp3d/>
+    <dgm:txPr/>
+    <dgm:style>
+      <a:lnRef idx="2">
+        <a:scrgbClr r="0" g="0" b="0"/>
+      </a:lnRef>
+      <a:fillRef idx="1">
+        <a:scrgbClr r="0" g="0" b="0"/>
+      </a:fillRef>
+      <a:effectRef idx="0">
+        <a:scrgbClr r="0" g="0" b="0"/>
+      </a:effectRef>
+      <a:fontRef idx="minor">
+        <a:schemeClr val="lt1"/>
+      </a:fontRef>
+    </dgm:style>
+  </dgm:styleLbl>
+  <dgm:styleLbl name="parChTrans1D1">
+    <dgm:scene3d>
+      <a:camera prst="orthographicFront"/>
+      <a:lightRig rig="threePt" dir="t"/>
+    </dgm:scene3d>
+    <dgm:sp3d/>
+    <dgm:txPr/>
+    <dgm:style>
+      <a:lnRef idx="2">
+        <a:scrgbClr r="0" g="0" b="0"/>
+      </a:lnRef>
+      <a:fillRef idx="0">
+        <a:scrgbClr r="0" g="0" b="0"/>
+      </a:fillRef>
+      <a:effectRef idx="0">
+        <a:scrgbClr r="0" g="0" b="0"/>
+      </a:effectRef>
+      <a:fontRef idx="minor"/>
+    </dgm:style>
+  </dgm:styleLbl>
+  <dgm:styleLbl name="parChTrans1D2">
+    <dgm:scene3d>
+      <a:camera prst="orthographicFront"/>
+      <a:lightRig rig="threePt" dir="t"/>
+    </dgm:scene3d>
+    <dgm:sp3d/>
+    <dgm:txPr/>
+    <dgm:style>
+      <a:lnRef idx="2">
+        <a:scrgbClr r="0" g="0" b="0"/>
+      </a:lnRef>
+      <a:fillRef idx="0">
+        <a:scrgbClr r="0" g="0" b="0"/>
+      </a:fillRef>
+      <a:effectRef idx="0">
+        <a:scrgbClr r="0" g="0" b="0"/>
+      </a:effectRef>
+      <a:fontRef idx="minor"/>
+    </dgm:style>
+  </dgm:styleLbl>
+  <dgm:styleLbl name="parChTrans1D3">
+    <dgm:scene3d>
+      <a:camera prst="orthographicFront"/>
+      <a:lightRig rig="threePt" dir="t"/>
+    </dgm:scene3d>
+    <dgm:sp3d/>
+    <dgm:txPr/>
+    <dgm:style>
+      <a:lnRef idx="2">
+        <a:scrgbClr r="0" g="0" b="0"/>
+      </a:lnRef>
+      <a:fillRef idx="0">
+        <a:scrgbClr r="0" g="0" b="0"/>
+      </a:fillRef>
+      <a:effectRef idx="0">
+        <a:scrgbClr r="0" g="0" b="0"/>
+      </a:effectRef>
+      <a:fontRef idx="minor"/>
+    </dgm:style>
+  </dgm:styleLbl>
+  <dgm:styleLbl name="parChTrans1D4">
+    <dgm:scene3d>
+      <a:camera prst="orthographicFront"/>
+      <a:lightRig rig="threePt" dir="t"/>
+    </dgm:scene3d>
+    <dgm:sp3d/>
+    <dgm:txPr/>
+    <dgm:style>
+      <a:lnRef idx="2">
+        <a:scrgbClr r="0" g="0" b="0"/>
+      </a:lnRef>
+      <a:fillRef idx="0">
+        <a:scrgbClr r="0" g="0" b="0"/>
+      </a:fillRef>
+      <a:effectRef idx="0">
+        <a:scrgbClr r="0" g="0" b="0"/>
+      </a:effectRef>
+      <a:fontRef idx="minor"/>
+    </dgm:style>
+  </dgm:styleLbl>
+  <dgm:styleLbl name="fgAcc1">
+    <dgm:scene3d>
+      <a:camera prst="orthographicFront"/>
+      <a:lightRig rig="threePt" dir="t"/>
+    </dgm:scene3d>
+    <dgm:sp3d/>
+    <dgm:txPr/>
+    <dgm:style>
+      <a:lnRef idx="2">
+        <a:scrgbClr r="0" g="0" b="0"/>
+      </a:lnRef>
+      <a:fillRef idx="1">
+        <a:scrgbClr r="0" g="0" b="0"/>
+      </a:fillRef>
+      <a:effectRef idx="0">
+        <a:scrgbClr r="0" g="0" b="0"/>
+      </a:effectRef>
+      <a:fontRef idx="minor"/>
+    </dgm:style>
+  </dgm:styleLbl>
+  <dgm:styleLbl name="conFgAcc1">
+    <dgm:scene3d>
+      <a:camera prst="orthographicFront"/>
+      <a:lightRig rig="threePt" dir="t"/>
+    </dgm:scene3d>
+    <dgm:sp3d/>
+    <dgm:txPr/>
+    <dgm:style>
+      <a:lnRef idx="2">
+        <a:scrgbClr r="0" g="0" b="0"/>
+      </a:lnRef>
+      <a:fillRef idx="1">
+        <a:scrgbClr r="0" g="0" b="0"/>
+      </a:fillRef>
+      <a:effectRef idx="0">
+        <a:scrgbClr r="0" g="0" b="0"/>
+      </a:effectRef>
+      <a:fontRef idx="minor"/>
+    </dgm:style>
+  </dgm:styleLbl>
+  <dgm:styleLbl name="alignAcc1">
+    <dgm:scene3d>
+      <a:camera prst="orthographicFront"/>
+      <a:lightRig rig="threePt" dir="t"/>
+    </dgm:scene3d>
+    <dgm:sp3d/>
+    <dgm:txPr/>
+    <dgm:style>
+      <a:lnRef idx="2">
+        <a:scrgbClr r="0" g="0" b="0"/>
+      </a:lnRef>
+      <a:fillRef idx="1">
+        <a:scrgbClr r="0" g="0" b="0"/>
+      </a:fillRef>
+      <a:effectRef idx="0">
+        <a:scrgbClr r="0" g="0" b="0"/>
+      </a:effectRef>
+      <a:fontRef idx="minor"/>
+    </dgm:style>
+  </dgm:styleLbl>
+  <dgm:styleLbl name="trAlignAcc1">
+    <dgm:scene3d>
+      <a:camera prst="orthographicFront"/>
+      <a:lightRig rig="threePt" dir="t"/>
+    </dgm:scene3d>
+    <dgm:sp3d/>
+    <dgm:txPr/>
+    <dgm:style>
+      <a:lnRef idx="1">
+        <a:scrgbClr r="0" g="0" b="0"/>
+      </a:lnRef>
+      <a:fillRef idx="1">
+        <a:scrgbClr r="0" g="0" b="0"/>
+      </a:fillRef>
+      <a:effectRef idx="0">
+        <a:scrgbClr r="0" g="0" b="0"/>
+      </a:effectRef>
+      <a:fontRef idx="minor"/>
+    </dgm:style>
+  </dgm:styleLbl>
+  <dgm:styleLbl name="bgAcc1">
+    <dgm:scene3d>
+      <a:camera prst="orthographicFront"/>
+      <a:lightRig rig="threePt" dir="t"/>
+    </dgm:scene3d>
+    <dgm:sp3d/>
+    <dgm:txPr/>
+    <dgm:style>
+      <a:lnRef idx="2">
+        <a:scrgbClr r="0" g="0" b="0"/>
+      </a:lnRef>
+      <a:fillRef idx="1">
+        <a:scrgbClr r="0" g="0" b="0"/>
+      </a:fillRef>
+      <a:effectRef idx="0">
+        <a:scrgbClr r="0" g="0" b="0"/>
+      </a:effectRef>
+      <a:fontRef idx="minor"/>
+    </dgm:style>
+  </dgm:styleLbl>
+  <dgm:styleLbl name="solidFgAcc1">
+    <dgm:scene3d>
+      <a:camera prst="orthographicFront"/>
+      <a:lightRig rig="threePt" dir="t"/>
+    </dgm:scene3d>
+    <dgm:sp3d/>
+    <dgm:txPr/>
+    <dgm:style>
+      <a:lnRef idx="2">
+        <a:scrgbClr r="0" g="0" b="0"/>
+      </a:lnRef>
+      <a:fillRef idx="1">
+        <a:scrgbClr r="0" g="0" b="0"/>
+      </a:fillRef>
+      <a:effectRef idx="0">
+        <a:scrgbClr r="0" g="0" b="0"/>
+      </a:effectRef>
+      <a:fontRef idx="minor"/>
+    </dgm:style>
+  </dgm:styleLbl>
+  <dgm:styleLbl name="solidAlignAcc1">
+    <dgm:scene3d>
+      <a:camera prst="orthographicFront"/>
+      <a:lightRig rig="threePt" dir="t"/>
+    </dgm:scene3d>
+    <dgm:sp3d/>
+    <dgm:txPr/>
+    <dgm:style>
+      <a:lnRef idx="2">
+        <a:scrgbClr r="0" g="0" b="0"/>
+      </a:lnRef>
+      <a:fillRef idx="1">
+        <a:scrgbClr r="0" g="0" b="0"/>
+      </a:fillRef>
+      <a:effectRef idx="0">
+        <a:scrgbClr r="0" g="0" b="0"/>
+      </a:effectRef>
+      <a:fontRef idx="minor"/>
+    </dgm:style>
+  </dgm:styleLbl>
+  <dgm:styleLbl name="solidBgAcc1">
+    <dgm:scene3d>
+      <a:camera prst="orthographicFront"/>
+      <a:lightRig rig="threePt" dir="t"/>
+    </dgm:scene3d>
+    <dgm:sp3d/>
+    <dgm:txPr/>
+    <dgm:style>
+      <a:lnRef idx="2">
+        <a:scrgbClr r="0" g="0" b="0"/>
+      </a:lnRef>
+      <a:fillRef idx="1">
+        <a:scrgbClr r="0" g="0" b="0"/>
+      </a:fillRef>
+      <a:effectRef idx="0">
+        <a:scrgbClr r="0" g="0" b="0"/>
+      </a:effectRef>
+      <a:fontRef idx="minor"/>
+    </dgm:style>
+  </dgm:styleLbl>
+  <dgm:styleLbl name="fgAccFollowNode1">
+    <dgm:scene3d>
+      <a:camera prst="orthographicFront"/>
+      <a:lightRig rig="threePt" dir="t"/>
+    </dgm:scene3d>
+    <dgm:sp3d/>
+    <dgm:txPr/>
+    <dgm:style>
+      <a:lnRef idx="2">
+        <a:scrgbClr r="0" g="0" b="0"/>
+      </a:lnRef>
+      <a:fillRef idx="1">
+        <a:scrgbClr r="0" g="0" b="0"/>
+      </a:fillRef>
+      <a:effectRef idx="0">
+        <a:scrgbClr r="0" g="0" b="0"/>
+      </a:effectRef>
+      <a:fontRef idx="minor"/>
+    </dgm:style>
+  </dgm:styleLbl>
+  <dgm:styleLbl name="alignAccFollowNode1">
+    <dgm:scene3d>
+      <a:camera prst="orthographicFront"/>
+      <a:lightRig rig="threePt" dir="t"/>
+    </dgm:scene3d>
+    <dgm:sp3d/>
+    <dgm:txPr/>
+    <dgm:style>
+      <a:lnRef idx="2">
+        <a:scrgbClr r="0" g="0" b="0"/>
+      </a:lnRef>
+      <a:fillRef idx="1">
+        <a:scrgbClr r="0" g="0" b="0"/>
+      </a:fillRef>
+      <a:effectRef idx="0">
+        <a:scrgbClr r="0" g="0" b="0"/>
+      </a:effectRef>
+      <a:fontRef idx="minor"/>
+    </dgm:style>
+  </dgm:styleLbl>
+  <dgm:styleLbl name="bgAccFollowNode1">
+    <dgm:scene3d>
+      <a:camera prst="orthographicFront"/>
+      <a:lightRig rig="threePt" dir="t"/>
+    </dgm:scene3d>
+    <dgm:sp3d/>
+    <dgm:txPr/>
+    <dgm:style>
+      <a:lnRef idx="2">
+        <a:scrgbClr r="0" g="0" b="0"/>
+      </a:lnRef>
+      <a:fillRef idx="1">
+        <a:scrgbClr r="0" g="0" b="0"/>
+      </a:fillRef>
+      <a:effectRef idx="0">
+        <a:scrgbClr r="0" g="0" b="0"/>
+      </a:effectRef>
+      <a:fontRef idx="minor"/>
+    </dgm:style>
+  </dgm:styleLbl>
+  <dgm:styleLbl name="fgAcc0">
+    <dgm:scene3d>
+      <a:camera prst="orthographicFront"/>
+      <a:lightRig rig="threePt" dir="t"/>
+    </dgm:scene3d>
+    <dgm:sp3d/>
+    <dgm:txPr/>
+    <dgm:style>
+      <a:lnRef idx="2">
+        <a:scrgbClr r="0" g="0" b="0"/>
+      </a:lnRef>
+      <a:fillRef idx="1">
+        <a:scrgbClr r="0" g="0" b="0"/>
+      </a:fillRef>
+      <a:effectRef idx="0">
+        <a:scrgbClr r="0" g="0" b="0"/>
+      </a:effectRef>
+      <a:fontRef idx="minor"/>
+    </dgm:style>
+  </dgm:styleLbl>
+  <dgm:styleLbl name="fgAcc2">
+    <dgm:scene3d>
+      <a:camera prst="orthographicFront"/>
+      <a:lightRig rig="threePt" dir="t"/>
+    </dgm:scene3d>
+    <dgm:sp3d/>
+    <dgm:txPr/>
+    <dgm:style>
+      <a:lnRef idx="2">
+        <a:scrgbClr r="0" g="0" b="0"/>
+      </a:lnRef>
+      <a:fillRef idx="1">
+        <a:scrgbClr r="0" g="0" b="0"/>
+      </a:fillRef>
+      <a:effectRef idx="0">
+        <a:scrgbClr r="0" g="0" b="0"/>
+      </a:effectRef>
+      <a:fontRef idx="minor"/>
+    </dgm:style>
+  </dgm:styleLbl>
+  <dgm:styleLbl name="fgAcc3">
+    <dgm:scene3d>
+      <a:camera prst="orthographicFront"/>
+      <a:lightRig rig="threePt" dir="t"/>
+    </dgm:scene3d>
+    <dgm:sp3d/>
+    <dgm:txPr/>
+    <dgm:style>
+      <a:lnRef idx="2">
+        <a:scrgbClr r="0" g="0" b="0"/>
+      </a:lnRef>
+      <a:fillRef idx="1">
+        <a:scrgbClr r="0" g="0" b="0"/>
+      </a:fillRef>
+      <a:effectRef idx="0">
+        <a:scrgbClr r="0" g="0" b="0"/>
+      </a:effectRef>
+      <a:fontRef idx="minor"/>
+    </dgm:style>
+  </dgm:styleLbl>
+  <dgm:styleLbl name="fgAcc4">
+    <dgm:scene3d>
+      <a:camera prst="orthographicFront"/>
+      <a:lightRig rig="threePt" dir="t"/>
+    </dgm:scene3d>
+    <dgm:sp3d/>
+    <dgm:txPr/>
+    <dgm:style>
+      <a:lnRef idx="2">
+        <a:scrgbClr r="0" g="0" b="0"/>
+      </a:lnRef>
+      <a:fillRef idx="1">
+        <a:scrgbClr r="0" g="0" b="0"/>
+      </a:fillRef>
+      <a:effectRef idx="0">
+        <a:scrgbClr r="0" g="0" b="0"/>
+      </a:effectRef>
+      <a:fontRef idx="minor"/>
+    </dgm:style>
+  </dgm:styleLbl>
+  <dgm:styleLbl name="bgShp">
+    <dgm:scene3d>
+      <a:camera prst="orthographicFront"/>
+      <a:lightRig rig="threePt" dir="t"/>
+    </dgm:scene3d>
+    <dgm:sp3d/>
+    <dgm:txPr/>
+    <dgm:style>
+      <a:lnRef idx="0">
+        <a:scrgbClr r="0" g="0" b="0"/>
+      </a:lnRef>
+      <a:fillRef idx="1">
+        <a:scrgbClr r="0" g="0" b="0"/>
+      </a:fillRef>
+      <a:effectRef idx="0">
+        <a:scrgbClr r="0" g="0" b="0"/>
+      </a:effectRef>
+      <a:fontRef idx="minor"/>
+    </dgm:style>
+  </dgm:styleLbl>
+  <dgm:styleLbl name="dkBgShp">
+    <dgm:scene3d>
+      <a:camera prst="orthographicFront"/>
+      <a:lightRig rig="threePt" dir="t"/>
+    </dgm:scene3d>
+    <dgm:sp3d/>
+    <dgm:txPr/>
+    <dgm:style>
+      <a:lnRef idx="0">
+        <a:scrgbClr r="0" g="0" b="0"/>
+      </a:lnRef>
+      <a:fillRef idx="1">
+        <a:scrgbClr r="0" g="0" b="0"/>
+      </a:fillRef>
+      <a:effectRef idx="0">
+        <a:scrgbClr r="0" g="0" b="0"/>
+      </a:effectRef>
+      <a:fontRef idx="minor"/>
+    </dgm:style>
+  </dgm:styleLbl>
+  <dgm:styleLbl name="trBgShp">
+    <dgm:scene3d>
+      <a:camera prst="orthographicFront"/>
+      <a:lightRig rig="threePt" dir="t"/>
+    </dgm:scene3d>
+    <dgm:sp3d/>
+    <dgm:txPr/>
+    <dgm:style>
+      <a:lnRef idx="0">
+        <a:scrgbClr r="0" g="0" b="0"/>
+      </a:lnRef>
+      <a:fillRef idx="1">
+        <a:scrgbClr r="0" g="0" b="0"/>
+      </a:fillRef>
+      <a:effectRef idx="0">
+        <a:scrgbClr r="0" g="0" b="0"/>
+      </a:effectRef>
+      <a:fontRef idx="minor"/>
+    </dgm:style>
+  </dgm:styleLbl>
+  <dgm:styleLbl name="fgShp">
+    <dgm:scene3d>
+      <a:camera prst="orthographicFront"/>
+      <a:lightRig rig="threePt" dir="t"/>
+    </dgm:scene3d>
+    <dgm:sp3d/>
+    <dgm:txPr/>
+    <dgm:style>
+      <a:lnRef idx="2">
+        <a:scrgbClr r="0" g="0" b="0"/>
+      </a:lnRef>
+      <a:fillRef idx="1">
+        <a:scrgbClr r="0" g="0" b="0"/>
+      </a:fillRef>
+      <a:effectRef idx="0">
+        <a:scrgbClr r="0" g="0" b="0"/>
+      </a:effectRef>
+      <a:fontRef idx="minor"/>
+    </dgm:style>
+  </dgm:styleLbl>
+  <dgm:styleLbl name="revTx">
+    <dgm:scene3d>
+      <a:camera prst="orthographicFront"/>
+      <a:lightRig rig="threePt" dir="t"/>
+    </dgm:scene3d>
+    <dgm:sp3d/>
+    <dgm:txPr/>
+    <dgm:style>
+      <a:lnRef idx="0">
+        <a:scrgbClr r="0" g="0" b="0"/>
+      </a:lnRef>
+      <a:fillRef idx="0">
+        <a:scrgbClr r="0" g="0" b="0"/>
+      </a:fillRef>
+      <a:effectRef idx="0">
+        <a:scrgbClr r="0" g="0" b="0"/>
+      </a:effectRef>
+      <a:fontRef idx="minor"/>
+    </dgm:style>
+  </dgm:styleLbl>
+</dgm:styleDef>
 </file>
 
 <file path=ppt/slideLayouts/slideLayout1.xml><?xml version="1.0" encoding="utf-8"?>
@@ -3293,38 +6359,34 @@
           <a:chExt cx="0" cy="0"/>
         </a:xfrm>
       </p:grpSpPr>
+      <p:pic>
+        <p:nvPicPr>
+          <p:cNvPr id="16394" name="Picture 10" descr="This is what I have so far. LEFT: masked pupil RIGHT: canny result"/>
+          <p:cNvPicPr>
+            <a:picLocks noGrp="1" noChangeAspect="1" noChangeArrowheads="1"/>
+          </p:cNvPicPr>
+          <p:nvPr>
+            <p:ph idx="1"/>
+          </p:nvPr>
+        </p:nvPicPr>
+        <p:blipFill>
+          <a:blip r:embed="rId2"/>
+          <a:stretch/>
+        </p:blipFill>
+        <p:spPr bwMode="auto">
+          <a:xfrm>
+            <a:off x="657225" y="2166599"/>
+            <a:ext cx="8029575" cy="3853201"/>
+          </a:xfrm>
+          <a:prstGeom prst="rect">
+            <a:avLst/>
+          </a:prstGeom>
+          <a:noFill/>
+        </p:spPr>
+      </p:pic>
       <p:sp>
         <p:nvSpPr>
-          <p:cNvPr id="2" name="Título 1"/>
-          <p:cNvSpPr>
-            <a:spLocks noGrp="1"/>
-          </p:cNvSpPr>
-          <p:nvPr>
-            <p:ph type="title"/>
-          </p:nvPr>
-        </p:nvSpPr>
-        <p:spPr bwMode="auto"/>
-        <p:txBody>
-          <a:bodyPr/>
-          <a:lstStyle/>
-          <a:p>
-            <a:pPr>
-              <a:defRPr/>
-            </a:pPr>
-            <a:r>
-              <a:rPr lang="pt-BR"/>
-              <a:t>Transformada de Hough</a:t>
-            </a:r>
-            <a:br>
-              <a:rPr lang="pt-BR"/>
-            </a:br>
-            <a:endParaRPr sz="1800"/>
-          </a:p>
-        </p:txBody>
-      </p:sp>
-      <p:sp>
-        <p:nvSpPr>
-          <p:cNvPr id="7" name="Espaço Reservado para Texto 6"/>
+          <p:cNvPr id="5" name="Espaço Reservado para Texto 4"/>
           <p:cNvSpPr>
             <a:spLocks noGrp="1"/>
           </p:cNvSpPr>
@@ -3346,134 +6408,122 @@
       </p:sp>
       <p:sp>
         <p:nvSpPr>
-          <p:cNvPr id="1956192845" name="CaixaDeTexto 1956192844"/>
-          <p:cNvSpPr txBox="1"/>
+          <p:cNvPr id="3" name="Elipse 2"/>
+          <p:cNvSpPr/>
           <p:nvPr/>
         </p:nvSpPr>
         <p:spPr bwMode="auto">
           <a:xfrm>
-            <a:off x="472710" y="1575630"/>
-            <a:ext cx="8339315" cy="3932279"/>
+            <a:off x="5922375" y="3497346"/>
+            <a:ext cx="1169089" cy="1219272"/>
+          </a:xfrm>
+          <a:prstGeom prst="ellipse">
+            <a:avLst/>
+          </a:prstGeom>
+          <a:noFill/>
+          <a:ln w="38100">
+            <a:solidFill>
+              <a:srgbClr val="F0265D"/>
+            </a:solidFill>
+          </a:ln>
+        </p:spPr>
+        <p:style>
+          <a:lnRef idx="1">
+            <a:schemeClr val="accent1"/>
+          </a:lnRef>
+          <a:fillRef idx="3">
+            <a:schemeClr val="accent1"/>
+          </a:fillRef>
+          <a:effectRef idx="2">
+            <a:schemeClr val="accent1"/>
+          </a:effectRef>
+          <a:fontRef idx="minor">
+            <a:schemeClr val="lt1"/>
+          </a:fontRef>
+        </p:style>
+        <p:txBody>
+          <a:bodyPr rtlCol="0" anchor="ctr"/>
+          <a:lstStyle/>
+          <a:p>
+            <a:pPr algn="ctr">
+              <a:defRPr/>
+            </a:pPr>
+            <a:endParaRPr lang="pt-BR"/>
+          </a:p>
+        </p:txBody>
+      </p:sp>
+      <p:sp>
+        <p:nvSpPr>
+          <p:cNvPr id="4" name="Título 1">
+            <a:extLst>
+              <a:ext uri="{FF2B5EF4-FFF2-40B4-BE49-F238E27FC236}">
+                <a16:creationId xmlns:a16="http://schemas.microsoft.com/office/drawing/2014/main" id="{287AD6CC-5173-24C9-3B1D-8FE69524ED82}"/>
+              </a:ext>
+            </a:extLst>
+          </p:cNvPr>
+          <p:cNvSpPr>
+            <a:spLocks noGrp="1"/>
+          </p:cNvSpPr>
+          <p:nvPr>
+            <p:ph type="title"/>
+          </p:nvPr>
+        </p:nvSpPr>
+        <p:spPr bwMode="auto">
+          <a:xfrm>
+            <a:off x="457200" y="781050"/>
+            <a:ext cx="8229600" cy="619125"/>
+          </a:xfrm>
+        </p:spPr>
+        <p:txBody>
+          <a:bodyPr/>
+          <a:lstStyle/>
+          <a:p>
+            <a:pPr>
+              <a:defRPr/>
+            </a:pPr>
+            <a:r>
+              <a:rPr lang="pt-BR" dirty="0"/>
+              <a:t>Exemplo de Detecção de Circunferências</a:t>
+            </a:r>
+            <a:endParaRPr dirty="0"/>
+          </a:p>
+        </p:txBody>
+      </p:sp>
+      <p:sp>
+        <p:nvSpPr>
+          <p:cNvPr id="6" name="Retângulo 5">
+            <a:extLst>
+              <a:ext uri="{FF2B5EF4-FFF2-40B4-BE49-F238E27FC236}">
+                <a16:creationId xmlns:a16="http://schemas.microsoft.com/office/drawing/2014/main" id="{464724ED-6026-A8EA-9C12-7193AEF8A43F}"/>
+              </a:ext>
+            </a:extLst>
+          </p:cNvPr>
+          <p:cNvSpPr/>
+          <p:nvPr/>
+        </p:nvSpPr>
+        <p:spPr bwMode="auto">
+          <a:xfrm>
+            <a:off x="657225" y="6596390"/>
+            <a:ext cx="8562109" cy="261610"/>
           </a:xfrm>
           <a:prstGeom prst="rect">
             <a:avLst/>
           </a:prstGeom>
-          <a:noFill/>
         </p:spPr>
         <p:txBody>
-          <a:bodyPr vertOverflow="overflow" horzOverflow="overflow" vert="horz" wrap="square" lIns="91440" tIns="45720" rIns="91440" bIns="45720" numCol="1" spcCol="0" rtlCol="0" fromWordArt="0" anchor="t" anchorCtr="0" forceAA="0" compatLnSpc="0">
+          <a:bodyPr wrap="square">
             <a:spAutoFit/>
           </a:bodyPr>
           <a:lstStyle/>
           <a:p>
-            <a:pPr marL="283879" indent="-283879">
-              <a:buAutoNum type="arabicPeriod"/>
+            <a:pPr>
               <a:defRPr/>
             </a:pPr>
             <a:r>
-              <a:t>Detecta formas em uma imagem</a:t>
+              <a:rPr lang="pt-BR" sz="1050" dirty="0"/>
+              <a:t>http://stackoverflow.com/questions/10716464/what-are-the-correct-usage-parameter-values-for-houghcircles-in-opencv-for-iris</a:t>
             </a:r>
-          </a:p>
-          <a:p>
-            <a:pPr marL="283879" indent="-283879">
-              <a:buAutoNum type="arabicPeriod"/>
-              <a:defRPr/>
-            </a:pPr>
-            <a:endParaRPr/>
-          </a:p>
-          <a:p>
-            <a:pPr marL="283879" indent="-283879">
-              <a:buAutoNum type="arabicPeriod"/>
-              <a:defRPr/>
-            </a:pPr>
-            <a:r>
-              <a:t>Muito usada para círculos e retas</a:t>
-            </a:r>
-          </a:p>
-          <a:p>
-            <a:pPr marL="283879" indent="-283879">
-              <a:buAutoNum type="arabicPeriod"/>
-              <a:defRPr/>
-            </a:pPr>
-            <a:endParaRPr/>
-          </a:p>
-          <a:p>
-            <a:pPr marL="283879" indent="-283879">
-              <a:buAutoNum type="arabicPeriod"/>
-              <a:defRPr/>
-            </a:pPr>
-            <a:r>
-              <a:t>Exige pós-processamento dos dados obtidos</a:t>
-            </a:r>
-          </a:p>
-          <a:p>
-            <a:pPr marL="283879" indent="-283879">
-              <a:buAutoNum type="arabicPeriod"/>
-              <a:defRPr/>
-            </a:pPr>
-            <a:endParaRPr/>
-          </a:p>
-          <a:p>
-            <a:pPr marL="683929" lvl="1" indent="-283879">
-              <a:buFont typeface="Arial"/>
-              <a:buChar char="•"/>
-              <a:defRPr/>
-            </a:pPr>
-            <a:r>
-              <a:t>Problemas comuns: muitas retas/círculos parecidos (quase mesma posição, orientação ou raio)</a:t>
-            </a:r>
-          </a:p>
-          <a:p>
-            <a:pPr marL="683929" lvl="1" indent="-283879">
-              <a:buFont typeface="Arial"/>
-              <a:buChar char="•"/>
-              <a:defRPr/>
-            </a:pPr>
-            <a:endParaRPr/>
-          </a:p>
-          <a:p>
-            <a:pPr marL="683929" lvl="1" indent="-283879">
-              <a:buFont typeface="Arial"/>
-              <a:buChar char="•"/>
-              <a:defRPr/>
-            </a:pPr>
-            <a:r>
-              <a:t>Falamos em elementos de mais alto nível, não em pixels</a:t>
-            </a:r>
-          </a:p>
-          <a:p>
-            <a:pPr marL="683929" lvl="1" indent="-283879">
-              <a:buFont typeface="Arial"/>
-              <a:buChar char="•"/>
-              <a:defRPr/>
-            </a:pPr>
-            <a:endParaRPr/>
-          </a:p>
-          <a:p>
-            <a:pPr marL="683929" lvl="1" indent="-283879">
-              <a:buFont typeface="Arial"/>
-              <a:buChar char="•"/>
-              <a:defRPr/>
-            </a:pPr>
-            <a:r>
-              <a:t>Filtragem: eliminar retas/círculos “parecidos” com algum já selecionado</a:t>
-            </a:r>
-          </a:p>
-          <a:p>
-            <a:pPr marL="683929" lvl="1" indent="-283879">
-              <a:buFont typeface="Arial"/>
-              <a:buChar char="•"/>
-              <a:defRPr/>
-            </a:pPr>
-            <a:endParaRPr/>
-          </a:p>
-          <a:p>
-            <a:pPr marL="683929" lvl="1" indent="-283879">
-              <a:buFont typeface="Arial"/>
-              <a:buChar char="•"/>
-              <a:defRPr/>
-            </a:pPr>
-            <a:endParaRPr/>
+            <a:endParaRPr sz="1400" dirty="0"/>
           </a:p>
         </p:txBody>
       </p:sp>
@@ -3512,199 +6562,28 @@
             <p:ph type="title"/>
           </p:nvPr>
         </p:nvSpPr>
-        <p:spPr bwMode="auto"/>
+        <p:spPr bwMode="auto">
+          <a:xfrm>
+            <a:off x="457200" y="781050"/>
+            <a:ext cx="8229600" cy="619125"/>
+          </a:xfrm>
+        </p:spPr>
         <p:txBody>
           <a:bodyPr>
-            <a:normAutofit fontScale="90000"/>
+            <a:normAutofit/>
           </a:bodyPr>
           <a:lstStyle/>
           <a:p>
             <a:pPr>
+              <a:lnSpc>
+                <a:spcPct val="90000"/>
+              </a:lnSpc>
               <a:defRPr/>
             </a:pPr>
             <a:r>
-              <a:rPr lang="pt-BR"/>
-              <a:t>Exemplo de detecção de circunferências</a:t>
+              <a:rPr lang="pt-BR" sz="2700" dirty="0"/>
+              <a:t>Exemplo de Aplicação da Detecção de Retas</a:t>
             </a:r>
-            <a:endParaRPr/>
-          </a:p>
-        </p:txBody>
-      </p:sp>
-      <p:pic>
-        <p:nvPicPr>
-          <p:cNvPr id="16394" name="Picture 10" descr="This is what I have so far. LEFT: masked pupil RIGHT: canny result"/>
-          <p:cNvPicPr>
-            <a:picLocks noGrp="1" noChangeAspect="1" noChangeArrowheads="1"/>
-          </p:cNvPicPr>
-          <p:nvPr>
-            <p:ph idx="1"/>
-          </p:nvPr>
-        </p:nvPicPr>
-        <p:blipFill>
-          <a:blip r:embed="rId2"/>
-          <a:stretch/>
-        </p:blipFill>
-        <p:spPr bwMode="auto">
-          <a:xfrm>
-            <a:off x="657225" y="1921498"/>
-            <a:ext cx="8029575" cy="3853201"/>
-          </a:xfrm>
-          <a:prstGeom prst="rect">
-            <a:avLst/>
-          </a:prstGeom>
-          <a:noFill/>
-        </p:spPr>
-      </p:pic>
-      <p:sp>
-        <p:nvSpPr>
-          <p:cNvPr id="5" name="Espaço Reservado para Texto 4"/>
-          <p:cNvSpPr>
-            <a:spLocks noGrp="1"/>
-          </p:cNvSpPr>
-          <p:nvPr>
-            <p:ph type="body" sz="quarter" idx="13"/>
-          </p:nvPr>
-        </p:nvSpPr>
-        <p:spPr bwMode="auto"/>
-        <p:txBody>
-          <a:bodyPr/>
-          <a:lstStyle/>
-          <a:p>
-            <a:pPr>
-              <a:defRPr/>
-            </a:pPr>
-            <a:endParaRPr lang="pt-BR"/>
-          </a:p>
-        </p:txBody>
-      </p:sp>
-      <p:sp>
-        <p:nvSpPr>
-          <p:cNvPr id="9" name="Retângulo 8"/>
-          <p:cNvSpPr/>
-          <p:nvPr/>
-        </p:nvSpPr>
-        <p:spPr bwMode="auto">
-          <a:xfrm>
-            <a:off x="290945" y="5774964"/>
-            <a:ext cx="8562109" cy="276999"/>
-          </a:xfrm>
-          <a:prstGeom prst="rect">
-            <a:avLst/>
-          </a:prstGeom>
-        </p:spPr>
-        <p:txBody>
-          <a:bodyPr wrap="square">
-            <a:spAutoFit/>
-          </a:bodyPr>
-          <a:lstStyle/>
-          <a:p>
-            <a:pPr>
-              <a:defRPr/>
-            </a:pPr>
-            <a:r>
-              <a:rPr lang="pt-BR" sz="1200"/>
-              <a:t>http://stackoverflow.com/questions/10716464/what-are-the-correct-usage-parameter-values-for-houghcircles-in-opencv-for-iris</a:t>
-            </a:r>
-            <a:endParaRPr/>
-          </a:p>
-        </p:txBody>
-      </p:sp>
-      <p:sp>
-        <p:nvSpPr>
-          <p:cNvPr id="3" name="Elipse 2"/>
-          <p:cNvSpPr/>
-          <p:nvPr/>
-        </p:nvSpPr>
-        <p:spPr bwMode="auto">
-          <a:xfrm>
-            <a:off x="5922375" y="3252245"/>
-            <a:ext cx="1169089" cy="1219272"/>
-          </a:xfrm>
-          <a:prstGeom prst="ellipse">
-            <a:avLst/>
-          </a:prstGeom>
-          <a:noFill/>
-          <a:ln w="38100">
-            <a:solidFill>
-              <a:srgbClr val="F0265D"/>
-            </a:solidFill>
-          </a:ln>
-        </p:spPr>
-        <p:style>
-          <a:lnRef idx="1">
-            <a:schemeClr val="accent1"/>
-          </a:lnRef>
-          <a:fillRef idx="3">
-            <a:schemeClr val="accent1"/>
-          </a:fillRef>
-          <a:effectRef idx="2">
-            <a:schemeClr val="accent1"/>
-          </a:effectRef>
-          <a:fontRef idx="minor">
-            <a:schemeClr val="lt1"/>
-          </a:fontRef>
-        </p:style>
-        <p:txBody>
-          <a:bodyPr rtlCol="0" anchor="ctr"/>
-          <a:lstStyle/>
-          <a:p>
-            <a:pPr algn="ctr">
-              <a:defRPr/>
-            </a:pPr>
-            <a:endParaRPr lang="pt-BR"/>
-          </a:p>
-        </p:txBody>
-      </p:sp>
-    </p:spTree>
-  </p:cSld>
-  <p:clrMapOvr>
-    <a:masterClrMapping/>
-  </p:clrMapOvr>
-</p:sld>
-</file>
-
-<file path=ppt/slides/slide12.xml><?xml version="1.0" encoding="utf-8"?>
-<p:sld xmlns:a="http://schemas.openxmlformats.org/drawingml/2006/main" xmlns:r="http://schemas.openxmlformats.org/officeDocument/2006/relationships" xmlns:p="http://schemas.openxmlformats.org/presentationml/2006/main" showMasterPhAnim="0">
-  <p:cSld>
-    <p:spTree>
-      <p:nvGrpSpPr>
-        <p:cNvPr id="1" name=""/>
-        <p:cNvGrpSpPr/>
-        <p:nvPr/>
-      </p:nvGrpSpPr>
-      <p:grpSpPr bwMode="auto">
-        <a:xfrm>
-          <a:off x="0" y="0"/>
-          <a:ext cx="0" cy="0"/>
-          <a:chOff x="0" y="0"/>
-          <a:chExt cx="0" cy="0"/>
-        </a:xfrm>
-      </p:grpSpPr>
-      <p:sp>
-        <p:nvSpPr>
-          <p:cNvPr id="2" name="Título 1"/>
-          <p:cNvSpPr>
-            <a:spLocks noGrp="1"/>
-          </p:cNvSpPr>
-          <p:nvPr>
-            <p:ph type="title"/>
-          </p:nvPr>
-        </p:nvSpPr>
-        <p:spPr bwMode="auto"/>
-        <p:txBody>
-          <a:bodyPr>
-            <a:normAutofit fontScale="90000"/>
-          </a:bodyPr>
-          <a:lstStyle/>
-          <a:p>
-            <a:pPr>
-              <a:defRPr/>
-            </a:pPr>
-            <a:r>
-              <a:rPr lang="pt-BR"/>
-              <a:t>Exemplo de aplicação da detecção de retas</a:t>
-            </a:r>
-            <a:endParaRPr/>
           </a:p>
         </p:txBody>
       </p:sp>
@@ -3718,14 +6597,15 @@
             <p:ph idx="1"/>
           </p:nvPr>
         </p:nvPicPr>
-        <p:blipFill>
+        <p:blipFill rotWithShape="1">
           <a:blip r:embed="rId2"/>
+          <a:srcRect l="3973" r="-2" b="-2"/>
           <a:stretch/>
         </p:blipFill>
         <p:spPr bwMode="auto">
           <a:xfrm>
-            <a:off x="657225" y="1581536"/>
-            <a:ext cx="8029575" cy="4533128"/>
+            <a:off x="657225" y="1485900"/>
+            <a:ext cx="8029575" cy="4724399"/>
           </a:xfrm>
           <a:prstGeom prst="rect">
             <a:avLst/>
@@ -3735,55 +6615,44 @@
       </p:pic>
       <p:sp>
         <p:nvSpPr>
-          <p:cNvPr id="4" name="Espaço Reservado para Texto 3"/>
-          <p:cNvSpPr>
-            <a:spLocks noGrp="1"/>
-          </p:cNvSpPr>
-          <p:nvPr>
-            <p:ph type="body" sz="quarter" idx="13"/>
-          </p:nvPr>
-        </p:nvSpPr>
-        <p:spPr bwMode="auto"/>
-        <p:txBody>
-          <a:bodyPr/>
-          <a:lstStyle/>
-          <a:p>
-            <a:pPr>
-              <a:defRPr/>
-            </a:pPr>
-            <a:endParaRPr lang="pt-BR"/>
-          </a:p>
-        </p:txBody>
-      </p:sp>
-      <p:sp>
-        <p:nvSpPr>
           <p:cNvPr id="5" name="Retângulo 4"/>
           <p:cNvSpPr/>
           <p:nvPr/>
         </p:nvSpPr>
         <p:spPr bwMode="auto">
           <a:xfrm>
-            <a:off x="308558" y="5658492"/>
-            <a:ext cx="8340436" cy="523220"/>
+            <a:off x="161925" y="85725"/>
+            <a:ext cx="7229475" cy="352425"/>
           </a:xfrm>
           <a:prstGeom prst="rect">
             <a:avLst/>
           </a:prstGeom>
         </p:spPr>
         <p:txBody>
-          <a:bodyPr wrap="square">
-            <a:spAutoFit/>
+          <a:bodyPr>
+            <a:normAutofit/>
           </a:bodyPr>
           <a:lstStyle/>
           <a:p>
-            <a:pPr>
+            <a:pPr defTabSz="914400">
+              <a:lnSpc>
+                <a:spcPct val="90000"/>
+              </a:lnSpc>
+              <a:spcAft>
+                <a:spcPts val="600"/>
+              </a:spcAft>
               <a:defRPr/>
             </a:pPr>
             <a:r>
-              <a:rPr lang="pt-BR" sz="1400"/>
+              <a:rPr lang="pt-BR" sz="900" b="1">
+                <a:solidFill>
+                  <a:srgbClr val="BCBEC0"/>
+                </a:solidFill>
+                <a:latin typeface="Verdana"/>
+                <a:ea typeface="Verdana"/>
+              </a:rPr>
               <a:t>https://www.mathworks.com/matlabcentral/answers/88166-how-can-i-find-the-intersection-point-of-hough-lines-for-vision-based-navigation?requestedDomain=www.mathworks.com</a:t>
             </a:r>
-            <a:endParaRPr/>
           </a:p>
         </p:txBody>
       </p:sp>
@@ -3795,7 +6664,7 @@
 </p:sld>
 </file>
 
-<file path=ppt/slides/slide13.xml><?xml version="1.0" encoding="utf-8"?>
+<file path=ppt/slides/slide12.xml><?xml version="1.0" encoding="utf-8"?>
 <p:sld xmlns:a="http://schemas.openxmlformats.org/drawingml/2006/main" xmlns:r="http://schemas.openxmlformats.org/officeDocument/2006/relationships" xmlns:p="http://schemas.openxmlformats.org/presentationml/2006/main" showMasterPhAnim="0">
   <p:cSld>
     <p:spTree>
@@ -3892,7 +6761,7 @@
                 </a:spcAft>
                 <a:defRPr/>
               </a:pPr>
-              <a:t>13</a:t>
+              <a:t>12</a:t>
             </a:fld>
             <a:endParaRPr lang="en-US" dirty="0">
               <a:solidFill>
@@ -3917,7 +6786,7 @@
 </p:sld>
 </file>
 
-<file path=ppt/slides/slide14.xml><?xml version="1.0" encoding="utf-8"?>
+<file path=ppt/slides/slide13.xml><?xml version="1.0" encoding="utf-8"?>
 <p:sld xmlns:a="http://schemas.openxmlformats.org/drawingml/2006/main" xmlns:r="http://schemas.openxmlformats.org/officeDocument/2006/relationships" xmlns:p="http://schemas.openxmlformats.org/presentationml/2006/main" showMasterPhAnim="0">
   <p:cSld>
     <p:spTree>
@@ -4018,7 +6887,7 @@
                 </a:spcAft>
                 <a:defRPr/>
               </a:pPr>
-              <a:t>14</a:t>
+              <a:t>13</a:t>
             </a:fld>
             <a:endParaRPr lang="en-US" dirty="0">
               <a:solidFill>
@@ -4405,7 +7274,7 @@
               </a:tabLst>
               <a:defRPr/>
             </a:pPr>
-            <a:endParaRPr lang="pt-BR" sz="1800" b="0" i="0" u="none" strike="noStrike" cap="none">
+            <a:endParaRPr lang="pt-BR" sz="1800" b="0" i="0" u="none" strike="noStrike" cap="none" dirty="0">
               <a:ln>
                 <a:noFill/>
               </a:ln>
@@ -4416,56 +7285,6 @@
               <a:ea typeface="Arial"/>
               <a:cs typeface="Arial"/>
             </a:endParaRPr>
-          </a:p>
-        </p:txBody>
-      </p:sp>
-      <p:sp>
-        <p:nvSpPr>
-          <p:cNvPr id="3" name="Título 2"/>
-          <p:cNvSpPr txBox="1">
-            <a:spLocks noGrp="1"/>
-          </p:cNvSpPr>
-          <p:nvPr>
-            <p:ph type="title"/>
-          </p:nvPr>
-        </p:nvSpPr>
-        <p:spPr bwMode="auto">
-          <a:prstGeom prst="rect">
-            <a:avLst/>
-          </a:prstGeom>
-        </p:spPr>
-        <p:txBody>
-          <a:bodyPr vert="horz" wrap="square" lIns="91440" tIns="45720" rIns="91440" bIns="45720" rtlCol="0" anchor="ctr">
-            <a:normAutofit/>
-          </a:bodyPr>
-          <a:lstStyle>
-            <a:defPPr lvl="0">
-              <a:buNone/>
-            </a:defPPr>
-            <a:lvl1pPr algn="l" defTabSz="457200">
-              <a:spcBef>
-                <a:spcPts val="0"/>
-              </a:spcBef>
-              <a:buNone/>
-              <a:defRPr sz="2800" b="1">
-                <a:solidFill>
-                  <a:schemeClr val="tx1"/>
-                </a:solidFill>
-                <a:latin typeface="Gotham Black"/>
-                <a:ea typeface="+mj-ea"/>
-                <a:cs typeface="+mj-cs"/>
-              </a:defRPr>
-            </a:lvl1pPr>
-          </a:lstStyle>
-          <a:p>
-            <a:pPr lvl="0">
-              <a:defRPr/>
-            </a:pPr>
-            <a:r>
-              <a:rPr lang="pt-BR"/>
-              <a:t>Convolução em imagem</a:t>
-            </a:r>
-            <a:endParaRPr/>
           </a:p>
         </p:txBody>
       </p:sp>
@@ -4857,7 +7676,7 @@
                 <a:defRPr/>
               </a:pPr>
               <a:r>
-                <a:rPr lang="pt-BR" sz="1400" b="0" i="0" u="none" strike="noStrike" cap="none">
+                <a:rPr lang="pt-BR" sz="1400" b="0" i="0" u="none" strike="noStrike" cap="none" dirty="0">
                   <a:ln>
                     <a:noFill/>
                   </a:ln>
@@ -4870,7 +7689,7 @@
                 </a:rPr>
                 <a:t>150</a:t>
               </a:r>
-              <a:endParaRPr/>
+              <a:endParaRPr dirty="0"/>
             </a:p>
           </p:txBody>
         </p:sp>
@@ -4980,7 +7799,7 @@
                 <a:defRPr/>
               </a:pPr>
               <a:r>
-                <a:rPr lang="pt-BR" sz="1400" b="0" i="0" u="none" strike="noStrike" cap="none">
+                <a:rPr lang="pt-BR" sz="1400" b="0" i="0" u="none" strike="noStrike" cap="none" dirty="0">
                   <a:ln>
                     <a:noFill/>
                   </a:ln>
@@ -4993,7 +7812,7 @@
                 </a:rPr>
                 <a:t>154</a:t>
               </a:r>
-              <a:endParaRPr/>
+              <a:endParaRPr dirty="0"/>
             </a:p>
           </p:txBody>
         </p:sp>
@@ -5103,7 +7922,7 @@
                 <a:defRPr/>
               </a:pPr>
               <a:r>
-                <a:rPr lang="pt-BR" sz="1400" b="0" i="0" u="none" strike="noStrike" cap="none">
+                <a:rPr lang="pt-BR" sz="1400" b="0" i="0" u="none" strike="noStrike" cap="none" dirty="0">
                   <a:ln>
                     <a:noFill/>
                   </a:ln>
@@ -5116,7 +7935,7 @@
                 </a:rPr>
                 <a:t>152</a:t>
               </a:r>
-              <a:endParaRPr/>
+              <a:endParaRPr dirty="0"/>
             </a:p>
           </p:txBody>
         </p:sp>
@@ -8078,7 +10897,7 @@
                 <a:defRPr/>
               </a:pPr>
               <a:r>
-                <a:rPr lang="pt-BR" sz="1400" b="0" i="0" u="none" strike="noStrike" cap="none">
+                <a:rPr lang="pt-BR" sz="1400" b="0" i="0" u="none" strike="noStrike" cap="none" dirty="0">
                   <a:ln>
                     <a:noFill/>
                   </a:ln>
@@ -8091,7 +10910,7 @@
                 </a:rPr>
                 <a:t>-4</a:t>
               </a:r>
-              <a:endParaRPr/>
+              <a:endParaRPr dirty="0"/>
             </a:p>
           </p:txBody>
         </p:sp>
@@ -8711,7 +11530,7 @@
               <a:defRPr/>
             </a:pPr>
             <a:r>
-              <a:rPr lang="pt-BR" sz="1800" b="0" i="1" u="none" strike="noStrike" cap="none">
+              <a:rPr lang="pt-BR" sz="1800" b="0" i="1" u="none" strike="noStrike" cap="none" dirty="0">
                 <a:ln>
                   <a:noFill/>
                 </a:ln>
@@ -8722,22 +11541,3946 @@
                 <a:ea typeface="Arial"/>
                 <a:cs typeface="Arial"/>
               </a:rPr>
-              <a:t>h(x,y)</a:t>
+              <a:t>kernel</a:t>
             </a:r>
-            <a:endParaRPr/>
+            <a:endParaRPr dirty="0"/>
           </a:p>
         </p:txBody>
       </p:sp>
+      <p:grpSp>
+        <p:nvGrpSpPr>
+          <p:cNvPr id="41" name="Grupo 40"/>
+          <p:cNvGrpSpPr/>
+          <p:nvPr/>
+        </p:nvGrpSpPr>
+        <p:grpSpPr bwMode="auto">
+          <a:xfrm>
+            <a:off x="611280" y="3429000"/>
+            <a:ext cx="1079279" cy="1081078"/>
+            <a:chOff x="611280" y="3429000"/>
+            <a:chExt cx="1079279" cy="1081078"/>
+          </a:xfrm>
+        </p:grpSpPr>
+        <p:sp>
+          <p:nvSpPr>
+            <p:cNvPr id="42" name="Forma livre 41"/>
+            <p:cNvSpPr/>
+            <p:nvPr/>
+          </p:nvSpPr>
+          <p:spPr bwMode="auto">
+            <a:xfrm>
+              <a:off x="611280" y="3429000"/>
+              <a:ext cx="360359" cy="360359"/>
+            </a:xfrm>
+            <a:custGeom>
+              <a:avLst/>
+              <a:gdLst>
+                <a:gd name="f0" fmla="val 0"/>
+                <a:gd name="f1" fmla="val 21600"/>
+              </a:gdLst>
+              <a:ahLst/>
+              <a:cxnLst>
+                <a:cxn ang="3cd4">
+                  <a:pos x="hc" y="t"/>
+                </a:cxn>
+                <a:cxn ang="0">
+                  <a:pos x="r" y="vc"/>
+                </a:cxn>
+                <a:cxn ang="cd4">
+                  <a:pos x="hc" y="b"/>
+                </a:cxn>
+                <a:cxn ang="cd2">
+                  <a:pos x="l" y="vc"/>
+                </a:cxn>
+              </a:cxnLst>
+              <a:rect l="l" t="t" r="r" b="b"/>
+              <a:pathLst>
+                <a:path w="21600" h="21600" extrusionOk="0">
+                  <a:moveTo>
+                    <a:pt x="f0" y="f0"/>
+                  </a:moveTo>
+                  <a:lnTo>
+                    <a:pt x="f1" y="f0"/>
+                  </a:lnTo>
+                  <a:lnTo>
+                    <a:pt x="f1" y="f1"/>
+                  </a:lnTo>
+                  <a:lnTo>
+                    <a:pt x="f0" y="f1"/>
+                  </a:lnTo>
+                  <a:lnTo>
+                    <a:pt x="f0" y="f0"/>
+                  </a:lnTo>
+                  <a:close/>
+                </a:path>
+              </a:pathLst>
+            </a:custGeom>
+            <a:noFill/>
+            <a:ln w="28440">
+              <a:solidFill>
+                <a:srgbClr val="FF9933"/>
+              </a:solidFill>
+              <a:prstDash val="solid"/>
+              <a:miter/>
+            </a:ln>
+          </p:spPr>
+          <p:txBody>
+            <a:bodyPr vert="horz" wrap="none" lIns="90000" tIns="46800" rIns="90000" bIns="46800" anchor="ctr" anchorCtr="0" compatLnSpc="1"/>
+            <a:lstStyle/>
+            <a:p>
+              <a:pPr marL="0" marR="0" lvl="0" indent="0" algn="l">
+                <a:lnSpc>
+                  <a:spcPct val="100000"/>
+                </a:lnSpc>
+                <a:spcBef>
+                  <a:spcPts val="0"/>
+                </a:spcBef>
+                <a:spcAft>
+                  <a:spcPts val="0"/>
+                </a:spcAft>
+                <a:buNone/>
+                <a:tabLst>
+                  <a:tab pos="0" algn="l"/>
+                  <a:tab pos="448918" algn="l"/>
+                  <a:tab pos="898199" algn="l"/>
+                  <a:tab pos="1347480" algn="l"/>
+                  <a:tab pos="1796759" algn="l"/>
+                  <a:tab pos="2246040" algn="l"/>
+                  <a:tab pos="2695320" algn="l"/>
+                  <a:tab pos="3144600" algn="l"/>
+                  <a:tab pos="3593880" algn="l"/>
+                  <a:tab pos="4043159" algn="l"/>
+                  <a:tab pos="4492440" algn="l"/>
+                  <a:tab pos="4941719" algn="l"/>
+                  <a:tab pos="5391000" algn="l"/>
+                  <a:tab pos="5840280" algn="l"/>
+                  <a:tab pos="6289560" algn="l"/>
+                  <a:tab pos="6738840" algn="l"/>
+                  <a:tab pos="7188120" algn="l"/>
+                  <a:tab pos="7637400" algn="l"/>
+                  <a:tab pos="8086679" algn="l"/>
+                  <a:tab pos="8535960" algn="l"/>
+                  <a:tab pos="8985240" algn="l"/>
+                </a:tabLst>
+                <a:defRPr/>
+              </a:pPr>
+              <a:endParaRPr lang="pt-BR" sz="1800" b="0" i="0" u="none" strike="noStrike" cap="none">
+                <a:ln>
+                  <a:noFill/>
+                </a:ln>
+                <a:solidFill>
+                  <a:srgbClr val="000000"/>
+                </a:solidFill>
+                <a:latin typeface="Arial"/>
+                <a:ea typeface="Arial"/>
+                <a:cs typeface="Arial"/>
+              </a:endParaRPr>
+            </a:p>
+          </p:txBody>
+        </p:sp>
+        <p:sp>
+          <p:nvSpPr>
+            <p:cNvPr id="43" name="Forma livre 42"/>
+            <p:cNvSpPr/>
+            <p:nvPr/>
+          </p:nvSpPr>
+          <p:spPr bwMode="auto">
+            <a:xfrm>
+              <a:off x="971640" y="3429000"/>
+              <a:ext cx="360359" cy="360359"/>
+            </a:xfrm>
+            <a:custGeom>
+              <a:avLst/>
+              <a:gdLst>
+                <a:gd name="f0" fmla="val 0"/>
+                <a:gd name="f1" fmla="val 21600"/>
+              </a:gdLst>
+              <a:ahLst/>
+              <a:cxnLst>
+                <a:cxn ang="3cd4">
+                  <a:pos x="hc" y="t"/>
+                </a:cxn>
+                <a:cxn ang="0">
+                  <a:pos x="r" y="vc"/>
+                </a:cxn>
+                <a:cxn ang="cd4">
+                  <a:pos x="hc" y="b"/>
+                </a:cxn>
+                <a:cxn ang="cd2">
+                  <a:pos x="l" y="vc"/>
+                </a:cxn>
+              </a:cxnLst>
+              <a:rect l="l" t="t" r="r" b="b"/>
+              <a:pathLst>
+                <a:path w="21600" h="21600" extrusionOk="0">
+                  <a:moveTo>
+                    <a:pt x="f0" y="f0"/>
+                  </a:moveTo>
+                  <a:lnTo>
+                    <a:pt x="f1" y="f0"/>
+                  </a:lnTo>
+                  <a:lnTo>
+                    <a:pt x="f1" y="f1"/>
+                  </a:lnTo>
+                  <a:lnTo>
+                    <a:pt x="f0" y="f1"/>
+                  </a:lnTo>
+                  <a:lnTo>
+                    <a:pt x="f0" y="f0"/>
+                  </a:lnTo>
+                  <a:close/>
+                </a:path>
+              </a:pathLst>
+            </a:custGeom>
+            <a:noFill/>
+            <a:ln w="28440">
+              <a:solidFill>
+                <a:srgbClr val="FF9933"/>
+              </a:solidFill>
+              <a:prstDash val="solid"/>
+              <a:miter/>
+            </a:ln>
+          </p:spPr>
+          <p:txBody>
+            <a:bodyPr vert="horz" wrap="none" lIns="90000" tIns="46800" rIns="90000" bIns="46800" anchor="ctr" anchorCtr="0" compatLnSpc="1"/>
+            <a:lstStyle/>
+            <a:p>
+              <a:pPr marL="0" marR="0" lvl="0" indent="0" algn="l">
+                <a:lnSpc>
+                  <a:spcPct val="100000"/>
+                </a:lnSpc>
+                <a:spcBef>
+                  <a:spcPts val="0"/>
+                </a:spcBef>
+                <a:spcAft>
+                  <a:spcPts val="0"/>
+                </a:spcAft>
+                <a:buNone/>
+                <a:tabLst>
+                  <a:tab pos="0" algn="l"/>
+                  <a:tab pos="448918" algn="l"/>
+                  <a:tab pos="898199" algn="l"/>
+                  <a:tab pos="1347480" algn="l"/>
+                  <a:tab pos="1796759" algn="l"/>
+                  <a:tab pos="2246040" algn="l"/>
+                  <a:tab pos="2695320" algn="l"/>
+                  <a:tab pos="3144600" algn="l"/>
+                  <a:tab pos="3593880" algn="l"/>
+                  <a:tab pos="4043159" algn="l"/>
+                  <a:tab pos="4492440" algn="l"/>
+                  <a:tab pos="4941719" algn="l"/>
+                  <a:tab pos="5391000" algn="l"/>
+                  <a:tab pos="5840280" algn="l"/>
+                  <a:tab pos="6289560" algn="l"/>
+                  <a:tab pos="6738840" algn="l"/>
+                  <a:tab pos="7188120" algn="l"/>
+                  <a:tab pos="7637400" algn="l"/>
+                  <a:tab pos="8086679" algn="l"/>
+                  <a:tab pos="8535960" algn="l"/>
+                  <a:tab pos="8985240" algn="l"/>
+                </a:tabLst>
+                <a:defRPr/>
+              </a:pPr>
+              <a:endParaRPr lang="pt-BR" sz="1800" b="0" i="0" u="none" strike="noStrike" cap="none">
+                <a:ln>
+                  <a:noFill/>
+                </a:ln>
+                <a:solidFill>
+                  <a:srgbClr val="000000"/>
+                </a:solidFill>
+                <a:latin typeface="Arial"/>
+                <a:ea typeface="Arial"/>
+                <a:cs typeface="Arial"/>
+              </a:endParaRPr>
+            </a:p>
+          </p:txBody>
+        </p:sp>
+        <p:sp>
+          <p:nvSpPr>
+            <p:cNvPr id="44" name="Forma livre 43"/>
+            <p:cNvSpPr/>
+            <p:nvPr/>
+          </p:nvSpPr>
+          <p:spPr bwMode="auto">
+            <a:xfrm>
+              <a:off x="1330200" y="3429000"/>
+              <a:ext cx="360359" cy="360359"/>
+            </a:xfrm>
+            <a:custGeom>
+              <a:avLst/>
+              <a:gdLst>
+                <a:gd name="f0" fmla="val 0"/>
+                <a:gd name="f1" fmla="val 21600"/>
+              </a:gdLst>
+              <a:ahLst/>
+              <a:cxnLst>
+                <a:cxn ang="3cd4">
+                  <a:pos x="hc" y="t"/>
+                </a:cxn>
+                <a:cxn ang="0">
+                  <a:pos x="r" y="vc"/>
+                </a:cxn>
+                <a:cxn ang="cd4">
+                  <a:pos x="hc" y="b"/>
+                </a:cxn>
+                <a:cxn ang="cd2">
+                  <a:pos x="l" y="vc"/>
+                </a:cxn>
+              </a:cxnLst>
+              <a:rect l="l" t="t" r="r" b="b"/>
+              <a:pathLst>
+                <a:path w="21600" h="21600" extrusionOk="0">
+                  <a:moveTo>
+                    <a:pt x="f0" y="f0"/>
+                  </a:moveTo>
+                  <a:lnTo>
+                    <a:pt x="f1" y="f0"/>
+                  </a:lnTo>
+                  <a:lnTo>
+                    <a:pt x="f1" y="f1"/>
+                  </a:lnTo>
+                  <a:lnTo>
+                    <a:pt x="f0" y="f1"/>
+                  </a:lnTo>
+                  <a:lnTo>
+                    <a:pt x="f0" y="f0"/>
+                  </a:lnTo>
+                  <a:close/>
+                </a:path>
+              </a:pathLst>
+            </a:custGeom>
+            <a:noFill/>
+            <a:ln w="28440">
+              <a:solidFill>
+                <a:srgbClr val="FF9933"/>
+              </a:solidFill>
+              <a:prstDash val="solid"/>
+              <a:miter/>
+            </a:ln>
+          </p:spPr>
+          <p:txBody>
+            <a:bodyPr vert="horz" wrap="none" lIns="90000" tIns="46800" rIns="90000" bIns="46800" anchor="ctr" anchorCtr="0" compatLnSpc="1"/>
+            <a:lstStyle/>
+            <a:p>
+              <a:pPr marL="0" marR="0" lvl="0" indent="0" algn="l">
+                <a:lnSpc>
+                  <a:spcPct val="100000"/>
+                </a:lnSpc>
+                <a:spcBef>
+                  <a:spcPts val="0"/>
+                </a:spcBef>
+                <a:spcAft>
+                  <a:spcPts val="0"/>
+                </a:spcAft>
+                <a:buNone/>
+                <a:tabLst>
+                  <a:tab pos="0" algn="l"/>
+                  <a:tab pos="448918" algn="l"/>
+                  <a:tab pos="898199" algn="l"/>
+                  <a:tab pos="1347480" algn="l"/>
+                  <a:tab pos="1796759" algn="l"/>
+                  <a:tab pos="2246040" algn="l"/>
+                  <a:tab pos="2695320" algn="l"/>
+                  <a:tab pos="3144600" algn="l"/>
+                  <a:tab pos="3593880" algn="l"/>
+                  <a:tab pos="4043159" algn="l"/>
+                  <a:tab pos="4492440" algn="l"/>
+                  <a:tab pos="4941719" algn="l"/>
+                  <a:tab pos="5391000" algn="l"/>
+                  <a:tab pos="5840280" algn="l"/>
+                  <a:tab pos="6289560" algn="l"/>
+                  <a:tab pos="6738840" algn="l"/>
+                  <a:tab pos="7188120" algn="l"/>
+                  <a:tab pos="7637400" algn="l"/>
+                  <a:tab pos="8086679" algn="l"/>
+                  <a:tab pos="8535960" algn="l"/>
+                  <a:tab pos="8985240" algn="l"/>
+                </a:tabLst>
+                <a:defRPr/>
+              </a:pPr>
+              <a:endParaRPr lang="pt-BR" sz="1800" b="0" i="0" u="none" strike="noStrike" cap="none">
+                <a:ln>
+                  <a:noFill/>
+                </a:ln>
+                <a:solidFill>
+                  <a:srgbClr val="000000"/>
+                </a:solidFill>
+                <a:latin typeface="Arial"/>
+                <a:ea typeface="Arial"/>
+                <a:cs typeface="Arial"/>
+              </a:endParaRPr>
+            </a:p>
+          </p:txBody>
+        </p:sp>
+        <p:sp>
+          <p:nvSpPr>
+            <p:cNvPr id="45" name="Forma livre 44"/>
+            <p:cNvSpPr/>
+            <p:nvPr/>
+          </p:nvSpPr>
+          <p:spPr bwMode="auto">
+            <a:xfrm>
+              <a:off x="611280" y="3789360"/>
+              <a:ext cx="360359" cy="360359"/>
+            </a:xfrm>
+            <a:custGeom>
+              <a:avLst/>
+              <a:gdLst>
+                <a:gd name="f0" fmla="val 0"/>
+                <a:gd name="f1" fmla="val 21600"/>
+              </a:gdLst>
+              <a:ahLst/>
+              <a:cxnLst>
+                <a:cxn ang="3cd4">
+                  <a:pos x="hc" y="t"/>
+                </a:cxn>
+                <a:cxn ang="0">
+                  <a:pos x="r" y="vc"/>
+                </a:cxn>
+                <a:cxn ang="cd4">
+                  <a:pos x="hc" y="b"/>
+                </a:cxn>
+                <a:cxn ang="cd2">
+                  <a:pos x="l" y="vc"/>
+                </a:cxn>
+              </a:cxnLst>
+              <a:rect l="l" t="t" r="r" b="b"/>
+              <a:pathLst>
+                <a:path w="21600" h="21600" extrusionOk="0">
+                  <a:moveTo>
+                    <a:pt x="f0" y="f0"/>
+                  </a:moveTo>
+                  <a:lnTo>
+                    <a:pt x="f1" y="f0"/>
+                  </a:lnTo>
+                  <a:lnTo>
+                    <a:pt x="f1" y="f1"/>
+                  </a:lnTo>
+                  <a:lnTo>
+                    <a:pt x="f0" y="f1"/>
+                  </a:lnTo>
+                  <a:lnTo>
+                    <a:pt x="f0" y="f0"/>
+                  </a:lnTo>
+                  <a:close/>
+                </a:path>
+              </a:pathLst>
+            </a:custGeom>
+            <a:noFill/>
+            <a:ln w="28440">
+              <a:solidFill>
+                <a:srgbClr val="FF9933"/>
+              </a:solidFill>
+              <a:prstDash val="solid"/>
+              <a:miter/>
+            </a:ln>
+          </p:spPr>
+          <p:txBody>
+            <a:bodyPr vert="horz" wrap="none" lIns="90000" tIns="46800" rIns="90000" bIns="46800" anchor="ctr" anchorCtr="0" compatLnSpc="1"/>
+            <a:lstStyle/>
+            <a:p>
+              <a:pPr marL="0" marR="0" lvl="0" indent="0" algn="l">
+                <a:lnSpc>
+                  <a:spcPct val="100000"/>
+                </a:lnSpc>
+                <a:spcBef>
+                  <a:spcPts val="0"/>
+                </a:spcBef>
+                <a:spcAft>
+                  <a:spcPts val="0"/>
+                </a:spcAft>
+                <a:buNone/>
+                <a:tabLst>
+                  <a:tab pos="0" algn="l"/>
+                  <a:tab pos="448918" algn="l"/>
+                  <a:tab pos="898199" algn="l"/>
+                  <a:tab pos="1347480" algn="l"/>
+                  <a:tab pos="1796759" algn="l"/>
+                  <a:tab pos="2246040" algn="l"/>
+                  <a:tab pos="2695320" algn="l"/>
+                  <a:tab pos="3144600" algn="l"/>
+                  <a:tab pos="3593880" algn="l"/>
+                  <a:tab pos="4043159" algn="l"/>
+                  <a:tab pos="4492440" algn="l"/>
+                  <a:tab pos="4941719" algn="l"/>
+                  <a:tab pos="5391000" algn="l"/>
+                  <a:tab pos="5840280" algn="l"/>
+                  <a:tab pos="6289560" algn="l"/>
+                  <a:tab pos="6738840" algn="l"/>
+                  <a:tab pos="7188120" algn="l"/>
+                  <a:tab pos="7637400" algn="l"/>
+                  <a:tab pos="8086679" algn="l"/>
+                  <a:tab pos="8535960" algn="l"/>
+                  <a:tab pos="8985240" algn="l"/>
+                </a:tabLst>
+                <a:defRPr/>
+              </a:pPr>
+              <a:endParaRPr lang="pt-BR" sz="1800" b="0" i="0" u="none" strike="noStrike" cap="none">
+                <a:ln>
+                  <a:noFill/>
+                </a:ln>
+                <a:solidFill>
+                  <a:srgbClr val="000000"/>
+                </a:solidFill>
+                <a:latin typeface="Arial"/>
+                <a:ea typeface="Arial"/>
+                <a:cs typeface="Arial"/>
+              </a:endParaRPr>
+            </a:p>
+          </p:txBody>
+        </p:sp>
+        <p:sp>
+          <p:nvSpPr>
+            <p:cNvPr id="46" name="Forma livre 45"/>
+            <p:cNvSpPr/>
+            <p:nvPr/>
+          </p:nvSpPr>
+          <p:spPr bwMode="auto">
+            <a:xfrm>
+              <a:off x="971640" y="3789360"/>
+              <a:ext cx="360359" cy="360359"/>
+            </a:xfrm>
+            <a:custGeom>
+              <a:avLst/>
+              <a:gdLst>
+                <a:gd name="f0" fmla="val 0"/>
+                <a:gd name="f1" fmla="val 21600"/>
+              </a:gdLst>
+              <a:ahLst/>
+              <a:cxnLst>
+                <a:cxn ang="3cd4">
+                  <a:pos x="hc" y="t"/>
+                </a:cxn>
+                <a:cxn ang="0">
+                  <a:pos x="r" y="vc"/>
+                </a:cxn>
+                <a:cxn ang="cd4">
+                  <a:pos x="hc" y="b"/>
+                </a:cxn>
+                <a:cxn ang="cd2">
+                  <a:pos x="l" y="vc"/>
+                </a:cxn>
+              </a:cxnLst>
+              <a:rect l="l" t="t" r="r" b="b"/>
+              <a:pathLst>
+                <a:path w="21600" h="21600" extrusionOk="0">
+                  <a:moveTo>
+                    <a:pt x="f0" y="f0"/>
+                  </a:moveTo>
+                  <a:lnTo>
+                    <a:pt x="f1" y="f0"/>
+                  </a:lnTo>
+                  <a:lnTo>
+                    <a:pt x="f1" y="f1"/>
+                  </a:lnTo>
+                  <a:lnTo>
+                    <a:pt x="f0" y="f1"/>
+                  </a:lnTo>
+                  <a:lnTo>
+                    <a:pt x="f0" y="f0"/>
+                  </a:lnTo>
+                  <a:close/>
+                </a:path>
+              </a:pathLst>
+            </a:custGeom>
+            <a:solidFill>
+              <a:srgbClr val="FF3300">
+                <a:alpha val="37000"/>
+              </a:srgbClr>
+            </a:solidFill>
+            <a:ln w="28440">
+              <a:solidFill>
+                <a:srgbClr val="FF9933"/>
+              </a:solidFill>
+              <a:prstDash val="solid"/>
+              <a:miter/>
+            </a:ln>
+          </p:spPr>
+          <p:txBody>
+            <a:bodyPr vert="horz" wrap="none" lIns="90000" tIns="46800" rIns="90000" bIns="46800" anchor="ctr" anchorCtr="0" compatLnSpc="1"/>
+            <a:lstStyle/>
+            <a:p>
+              <a:pPr marL="0" marR="0" lvl="0" indent="0" algn="l">
+                <a:lnSpc>
+                  <a:spcPct val="100000"/>
+                </a:lnSpc>
+                <a:spcBef>
+                  <a:spcPts val="0"/>
+                </a:spcBef>
+                <a:spcAft>
+                  <a:spcPts val="0"/>
+                </a:spcAft>
+                <a:buNone/>
+                <a:tabLst>
+                  <a:tab pos="0" algn="l"/>
+                  <a:tab pos="448918" algn="l"/>
+                  <a:tab pos="898199" algn="l"/>
+                  <a:tab pos="1347480" algn="l"/>
+                  <a:tab pos="1796759" algn="l"/>
+                  <a:tab pos="2246040" algn="l"/>
+                  <a:tab pos="2695320" algn="l"/>
+                  <a:tab pos="3144600" algn="l"/>
+                  <a:tab pos="3593880" algn="l"/>
+                  <a:tab pos="4043159" algn="l"/>
+                  <a:tab pos="4492440" algn="l"/>
+                  <a:tab pos="4941719" algn="l"/>
+                  <a:tab pos="5391000" algn="l"/>
+                  <a:tab pos="5840280" algn="l"/>
+                  <a:tab pos="6289560" algn="l"/>
+                  <a:tab pos="6738840" algn="l"/>
+                  <a:tab pos="7188120" algn="l"/>
+                  <a:tab pos="7637400" algn="l"/>
+                  <a:tab pos="8086679" algn="l"/>
+                  <a:tab pos="8535960" algn="l"/>
+                  <a:tab pos="8985240" algn="l"/>
+                </a:tabLst>
+                <a:defRPr/>
+              </a:pPr>
+              <a:endParaRPr lang="pt-BR" sz="1800" b="0" i="0" u="none" strike="noStrike" cap="none">
+                <a:ln>
+                  <a:noFill/>
+                </a:ln>
+                <a:solidFill>
+                  <a:srgbClr val="000000"/>
+                </a:solidFill>
+                <a:latin typeface="Arial"/>
+                <a:ea typeface="Arial"/>
+                <a:cs typeface="Arial"/>
+              </a:endParaRPr>
+            </a:p>
+          </p:txBody>
+        </p:sp>
+        <p:sp>
+          <p:nvSpPr>
+            <p:cNvPr id="47" name="Forma livre 46"/>
+            <p:cNvSpPr/>
+            <p:nvPr/>
+          </p:nvSpPr>
+          <p:spPr bwMode="auto">
+            <a:xfrm>
+              <a:off x="1330200" y="3789360"/>
+              <a:ext cx="360359" cy="360359"/>
+            </a:xfrm>
+            <a:custGeom>
+              <a:avLst/>
+              <a:gdLst>
+                <a:gd name="f0" fmla="val 0"/>
+                <a:gd name="f1" fmla="val 21600"/>
+              </a:gdLst>
+              <a:ahLst/>
+              <a:cxnLst>
+                <a:cxn ang="3cd4">
+                  <a:pos x="hc" y="t"/>
+                </a:cxn>
+                <a:cxn ang="0">
+                  <a:pos x="r" y="vc"/>
+                </a:cxn>
+                <a:cxn ang="cd4">
+                  <a:pos x="hc" y="b"/>
+                </a:cxn>
+                <a:cxn ang="cd2">
+                  <a:pos x="l" y="vc"/>
+                </a:cxn>
+              </a:cxnLst>
+              <a:rect l="l" t="t" r="r" b="b"/>
+              <a:pathLst>
+                <a:path w="21600" h="21600" extrusionOk="0">
+                  <a:moveTo>
+                    <a:pt x="f0" y="f0"/>
+                  </a:moveTo>
+                  <a:lnTo>
+                    <a:pt x="f1" y="f0"/>
+                  </a:lnTo>
+                  <a:lnTo>
+                    <a:pt x="f1" y="f1"/>
+                  </a:lnTo>
+                  <a:lnTo>
+                    <a:pt x="f0" y="f1"/>
+                  </a:lnTo>
+                  <a:lnTo>
+                    <a:pt x="f0" y="f0"/>
+                  </a:lnTo>
+                  <a:close/>
+                </a:path>
+              </a:pathLst>
+            </a:custGeom>
+            <a:noFill/>
+            <a:ln w="28440">
+              <a:solidFill>
+                <a:srgbClr val="FF9933"/>
+              </a:solidFill>
+              <a:prstDash val="solid"/>
+              <a:miter/>
+            </a:ln>
+          </p:spPr>
+          <p:txBody>
+            <a:bodyPr vert="horz" wrap="none" lIns="90000" tIns="46800" rIns="90000" bIns="46800" anchor="ctr" anchorCtr="0" compatLnSpc="1"/>
+            <a:lstStyle/>
+            <a:p>
+              <a:pPr marL="0" marR="0" lvl="0" indent="0" algn="l">
+                <a:lnSpc>
+                  <a:spcPct val="100000"/>
+                </a:lnSpc>
+                <a:spcBef>
+                  <a:spcPts val="0"/>
+                </a:spcBef>
+                <a:spcAft>
+                  <a:spcPts val="0"/>
+                </a:spcAft>
+                <a:buNone/>
+                <a:tabLst>
+                  <a:tab pos="0" algn="l"/>
+                  <a:tab pos="448918" algn="l"/>
+                  <a:tab pos="898199" algn="l"/>
+                  <a:tab pos="1347480" algn="l"/>
+                  <a:tab pos="1796759" algn="l"/>
+                  <a:tab pos="2246040" algn="l"/>
+                  <a:tab pos="2695320" algn="l"/>
+                  <a:tab pos="3144600" algn="l"/>
+                  <a:tab pos="3593880" algn="l"/>
+                  <a:tab pos="4043159" algn="l"/>
+                  <a:tab pos="4492440" algn="l"/>
+                  <a:tab pos="4941719" algn="l"/>
+                  <a:tab pos="5391000" algn="l"/>
+                  <a:tab pos="5840280" algn="l"/>
+                  <a:tab pos="6289560" algn="l"/>
+                  <a:tab pos="6738840" algn="l"/>
+                  <a:tab pos="7188120" algn="l"/>
+                  <a:tab pos="7637400" algn="l"/>
+                  <a:tab pos="8086679" algn="l"/>
+                  <a:tab pos="8535960" algn="l"/>
+                  <a:tab pos="8985240" algn="l"/>
+                </a:tabLst>
+                <a:defRPr/>
+              </a:pPr>
+              <a:endParaRPr lang="pt-BR" sz="1800" b="0" i="0" u="none" strike="noStrike" cap="none">
+                <a:ln>
+                  <a:noFill/>
+                </a:ln>
+                <a:solidFill>
+                  <a:srgbClr val="000000"/>
+                </a:solidFill>
+                <a:latin typeface="Arial"/>
+                <a:ea typeface="Arial"/>
+                <a:cs typeface="Arial"/>
+              </a:endParaRPr>
+            </a:p>
+          </p:txBody>
+        </p:sp>
+        <p:sp>
+          <p:nvSpPr>
+            <p:cNvPr id="48" name="Forma livre 47"/>
+            <p:cNvSpPr/>
+            <p:nvPr/>
+          </p:nvSpPr>
+          <p:spPr bwMode="auto">
+            <a:xfrm>
+              <a:off x="611280" y="4149719"/>
+              <a:ext cx="360359" cy="360359"/>
+            </a:xfrm>
+            <a:custGeom>
+              <a:avLst/>
+              <a:gdLst>
+                <a:gd name="f0" fmla="val 0"/>
+                <a:gd name="f1" fmla="val 21600"/>
+              </a:gdLst>
+              <a:ahLst/>
+              <a:cxnLst>
+                <a:cxn ang="3cd4">
+                  <a:pos x="hc" y="t"/>
+                </a:cxn>
+                <a:cxn ang="0">
+                  <a:pos x="r" y="vc"/>
+                </a:cxn>
+                <a:cxn ang="cd4">
+                  <a:pos x="hc" y="b"/>
+                </a:cxn>
+                <a:cxn ang="cd2">
+                  <a:pos x="l" y="vc"/>
+                </a:cxn>
+              </a:cxnLst>
+              <a:rect l="l" t="t" r="r" b="b"/>
+              <a:pathLst>
+                <a:path w="21600" h="21600" extrusionOk="0">
+                  <a:moveTo>
+                    <a:pt x="f0" y="f0"/>
+                  </a:moveTo>
+                  <a:lnTo>
+                    <a:pt x="f1" y="f0"/>
+                  </a:lnTo>
+                  <a:lnTo>
+                    <a:pt x="f1" y="f1"/>
+                  </a:lnTo>
+                  <a:lnTo>
+                    <a:pt x="f0" y="f1"/>
+                  </a:lnTo>
+                  <a:lnTo>
+                    <a:pt x="f0" y="f0"/>
+                  </a:lnTo>
+                  <a:close/>
+                </a:path>
+              </a:pathLst>
+            </a:custGeom>
+            <a:noFill/>
+            <a:ln w="28440">
+              <a:solidFill>
+                <a:srgbClr val="FF9933"/>
+              </a:solidFill>
+              <a:prstDash val="solid"/>
+              <a:miter/>
+            </a:ln>
+          </p:spPr>
+          <p:txBody>
+            <a:bodyPr vert="horz" wrap="none" lIns="90000" tIns="46800" rIns="90000" bIns="46800" anchor="ctr" anchorCtr="0" compatLnSpc="1"/>
+            <a:lstStyle/>
+            <a:p>
+              <a:pPr marL="0" marR="0" lvl="0" indent="0" algn="l">
+                <a:lnSpc>
+                  <a:spcPct val="100000"/>
+                </a:lnSpc>
+                <a:spcBef>
+                  <a:spcPts val="0"/>
+                </a:spcBef>
+                <a:spcAft>
+                  <a:spcPts val="0"/>
+                </a:spcAft>
+                <a:buNone/>
+                <a:tabLst>
+                  <a:tab pos="0" algn="l"/>
+                  <a:tab pos="448918" algn="l"/>
+                  <a:tab pos="898199" algn="l"/>
+                  <a:tab pos="1347480" algn="l"/>
+                  <a:tab pos="1796759" algn="l"/>
+                  <a:tab pos="2246040" algn="l"/>
+                  <a:tab pos="2695320" algn="l"/>
+                  <a:tab pos="3144600" algn="l"/>
+                  <a:tab pos="3593880" algn="l"/>
+                  <a:tab pos="4043159" algn="l"/>
+                  <a:tab pos="4492440" algn="l"/>
+                  <a:tab pos="4941719" algn="l"/>
+                  <a:tab pos="5391000" algn="l"/>
+                  <a:tab pos="5840280" algn="l"/>
+                  <a:tab pos="6289560" algn="l"/>
+                  <a:tab pos="6738840" algn="l"/>
+                  <a:tab pos="7188120" algn="l"/>
+                  <a:tab pos="7637400" algn="l"/>
+                  <a:tab pos="8086679" algn="l"/>
+                  <a:tab pos="8535960" algn="l"/>
+                  <a:tab pos="8985240" algn="l"/>
+                </a:tabLst>
+                <a:defRPr/>
+              </a:pPr>
+              <a:endParaRPr lang="pt-BR" sz="1800" b="0" i="0" u="none" strike="noStrike" cap="none">
+                <a:ln>
+                  <a:noFill/>
+                </a:ln>
+                <a:solidFill>
+                  <a:srgbClr val="000000"/>
+                </a:solidFill>
+                <a:latin typeface="Arial"/>
+                <a:ea typeface="Arial"/>
+                <a:cs typeface="Arial"/>
+              </a:endParaRPr>
+            </a:p>
+          </p:txBody>
+        </p:sp>
+        <p:sp>
+          <p:nvSpPr>
+            <p:cNvPr id="49" name="Forma livre 48"/>
+            <p:cNvSpPr/>
+            <p:nvPr/>
+          </p:nvSpPr>
+          <p:spPr bwMode="auto">
+            <a:xfrm>
+              <a:off x="971640" y="4149719"/>
+              <a:ext cx="360359" cy="360359"/>
+            </a:xfrm>
+            <a:custGeom>
+              <a:avLst/>
+              <a:gdLst>
+                <a:gd name="f0" fmla="val 0"/>
+                <a:gd name="f1" fmla="val 21600"/>
+              </a:gdLst>
+              <a:ahLst/>
+              <a:cxnLst>
+                <a:cxn ang="3cd4">
+                  <a:pos x="hc" y="t"/>
+                </a:cxn>
+                <a:cxn ang="0">
+                  <a:pos x="r" y="vc"/>
+                </a:cxn>
+                <a:cxn ang="cd4">
+                  <a:pos x="hc" y="b"/>
+                </a:cxn>
+                <a:cxn ang="cd2">
+                  <a:pos x="l" y="vc"/>
+                </a:cxn>
+              </a:cxnLst>
+              <a:rect l="l" t="t" r="r" b="b"/>
+              <a:pathLst>
+                <a:path w="21600" h="21600" extrusionOk="0">
+                  <a:moveTo>
+                    <a:pt x="f0" y="f0"/>
+                  </a:moveTo>
+                  <a:lnTo>
+                    <a:pt x="f1" y="f0"/>
+                  </a:lnTo>
+                  <a:lnTo>
+                    <a:pt x="f1" y="f1"/>
+                  </a:lnTo>
+                  <a:lnTo>
+                    <a:pt x="f0" y="f1"/>
+                  </a:lnTo>
+                  <a:lnTo>
+                    <a:pt x="f0" y="f0"/>
+                  </a:lnTo>
+                  <a:close/>
+                </a:path>
+              </a:pathLst>
+            </a:custGeom>
+            <a:noFill/>
+            <a:ln w="28440">
+              <a:solidFill>
+                <a:srgbClr val="FF9933"/>
+              </a:solidFill>
+              <a:prstDash val="solid"/>
+              <a:miter/>
+            </a:ln>
+          </p:spPr>
+          <p:txBody>
+            <a:bodyPr vert="horz" wrap="none" lIns="90000" tIns="46800" rIns="90000" bIns="46800" anchor="ctr" anchorCtr="0" compatLnSpc="1"/>
+            <a:lstStyle/>
+            <a:p>
+              <a:pPr marL="0" marR="0" lvl="0" indent="0" algn="l">
+                <a:lnSpc>
+                  <a:spcPct val="100000"/>
+                </a:lnSpc>
+                <a:spcBef>
+                  <a:spcPts val="0"/>
+                </a:spcBef>
+                <a:spcAft>
+                  <a:spcPts val="0"/>
+                </a:spcAft>
+                <a:buNone/>
+                <a:tabLst>
+                  <a:tab pos="0" algn="l"/>
+                  <a:tab pos="448918" algn="l"/>
+                  <a:tab pos="898199" algn="l"/>
+                  <a:tab pos="1347480" algn="l"/>
+                  <a:tab pos="1796759" algn="l"/>
+                  <a:tab pos="2246040" algn="l"/>
+                  <a:tab pos="2695320" algn="l"/>
+                  <a:tab pos="3144600" algn="l"/>
+                  <a:tab pos="3593880" algn="l"/>
+                  <a:tab pos="4043159" algn="l"/>
+                  <a:tab pos="4492440" algn="l"/>
+                  <a:tab pos="4941719" algn="l"/>
+                  <a:tab pos="5391000" algn="l"/>
+                  <a:tab pos="5840280" algn="l"/>
+                  <a:tab pos="6289560" algn="l"/>
+                  <a:tab pos="6738840" algn="l"/>
+                  <a:tab pos="7188120" algn="l"/>
+                  <a:tab pos="7637400" algn="l"/>
+                  <a:tab pos="8086679" algn="l"/>
+                  <a:tab pos="8535960" algn="l"/>
+                  <a:tab pos="8985240" algn="l"/>
+                </a:tabLst>
+                <a:defRPr/>
+              </a:pPr>
+              <a:endParaRPr lang="pt-BR" sz="1800" b="0" i="0" u="none" strike="noStrike" cap="none">
+                <a:ln>
+                  <a:noFill/>
+                </a:ln>
+                <a:solidFill>
+                  <a:srgbClr val="000000"/>
+                </a:solidFill>
+                <a:latin typeface="Arial"/>
+                <a:ea typeface="Arial"/>
+                <a:cs typeface="Arial"/>
+              </a:endParaRPr>
+            </a:p>
+          </p:txBody>
+        </p:sp>
+        <p:sp>
+          <p:nvSpPr>
+            <p:cNvPr id="50" name="Forma livre 49"/>
+            <p:cNvSpPr/>
+            <p:nvPr/>
+          </p:nvSpPr>
+          <p:spPr bwMode="auto">
+            <a:xfrm>
+              <a:off x="1330200" y="4149719"/>
+              <a:ext cx="360359" cy="360359"/>
+            </a:xfrm>
+            <a:custGeom>
+              <a:avLst/>
+              <a:gdLst>
+                <a:gd name="f0" fmla="val 0"/>
+                <a:gd name="f1" fmla="val 21600"/>
+              </a:gdLst>
+              <a:ahLst/>
+              <a:cxnLst>
+                <a:cxn ang="3cd4">
+                  <a:pos x="hc" y="t"/>
+                </a:cxn>
+                <a:cxn ang="0">
+                  <a:pos x="r" y="vc"/>
+                </a:cxn>
+                <a:cxn ang="cd4">
+                  <a:pos x="hc" y="b"/>
+                </a:cxn>
+                <a:cxn ang="cd2">
+                  <a:pos x="l" y="vc"/>
+                </a:cxn>
+              </a:cxnLst>
+              <a:rect l="l" t="t" r="r" b="b"/>
+              <a:pathLst>
+                <a:path w="21600" h="21600" extrusionOk="0">
+                  <a:moveTo>
+                    <a:pt x="f0" y="f0"/>
+                  </a:moveTo>
+                  <a:lnTo>
+                    <a:pt x="f1" y="f0"/>
+                  </a:lnTo>
+                  <a:lnTo>
+                    <a:pt x="f1" y="f1"/>
+                  </a:lnTo>
+                  <a:lnTo>
+                    <a:pt x="f0" y="f1"/>
+                  </a:lnTo>
+                  <a:lnTo>
+                    <a:pt x="f0" y="f0"/>
+                  </a:lnTo>
+                  <a:close/>
+                </a:path>
+              </a:pathLst>
+            </a:custGeom>
+            <a:noFill/>
+            <a:ln w="28440">
+              <a:solidFill>
+                <a:srgbClr val="FF9933"/>
+              </a:solidFill>
+              <a:prstDash val="solid"/>
+              <a:miter/>
+            </a:ln>
+          </p:spPr>
+          <p:txBody>
+            <a:bodyPr vert="horz" wrap="none" lIns="90000" tIns="46800" rIns="90000" bIns="46800" anchor="ctr" anchorCtr="0" compatLnSpc="1"/>
+            <a:lstStyle/>
+            <a:p>
+              <a:pPr marL="0" marR="0" lvl="0" indent="0" algn="l">
+                <a:lnSpc>
+                  <a:spcPct val="100000"/>
+                </a:lnSpc>
+                <a:spcBef>
+                  <a:spcPts val="0"/>
+                </a:spcBef>
+                <a:spcAft>
+                  <a:spcPts val="0"/>
+                </a:spcAft>
+                <a:buNone/>
+                <a:tabLst>
+                  <a:tab pos="0" algn="l"/>
+                  <a:tab pos="448918" algn="l"/>
+                  <a:tab pos="898199" algn="l"/>
+                  <a:tab pos="1347480" algn="l"/>
+                  <a:tab pos="1796759" algn="l"/>
+                  <a:tab pos="2246040" algn="l"/>
+                  <a:tab pos="2695320" algn="l"/>
+                  <a:tab pos="3144600" algn="l"/>
+                  <a:tab pos="3593880" algn="l"/>
+                  <a:tab pos="4043159" algn="l"/>
+                  <a:tab pos="4492440" algn="l"/>
+                  <a:tab pos="4941719" algn="l"/>
+                  <a:tab pos="5391000" algn="l"/>
+                  <a:tab pos="5840280" algn="l"/>
+                  <a:tab pos="6289560" algn="l"/>
+                  <a:tab pos="6738840" algn="l"/>
+                  <a:tab pos="7188120" algn="l"/>
+                  <a:tab pos="7637400" algn="l"/>
+                  <a:tab pos="8086679" algn="l"/>
+                  <a:tab pos="8535960" algn="l"/>
+                  <a:tab pos="8985240" algn="l"/>
+                </a:tabLst>
+                <a:defRPr/>
+              </a:pPr>
+              <a:endParaRPr lang="pt-BR" sz="1800" b="0" i="0" u="none" strike="noStrike" cap="none">
+                <a:ln>
+                  <a:noFill/>
+                </a:ln>
+                <a:solidFill>
+                  <a:srgbClr val="000000"/>
+                </a:solidFill>
+                <a:latin typeface="Arial"/>
+                <a:ea typeface="Arial"/>
+                <a:cs typeface="Arial"/>
+              </a:endParaRPr>
+            </a:p>
+          </p:txBody>
+        </p:sp>
+      </p:grpSp>
       <p:sp>
         <p:nvSpPr>
-          <p:cNvPr id="40" name="Forma livre 39"/>
+          <p:cNvPr id="51" name="Retângulo 50"/>
           <p:cNvSpPr/>
           <p:nvPr/>
         </p:nvSpPr>
         <p:spPr bwMode="auto">
           <a:xfrm>
-            <a:off x="3348000" y="4221000"/>
-            <a:ext cx="1655640" cy="405720"/>
+            <a:off x="3687841" y="1849238"/>
+            <a:ext cx="4897463" cy="646331"/>
+          </a:xfrm>
+          <a:prstGeom prst="rect">
+            <a:avLst/>
+          </a:prstGeom>
+        </p:spPr>
+        <p:txBody>
+          <a:bodyPr wrap="square">
+            <a:spAutoFit/>
+          </a:bodyPr>
+          <a:lstStyle/>
+          <a:p>
+            <a:pPr>
+              <a:defRPr/>
+            </a:pPr>
+            <a:r>
+              <a:rPr lang="pt-BR" dirty="0"/>
+              <a:t>Exemplo de realização de convolução:</a:t>
+            </a:r>
+          </a:p>
+          <a:p>
+            <a:pPr>
+              <a:defRPr/>
+            </a:pPr>
+            <a:r>
+              <a:rPr lang="pt-BR" u="sng" dirty="0">
+                <a:hlinkClick r:id="rId2" tooltip="https://www.youtube.com/watch?v=_iZ3Q7VXiGI"/>
+              </a:rPr>
+              <a:t>https://www.youtube.com/watch?v=_iZ3Q7VXiGI</a:t>
+            </a:r>
+            <a:endParaRPr lang="pt-BR" dirty="0"/>
+          </a:p>
+        </p:txBody>
+      </p:sp>
+      <p:grpSp>
+        <p:nvGrpSpPr>
+          <p:cNvPr id="52" name="Grupo 3">
+            <a:extLst>
+              <a:ext uri="{FF2B5EF4-FFF2-40B4-BE49-F238E27FC236}">
+                <a16:creationId xmlns:a16="http://schemas.microsoft.com/office/drawing/2014/main" id="{D6A1ED2E-AB05-0F75-FBC8-BA6F809D8C76}"/>
+              </a:ext>
+            </a:extLst>
+          </p:cNvPr>
+          <p:cNvGrpSpPr/>
+          <p:nvPr/>
+        </p:nvGrpSpPr>
+        <p:grpSpPr bwMode="auto">
+          <a:xfrm>
+            <a:off x="5075472" y="3710186"/>
+            <a:ext cx="2160359" cy="1441439"/>
+            <a:chOff x="971640" y="3789360"/>
+            <a:chExt cx="2160359" cy="1441439"/>
+          </a:xfrm>
+        </p:grpSpPr>
+        <p:sp>
+          <p:nvSpPr>
+            <p:cNvPr id="54" name="Forma livre 4">
+              <a:extLst>
+                <a:ext uri="{FF2B5EF4-FFF2-40B4-BE49-F238E27FC236}">
+                  <a16:creationId xmlns:a16="http://schemas.microsoft.com/office/drawing/2014/main" id="{4D5D8AE3-A326-5E7E-D4B9-C95E17A25AEF}"/>
+                </a:ext>
+              </a:extLst>
+            </p:cNvPr>
+            <p:cNvSpPr/>
+            <p:nvPr/>
+          </p:nvSpPr>
+          <p:spPr bwMode="auto">
+            <a:xfrm>
+              <a:off x="971640" y="3789360"/>
+              <a:ext cx="360359" cy="360359"/>
+            </a:xfrm>
+            <a:custGeom>
+              <a:avLst/>
+              <a:gdLst>
+                <a:gd name="f0" fmla="val 0"/>
+                <a:gd name="f1" fmla="val 21600"/>
+              </a:gdLst>
+              <a:ahLst/>
+              <a:cxnLst>
+                <a:cxn ang="3cd4">
+                  <a:pos x="hc" y="t"/>
+                </a:cxn>
+                <a:cxn ang="0">
+                  <a:pos x="r" y="vc"/>
+                </a:cxn>
+                <a:cxn ang="cd4">
+                  <a:pos x="hc" y="b"/>
+                </a:cxn>
+                <a:cxn ang="cd2">
+                  <a:pos x="l" y="vc"/>
+                </a:cxn>
+              </a:cxnLst>
+              <a:rect l="l" t="t" r="r" b="b"/>
+              <a:pathLst>
+                <a:path w="21600" h="21600" extrusionOk="0">
+                  <a:moveTo>
+                    <a:pt x="f0" y="f0"/>
+                  </a:moveTo>
+                  <a:lnTo>
+                    <a:pt x="f1" y="f0"/>
+                  </a:lnTo>
+                  <a:lnTo>
+                    <a:pt x="f1" y="f1"/>
+                  </a:lnTo>
+                  <a:lnTo>
+                    <a:pt x="f0" y="f1"/>
+                  </a:lnTo>
+                  <a:lnTo>
+                    <a:pt x="f0" y="f0"/>
+                  </a:lnTo>
+                  <a:close/>
+                </a:path>
+              </a:pathLst>
+            </a:custGeom>
+            <a:solidFill>
+              <a:srgbClr val="FFFFFF"/>
+            </a:solidFill>
+            <a:ln w="6480">
+              <a:solidFill>
+                <a:srgbClr val="000000"/>
+              </a:solidFill>
+              <a:prstDash val="solid"/>
+              <a:miter/>
+            </a:ln>
+          </p:spPr>
+          <p:txBody>
+            <a:bodyPr vert="horz" wrap="square" lIns="0" tIns="0" rIns="0" bIns="0" anchor="ctr" anchorCtr="0" compatLnSpc="1"/>
+            <a:lstStyle/>
+            <a:p>
+              <a:pPr marL="0" marR="0" lvl="0" indent="0" algn="ctr">
+                <a:lnSpc>
+                  <a:spcPct val="100000"/>
+                </a:lnSpc>
+                <a:spcBef>
+                  <a:spcPts val="873"/>
+                </a:spcBef>
+                <a:spcAft>
+                  <a:spcPts val="0"/>
+                </a:spcAft>
+                <a:buNone/>
+                <a:tabLst>
+                  <a:tab pos="0" algn="l"/>
+                  <a:tab pos="448918" algn="l"/>
+                  <a:tab pos="898199" algn="l"/>
+                  <a:tab pos="1347480" algn="l"/>
+                  <a:tab pos="1796759" algn="l"/>
+                  <a:tab pos="2246040" algn="l"/>
+                  <a:tab pos="2695320" algn="l"/>
+                  <a:tab pos="3144600" algn="l"/>
+                  <a:tab pos="3593880" algn="l"/>
+                  <a:tab pos="4043159" algn="l"/>
+                  <a:tab pos="4492440" algn="l"/>
+                  <a:tab pos="4941719" algn="l"/>
+                  <a:tab pos="5391000" algn="l"/>
+                  <a:tab pos="5840280" algn="l"/>
+                  <a:tab pos="6289560" algn="l"/>
+                  <a:tab pos="6738840" algn="l"/>
+                  <a:tab pos="7188120" algn="l"/>
+                  <a:tab pos="7637400" algn="l"/>
+                  <a:tab pos="8086679" algn="l"/>
+                  <a:tab pos="8535960" algn="l"/>
+                  <a:tab pos="8985240" algn="l"/>
+                </a:tabLst>
+                <a:defRPr/>
+              </a:pPr>
+              <a:r>
+                <a:rPr lang="en-US" dirty="0"/>
+                <a:t>0</a:t>
+              </a:r>
+              <a:endParaRPr dirty="0"/>
+            </a:p>
+          </p:txBody>
+        </p:sp>
+        <p:sp>
+          <p:nvSpPr>
+            <p:cNvPr id="55" name="Forma livre 5">
+              <a:extLst>
+                <a:ext uri="{FF2B5EF4-FFF2-40B4-BE49-F238E27FC236}">
+                  <a16:creationId xmlns:a16="http://schemas.microsoft.com/office/drawing/2014/main" id="{710714C6-87F6-78C2-925C-8C65C78C02E1}"/>
+                </a:ext>
+              </a:extLst>
+            </p:cNvPr>
+            <p:cNvSpPr/>
+            <p:nvPr/>
+          </p:nvSpPr>
+          <p:spPr bwMode="auto">
+            <a:xfrm>
+              <a:off x="1332000" y="3789360"/>
+              <a:ext cx="360359" cy="360359"/>
+            </a:xfrm>
+            <a:custGeom>
+              <a:avLst/>
+              <a:gdLst>
+                <a:gd name="f0" fmla="val 0"/>
+                <a:gd name="f1" fmla="val 21600"/>
+              </a:gdLst>
+              <a:ahLst/>
+              <a:cxnLst>
+                <a:cxn ang="3cd4">
+                  <a:pos x="hc" y="t"/>
+                </a:cxn>
+                <a:cxn ang="0">
+                  <a:pos x="r" y="vc"/>
+                </a:cxn>
+                <a:cxn ang="cd4">
+                  <a:pos x="hc" y="b"/>
+                </a:cxn>
+                <a:cxn ang="cd2">
+                  <a:pos x="l" y="vc"/>
+                </a:cxn>
+              </a:cxnLst>
+              <a:rect l="l" t="t" r="r" b="b"/>
+              <a:pathLst>
+                <a:path w="21600" h="21600" extrusionOk="0">
+                  <a:moveTo>
+                    <a:pt x="f0" y="f0"/>
+                  </a:moveTo>
+                  <a:lnTo>
+                    <a:pt x="f1" y="f0"/>
+                  </a:lnTo>
+                  <a:lnTo>
+                    <a:pt x="f1" y="f1"/>
+                  </a:lnTo>
+                  <a:lnTo>
+                    <a:pt x="f0" y="f1"/>
+                  </a:lnTo>
+                  <a:lnTo>
+                    <a:pt x="f0" y="f0"/>
+                  </a:lnTo>
+                  <a:close/>
+                </a:path>
+              </a:pathLst>
+            </a:custGeom>
+            <a:solidFill>
+              <a:srgbClr val="FFFFFF"/>
+            </a:solidFill>
+            <a:ln w="6480">
+              <a:solidFill>
+                <a:srgbClr val="000000"/>
+              </a:solidFill>
+              <a:prstDash val="solid"/>
+              <a:miter/>
+            </a:ln>
+          </p:spPr>
+          <p:txBody>
+            <a:bodyPr vert="horz" wrap="square" lIns="0" tIns="0" rIns="0" bIns="0" anchor="ctr" anchorCtr="0" compatLnSpc="1"/>
+            <a:lstStyle/>
+            <a:p>
+              <a:pPr marL="0" marR="0" lvl="0" indent="0" algn="ctr">
+                <a:lnSpc>
+                  <a:spcPct val="100000"/>
+                </a:lnSpc>
+                <a:spcBef>
+                  <a:spcPts val="873"/>
+                </a:spcBef>
+                <a:spcAft>
+                  <a:spcPts val="0"/>
+                </a:spcAft>
+                <a:buNone/>
+                <a:tabLst>
+                  <a:tab pos="0" algn="l"/>
+                  <a:tab pos="448918" algn="l"/>
+                  <a:tab pos="898199" algn="l"/>
+                  <a:tab pos="1347480" algn="l"/>
+                  <a:tab pos="1796759" algn="l"/>
+                  <a:tab pos="2246040" algn="l"/>
+                  <a:tab pos="2695320" algn="l"/>
+                  <a:tab pos="3144600" algn="l"/>
+                  <a:tab pos="3593880" algn="l"/>
+                  <a:tab pos="4043159" algn="l"/>
+                  <a:tab pos="4492440" algn="l"/>
+                  <a:tab pos="4941719" algn="l"/>
+                  <a:tab pos="5391000" algn="l"/>
+                  <a:tab pos="5840280" algn="l"/>
+                  <a:tab pos="6289560" algn="l"/>
+                  <a:tab pos="6738840" algn="l"/>
+                  <a:tab pos="7188120" algn="l"/>
+                  <a:tab pos="7637400" algn="l"/>
+                  <a:tab pos="8086679" algn="l"/>
+                  <a:tab pos="8535960" algn="l"/>
+                  <a:tab pos="8985240" algn="l"/>
+                </a:tabLst>
+                <a:defRPr/>
+              </a:pPr>
+              <a:r>
+                <a:rPr lang="en-US" dirty="0"/>
+                <a:t>0</a:t>
+              </a:r>
+              <a:endParaRPr dirty="0"/>
+            </a:p>
+          </p:txBody>
+        </p:sp>
+        <p:sp>
+          <p:nvSpPr>
+            <p:cNvPr id="56" name="Forma livre 6">
+              <a:extLst>
+                <a:ext uri="{FF2B5EF4-FFF2-40B4-BE49-F238E27FC236}">
+                  <a16:creationId xmlns:a16="http://schemas.microsoft.com/office/drawing/2014/main" id="{DE92608E-1F7D-A3F0-5C1C-3C2B37EA69B8}"/>
+                </a:ext>
+              </a:extLst>
+            </p:cNvPr>
+            <p:cNvSpPr/>
+            <p:nvPr/>
+          </p:nvSpPr>
+          <p:spPr bwMode="auto">
+            <a:xfrm>
+              <a:off x="1690560" y="3789360"/>
+              <a:ext cx="360359" cy="360359"/>
+            </a:xfrm>
+            <a:custGeom>
+              <a:avLst/>
+              <a:gdLst>
+                <a:gd name="f0" fmla="val 0"/>
+                <a:gd name="f1" fmla="val 21600"/>
+              </a:gdLst>
+              <a:ahLst/>
+              <a:cxnLst>
+                <a:cxn ang="3cd4">
+                  <a:pos x="hc" y="t"/>
+                </a:cxn>
+                <a:cxn ang="0">
+                  <a:pos x="r" y="vc"/>
+                </a:cxn>
+                <a:cxn ang="cd4">
+                  <a:pos x="hc" y="b"/>
+                </a:cxn>
+                <a:cxn ang="cd2">
+                  <a:pos x="l" y="vc"/>
+                </a:cxn>
+              </a:cxnLst>
+              <a:rect l="l" t="t" r="r" b="b"/>
+              <a:pathLst>
+                <a:path w="21600" h="21600" extrusionOk="0">
+                  <a:moveTo>
+                    <a:pt x="f0" y="f0"/>
+                  </a:moveTo>
+                  <a:lnTo>
+                    <a:pt x="f1" y="f0"/>
+                  </a:lnTo>
+                  <a:lnTo>
+                    <a:pt x="f1" y="f1"/>
+                  </a:lnTo>
+                  <a:lnTo>
+                    <a:pt x="f0" y="f1"/>
+                  </a:lnTo>
+                  <a:lnTo>
+                    <a:pt x="f0" y="f0"/>
+                  </a:lnTo>
+                  <a:close/>
+                </a:path>
+              </a:pathLst>
+            </a:custGeom>
+            <a:solidFill>
+              <a:srgbClr val="FFFFFF"/>
+            </a:solidFill>
+            <a:ln w="6480">
+              <a:solidFill>
+                <a:srgbClr val="000000"/>
+              </a:solidFill>
+              <a:prstDash val="solid"/>
+              <a:miter/>
+            </a:ln>
+          </p:spPr>
+          <p:txBody>
+            <a:bodyPr vert="horz" wrap="square" lIns="0" tIns="0" rIns="0" bIns="0" anchor="ctr" anchorCtr="0" compatLnSpc="1"/>
+            <a:lstStyle/>
+            <a:p>
+              <a:pPr marL="0" marR="0" lvl="0" indent="0" algn="ctr">
+                <a:lnSpc>
+                  <a:spcPct val="100000"/>
+                </a:lnSpc>
+                <a:spcBef>
+                  <a:spcPts val="873"/>
+                </a:spcBef>
+                <a:spcAft>
+                  <a:spcPts val="0"/>
+                </a:spcAft>
+                <a:buNone/>
+                <a:tabLst>
+                  <a:tab pos="0" algn="l"/>
+                  <a:tab pos="448918" algn="l"/>
+                  <a:tab pos="898199" algn="l"/>
+                  <a:tab pos="1347480" algn="l"/>
+                  <a:tab pos="1796759" algn="l"/>
+                  <a:tab pos="2246040" algn="l"/>
+                  <a:tab pos="2695320" algn="l"/>
+                  <a:tab pos="3144600" algn="l"/>
+                  <a:tab pos="3593880" algn="l"/>
+                  <a:tab pos="4043159" algn="l"/>
+                  <a:tab pos="4492440" algn="l"/>
+                  <a:tab pos="4941719" algn="l"/>
+                  <a:tab pos="5391000" algn="l"/>
+                  <a:tab pos="5840280" algn="l"/>
+                  <a:tab pos="6289560" algn="l"/>
+                  <a:tab pos="6738840" algn="l"/>
+                  <a:tab pos="7188120" algn="l"/>
+                  <a:tab pos="7637400" algn="l"/>
+                  <a:tab pos="8086679" algn="l"/>
+                  <a:tab pos="8535960" algn="l"/>
+                  <a:tab pos="8985240" algn="l"/>
+                </a:tabLst>
+                <a:defRPr/>
+              </a:pPr>
+              <a:endParaRPr dirty="0"/>
+            </a:p>
+          </p:txBody>
+        </p:sp>
+        <p:sp>
+          <p:nvSpPr>
+            <p:cNvPr id="57" name="Forma livre 7">
+              <a:extLst>
+                <a:ext uri="{FF2B5EF4-FFF2-40B4-BE49-F238E27FC236}">
+                  <a16:creationId xmlns:a16="http://schemas.microsoft.com/office/drawing/2014/main" id="{F6BAAF93-C2CB-7E9E-FD46-A25845E48D35}"/>
+                </a:ext>
+              </a:extLst>
+            </p:cNvPr>
+            <p:cNvSpPr/>
+            <p:nvPr/>
+          </p:nvSpPr>
+          <p:spPr bwMode="auto">
+            <a:xfrm>
+              <a:off x="2050919" y="3789360"/>
+              <a:ext cx="360359" cy="360359"/>
+            </a:xfrm>
+            <a:custGeom>
+              <a:avLst/>
+              <a:gdLst>
+                <a:gd name="f0" fmla="val 0"/>
+                <a:gd name="f1" fmla="val 21600"/>
+              </a:gdLst>
+              <a:ahLst/>
+              <a:cxnLst>
+                <a:cxn ang="3cd4">
+                  <a:pos x="hc" y="t"/>
+                </a:cxn>
+                <a:cxn ang="0">
+                  <a:pos x="r" y="vc"/>
+                </a:cxn>
+                <a:cxn ang="cd4">
+                  <a:pos x="hc" y="b"/>
+                </a:cxn>
+                <a:cxn ang="cd2">
+                  <a:pos x="l" y="vc"/>
+                </a:cxn>
+              </a:cxnLst>
+              <a:rect l="l" t="t" r="r" b="b"/>
+              <a:pathLst>
+                <a:path w="21600" h="21600" extrusionOk="0">
+                  <a:moveTo>
+                    <a:pt x="f0" y="f0"/>
+                  </a:moveTo>
+                  <a:lnTo>
+                    <a:pt x="f1" y="f0"/>
+                  </a:lnTo>
+                  <a:lnTo>
+                    <a:pt x="f1" y="f1"/>
+                  </a:lnTo>
+                  <a:lnTo>
+                    <a:pt x="f0" y="f1"/>
+                  </a:lnTo>
+                  <a:lnTo>
+                    <a:pt x="f0" y="f0"/>
+                  </a:lnTo>
+                  <a:close/>
+                </a:path>
+              </a:pathLst>
+            </a:custGeom>
+            <a:solidFill>
+              <a:srgbClr val="FFFFFF"/>
+            </a:solidFill>
+            <a:ln w="6480">
+              <a:solidFill>
+                <a:srgbClr val="000000"/>
+              </a:solidFill>
+              <a:prstDash val="solid"/>
+              <a:miter/>
+            </a:ln>
+          </p:spPr>
+          <p:txBody>
+            <a:bodyPr vert="horz" wrap="square" lIns="0" tIns="0" rIns="0" bIns="0" anchor="ctr" anchorCtr="0" compatLnSpc="1"/>
+            <a:lstStyle/>
+            <a:p>
+              <a:pPr marL="0" marR="0" lvl="0" indent="0" algn="ctr">
+                <a:lnSpc>
+                  <a:spcPct val="100000"/>
+                </a:lnSpc>
+                <a:spcBef>
+                  <a:spcPts val="873"/>
+                </a:spcBef>
+                <a:spcAft>
+                  <a:spcPts val="0"/>
+                </a:spcAft>
+                <a:buNone/>
+                <a:tabLst>
+                  <a:tab pos="0" algn="l"/>
+                  <a:tab pos="448918" algn="l"/>
+                  <a:tab pos="898199" algn="l"/>
+                  <a:tab pos="1347480" algn="l"/>
+                  <a:tab pos="1796759" algn="l"/>
+                  <a:tab pos="2246040" algn="l"/>
+                  <a:tab pos="2695320" algn="l"/>
+                  <a:tab pos="3144600" algn="l"/>
+                  <a:tab pos="3593880" algn="l"/>
+                  <a:tab pos="4043159" algn="l"/>
+                  <a:tab pos="4492440" algn="l"/>
+                  <a:tab pos="4941719" algn="l"/>
+                  <a:tab pos="5391000" algn="l"/>
+                  <a:tab pos="5840280" algn="l"/>
+                  <a:tab pos="6289560" algn="l"/>
+                  <a:tab pos="6738840" algn="l"/>
+                  <a:tab pos="7188120" algn="l"/>
+                  <a:tab pos="7637400" algn="l"/>
+                  <a:tab pos="8086679" algn="l"/>
+                  <a:tab pos="8535960" algn="l"/>
+                  <a:tab pos="8985240" algn="l"/>
+                </a:tabLst>
+                <a:defRPr/>
+              </a:pPr>
+              <a:endParaRPr dirty="0"/>
+            </a:p>
+          </p:txBody>
+        </p:sp>
+        <p:sp>
+          <p:nvSpPr>
+            <p:cNvPr id="58" name="Forma livre 8">
+              <a:extLst>
+                <a:ext uri="{FF2B5EF4-FFF2-40B4-BE49-F238E27FC236}">
+                  <a16:creationId xmlns:a16="http://schemas.microsoft.com/office/drawing/2014/main" id="{A593C4B0-9F53-7370-B81B-BDF652D5B793}"/>
+                </a:ext>
+              </a:extLst>
+            </p:cNvPr>
+            <p:cNvSpPr/>
+            <p:nvPr/>
+          </p:nvSpPr>
+          <p:spPr bwMode="auto">
+            <a:xfrm>
+              <a:off x="2411280" y="3789360"/>
+              <a:ext cx="360359" cy="360359"/>
+            </a:xfrm>
+            <a:custGeom>
+              <a:avLst/>
+              <a:gdLst>
+                <a:gd name="f0" fmla="val 0"/>
+                <a:gd name="f1" fmla="val 21600"/>
+              </a:gdLst>
+              <a:ahLst/>
+              <a:cxnLst>
+                <a:cxn ang="3cd4">
+                  <a:pos x="hc" y="t"/>
+                </a:cxn>
+                <a:cxn ang="0">
+                  <a:pos x="r" y="vc"/>
+                </a:cxn>
+                <a:cxn ang="cd4">
+                  <a:pos x="hc" y="b"/>
+                </a:cxn>
+                <a:cxn ang="cd2">
+                  <a:pos x="l" y="vc"/>
+                </a:cxn>
+              </a:cxnLst>
+              <a:rect l="l" t="t" r="r" b="b"/>
+              <a:pathLst>
+                <a:path w="21600" h="21600" extrusionOk="0">
+                  <a:moveTo>
+                    <a:pt x="f0" y="f0"/>
+                  </a:moveTo>
+                  <a:lnTo>
+                    <a:pt x="f1" y="f0"/>
+                  </a:lnTo>
+                  <a:lnTo>
+                    <a:pt x="f1" y="f1"/>
+                  </a:lnTo>
+                  <a:lnTo>
+                    <a:pt x="f0" y="f1"/>
+                  </a:lnTo>
+                  <a:lnTo>
+                    <a:pt x="f0" y="f0"/>
+                  </a:lnTo>
+                  <a:close/>
+                </a:path>
+              </a:pathLst>
+            </a:custGeom>
+            <a:solidFill>
+              <a:srgbClr val="FFFFFF"/>
+            </a:solidFill>
+            <a:ln w="6480">
+              <a:solidFill>
+                <a:srgbClr val="000000"/>
+              </a:solidFill>
+              <a:prstDash val="solid"/>
+              <a:miter/>
+            </a:ln>
+          </p:spPr>
+          <p:txBody>
+            <a:bodyPr vert="horz" wrap="square" lIns="0" tIns="0" rIns="0" bIns="0" anchor="ctr" anchorCtr="0" compatLnSpc="1"/>
+            <a:lstStyle/>
+            <a:p>
+              <a:pPr marL="0" marR="0" lvl="0" indent="0" algn="ctr">
+                <a:lnSpc>
+                  <a:spcPct val="100000"/>
+                </a:lnSpc>
+                <a:spcBef>
+                  <a:spcPts val="873"/>
+                </a:spcBef>
+                <a:spcAft>
+                  <a:spcPts val="0"/>
+                </a:spcAft>
+                <a:buNone/>
+                <a:tabLst>
+                  <a:tab pos="0" algn="l"/>
+                  <a:tab pos="448918" algn="l"/>
+                  <a:tab pos="898199" algn="l"/>
+                  <a:tab pos="1347480" algn="l"/>
+                  <a:tab pos="1796759" algn="l"/>
+                  <a:tab pos="2246040" algn="l"/>
+                  <a:tab pos="2695320" algn="l"/>
+                  <a:tab pos="3144600" algn="l"/>
+                  <a:tab pos="3593880" algn="l"/>
+                  <a:tab pos="4043159" algn="l"/>
+                  <a:tab pos="4492440" algn="l"/>
+                  <a:tab pos="4941719" algn="l"/>
+                  <a:tab pos="5391000" algn="l"/>
+                  <a:tab pos="5840280" algn="l"/>
+                  <a:tab pos="6289560" algn="l"/>
+                  <a:tab pos="6738840" algn="l"/>
+                  <a:tab pos="7188120" algn="l"/>
+                  <a:tab pos="7637400" algn="l"/>
+                  <a:tab pos="8086679" algn="l"/>
+                  <a:tab pos="8535960" algn="l"/>
+                  <a:tab pos="8985240" algn="l"/>
+                </a:tabLst>
+                <a:defRPr/>
+              </a:pPr>
+              <a:endParaRPr dirty="0"/>
+            </a:p>
+          </p:txBody>
+        </p:sp>
+        <p:sp>
+          <p:nvSpPr>
+            <p:cNvPr id="59" name="Forma livre 9">
+              <a:extLst>
+                <a:ext uri="{FF2B5EF4-FFF2-40B4-BE49-F238E27FC236}">
+                  <a16:creationId xmlns:a16="http://schemas.microsoft.com/office/drawing/2014/main" id="{369AD7D9-4947-E01A-3305-ED455AEB24BE}"/>
+                </a:ext>
+              </a:extLst>
+            </p:cNvPr>
+            <p:cNvSpPr/>
+            <p:nvPr/>
+          </p:nvSpPr>
+          <p:spPr bwMode="auto">
+            <a:xfrm>
+              <a:off x="2771640" y="3789360"/>
+              <a:ext cx="360359" cy="360359"/>
+            </a:xfrm>
+            <a:custGeom>
+              <a:avLst/>
+              <a:gdLst>
+                <a:gd name="f0" fmla="val 0"/>
+                <a:gd name="f1" fmla="val 21600"/>
+              </a:gdLst>
+              <a:ahLst/>
+              <a:cxnLst>
+                <a:cxn ang="3cd4">
+                  <a:pos x="hc" y="t"/>
+                </a:cxn>
+                <a:cxn ang="0">
+                  <a:pos x="r" y="vc"/>
+                </a:cxn>
+                <a:cxn ang="cd4">
+                  <a:pos x="hc" y="b"/>
+                </a:cxn>
+                <a:cxn ang="cd2">
+                  <a:pos x="l" y="vc"/>
+                </a:cxn>
+              </a:cxnLst>
+              <a:rect l="l" t="t" r="r" b="b"/>
+              <a:pathLst>
+                <a:path w="21600" h="21600" extrusionOk="0">
+                  <a:moveTo>
+                    <a:pt x="f0" y="f0"/>
+                  </a:moveTo>
+                  <a:lnTo>
+                    <a:pt x="f1" y="f0"/>
+                  </a:lnTo>
+                  <a:lnTo>
+                    <a:pt x="f1" y="f1"/>
+                  </a:lnTo>
+                  <a:lnTo>
+                    <a:pt x="f0" y="f1"/>
+                  </a:lnTo>
+                  <a:lnTo>
+                    <a:pt x="f0" y="f0"/>
+                  </a:lnTo>
+                  <a:close/>
+                </a:path>
+              </a:pathLst>
+            </a:custGeom>
+            <a:solidFill>
+              <a:srgbClr val="FFFFFF"/>
+            </a:solidFill>
+            <a:ln w="6480">
+              <a:solidFill>
+                <a:srgbClr val="000000"/>
+              </a:solidFill>
+              <a:prstDash val="solid"/>
+              <a:miter/>
+            </a:ln>
+          </p:spPr>
+          <p:txBody>
+            <a:bodyPr vert="horz" wrap="square" lIns="0" tIns="0" rIns="0" bIns="0" anchor="ctr" anchorCtr="0" compatLnSpc="1"/>
+            <a:lstStyle/>
+            <a:p>
+              <a:pPr marL="0" marR="0" lvl="0" indent="0" algn="ctr">
+                <a:lnSpc>
+                  <a:spcPct val="100000"/>
+                </a:lnSpc>
+                <a:spcBef>
+                  <a:spcPts val="873"/>
+                </a:spcBef>
+                <a:spcAft>
+                  <a:spcPts val="0"/>
+                </a:spcAft>
+                <a:buNone/>
+                <a:tabLst>
+                  <a:tab pos="0" algn="l"/>
+                  <a:tab pos="448918" algn="l"/>
+                  <a:tab pos="898199" algn="l"/>
+                  <a:tab pos="1347480" algn="l"/>
+                  <a:tab pos="1796759" algn="l"/>
+                  <a:tab pos="2246040" algn="l"/>
+                  <a:tab pos="2695320" algn="l"/>
+                  <a:tab pos="3144600" algn="l"/>
+                  <a:tab pos="3593880" algn="l"/>
+                  <a:tab pos="4043159" algn="l"/>
+                  <a:tab pos="4492440" algn="l"/>
+                  <a:tab pos="4941719" algn="l"/>
+                  <a:tab pos="5391000" algn="l"/>
+                  <a:tab pos="5840280" algn="l"/>
+                  <a:tab pos="6289560" algn="l"/>
+                  <a:tab pos="6738840" algn="l"/>
+                  <a:tab pos="7188120" algn="l"/>
+                  <a:tab pos="7637400" algn="l"/>
+                  <a:tab pos="8086679" algn="l"/>
+                  <a:tab pos="8535960" algn="l"/>
+                  <a:tab pos="8985240" algn="l"/>
+                </a:tabLst>
+                <a:defRPr/>
+              </a:pPr>
+              <a:endParaRPr dirty="0"/>
+            </a:p>
+          </p:txBody>
+        </p:sp>
+        <p:sp>
+          <p:nvSpPr>
+            <p:cNvPr id="60" name="Forma livre 10">
+              <a:extLst>
+                <a:ext uri="{FF2B5EF4-FFF2-40B4-BE49-F238E27FC236}">
+                  <a16:creationId xmlns:a16="http://schemas.microsoft.com/office/drawing/2014/main" id="{E9B75F45-A334-8726-F682-C65F1F7C61CB}"/>
+                </a:ext>
+              </a:extLst>
+            </p:cNvPr>
+            <p:cNvSpPr/>
+            <p:nvPr/>
+          </p:nvSpPr>
+          <p:spPr bwMode="auto">
+            <a:xfrm>
+              <a:off x="971640" y="4149719"/>
+              <a:ext cx="360359" cy="360359"/>
+            </a:xfrm>
+            <a:custGeom>
+              <a:avLst/>
+              <a:gdLst>
+                <a:gd name="f0" fmla="val 0"/>
+                <a:gd name="f1" fmla="val 21600"/>
+              </a:gdLst>
+              <a:ahLst/>
+              <a:cxnLst>
+                <a:cxn ang="3cd4">
+                  <a:pos x="hc" y="t"/>
+                </a:cxn>
+                <a:cxn ang="0">
+                  <a:pos x="r" y="vc"/>
+                </a:cxn>
+                <a:cxn ang="cd4">
+                  <a:pos x="hc" y="b"/>
+                </a:cxn>
+                <a:cxn ang="cd2">
+                  <a:pos x="l" y="vc"/>
+                </a:cxn>
+              </a:cxnLst>
+              <a:rect l="l" t="t" r="r" b="b"/>
+              <a:pathLst>
+                <a:path w="21600" h="21600" extrusionOk="0">
+                  <a:moveTo>
+                    <a:pt x="f0" y="f0"/>
+                  </a:moveTo>
+                  <a:lnTo>
+                    <a:pt x="f1" y="f0"/>
+                  </a:lnTo>
+                  <a:lnTo>
+                    <a:pt x="f1" y="f1"/>
+                  </a:lnTo>
+                  <a:lnTo>
+                    <a:pt x="f0" y="f1"/>
+                  </a:lnTo>
+                  <a:lnTo>
+                    <a:pt x="f0" y="f0"/>
+                  </a:lnTo>
+                  <a:close/>
+                </a:path>
+              </a:pathLst>
+            </a:custGeom>
+            <a:solidFill>
+              <a:srgbClr val="FFFFFF"/>
+            </a:solidFill>
+            <a:ln w="6480">
+              <a:solidFill>
+                <a:srgbClr val="000000"/>
+              </a:solidFill>
+              <a:prstDash val="solid"/>
+              <a:miter/>
+            </a:ln>
+          </p:spPr>
+          <p:txBody>
+            <a:bodyPr vert="horz" wrap="square" lIns="0" tIns="0" rIns="0" bIns="0" anchor="ctr" anchorCtr="0" compatLnSpc="1"/>
+            <a:lstStyle/>
+            <a:p>
+              <a:pPr marL="0" marR="0" lvl="0" indent="0" algn="ctr">
+                <a:lnSpc>
+                  <a:spcPct val="100000"/>
+                </a:lnSpc>
+                <a:spcBef>
+                  <a:spcPts val="873"/>
+                </a:spcBef>
+                <a:spcAft>
+                  <a:spcPts val="0"/>
+                </a:spcAft>
+                <a:buNone/>
+                <a:tabLst>
+                  <a:tab pos="0" algn="l"/>
+                  <a:tab pos="448918" algn="l"/>
+                  <a:tab pos="898199" algn="l"/>
+                  <a:tab pos="1347480" algn="l"/>
+                  <a:tab pos="1796759" algn="l"/>
+                  <a:tab pos="2246040" algn="l"/>
+                  <a:tab pos="2695320" algn="l"/>
+                  <a:tab pos="3144600" algn="l"/>
+                  <a:tab pos="3593880" algn="l"/>
+                  <a:tab pos="4043159" algn="l"/>
+                  <a:tab pos="4492440" algn="l"/>
+                  <a:tab pos="4941719" algn="l"/>
+                  <a:tab pos="5391000" algn="l"/>
+                  <a:tab pos="5840280" algn="l"/>
+                  <a:tab pos="6289560" algn="l"/>
+                  <a:tab pos="6738840" algn="l"/>
+                  <a:tab pos="7188120" algn="l"/>
+                  <a:tab pos="7637400" algn="l"/>
+                  <a:tab pos="8086679" algn="l"/>
+                  <a:tab pos="8535960" algn="l"/>
+                  <a:tab pos="8985240" algn="l"/>
+                </a:tabLst>
+                <a:defRPr/>
+              </a:pPr>
+              <a:r>
+                <a:rPr lang="en-US" dirty="0"/>
+                <a:t>0</a:t>
+              </a:r>
+              <a:endParaRPr dirty="0"/>
+            </a:p>
+          </p:txBody>
+        </p:sp>
+        <p:sp>
+          <p:nvSpPr>
+            <p:cNvPr id="61" name="Forma livre 11">
+              <a:extLst>
+                <a:ext uri="{FF2B5EF4-FFF2-40B4-BE49-F238E27FC236}">
+                  <a16:creationId xmlns:a16="http://schemas.microsoft.com/office/drawing/2014/main" id="{B5AEDD90-AD3D-4D6B-0E43-3336CEC71FA8}"/>
+                </a:ext>
+              </a:extLst>
+            </p:cNvPr>
+            <p:cNvSpPr/>
+            <p:nvPr/>
+          </p:nvSpPr>
+          <p:spPr bwMode="auto">
+            <a:xfrm>
+              <a:off x="1332000" y="4149719"/>
+              <a:ext cx="360359" cy="360359"/>
+            </a:xfrm>
+            <a:custGeom>
+              <a:avLst/>
+              <a:gdLst>
+                <a:gd name="f0" fmla="val 0"/>
+                <a:gd name="f1" fmla="val 21600"/>
+              </a:gdLst>
+              <a:ahLst/>
+              <a:cxnLst>
+                <a:cxn ang="3cd4">
+                  <a:pos x="hc" y="t"/>
+                </a:cxn>
+                <a:cxn ang="0">
+                  <a:pos x="r" y="vc"/>
+                </a:cxn>
+                <a:cxn ang="cd4">
+                  <a:pos x="hc" y="b"/>
+                </a:cxn>
+                <a:cxn ang="cd2">
+                  <a:pos x="l" y="vc"/>
+                </a:cxn>
+              </a:cxnLst>
+              <a:rect l="l" t="t" r="r" b="b"/>
+              <a:pathLst>
+                <a:path w="21600" h="21600" extrusionOk="0">
+                  <a:moveTo>
+                    <a:pt x="f0" y="f0"/>
+                  </a:moveTo>
+                  <a:lnTo>
+                    <a:pt x="f1" y="f0"/>
+                  </a:lnTo>
+                  <a:lnTo>
+                    <a:pt x="f1" y="f1"/>
+                  </a:lnTo>
+                  <a:lnTo>
+                    <a:pt x="f0" y="f1"/>
+                  </a:lnTo>
+                  <a:lnTo>
+                    <a:pt x="f0" y="f0"/>
+                  </a:lnTo>
+                  <a:close/>
+                </a:path>
+              </a:pathLst>
+            </a:custGeom>
+            <a:solidFill>
+              <a:srgbClr val="FFFFFF"/>
+            </a:solidFill>
+            <a:ln w="6480">
+              <a:solidFill>
+                <a:srgbClr val="000000"/>
+              </a:solidFill>
+              <a:prstDash val="solid"/>
+              <a:miter/>
+            </a:ln>
+          </p:spPr>
+          <p:txBody>
+            <a:bodyPr vert="horz" wrap="square" lIns="0" tIns="0" rIns="0" bIns="0" anchor="ctr" anchorCtr="0" compatLnSpc="1"/>
+            <a:lstStyle/>
+            <a:p>
+              <a:pPr marL="0" marR="0" lvl="0" indent="0" algn="ctr">
+                <a:lnSpc>
+                  <a:spcPct val="100000"/>
+                </a:lnSpc>
+                <a:spcBef>
+                  <a:spcPts val="873"/>
+                </a:spcBef>
+                <a:spcAft>
+                  <a:spcPts val="0"/>
+                </a:spcAft>
+                <a:buNone/>
+                <a:tabLst>
+                  <a:tab pos="0" algn="l"/>
+                  <a:tab pos="448918" algn="l"/>
+                  <a:tab pos="898199" algn="l"/>
+                  <a:tab pos="1347480" algn="l"/>
+                  <a:tab pos="1796759" algn="l"/>
+                  <a:tab pos="2246040" algn="l"/>
+                  <a:tab pos="2695320" algn="l"/>
+                  <a:tab pos="3144600" algn="l"/>
+                  <a:tab pos="3593880" algn="l"/>
+                  <a:tab pos="4043159" algn="l"/>
+                  <a:tab pos="4492440" algn="l"/>
+                  <a:tab pos="4941719" algn="l"/>
+                  <a:tab pos="5391000" algn="l"/>
+                  <a:tab pos="5840280" algn="l"/>
+                  <a:tab pos="6289560" algn="l"/>
+                  <a:tab pos="6738840" algn="l"/>
+                  <a:tab pos="7188120" algn="l"/>
+                  <a:tab pos="7637400" algn="l"/>
+                  <a:tab pos="8086679" algn="l"/>
+                  <a:tab pos="8535960" algn="l"/>
+                  <a:tab pos="8985240" algn="l"/>
+                </a:tabLst>
+                <a:defRPr/>
+              </a:pPr>
+              <a:r>
+                <a:rPr lang="en-US" dirty="0"/>
+                <a:t>4</a:t>
+              </a:r>
+              <a:endParaRPr dirty="0"/>
+            </a:p>
+          </p:txBody>
+        </p:sp>
+        <p:sp>
+          <p:nvSpPr>
+            <p:cNvPr id="62" name="Forma livre 12">
+              <a:extLst>
+                <a:ext uri="{FF2B5EF4-FFF2-40B4-BE49-F238E27FC236}">
+                  <a16:creationId xmlns:a16="http://schemas.microsoft.com/office/drawing/2014/main" id="{71364E97-ECB2-459B-A8A5-0B14F8D0E433}"/>
+                </a:ext>
+              </a:extLst>
+            </p:cNvPr>
+            <p:cNvSpPr/>
+            <p:nvPr/>
+          </p:nvSpPr>
+          <p:spPr bwMode="auto">
+            <a:xfrm>
+              <a:off x="1690560" y="4149719"/>
+              <a:ext cx="360359" cy="360359"/>
+            </a:xfrm>
+            <a:custGeom>
+              <a:avLst/>
+              <a:gdLst>
+                <a:gd name="f0" fmla="val 0"/>
+                <a:gd name="f1" fmla="val 21600"/>
+              </a:gdLst>
+              <a:ahLst/>
+              <a:cxnLst>
+                <a:cxn ang="3cd4">
+                  <a:pos x="hc" y="t"/>
+                </a:cxn>
+                <a:cxn ang="0">
+                  <a:pos x="r" y="vc"/>
+                </a:cxn>
+                <a:cxn ang="cd4">
+                  <a:pos x="hc" y="b"/>
+                </a:cxn>
+                <a:cxn ang="cd2">
+                  <a:pos x="l" y="vc"/>
+                </a:cxn>
+              </a:cxnLst>
+              <a:rect l="l" t="t" r="r" b="b"/>
+              <a:pathLst>
+                <a:path w="21600" h="21600" extrusionOk="0">
+                  <a:moveTo>
+                    <a:pt x="f0" y="f0"/>
+                  </a:moveTo>
+                  <a:lnTo>
+                    <a:pt x="f1" y="f0"/>
+                  </a:lnTo>
+                  <a:lnTo>
+                    <a:pt x="f1" y="f1"/>
+                  </a:lnTo>
+                  <a:lnTo>
+                    <a:pt x="f0" y="f1"/>
+                  </a:lnTo>
+                  <a:lnTo>
+                    <a:pt x="f0" y="f0"/>
+                  </a:lnTo>
+                  <a:close/>
+                </a:path>
+              </a:pathLst>
+            </a:custGeom>
+            <a:solidFill>
+              <a:srgbClr val="FFFFFF"/>
+            </a:solidFill>
+            <a:ln w="6480">
+              <a:solidFill>
+                <a:srgbClr val="000000"/>
+              </a:solidFill>
+              <a:prstDash val="solid"/>
+              <a:miter/>
+            </a:ln>
+          </p:spPr>
+          <p:txBody>
+            <a:bodyPr vert="horz" wrap="square" lIns="0" tIns="0" rIns="0" bIns="0" anchor="ctr" anchorCtr="0" compatLnSpc="1"/>
+            <a:lstStyle/>
+            <a:p>
+              <a:pPr marL="0" marR="0" lvl="0" indent="0" algn="ctr">
+                <a:lnSpc>
+                  <a:spcPct val="100000"/>
+                </a:lnSpc>
+                <a:spcBef>
+                  <a:spcPts val="873"/>
+                </a:spcBef>
+                <a:spcAft>
+                  <a:spcPts val="0"/>
+                </a:spcAft>
+                <a:buNone/>
+                <a:tabLst>
+                  <a:tab pos="0" algn="l"/>
+                  <a:tab pos="448918" algn="l"/>
+                  <a:tab pos="898199" algn="l"/>
+                  <a:tab pos="1347480" algn="l"/>
+                  <a:tab pos="1796759" algn="l"/>
+                  <a:tab pos="2246040" algn="l"/>
+                  <a:tab pos="2695320" algn="l"/>
+                  <a:tab pos="3144600" algn="l"/>
+                  <a:tab pos="3593880" algn="l"/>
+                  <a:tab pos="4043159" algn="l"/>
+                  <a:tab pos="4492440" algn="l"/>
+                  <a:tab pos="4941719" algn="l"/>
+                  <a:tab pos="5391000" algn="l"/>
+                  <a:tab pos="5840280" algn="l"/>
+                  <a:tab pos="6289560" algn="l"/>
+                  <a:tab pos="6738840" algn="l"/>
+                  <a:tab pos="7188120" algn="l"/>
+                  <a:tab pos="7637400" algn="l"/>
+                  <a:tab pos="8086679" algn="l"/>
+                  <a:tab pos="8535960" algn="l"/>
+                  <a:tab pos="8985240" algn="l"/>
+                </a:tabLst>
+                <a:defRPr/>
+              </a:pPr>
+              <a:endParaRPr dirty="0"/>
+            </a:p>
+          </p:txBody>
+        </p:sp>
+        <p:sp>
+          <p:nvSpPr>
+            <p:cNvPr id="63" name="Forma livre 13">
+              <a:extLst>
+                <a:ext uri="{FF2B5EF4-FFF2-40B4-BE49-F238E27FC236}">
+                  <a16:creationId xmlns:a16="http://schemas.microsoft.com/office/drawing/2014/main" id="{DD974381-9C78-86A6-BF90-0958234E37F4}"/>
+                </a:ext>
+              </a:extLst>
+            </p:cNvPr>
+            <p:cNvSpPr/>
+            <p:nvPr/>
+          </p:nvSpPr>
+          <p:spPr bwMode="auto">
+            <a:xfrm>
+              <a:off x="2411280" y="4149719"/>
+              <a:ext cx="360359" cy="360359"/>
+            </a:xfrm>
+            <a:custGeom>
+              <a:avLst/>
+              <a:gdLst>
+                <a:gd name="f0" fmla="val 0"/>
+                <a:gd name="f1" fmla="val 21600"/>
+              </a:gdLst>
+              <a:ahLst/>
+              <a:cxnLst>
+                <a:cxn ang="3cd4">
+                  <a:pos x="hc" y="t"/>
+                </a:cxn>
+                <a:cxn ang="0">
+                  <a:pos x="r" y="vc"/>
+                </a:cxn>
+                <a:cxn ang="cd4">
+                  <a:pos x="hc" y="b"/>
+                </a:cxn>
+                <a:cxn ang="cd2">
+                  <a:pos x="l" y="vc"/>
+                </a:cxn>
+              </a:cxnLst>
+              <a:rect l="l" t="t" r="r" b="b"/>
+              <a:pathLst>
+                <a:path w="21600" h="21600" extrusionOk="0">
+                  <a:moveTo>
+                    <a:pt x="f0" y="f0"/>
+                  </a:moveTo>
+                  <a:lnTo>
+                    <a:pt x="f1" y="f0"/>
+                  </a:lnTo>
+                  <a:lnTo>
+                    <a:pt x="f1" y="f1"/>
+                  </a:lnTo>
+                  <a:lnTo>
+                    <a:pt x="f0" y="f1"/>
+                  </a:lnTo>
+                  <a:lnTo>
+                    <a:pt x="f0" y="f0"/>
+                  </a:lnTo>
+                  <a:close/>
+                </a:path>
+              </a:pathLst>
+            </a:custGeom>
+            <a:solidFill>
+              <a:srgbClr val="FFFFFF"/>
+            </a:solidFill>
+            <a:ln w="6480">
+              <a:solidFill>
+                <a:srgbClr val="000000"/>
+              </a:solidFill>
+              <a:prstDash val="solid"/>
+              <a:miter/>
+            </a:ln>
+          </p:spPr>
+          <p:txBody>
+            <a:bodyPr vert="horz" wrap="square" lIns="0" tIns="0" rIns="0" bIns="0" anchor="ctr" anchorCtr="0" compatLnSpc="1"/>
+            <a:lstStyle/>
+            <a:p>
+              <a:pPr marL="0" marR="0" lvl="0" indent="0" algn="ctr">
+                <a:lnSpc>
+                  <a:spcPct val="100000"/>
+                </a:lnSpc>
+                <a:spcBef>
+                  <a:spcPts val="873"/>
+                </a:spcBef>
+                <a:spcAft>
+                  <a:spcPts val="0"/>
+                </a:spcAft>
+                <a:buNone/>
+                <a:tabLst>
+                  <a:tab pos="0" algn="l"/>
+                  <a:tab pos="448918" algn="l"/>
+                  <a:tab pos="898199" algn="l"/>
+                  <a:tab pos="1347480" algn="l"/>
+                  <a:tab pos="1796759" algn="l"/>
+                  <a:tab pos="2246040" algn="l"/>
+                  <a:tab pos="2695320" algn="l"/>
+                  <a:tab pos="3144600" algn="l"/>
+                  <a:tab pos="3593880" algn="l"/>
+                  <a:tab pos="4043159" algn="l"/>
+                  <a:tab pos="4492440" algn="l"/>
+                  <a:tab pos="4941719" algn="l"/>
+                  <a:tab pos="5391000" algn="l"/>
+                  <a:tab pos="5840280" algn="l"/>
+                  <a:tab pos="6289560" algn="l"/>
+                  <a:tab pos="6738840" algn="l"/>
+                  <a:tab pos="7188120" algn="l"/>
+                  <a:tab pos="7637400" algn="l"/>
+                  <a:tab pos="8086679" algn="l"/>
+                  <a:tab pos="8535960" algn="l"/>
+                  <a:tab pos="8985240" algn="l"/>
+                </a:tabLst>
+                <a:defRPr/>
+              </a:pPr>
+              <a:endParaRPr dirty="0"/>
+            </a:p>
+          </p:txBody>
+        </p:sp>
+        <p:sp>
+          <p:nvSpPr>
+            <p:cNvPr id="64" name="Forma livre 14">
+              <a:extLst>
+                <a:ext uri="{FF2B5EF4-FFF2-40B4-BE49-F238E27FC236}">
+                  <a16:creationId xmlns:a16="http://schemas.microsoft.com/office/drawing/2014/main" id="{434DBDE1-E343-4B00-E4AA-622CB41ACE8A}"/>
+                </a:ext>
+              </a:extLst>
+            </p:cNvPr>
+            <p:cNvSpPr/>
+            <p:nvPr/>
+          </p:nvSpPr>
+          <p:spPr bwMode="auto">
+            <a:xfrm>
+              <a:off x="2050919" y="4149719"/>
+              <a:ext cx="360359" cy="360359"/>
+            </a:xfrm>
+            <a:custGeom>
+              <a:avLst/>
+              <a:gdLst>
+                <a:gd name="f0" fmla="val 0"/>
+                <a:gd name="f1" fmla="val 21600"/>
+              </a:gdLst>
+              <a:ahLst/>
+              <a:cxnLst>
+                <a:cxn ang="3cd4">
+                  <a:pos x="hc" y="t"/>
+                </a:cxn>
+                <a:cxn ang="0">
+                  <a:pos x="r" y="vc"/>
+                </a:cxn>
+                <a:cxn ang="cd4">
+                  <a:pos x="hc" y="b"/>
+                </a:cxn>
+                <a:cxn ang="cd2">
+                  <a:pos x="l" y="vc"/>
+                </a:cxn>
+              </a:cxnLst>
+              <a:rect l="l" t="t" r="r" b="b"/>
+              <a:pathLst>
+                <a:path w="21600" h="21600" extrusionOk="0">
+                  <a:moveTo>
+                    <a:pt x="f0" y="f0"/>
+                  </a:moveTo>
+                  <a:lnTo>
+                    <a:pt x="f1" y="f0"/>
+                  </a:lnTo>
+                  <a:lnTo>
+                    <a:pt x="f1" y="f1"/>
+                  </a:lnTo>
+                  <a:lnTo>
+                    <a:pt x="f0" y="f1"/>
+                  </a:lnTo>
+                  <a:lnTo>
+                    <a:pt x="f0" y="f0"/>
+                  </a:lnTo>
+                  <a:close/>
+                </a:path>
+              </a:pathLst>
+            </a:custGeom>
+            <a:solidFill>
+              <a:srgbClr val="FFFFFF"/>
+            </a:solidFill>
+            <a:ln w="6480">
+              <a:solidFill>
+                <a:srgbClr val="000000"/>
+              </a:solidFill>
+              <a:prstDash val="solid"/>
+              <a:miter/>
+            </a:ln>
+          </p:spPr>
+          <p:txBody>
+            <a:bodyPr vert="horz" wrap="square" lIns="0" tIns="0" rIns="0" bIns="0" anchor="ctr" anchorCtr="0" compatLnSpc="1"/>
+            <a:lstStyle/>
+            <a:p>
+              <a:pPr marL="0" marR="0" lvl="0" indent="0" algn="ctr">
+                <a:lnSpc>
+                  <a:spcPct val="100000"/>
+                </a:lnSpc>
+                <a:spcBef>
+                  <a:spcPts val="873"/>
+                </a:spcBef>
+                <a:spcAft>
+                  <a:spcPts val="0"/>
+                </a:spcAft>
+                <a:buNone/>
+                <a:tabLst>
+                  <a:tab pos="0" algn="l"/>
+                  <a:tab pos="448918" algn="l"/>
+                  <a:tab pos="898199" algn="l"/>
+                  <a:tab pos="1347480" algn="l"/>
+                  <a:tab pos="1796759" algn="l"/>
+                  <a:tab pos="2246040" algn="l"/>
+                  <a:tab pos="2695320" algn="l"/>
+                  <a:tab pos="3144600" algn="l"/>
+                  <a:tab pos="3593880" algn="l"/>
+                  <a:tab pos="4043159" algn="l"/>
+                  <a:tab pos="4492440" algn="l"/>
+                  <a:tab pos="4941719" algn="l"/>
+                  <a:tab pos="5391000" algn="l"/>
+                  <a:tab pos="5840280" algn="l"/>
+                  <a:tab pos="6289560" algn="l"/>
+                  <a:tab pos="6738840" algn="l"/>
+                  <a:tab pos="7188120" algn="l"/>
+                  <a:tab pos="7637400" algn="l"/>
+                  <a:tab pos="8086679" algn="l"/>
+                  <a:tab pos="8535960" algn="l"/>
+                  <a:tab pos="8985240" algn="l"/>
+                </a:tabLst>
+                <a:defRPr/>
+              </a:pPr>
+              <a:endParaRPr dirty="0"/>
+            </a:p>
+          </p:txBody>
+        </p:sp>
+        <p:sp>
+          <p:nvSpPr>
+            <p:cNvPr id="65" name="Forma livre 15">
+              <a:extLst>
+                <a:ext uri="{FF2B5EF4-FFF2-40B4-BE49-F238E27FC236}">
+                  <a16:creationId xmlns:a16="http://schemas.microsoft.com/office/drawing/2014/main" id="{596ED91F-C8A8-CC01-DEAB-AD8969071F56}"/>
+                </a:ext>
+              </a:extLst>
+            </p:cNvPr>
+            <p:cNvSpPr/>
+            <p:nvPr/>
+          </p:nvSpPr>
+          <p:spPr bwMode="auto">
+            <a:xfrm>
+              <a:off x="2771640" y="4149719"/>
+              <a:ext cx="360359" cy="360359"/>
+            </a:xfrm>
+            <a:custGeom>
+              <a:avLst/>
+              <a:gdLst>
+                <a:gd name="f0" fmla="val 0"/>
+                <a:gd name="f1" fmla="val 21600"/>
+              </a:gdLst>
+              <a:ahLst/>
+              <a:cxnLst>
+                <a:cxn ang="3cd4">
+                  <a:pos x="hc" y="t"/>
+                </a:cxn>
+                <a:cxn ang="0">
+                  <a:pos x="r" y="vc"/>
+                </a:cxn>
+                <a:cxn ang="cd4">
+                  <a:pos x="hc" y="b"/>
+                </a:cxn>
+                <a:cxn ang="cd2">
+                  <a:pos x="l" y="vc"/>
+                </a:cxn>
+              </a:cxnLst>
+              <a:rect l="l" t="t" r="r" b="b"/>
+              <a:pathLst>
+                <a:path w="21600" h="21600" extrusionOk="0">
+                  <a:moveTo>
+                    <a:pt x="f0" y="f0"/>
+                  </a:moveTo>
+                  <a:lnTo>
+                    <a:pt x="f1" y="f0"/>
+                  </a:lnTo>
+                  <a:lnTo>
+                    <a:pt x="f1" y="f1"/>
+                  </a:lnTo>
+                  <a:lnTo>
+                    <a:pt x="f0" y="f1"/>
+                  </a:lnTo>
+                  <a:lnTo>
+                    <a:pt x="f0" y="f0"/>
+                  </a:lnTo>
+                  <a:close/>
+                </a:path>
+              </a:pathLst>
+            </a:custGeom>
+            <a:solidFill>
+              <a:srgbClr val="FFFFFF"/>
+            </a:solidFill>
+            <a:ln w="6480">
+              <a:solidFill>
+                <a:srgbClr val="000000"/>
+              </a:solidFill>
+              <a:prstDash val="solid"/>
+              <a:miter/>
+            </a:ln>
+          </p:spPr>
+          <p:txBody>
+            <a:bodyPr vert="horz" wrap="square" lIns="0" tIns="0" rIns="0" bIns="0" anchor="ctr" anchorCtr="0" compatLnSpc="1"/>
+            <a:lstStyle/>
+            <a:p>
+              <a:pPr marL="0" marR="0" lvl="0" indent="0" algn="ctr">
+                <a:lnSpc>
+                  <a:spcPct val="100000"/>
+                </a:lnSpc>
+                <a:spcBef>
+                  <a:spcPts val="873"/>
+                </a:spcBef>
+                <a:spcAft>
+                  <a:spcPts val="0"/>
+                </a:spcAft>
+                <a:buNone/>
+                <a:tabLst>
+                  <a:tab pos="0" algn="l"/>
+                  <a:tab pos="448918" algn="l"/>
+                  <a:tab pos="898199" algn="l"/>
+                  <a:tab pos="1347480" algn="l"/>
+                  <a:tab pos="1796759" algn="l"/>
+                  <a:tab pos="2246040" algn="l"/>
+                  <a:tab pos="2695320" algn="l"/>
+                  <a:tab pos="3144600" algn="l"/>
+                  <a:tab pos="3593880" algn="l"/>
+                  <a:tab pos="4043159" algn="l"/>
+                  <a:tab pos="4492440" algn="l"/>
+                  <a:tab pos="4941719" algn="l"/>
+                  <a:tab pos="5391000" algn="l"/>
+                  <a:tab pos="5840280" algn="l"/>
+                  <a:tab pos="6289560" algn="l"/>
+                  <a:tab pos="6738840" algn="l"/>
+                  <a:tab pos="7188120" algn="l"/>
+                  <a:tab pos="7637400" algn="l"/>
+                  <a:tab pos="8086679" algn="l"/>
+                  <a:tab pos="8535960" algn="l"/>
+                  <a:tab pos="8985240" algn="l"/>
+                </a:tabLst>
+                <a:defRPr/>
+              </a:pPr>
+              <a:endParaRPr dirty="0"/>
+            </a:p>
+          </p:txBody>
+        </p:sp>
+        <p:sp>
+          <p:nvSpPr>
+            <p:cNvPr id="66" name="Forma livre 16">
+              <a:extLst>
+                <a:ext uri="{FF2B5EF4-FFF2-40B4-BE49-F238E27FC236}">
+                  <a16:creationId xmlns:a16="http://schemas.microsoft.com/office/drawing/2014/main" id="{6F31E7E9-A4AF-6F87-22E3-4E3ABF9FE5BB}"/>
+                </a:ext>
+              </a:extLst>
+            </p:cNvPr>
+            <p:cNvSpPr/>
+            <p:nvPr/>
+          </p:nvSpPr>
+          <p:spPr bwMode="auto">
+            <a:xfrm>
+              <a:off x="971640" y="4510079"/>
+              <a:ext cx="360359" cy="360359"/>
+            </a:xfrm>
+            <a:custGeom>
+              <a:avLst/>
+              <a:gdLst>
+                <a:gd name="f0" fmla="val 0"/>
+                <a:gd name="f1" fmla="val 21600"/>
+              </a:gdLst>
+              <a:ahLst/>
+              <a:cxnLst>
+                <a:cxn ang="3cd4">
+                  <a:pos x="hc" y="t"/>
+                </a:cxn>
+                <a:cxn ang="0">
+                  <a:pos x="r" y="vc"/>
+                </a:cxn>
+                <a:cxn ang="cd4">
+                  <a:pos x="hc" y="b"/>
+                </a:cxn>
+                <a:cxn ang="cd2">
+                  <a:pos x="l" y="vc"/>
+                </a:cxn>
+              </a:cxnLst>
+              <a:rect l="l" t="t" r="r" b="b"/>
+              <a:pathLst>
+                <a:path w="21600" h="21600" extrusionOk="0">
+                  <a:moveTo>
+                    <a:pt x="f0" y="f0"/>
+                  </a:moveTo>
+                  <a:lnTo>
+                    <a:pt x="f1" y="f0"/>
+                  </a:lnTo>
+                  <a:lnTo>
+                    <a:pt x="f1" y="f1"/>
+                  </a:lnTo>
+                  <a:lnTo>
+                    <a:pt x="f0" y="f1"/>
+                  </a:lnTo>
+                  <a:lnTo>
+                    <a:pt x="f0" y="f0"/>
+                  </a:lnTo>
+                  <a:close/>
+                </a:path>
+              </a:pathLst>
+            </a:custGeom>
+            <a:solidFill>
+              <a:srgbClr val="FFFFFF"/>
+            </a:solidFill>
+            <a:ln w="6480">
+              <a:solidFill>
+                <a:srgbClr val="000000"/>
+              </a:solidFill>
+              <a:prstDash val="solid"/>
+              <a:miter/>
+            </a:ln>
+          </p:spPr>
+          <p:txBody>
+            <a:bodyPr vert="horz" wrap="square" lIns="0" tIns="0" rIns="0" bIns="0" anchor="ctr" anchorCtr="0" compatLnSpc="1"/>
+            <a:lstStyle/>
+            <a:p>
+              <a:pPr marL="0" marR="0" lvl="0" indent="0" algn="ctr">
+                <a:lnSpc>
+                  <a:spcPct val="100000"/>
+                </a:lnSpc>
+                <a:spcBef>
+                  <a:spcPts val="873"/>
+                </a:spcBef>
+                <a:spcAft>
+                  <a:spcPts val="0"/>
+                </a:spcAft>
+                <a:buNone/>
+                <a:tabLst>
+                  <a:tab pos="0" algn="l"/>
+                  <a:tab pos="448918" algn="l"/>
+                  <a:tab pos="898199" algn="l"/>
+                  <a:tab pos="1347480" algn="l"/>
+                  <a:tab pos="1796759" algn="l"/>
+                  <a:tab pos="2246040" algn="l"/>
+                  <a:tab pos="2695320" algn="l"/>
+                  <a:tab pos="3144600" algn="l"/>
+                  <a:tab pos="3593880" algn="l"/>
+                  <a:tab pos="4043159" algn="l"/>
+                  <a:tab pos="4492440" algn="l"/>
+                  <a:tab pos="4941719" algn="l"/>
+                  <a:tab pos="5391000" algn="l"/>
+                  <a:tab pos="5840280" algn="l"/>
+                  <a:tab pos="6289560" algn="l"/>
+                  <a:tab pos="6738840" algn="l"/>
+                  <a:tab pos="7188120" algn="l"/>
+                  <a:tab pos="7637400" algn="l"/>
+                  <a:tab pos="8086679" algn="l"/>
+                  <a:tab pos="8535960" algn="l"/>
+                  <a:tab pos="8985240" algn="l"/>
+                </a:tabLst>
+                <a:defRPr/>
+              </a:pPr>
+              <a:endParaRPr dirty="0"/>
+            </a:p>
+          </p:txBody>
+        </p:sp>
+        <p:sp>
+          <p:nvSpPr>
+            <p:cNvPr id="67" name="Forma livre 17">
+              <a:extLst>
+                <a:ext uri="{FF2B5EF4-FFF2-40B4-BE49-F238E27FC236}">
+                  <a16:creationId xmlns:a16="http://schemas.microsoft.com/office/drawing/2014/main" id="{D6878EEB-3135-68B1-DBCF-DD7D9AEAD16C}"/>
+                </a:ext>
+              </a:extLst>
+            </p:cNvPr>
+            <p:cNvSpPr/>
+            <p:nvPr/>
+          </p:nvSpPr>
+          <p:spPr bwMode="auto">
+            <a:xfrm>
+              <a:off x="1332000" y="4510079"/>
+              <a:ext cx="360359" cy="360359"/>
+            </a:xfrm>
+            <a:custGeom>
+              <a:avLst/>
+              <a:gdLst>
+                <a:gd name="f0" fmla="val 0"/>
+                <a:gd name="f1" fmla="val 21600"/>
+              </a:gdLst>
+              <a:ahLst/>
+              <a:cxnLst>
+                <a:cxn ang="3cd4">
+                  <a:pos x="hc" y="t"/>
+                </a:cxn>
+                <a:cxn ang="0">
+                  <a:pos x="r" y="vc"/>
+                </a:cxn>
+                <a:cxn ang="cd4">
+                  <a:pos x="hc" y="b"/>
+                </a:cxn>
+                <a:cxn ang="cd2">
+                  <a:pos x="l" y="vc"/>
+                </a:cxn>
+              </a:cxnLst>
+              <a:rect l="l" t="t" r="r" b="b"/>
+              <a:pathLst>
+                <a:path w="21600" h="21600" extrusionOk="0">
+                  <a:moveTo>
+                    <a:pt x="f0" y="f0"/>
+                  </a:moveTo>
+                  <a:lnTo>
+                    <a:pt x="f1" y="f0"/>
+                  </a:lnTo>
+                  <a:lnTo>
+                    <a:pt x="f1" y="f1"/>
+                  </a:lnTo>
+                  <a:lnTo>
+                    <a:pt x="f0" y="f1"/>
+                  </a:lnTo>
+                  <a:lnTo>
+                    <a:pt x="f0" y="f0"/>
+                  </a:lnTo>
+                  <a:close/>
+                </a:path>
+              </a:pathLst>
+            </a:custGeom>
+            <a:solidFill>
+              <a:srgbClr val="FFFFFF"/>
+            </a:solidFill>
+            <a:ln w="6480">
+              <a:solidFill>
+                <a:srgbClr val="000000"/>
+              </a:solidFill>
+              <a:prstDash val="solid"/>
+              <a:miter/>
+            </a:ln>
+          </p:spPr>
+          <p:txBody>
+            <a:bodyPr vert="horz" wrap="square" lIns="0" tIns="0" rIns="0" bIns="0" anchor="ctr" anchorCtr="0" compatLnSpc="1"/>
+            <a:lstStyle/>
+            <a:p>
+              <a:pPr marL="0" marR="0" lvl="0" indent="0" algn="ctr">
+                <a:lnSpc>
+                  <a:spcPct val="100000"/>
+                </a:lnSpc>
+                <a:spcBef>
+                  <a:spcPts val="873"/>
+                </a:spcBef>
+                <a:spcAft>
+                  <a:spcPts val="0"/>
+                </a:spcAft>
+                <a:buNone/>
+                <a:tabLst>
+                  <a:tab pos="0" algn="l"/>
+                  <a:tab pos="448918" algn="l"/>
+                  <a:tab pos="898199" algn="l"/>
+                  <a:tab pos="1347480" algn="l"/>
+                  <a:tab pos="1796759" algn="l"/>
+                  <a:tab pos="2246040" algn="l"/>
+                  <a:tab pos="2695320" algn="l"/>
+                  <a:tab pos="3144600" algn="l"/>
+                  <a:tab pos="3593880" algn="l"/>
+                  <a:tab pos="4043159" algn="l"/>
+                  <a:tab pos="4492440" algn="l"/>
+                  <a:tab pos="4941719" algn="l"/>
+                  <a:tab pos="5391000" algn="l"/>
+                  <a:tab pos="5840280" algn="l"/>
+                  <a:tab pos="6289560" algn="l"/>
+                  <a:tab pos="6738840" algn="l"/>
+                  <a:tab pos="7188120" algn="l"/>
+                  <a:tab pos="7637400" algn="l"/>
+                  <a:tab pos="8086679" algn="l"/>
+                  <a:tab pos="8535960" algn="l"/>
+                  <a:tab pos="8985240" algn="l"/>
+                </a:tabLst>
+                <a:defRPr/>
+              </a:pPr>
+              <a:endParaRPr dirty="0"/>
+            </a:p>
+          </p:txBody>
+        </p:sp>
+        <p:sp>
+          <p:nvSpPr>
+            <p:cNvPr id="68" name="Forma livre 18">
+              <a:extLst>
+                <a:ext uri="{FF2B5EF4-FFF2-40B4-BE49-F238E27FC236}">
+                  <a16:creationId xmlns:a16="http://schemas.microsoft.com/office/drawing/2014/main" id="{C4F3BEBC-A413-E28D-3ACD-6BC78D6D0FAE}"/>
+                </a:ext>
+              </a:extLst>
+            </p:cNvPr>
+            <p:cNvSpPr/>
+            <p:nvPr/>
+          </p:nvSpPr>
+          <p:spPr bwMode="auto">
+            <a:xfrm>
+              <a:off x="1690560" y="4510079"/>
+              <a:ext cx="360359" cy="360359"/>
+            </a:xfrm>
+            <a:custGeom>
+              <a:avLst/>
+              <a:gdLst>
+                <a:gd name="f0" fmla="val 0"/>
+                <a:gd name="f1" fmla="val 21600"/>
+              </a:gdLst>
+              <a:ahLst/>
+              <a:cxnLst>
+                <a:cxn ang="3cd4">
+                  <a:pos x="hc" y="t"/>
+                </a:cxn>
+                <a:cxn ang="0">
+                  <a:pos x="r" y="vc"/>
+                </a:cxn>
+                <a:cxn ang="cd4">
+                  <a:pos x="hc" y="b"/>
+                </a:cxn>
+                <a:cxn ang="cd2">
+                  <a:pos x="l" y="vc"/>
+                </a:cxn>
+              </a:cxnLst>
+              <a:rect l="l" t="t" r="r" b="b"/>
+              <a:pathLst>
+                <a:path w="21600" h="21600" extrusionOk="0">
+                  <a:moveTo>
+                    <a:pt x="f0" y="f0"/>
+                  </a:moveTo>
+                  <a:lnTo>
+                    <a:pt x="f1" y="f0"/>
+                  </a:lnTo>
+                  <a:lnTo>
+                    <a:pt x="f1" y="f1"/>
+                  </a:lnTo>
+                  <a:lnTo>
+                    <a:pt x="f0" y="f1"/>
+                  </a:lnTo>
+                  <a:lnTo>
+                    <a:pt x="f0" y="f0"/>
+                  </a:lnTo>
+                  <a:close/>
+                </a:path>
+              </a:pathLst>
+            </a:custGeom>
+            <a:solidFill>
+              <a:srgbClr val="FFFFFF"/>
+            </a:solidFill>
+            <a:ln w="6480">
+              <a:solidFill>
+                <a:srgbClr val="000000"/>
+              </a:solidFill>
+              <a:prstDash val="solid"/>
+              <a:miter/>
+            </a:ln>
+          </p:spPr>
+          <p:txBody>
+            <a:bodyPr vert="horz" wrap="square" lIns="0" tIns="0" rIns="0" bIns="0" anchor="ctr" anchorCtr="0" compatLnSpc="1"/>
+            <a:lstStyle/>
+            <a:p>
+              <a:pPr marL="0" marR="0" lvl="0" indent="0" algn="ctr">
+                <a:lnSpc>
+                  <a:spcPct val="100000"/>
+                </a:lnSpc>
+                <a:spcBef>
+                  <a:spcPts val="873"/>
+                </a:spcBef>
+                <a:spcAft>
+                  <a:spcPts val="0"/>
+                </a:spcAft>
+                <a:buNone/>
+                <a:tabLst>
+                  <a:tab pos="0" algn="l"/>
+                  <a:tab pos="448918" algn="l"/>
+                  <a:tab pos="898199" algn="l"/>
+                  <a:tab pos="1347480" algn="l"/>
+                  <a:tab pos="1796759" algn="l"/>
+                  <a:tab pos="2246040" algn="l"/>
+                  <a:tab pos="2695320" algn="l"/>
+                  <a:tab pos="3144600" algn="l"/>
+                  <a:tab pos="3593880" algn="l"/>
+                  <a:tab pos="4043159" algn="l"/>
+                  <a:tab pos="4492440" algn="l"/>
+                  <a:tab pos="4941719" algn="l"/>
+                  <a:tab pos="5391000" algn="l"/>
+                  <a:tab pos="5840280" algn="l"/>
+                  <a:tab pos="6289560" algn="l"/>
+                  <a:tab pos="6738840" algn="l"/>
+                  <a:tab pos="7188120" algn="l"/>
+                  <a:tab pos="7637400" algn="l"/>
+                  <a:tab pos="8086679" algn="l"/>
+                  <a:tab pos="8535960" algn="l"/>
+                  <a:tab pos="8985240" algn="l"/>
+                </a:tabLst>
+                <a:defRPr/>
+              </a:pPr>
+              <a:r>
+                <a:rPr lang="en-US" dirty="0"/>
+                <a:t>…</a:t>
+              </a:r>
+              <a:endParaRPr dirty="0"/>
+            </a:p>
+          </p:txBody>
+        </p:sp>
+        <p:sp>
+          <p:nvSpPr>
+            <p:cNvPr id="69" name="Forma livre 19">
+              <a:extLst>
+                <a:ext uri="{FF2B5EF4-FFF2-40B4-BE49-F238E27FC236}">
+                  <a16:creationId xmlns:a16="http://schemas.microsoft.com/office/drawing/2014/main" id="{0690CD84-C680-8C0C-7C9C-19941ADBF610}"/>
+                </a:ext>
+              </a:extLst>
+            </p:cNvPr>
+            <p:cNvSpPr/>
+            <p:nvPr/>
+          </p:nvSpPr>
+          <p:spPr bwMode="auto">
+            <a:xfrm>
+              <a:off x="2050919" y="4510079"/>
+              <a:ext cx="360359" cy="360359"/>
+            </a:xfrm>
+            <a:custGeom>
+              <a:avLst/>
+              <a:gdLst>
+                <a:gd name="f0" fmla="val 0"/>
+                <a:gd name="f1" fmla="val 21600"/>
+              </a:gdLst>
+              <a:ahLst/>
+              <a:cxnLst>
+                <a:cxn ang="3cd4">
+                  <a:pos x="hc" y="t"/>
+                </a:cxn>
+                <a:cxn ang="0">
+                  <a:pos x="r" y="vc"/>
+                </a:cxn>
+                <a:cxn ang="cd4">
+                  <a:pos x="hc" y="b"/>
+                </a:cxn>
+                <a:cxn ang="cd2">
+                  <a:pos x="l" y="vc"/>
+                </a:cxn>
+              </a:cxnLst>
+              <a:rect l="l" t="t" r="r" b="b"/>
+              <a:pathLst>
+                <a:path w="21600" h="21600" extrusionOk="0">
+                  <a:moveTo>
+                    <a:pt x="f0" y="f0"/>
+                  </a:moveTo>
+                  <a:lnTo>
+                    <a:pt x="f1" y="f0"/>
+                  </a:lnTo>
+                  <a:lnTo>
+                    <a:pt x="f1" y="f1"/>
+                  </a:lnTo>
+                  <a:lnTo>
+                    <a:pt x="f0" y="f1"/>
+                  </a:lnTo>
+                  <a:lnTo>
+                    <a:pt x="f0" y="f0"/>
+                  </a:lnTo>
+                  <a:close/>
+                </a:path>
+              </a:pathLst>
+            </a:custGeom>
+            <a:solidFill>
+              <a:srgbClr val="FFFFFF">
+                <a:alpha val="70000"/>
+              </a:srgbClr>
+            </a:solidFill>
+            <a:ln w="6480">
+              <a:solidFill>
+                <a:srgbClr val="000000"/>
+              </a:solidFill>
+              <a:prstDash val="solid"/>
+              <a:miter/>
+            </a:ln>
+          </p:spPr>
+          <p:txBody>
+            <a:bodyPr vert="horz" wrap="square" lIns="0" tIns="0" rIns="0" bIns="0" anchor="ctr" anchorCtr="0" compatLnSpc="1"/>
+            <a:lstStyle/>
+            <a:p>
+              <a:pPr marL="0" marR="0" lvl="0" indent="0" algn="ctr">
+                <a:lnSpc>
+                  <a:spcPct val="100000"/>
+                </a:lnSpc>
+                <a:spcBef>
+                  <a:spcPts val="873"/>
+                </a:spcBef>
+                <a:spcAft>
+                  <a:spcPts val="0"/>
+                </a:spcAft>
+                <a:buNone/>
+                <a:tabLst>
+                  <a:tab pos="0" algn="l"/>
+                  <a:tab pos="448918" algn="l"/>
+                  <a:tab pos="898199" algn="l"/>
+                  <a:tab pos="1347480" algn="l"/>
+                  <a:tab pos="1796759" algn="l"/>
+                  <a:tab pos="2246040" algn="l"/>
+                  <a:tab pos="2695320" algn="l"/>
+                  <a:tab pos="3144600" algn="l"/>
+                  <a:tab pos="3593880" algn="l"/>
+                  <a:tab pos="4043159" algn="l"/>
+                  <a:tab pos="4492440" algn="l"/>
+                  <a:tab pos="4941719" algn="l"/>
+                  <a:tab pos="5391000" algn="l"/>
+                  <a:tab pos="5840280" algn="l"/>
+                  <a:tab pos="6289560" algn="l"/>
+                  <a:tab pos="6738840" algn="l"/>
+                  <a:tab pos="7188120" algn="l"/>
+                  <a:tab pos="7637400" algn="l"/>
+                  <a:tab pos="8086679" algn="l"/>
+                  <a:tab pos="8535960" algn="l"/>
+                  <a:tab pos="8985240" algn="l"/>
+                </a:tabLst>
+                <a:defRPr/>
+              </a:pPr>
+              <a:endParaRPr dirty="0"/>
+            </a:p>
+          </p:txBody>
+        </p:sp>
+        <p:sp>
+          <p:nvSpPr>
+            <p:cNvPr id="70" name="Forma livre 20">
+              <a:extLst>
+                <a:ext uri="{FF2B5EF4-FFF2-40B4-BE49-F238E27FC236}">
+                  <a16:creationId xmlns:a16="http://schemas.microsoft.com/office/drawing/2014/main" id="{8D70E2F8-DD27-2800-CD79-CD44E9EDC578}"/>
+                </a:ext>
+              </a:extLst>
+            </p:cNvPr>
+            <p:cNvSpPr/>
+            <p:nvPr/>
+          </p:nvSpPr>
+          <p:spPr bwMode="auto">
+            <a:xfrm>
+              <a:off x="2411280" y="4510079"/>
+              <a:ext cx="360359" cy="360359"/>
+            </a:xfrm>
+            <a:custGeom>
+              <a:avLst/>
+              <a:gdLst>
+                <a:gd name="f0" fmla="val 0"/>
+                <a:gd name="f1" fmla="val 21600"/>
+              </a:gdLst>
+              <a:ahLst/>
+              <a:cxnLst>
+                <a:cxn ang="3cd4">
+                  <a:pos x="hc" y="t"/>
+                </a:cxn>
+                <a:cxn ang="0">
+                  <a:pos x="r" y="vc"/>
+                </a:cxn>
+                <a:cxn ang="cd4">
+                  <a:pos x="hc" y="b"/>
+                </a:cxn>
+                <a:cxn ang="cd2">
+                  <a:pos x="l" y="vc"/>
+                </a:cxn>
+              </a:cxnLst>
+              <a:rect l="l" t="t" r="r" b="b"/>
+              <a:pathLst>
+                <a:path w="21600" h="21600" extrusionOk="0">
+                  <a:moveTo>
+                    <a:pt x="f0" y="f0"/>
+                  </a:moveTo>
+                  <a:lnTo>
+                    <a:pt x="f1" y="f0"/>
+                  </a:lnTo>
+                  <a:lnTo>
+                    <a:pt x="f1" y="f1"/>
+                  </a:lnTo>
+                  <a:lnTo>
+                    <a:pt x="f0" y="f1"/>
+                  </a:lnTo>
+                  <a:lnTo>
+                    <a:pt x="f0" y="f0"/>
+                  </a:lnTo>
+                  <a:close/>
+                </a:path>
+              </a:pathLst>
+            </a:custGeom>
+            <a:solidFill>
+              <a:srgbClr val="FFFFFF"/>
+            </a:solidFill>
+            <a:ln w="6480">
+              <a:solidFill>
+                <a:srgbClr val="000000"/>
+              </a:solidFill>
+              <a:prstDash val="solid"/>
+              <a:miter/>
+            </a:ln>
+          </p:spPr>
+          <p:txBody>
+            <a:bodyPr vert="horz" wrap="square" lIns="0" tIns="0" rIns="0" bIns="0" anchor="ctr" anchorCtr="0" compatLnSpc="1"/>
+            <a:lstStyle/>
+            <a:p>
+              <a:pPr marL="0" marR="0" lvl="0" indent="0" algn="ctr">
+                <a:lnSpc>
+                  <a:spcPct val="100000"/>
+                </a:lnSpc>
+                <a:spcBef>
+                  <a:spcPts val="873"/>
+                </a:spcBef>
+                <a:spcAft>
+                  <a:spcPts val="0"/>
+                </a:spcAft>
+                <a:buNone/>
+                <a:tabLst>
+                  <a:tab pos="0" algn="l"/>
+                  <a:tab pos="448918" algn="l"/>
+                  <a:tab pos="898199" algn="l"/>
+                  <a:tab pos="1347480" algn="l"/>
+                  <a:tab pos="1796759" algn="l"/>
+                  <a:tab pos="2246040" algn="l"/>
+                  <a:tab pos="2695320" algn="l"/>
+                  <a:tab pos="3144600" algn="l"/>
+                  <a:tab pos="3593880" algn="l"/>
+                  <a:tab pos="4043159" algn="l"/>
+                  <a:tab pos="4492440" algn="l"/>
+                  <a:tab pos="4941719" algn="l"/>
+                  <a:tab pos="5391000" algn="l"/>
+                  <a:tab pos="5840280" algn="l"/>
+                  <a:tab pos="6289560" algn="l"/>
+                  <a:tab pos="6738840" algn="l"/>
+                  <a:tab pos="7188120" algn="l"/>
+                  <a:tab pos="7637400" algn="l"/>
+                  <a:tab pos="8086679" algn="l"/>
+                  <a:tab pos="8535960" algn="l"/>
+                  <a:tab pos="8985240" algn="l"/>
+                </a:tabLst>
+                <a:defRPr/>
+              </a:pPr>
+              <a:endParaRPr dirty="0"/>
+            </a:p>
+          </p:txBody>
+        </p:sp>
+        <p:sp>
+          <p:nvSpPr>
+            <p:cNvPr id="71" name="Forma livre 21">
+              <a:extLst>
+                <a:ext uri="{FF2B5EF4-FFF2-40B4-BE49-F238E27FC236}">
+                  <a16:creationId xmlns:a16="http://schemas.microsoft.com/office/drawing/2014/main" id="{327AC62D-83C1-665C-35CF-0EC38E637EEA}"/>
+                </a:ext>
+              </a:extLst>
+            </p:cNvPr>
+            <p:cNvSpPr/>
+            <p:nvPr/>
+          </p:nvSpPr>
+          <p:spPr bwMode="auto">
+            <a:xfrm>
+              <a:off x="2771640" y="4510079"/>
+              <a:ext cx="360359" cy="360359"/>
+            </a:xfrm>
+            <a:custGeom>
+              <a:avLst/>
+              <a:gdLst>
+                <a:gd name="f0" fmla="val 0"/>
+                <a:gd name="f1" fmla="val 21600"/>
+              </a:gdLst>
+              <a:ahLst/>
+              <a:cxnLst>
+                <a:cxn ang="3cd4">
+                  <a:pos x="hc" y="t"/>
+                </a:cxn>
+                <a:cxn ang="0">
+                  <a:pos x="r" y="vc"/>
+                </a:cxn>
+                <a:cxn ang="cd4">
+                  <a:pos x="hc" y="b"/>
+                </a:cxn>
+                <a:cxn ang="cd2">
+                  <a:pos x="l" y="vc"/>
+                </a:cxn>
+              </a:cxnLst>
+              <a:rect l="l" t="t" r="r" b="b"/>
+              <a:pathLst>
+                <a:path w="21600" h="21600" extrusionOk="0">
+                  <a:moveTo>
+                    <a:pt x="f0" y="f0"/>
+                  </a:moveTo>
+                  <a:lnTo>
+                    <a:pt x="f1" y="f0"/>
+                  </a:lnTo>
+                  <a:lnTo>
+                    <a:pt x="f1" y="f1"/>
+                  </a:lnTo>
+                  <a:lnTo>
+                    <a:pt x="f0" y="f1"/>
+                  </a:lnTo>
+                  <a:lnTo>
+                    <a:pt x="f0" y="f0"/>
+                  </a:lnTo>
+                  <a:close/>
+                </a:path>
+              </a:pathLst>
+            </a:custGeom>
+            <a:solidFill>
+              <a:srgbClr val="FFFFFF"/>
+            </a:solidFill>
+            <a:ln w="6480">
+              <a:solidFill>
+                <a:srgbClr val="000000"/>
+              </a:solidFill>
+              <a:prstDash val="solid"/>
+              <a:miter/>
+            </a:ln>
+          </p:spPr>
+          <p:txBody>
+            <a:bodyPr vert="horz" wrap="square" lIns="0" tIns="0" rIns="0" bIns="0" anchor="ctr" anchorCtr="0" compatLnSpc="1"/>
+            <a:lstStyle/>
+            <a:p>
+              <a:pPr marL="0" marR="0" lvl="0" indent="0" algn="ctr">
+                <a:lnSpc>
+                  <a:spcPct val="100000"/>
+                </a:lnSpc>
+                <a:spcBef>
+                  <a:spcPts val="873"/>
+                </a:spcBef>
+                <a:spcAft>
+                  <a:spcPts val="0"/>
+                </a:spcAft>
+                <a:buNone/>
+                <a:tabLst>
+                  <a:tab pos="0" algn="l"/>
+                  <a:tab pos="448918" algn="l"/>
+                  <a:tab pos="898199" algn="l"/>
+                  <a:tab pos="1347480" algn="l"/>
+                  <a:tab pos="1796759" algn="l"/>
+                  <a:tab pos="2246040" algn="l"/>
+                  <a:tab pos="2695320" algn="l"/>
+                  <a:tab pos="3144600" algn="l"/>
+                  <a:tab pos="3593880" algn="l"/>
+                  <a:tab pos="4043159" algn="l"/>
+                  <a:tab pos="4492440" algn="l"/>
+                  <a:tab pos="4941719" algn="l"/>
+                  <a:tab pos="5391000" algn="l"/>
+                  <a:tab pos="5840280" algn="l"/>
+                  <a:tab pos="6289560" algn="l"/>
+                  <a:tab pos="6738840" algn="l"/>
+                  <a:tab pos="7188120" algn="l"/>
+                  <a:tab pos="7637400" algn="l"/>
+                  <a:tab pos="8086679" algn="l"/>
+                  <a:tab pos="8535960" algn="l"/>
+                  <a:tab pos="8985240" algn="l"/>
+                </a:tabLst>
+                <a:defRPr/>
+              </a:pPr>
+              <a:endParaRPr dirty="0"/>
+            </a:p>
+          </p:txBody>
+        </p:sp>
+        <p:sp>
+          <p:nvSpPr>
+            <p:cNvPr id="72" name="Forma livre 22">
+              <a:extLst>
+                <a:ext uri="{FF2B5EF4-FFF2-40B4-BE49-F238E27FC236}">
+                  <a16:creationId xmlns:a16="http://schemas.microsoft.com/office/drawing/2014/main" id="{E42B1D61-9999-FB60-595C-15971017D1F2}"/>
+                </a:ext>
+              </a:extLst>
+            </p:cNvPr>
+            <p:cNvSpPr/>
+            <p:nvPr/>
+          </p:nvSpPr>
+          <p:spPr bwMode="auto">
+            <a:xfrm>
+              <a:off x="971640" y="4870440"/>
+              <a:ext cx="360359" cy="360359"/>
+            </a:xfrm>
+            <a:custGeom>
+              <a:avLst/>
+              <a:gdLst>
+                <a:gd name="f0" fmla="val 0"/>
+                <a:gd name="f1" fmla="val 21600"/>
+              </a:gdLst>
+              <a:ahLst/>
+              <a:cxnLst>
+                <a:cxn ang="3cd4">
+                  <a:pos x="hc" y="t"/>
+                </a:cxn>
+                <a:cxn ang="0">
+                  <a:pos x="r" y="vc"/>
+                </a:cxn>
+                <a:cxn ang="cd4">
+                  <a:pos x="hc" y="b"/>
+                </a:cxn>
+                <a:cxn ang="cd2">
+                  <a:pos x="l" y="vc"/>
+                </a:cxn>
+              </a:cxnLst>
+              <a:rect l="l" t="t" r="r" b="b"/>
+              <a:pathLst>
+                <a:path w="21600" h="21600" extrusionOk="0">
+                  <a:moveTo>
+                    <a:pt x="f0" y="f0"/>
+                  </a:moveTo>
+                  <a:lnTo>
+                    <a:pt x="f1" y="f0"/>
+                  </a:lnTo>
+                  <a:lnTo>
+                    <a:pt x="f1" y="f1"/>
+                  </a:lnTo>
+                  <a:lnTo>
+                    <a:pt x="f0" y="f1"/>
+                  </a:lnTo>
+                  <a:lnTo>
+                    <a:pt x="f0" y="f0"/>
+                  </a:lnTo>
+                  <a:close/>
+                </a:path>
+              </a:pathLst>
+            </a:custGeom>
+            <a:solidFill>
+              <a:srgbClr val="FFFFFF"/>
+            </a:solidFill>
+            <a:ln w="6480">
+              <a:solidFill>
+                <a:srgbClr val="000000"/>
+              </a:solidFill>
+              <a:prstDash val="solid"/>
+              <a:miter/>
+            </a:ln>
+          </p:spPr>
+          <p:txBody>
+            <a:bodyPr vert="horz" wrap="square" lIns="0" tIns="0" rIns="0" bIns="0" anchor="ctr" anchorCtr="0" compatLnSpc="1"/>
+            <a:lstStyle/>
+            <a:p>
+              <a:pPr marL="0" marR="0" lvl="0" indent="0" algn="ctr">
+                <a:lnSpc>
+                  <a:spcPct val="100000"/>
+                </a:lnSpc>
+                <a:spcBef>
+                  <a:spcPts val="873"/>
+                </a:spcBef>
+                <a:spcAft>
+                  <a:spcPts val="0"/>
+                </a:spcAft>
+                <a:buNone/>
+                <a:tabLst>
+                  <a:tab pos="0" algn="l"/>
+                  <a:tab pos="448918" algn="l"/>
+                  <a:tab pos="898199" algn="l"/>
+                  <a:tab pos="1347480" algn="l"/>
+                  <a:tab pos="1796759" algn="l"/>
+                  <a:tab pos="2246040" algn="l"/>
+                  <a:tab pos="2695320" algn="l"/>
+                  <a:tab pos="3144600" algn="l"/>
+                  <a:tab pos="3593880" algn="l"/>
+                  <a:tab pos="4043159" algn="l"/>
+                  <a:tab pos="4492440" algn="l"/>
+                  <a:tab pos="4941719" algn="l"/>
+                  <a:tab pos="5391000" algn="l"/>
+                  <a:tab pos="5840280" algn="l"/>
+                  <a:tab pos="6289560" algn="l"/>
+                  <a:tab pos="6738840" algn="l"/>
+                  <a:tab pos="7188120" algn="l"/>
+                  <a:tab pos="7637400" algn="l"/>
+                  <a:tab pos="8086679" algn="l"/>
+                  <a:tab pos="8535960" algn="l"/>
+                  <a:tab pos="8985240" algn="l"/>
+                </a:tabLst>
+                <a:defRPr/>
+              </a:pPr>
+              <a:endParaRPr dirty="0"/>
+            </a:p>
+          </p:txBody>
+        </p:sp>
+        <p:sp>
+          <p:nvSpPr>
+            <p:cNvPr id="73" name="Forma livre 23">
+              <a:extLst>
+                <a:ext uri="{FF2B5EF4-FFF2-40B4-BE49-F238E27FC236}">
+                  <a16:creationId xmlns:a16="http://schemas.microsoft.com/office/drawing/2014/main" id="{E71CDCEA-E952-D04D-F20F-F73DD5F0CB12}"/>
+                </a:ext>
+              </a:extLst>
+            </p:cNvPr>
+            <p:cNvSpPr/>
+            <p:nvPr/>
+          </p:nvSpPr>
+          <p:spPr bwMode="auto">
+            <a:xfrm>
+              <a:off x="1332000" y="4870440"/>
+              <a:ext cx="360359" cy="360359"/>
+            </a:xfrm>
+            <a:custGeom>
+              <a:avLst/>
+              <a:gdLst>
+                <a:gd name="f0" fmla="val 0"/>
+                <a:gd name="f1" fmla="val 21600"/>
+              </a:gdLst>
+              <a:ahLst/>
+              <a:cxnLst>
+                <a:cxn ang="3cd4">
+                  <a:pos x="hc" y="t"/>
+                </a:cxn>
+                <a:cxn ang="0">
+                  <a:pos x="r" y="vc"/>
+                </a:cxn>
+                <a:cxn ang="cd4">
+                  <a:pos x="hc" y="b"/>
+                </a:cxn>
+                <a:cxn ang="cd2">
+                  <a:pos x="l" y="vc"/>
+                </a:cxn>
+              </a:cxnLst>
+              <a:rect l="l" t="t" r="r" b="b"/>
+              <a:pathLst>
+                <a:path w="21600" h="21600" extrusionOk="0">
+                  <a:moveTo>
+                    <a:pt x="f0" y="f0"/>
+                  </a:moveTo>
+                  <a:lnTo>
+                    <a:pt x="f1" y="f0"/>
+                  </a:lnTo>
+                  <a:lnTo>
+                    <a:pt x="f1" y="f1"/>
+                  </a:lnTo>
+                  <a:lnTo>
+                    <a:pt x="f0" y="f1"/>
+                  </a:lnTo>
+                  <a:lnTo>
+                    <a:pt x="f0" y="f0"/>
+                  </a:lnTo>
+                  <a:close/>
+                </a:path>
+              </a:pathLst>
+            </a:custGeom>
+            <a:solidFill>
+              <a:srgbClr val="FFFFFF"/>
+            </a:solidFill>
+            <a:ln w="6480">
+              <a:solidFill>
+                <a:srgbClr val="000000"/>
+              </a:solidFill>
+              <a:prstDash val="solid"/>
+              <a:miter/>
+            </a:ln>
+          </p:spPr>
+          <p:txBody>
+            <a:bodyPr vert="horz" wrap="square" lIns="0" tIns="0" rIns="0" bIns="0" anchor="ctr" anchorCtr="0" compatLnSpc="1"/>
+            <a:lstStyle/>
+            <a:p>
+              <a:pPr marL="0" marR="0" lvl="0" indent="0" algn="ctr">
+                <a:lnSpc>
+                  <a:spcPct val="100000"/>
+                </a:lnSpc>
+                <a:spcBef>
+                  <a:spcPts val="873"/>
+                </a:spcBef>
+                <a:spcAft>
+                  <a:spcPts val="0"/>
+                </a:spcAft>
+                <a:buNone/>
+                <a:tabLst>
+                  <a:tab pos="0" algn="l"/>
+                  <a:tab pos="448918" algn="l"/>
+                  <a:tab pos="898199" algn="l"/>
+                  <a:tab pos="1347480" algn="l"/>
+                  <a:tab pos="1796759" algn="l"/>
+                  <a:tab pos="2246040" algn="l"/>
+                  <a:tab pos="2695320" algn="l"/>
+                  <a:tab pos="3144600" algn="l"/>
+                  <a:tab pos="3593880" algn="l"/>
+                  <a:tab pos="4043159" algn="l"/>
+                  <a:tab pos="4492440" algn="l"/>
+                  <a:tab pos="4941719" algn="l"/>
+                  <a:tab pos="5391000" algn="l"/>
+                  <a:tab pos="5840280" algn="l"/>
+                  <a:tab pos="6289560" algn="l"/>
+                  <a:tab pos="6738840" algn="l"/>
+                  <a:tab pos="7188120" algn="l"/>
+                  <a:tab pos="7637400" algn="l"/>
+                  <a:tab pos="8086679" algn="l"/>
+                  <a:tab pos="8535960" algn="l"/>
+                  <a:tab pos="8985240" algn="l"/>
+                </a:tabLst>
+                <a:defRPr/>
+              </a:pPr>
+              <a:endParaRPr dirty="0"/>
+            </a:p>
+          </p:txBody>
+        </p:sp>
+        <p:sp>
+          <p:nvSpPr>
+            <p:cNvPr id="74" name="Forma livre 24">
+              <a:extLst>
+                <a:ext uri="{FF2B5EF4-FFF2-40B4-BE49-F238E27FC236}">
+                  <a16:creationId xmlns:a16="http://schemas.microsoft.com/office/drawing/2014/main" id="{00E5D3F0-88B1-1072-7E77-02A83E73C04E}"/>
+                </a:ext>
+              </a:extLst>
+            </p:cNvPr>
+            <p:cNvSpPr/>
+            <p:nvPr/>
+          </p:nvSpPr>
+          <p:spPr bwMode="auto">
+            <a:xfrm>
+              <a:off x="1690560" y="4870440"/>
+              <a:ext cx="360359" cy="360359"/>
+            </a:xfrm>
+            <a:custGeom>
+              <a:avLst/>
+              <a:gdLst>
+                <a:gd name="f0" fmla="val 0"/>
+                <a:gd name="f1" fmla="val 21600"/>
+              </a:gdLst>
+              <a:ahLst/>
+              <a:cxnLst>
+                <a:cxn ang="3cd4">
+                  <a:pos x="hc" y="t"/>
+                </a:cxn>
+                <a:cxn ang="0">
+                  <a:pos x="r" y="vc"/>
+                </a:cxn>
+                <a:cxn ang="cd4">
+                  <a:pos x="hc" y="b"/>
+                </a:cxn>
+                <a:cxn ang="cd2">
+                  <a:pos x="l" y="vc"/>
+                </a:cxn>
+              </a:cxnLst>
+              <a:rect l="l" t="t" r="r" b="b"/>
+              <a:pathLst>
+                <a:path w="21600" h="21600" extrusionOk="0">
+                  <a:moveTo>
+                    <a:pt x="f0" y="f0"/>
+                  </a:moveTo>
+                  <a:lnTo>
+                    <a:pt x="f1" y="f0"/>
+                  </a:lnTo>
+                  <a:lnTo>
+                    <a:pt x="f1" y="f1"/>
+                  </a:lnTo>
+                  <a:lnTo>
+                    <a:pt x="f0" y="f1"/>
+                  </a:lnTo>
+                  <a:lnTo>
+                    <a:pt x="f0" y="f0"/>
+                  </a:lnTo>
+                  <a:close/>
+                </a:path>
+              </a:pathLst>
+            </a:custGeom>
+            <a:solidFill>
+              <a:srgbClr val="FFFFFF"/>
+            </a:solidFill>
+            <a:ln w="6480">
+              <a:solidFill>
+                <a:srgbClr val="000000"/>
+              </a:solidFill>
+              <a:prstDash val="solid"/>
+              <a:miter/>
+            </a:ln>
+          </p:spPr>
+          <p:txBody>
+            <a:bodyPr vert="horz" wrap="square" lIns="0" tIns="0" rIns="0" bIns="0" anchor="ctr" anchorCtr="0" compatLnSpc="1"/>
+            <a:lstStyle/>
+            <a:p>
+              <a:pPr marL="0" marR="0" lvl="0" indent="0" algn="ctr">
+                <a:lnSpc>
+                  <a:spcPct val="100000"/>
+                </a:lnSpc>
+                <a:spcBef>
+                  <a:spcPts val="873"/>
+                </a:spcBef>
+                <a:spcAft>
+                  <a:spcPts val="0"/>
+                </a:spcAft>
+                <a:buNone/>
+                <a:tabLst>
+                  <a:tab pos="0" algn="l"/>
+                  <a:tab pos="448918" algn="l"/>
+                  <a:tab pos="898199" algn="l"/>
+                  <a:tab pos="1347480" algn="l"/>
+                  <a:tab pos="1796759" algn="l"/>
+                  <a:tab pos="2246040" algn="l"/>
+                  <a:tab pos="2695320" algn="l"/>
+                  <a:tab pos="3144600" algn="l"/>
+                  <a:tab pos="3593880" algn="l"/>
+                  <a:tab pos="4043159" algn="l"/>
+                  <a:tab pos="4492440" algn="l"/>
+                  <a:tab pos="4941719" algn="l"/>
+                  <a:tab pos="5391000" algn="l"/>
+                  <a:tab pos="5840280" algn="l"/>
+                  <a:tab pos="6289560" algn="l"/>
+                  <a:tab pos="6738840" algn="l"/>
+                  <a:tab pos="7188120" algn="l"/>
+                  <a:tab pos="7637400" algn="l"/>
+                  <a:tab pos="8086679" algn="l"/>
+                  <a:tab pos="8535960" algn="l"/>
+                  <a:tab pos="8985240" algn="l"/>
+                </a:tabLst>
+                <a:defRPr/>
+              </a:pPr>
+              <a:endParaRPr dirty="0"/>
+            </a:p>
+          </p:txBody>
+        </p:sp>
+        <p:sp>
+          <p:nvSpPr>
+            <p:cNvPr id="75" name="Forma livre 25">
+              <a:extLst>
+                <a:ext uri="{FF2B5EF4-FFF2-40B4-BE49-F238E27FC236}">
+                  <a16:creationId xmlns:a16="http://schemas.microsoft.com/office/drawing/2014/main" id="{1A126CBA-0F4C-6D59-20CC-8F045DBC7F13}"/>
+                </a:ext>
+              </a:extLst>
+            </p:cNvPr>
+            <p:cNvSpPr/>
+            <p:nvPr/>
+          </p:nvSpPr>
+          <p:spPr bwMode="auto">
+            <a:xfrm>
+              <a:off x="2411280" y="4870440"/>
+              <a:ext cx="360359" cy="360359"/>
+            </a:xfrm>
+            <a:custGeom>
+              <a:avLst/>
+              <a:gdLst>
+                <a:gd name="f0" fmla="val 0"/>
+                <a:gd name="f1" fmla="val 21600"/>
+              </a:gdLst>
+              <a:ahLst/>
+              <a:cxnLst>
+                <a:cxn ang="3cd4">
+                  <a:pos x="hc" y="t"/>
+                </a:cxn>
+                <a:cxn ang="0">
+                  <a:pos x="r" y="vc"/>
+                </a:cxn>
+                <a:cxn ang="cd4">
+                  <a:pos x="hc" y="b"/>
+                </a:cxn>
+                <a:cxn ang="cd2">
+                  <a:pos x="l" y="vc"/>
+                </a:cxn>
+              </a:cxnLst>
+              <a:rect l="l" t="t" r="r" b="b"/>
+              <a:pathLst>
+                <a:path w="21600" h="21600" extrusionOk="0">
+                  <a:moveTo>
+                    <a:pt x="f0" y="f0"/>
+                  </a:moveTo>
+                  <a:lnTo>
+                    <a:pt x="f1" y="f0"/>
+                  </a:lnTo>
+                  <a:lnTo>
+                    <a:pt x="f1" y="f1"/>
+                  </a:lnTo>
+                  <a:lnTo>
+                    <a:pt x="f0" y="f1"/>
+                  </a:lnTo>
+                  <a:lnTo>
+                    <a:pt x="f0" y="f0"/>
+                  </a:lnTo>
+                  <a:close/>
+                </a:path>
+              </a:pathLst>
+            </a:custGeom>
+            <a:solidFill>
+              <a:srgbClr val="FFFFFF"/>
+            </a:solidFill>
+            <a:ln w="6480">
+              <a:solidFill>
+                <a:srgbClr val="000000"/>
+              </a:solidFill>
+              <a:prstDash val="solid"/>
+              <a:miter/>
+            </a:ln>
+          </p:spPr>
+          <p:txBody>
+            <a:bodyPr vert="horz" wrap="square" lIns="0" tIns="0" rIns="0" bIns="0" anchor="ctr" anchorCtr="0" compatLnSpc="1"/>
+            <a:lstStyle/>
+            <a:p>
+              <a:pPr marL="0" marR="0" lvl="0" indent="0" algn="ctr">
+                <a:lnSpc>
+                  <a:spcPct val="100000"/>
+                </a:lnSpc>
+                <a:spcBef>
+                  <a:spcPts val="873"/>
+                </a:spcBef>
+                <a:spcAft>
+                  <a:spcPts val="0"/>
+                </a:spcAft>
+                <a:buNone/>
+                <a:tabLst>
+                  <a:tab pos="0" algn="l"/>
+                  <a:tab pos="448918" algn="l"/>
+                  <a:tab pos="898199" algn="l"/>
+                  <a:tab pos="1347480" algn="l"/>
+                  <a:tab pos="1796759" algn="l"/>
+                  <a:tab pos="2246040" algn="l"/>
+                  <a:tab pos="2695320" algn="l"/>
+                  <a:tab pos="3144600" algn="l"/>
+                  <a:tab pos="3593880" algn="l"/>
+                  <a:tab pos="4043159" algn="l"/>
+                  <a:tab pos="4492440" algn="l"/>
+                  <a:tab pos="4941719" algn="l"/>
+                  <a:tab pos="5391000" algn="l"/>
+                  <a:tab pos="5840280" algn="l"/>
+                  <a:tab pos="6289560" algn="l"/>
+                  <a:tab pos="6738840" algn="l"/>
+                  <a:tab pos="7188120" algn="l"/>
+                  <a:tab pos="7637400" algn="l"/>
+                  <a:tab pos="8086679" algn="l"/>
+                  <a:tab pos="8535960" algn="l"/>
+                  <a:tab pos="8985240" algn="l"/>
+                </a:tabLst>
+                <a:defRPr/>
+              </a:pPr>
+              <a:endParaRPr dirty="0"/>
+            </a:p>
+          </p:txBody>
+        </p:sp>
+        <p:sp>
+          <p:nvSpPr>
+            <p:cNvPr id="76" name="Forma livre 26">
+              <a:extLst>
+                <a:ext uri="{FF2B5EF4-FFF2-40B4-BE49-F238E27FC236}">
+                  <a16:creationId xmlns:a16="http://schemas.microsoft.com/office/drawing/2014/main" id="{8CC72219-4E6B-49A6-B620-8E594660BEB8}"/>
+                </a:ext>
+              </a:extLst>
+            </p:cNvPr>
+            <p:cNvSpPr/>
+            <p:nvPr/>
+          </p:nvSpPr>
+          <p:spPr bwMode="auto">
+            <a:xfrm>
+              <a:off x="2050919" y="4870440"/>
+              <a:ext cx="360359" cy="360359"/>
+            </a:xfrm>
+            <a:custGeom>
+              <a:avLst/>
+              <a:gdLst>
+                <a:gd name="f0" fmla="val 0"/>
+                <a:gd name="f1" fmla="val 21600"/>
+              </a:gdLst>
+              <a:ahLst/>
+              <a:cxnLst>
+                <a:cxn ang="3cd4">
+                  <a:pos x="hc" y="t"/>
+                </a:cxn>
+                <a:cxn ang="0">
+                  <a:pos x="r" y="vc"/>
+                </a:cxn>
+                <a:cxn ang="cd4">
+                  <a:pos x="hc" y="b"/>
+                </a:cxn>
+                <a:cxn ang="cd2">
+                  <a:pos x="l" y="vc"/>
+                </a:cxn>
+              </a:cxnLst>
+              <a:rect l="l" t="t" r="r" b="b"/>
+              <a:pathLst>
+                <a:path w="21600" h="21600" extrusionOk="0">
+                  <a:moveTo>
+                    <a:pt x="f0" y="f0"/>
+                  </a:moveTo>
+                  <a:lnTo>
+                    <a:pt x="f1" y="f0"/>
+                  </a:lnTo>
+                  <a:lnTo>
+                    <a:pt x="f1" y="f1"/>
+                  </a:lnTo>
+                  <a:lnTo>
+                    <a:pt x="f0" y="f1"/>
+                  </a:lnTo>
+                  <a:lnTo>
+                    <a:pt x="f0" y="f0"/>
+                  </a:lnTo>
+                  <a:close/>
+                </a:path>
+              </a:pathLst>
+            </a:custGeom>
+            <a:solidFill>
+              <a:srgbClr val="FFFFFF"/>
+            </a:solidFill>
+            <a:ln w="6480">
+              <a:solidFill>
+                <a:srgbClr val="000000"/>
+              </a:solidFill>
+              <a:prstDash val="solid"/>
+              <a:miter/>
+            </a:ln>
+          </p:spPr>
+          <p:txBody>
+            <a:bodyPr vert="horz" wrap="square" lIns="0" tIns="0" rIns="0" bIns="0" anchor="ctr" anchorCtr="0" compatLnSpc="1"/>
+            <a:lstStyle/>
+            <a:p>
+              <a:pPr marL="0" marR="0" lvl="0" indent="0" algn="ctr">
+                <a:lnSpc>
+                  <a:spcPct val="100000"/>
+                </a:lnSpc>
+                <a:spcBef>
+                  <a:spcPts val="873"/>
+                </a:spcBef>
+                <a:spcAft>
+                  <a:spcPts val="0"/>
+                </a:spcAft>
+                <a:buNone/>
+                <a:tabLst>
+                  <a:tab pos="0" algn="l"/>
+                  <a:tab pos="448918" algn="l"/>
+                  <a:tab pos="898199" algn="l"/>
+                  <a:tab pos="1347480" algn="l"/>
+                  <a:tab pos="1796759" algn="l"/>
+                  <a:tab pos="2246040" algn="l"/>
+                  <a:tab pos="2695320" algn="l"/>
+                  <a:tab pos="3144600" algn="l"/>
+                  <a:tab pos="3593880" algn="l"/>
+                  <a:tab pos="4043159" algn="l"/>
+                  <a:tab pos="4492440" algn="l"/>
+                  <a:tab pos="4941719" algn="l"/>
+                  <a:tab pos="5391000" algn="l"/>
+                  <a:tab pos="5840280" algn="l"/>
+                  <a:tab pos="6289560" algn="l"/>
+                  <a:tab pos="6738840" algn="l"/>
+                  <a:tab pos="7188120" algn="l"/>
+                  <a:tab pos="7637400" algn="l"/>
+                  <a:tab pos="8086679" algn="l"/>
+                  <a:tab pos="8535960" algn="l"/>
+                  <a:tab pos="8985240" algn="l"/>
+                </a:tabLst>
+                <a:defRPr/>
+              </a:pPr>
+              <a:endParaRPr dirty="0"/>
+            </a:p>
+          </p:txBody>
+        </p:sp>
+        <p:sp>
+          <p:nvSpPr>
+            <p:cNvPr id="77" name="Forma livre 27">
+              <a:extLst>
+                <a:ext uri="{FF2B5EF4-FFF2-40B4-BE49-F238E27FC236}">
+                  <a16:creationId xmlns:a16="http://schemas.microsoft.com/office/drawing/2014/main" id="{CD3CE061-B51C-658E-D34F-1FDBA00C7A5C}"/>
+                </a:ext>
+              </a:extLst>
+            </p:cNvPr>
+            <p:cNvSpPr/>
+            <p:nvPr/>
+          </p:nvSpPr>
+          <p:spPr bwMode="auto">
+            <a:xfrm>
+              <a:off x="2771640" y="4870440"/>
+              <a:ext cx="360359" cy="360359"/>
+            </a:xfrm>
+            <a:custGeom>
+              <a:avLst/>
+              <a:gdLst>
+                <a:gd name="f0" fmla="val 0"/>
+                <a:gd name="f1" fmla="val 21600"/>
+              </a:gdLst>
+              <a:ahLst/>
+              <a:cxnLst>
+                <a:cxn ang="3cd4">
+                  <a:pos x="hc" y="t"/>
+                </a:cxn>
+                <a:cxn ang="0">
+                  <a:pos x="r" y="vc"/>
+                </a:cxn>
+                <a:cxn ang="cd4">
+                  <a:pos x="hc" y="b"/>
+                </a:cxn>
+                <a:cxn ang="cd2">
+                  <a:pos x="l" y="vc"/>
+                </a:cxn>
+              </a:cxnLst>
+              <a:rect l="l" t="t" r="r" b="b"/>
+              <a:pathLst>
+                <a:path w="21600" h="21600" extrusionOk="0">
+                  <a:moveTo>
+                    <a:pt x="f0" y="f0"/>
+                  </a:moveTo>
+                  <a:lnTo>
+                    <a:pt x="f1" y="f0"/>
+                  </a:lnTo>
+                  <a:lnTo>
+                    <a:pt x="f1" y="f1"/>
+                  </a:lnTo>
+                  <a:lnTo>
+                    <a:pt x="f0" y="f1"/>
+                  </a:lnTo>
+                  <a:lnTo>
+                    <a:pt x="f0" y="f0"/>
+                  </a:lnTo>
+                  <a:close/>
+                </a:path>
+              </a:pathLst>
+            </a:custGeom>
+            <a:solidFill>
+              <a:srgbClr val="FFFFFF"/>
+            </a:solidFill>
+            <a:ln w="6480">
+              <a:solidFill>
+                <a:srgbClr val="000000"/>
+              </a:solidFill>
+              <a:prstDash val="solid"/>
+              <a:miter/>
+            </a:ln>
+          </p:spPr>
+          <p:txBody>
+            <a:bodyPr vert="horz" wrap="square" lIns="0" tIns="0" rIns="0" bIns="0" anchor="ctr" anchorCtr="0" compatLnSpc="1"/>
+            <a:lstStyle/>
+            <a:p>
+              <a:pPr marL="0" marR="0" lvl="0" indent="0" algn="ctr">
+                <a:lnSpc>
+                  <a:spcPct val="100000"/>
+                </a:lnSpc>
+                <a:spcBef>
+                  <a:spcPts val="873"/>
+                </a:spcBef>
+                <a:spcAft>
+                  <a:spcPts val="0"/>
+                </a:spcAft>
+                <a:buNone/>
+                <a:tabLst>
+                  <a:tab pos="0" algn="l"/>
+                  <a:tab pos="448918" algn="l"/>
+                  <a:tab pos="898199" algn="l"/>
+                  <a:tab pos="1347480" algn="l"/>
+                  <a:tab pos="1796759" algn="l"/>
+                  <a:tab pos="2246040" algn="l"/>
+                  <a:tab pos="2695320" algn="l"/>
+                  <a:tab pos="3144600" algn="l"/>
+                  <a:tab pos="3593880" algn="l"/>
+                  <a:tab pos="4043159" algn="l"/>
+                  <a:tab pos="4492440" algn="l"/>
+                  <a:tab pos="4941719" algn="l"/>
+                  <a:tab pos="5391000" algn="l"/>
+                  <a:tab pos="5840280" algn="l"/>
+                  <a:tab pos="6289560" algn="l"/>
+                  <a:tab pos="6738840" algn="l"/>
+                  <a:tab pos="7188120" algn="l"/>
+                  <a:tab pos="7637400" algn="l"/>
+                  <a:tab pos="8086679" algn="l"/>
+                  <a:tab pos="8535960" algn="l"/>
+                  <a:tab pos="8985240" algn="l"/>
+                </a:tabLst>
+                <a:defRPr/>
+              </a:pPr>
+              <a:endParaRPr dirty="0"/>
+            </a:p>
+          </p:txBody>
+        </p:sp>
+      </p:grpSp>
+      <p:sp>
+        <p:nvSpPr>
+          <p:cNvPr id="78" name="Forma livre 38">
+            <a:extLst>
+              <a:ext uri="{FF2B5EF4-FFF2-40B4-BE49-F238E27FC236}">
+                <a16:creationId xmlns:a16="http://schemas.microsoft.com/office/drawing/2014/main" id="{484D3550-FD91-B663-D516-30BA9F86AABF}"/>
+              </a:ext>
+            </a:extLst>
+          </p:cNvPr>
+          <p:cNvSpPr/>
+          <p:nvPr/>
+        </p:nvSpPr>
+        <p:spPr bwMode="auto">
+          <a:xfrm>
+            <a:off x="1151819" y="5708671"/>
+            <a:ext cx="1655640" cy="648512"/>
           </a:xfrm>
           <a:custGeom>
             <a:avLst/>
@@ -8831,7 +15574,7 @@
               <a:defRPr/>
             </a:pPr>
             <a:r>
-              <a:rPr lang="pt-BR" sz="1800" b="0" i="1" u="none" strike="noStrike" cap="none">
+              <a:rPr lang="pt-BR" sz="1800" b="0" i="1" u="none" strike="noStrike" cap="none" dirty="0">
                 <a:ln>
                   <a:noFill/>
                 </a:ln>
@@ -8842,10 +15585,122 @@
                 <a:ea typeface="Arial"/>
                 <a:cs typeface="Arial"/>
               </a:rPr>
-              <a:t>I</a:t>
+              <a:t>Imagem de entrada</a:t>
             </a:r>
+            <a:endParaRPr dirty="0"/>
+          </a:p>
+        </p:txBody>
+      </p:sp>
+      <p:sp>
+        <p:nvSpPr>
+          <p:cNvPr id="79" name="Forma livre 38">
+            <a:extLst>
+              <a:ext uri="{FF2B5EF4-FFF2-40B4-BE49-F238E27FC236}">
+                <a16:creationId xmlns:a16="http://schemas.microsoft.com/office/drawing/2014/main" id="{AD6647C0-E6C9-AE67-ABA8-FD993EAC062F}"/>
+              </a:ext>
+            </a:extLst>
+          </p:cNvPr>
+          <p:cNvSpPr/>
+          <p:nvPr/>
+        </p:nvSpPr>
+        <p:spPr bwMode="auto">
+          <a:xfrm>
+            <a:off x="3419832" y="4106647"/>
+            <a:ext cx="1655640" cy="648512"/>
+          </a:xfrm>
+          <a:custGeom>
+            <a:avLst/>
+            <a:gdLst>
+              <a:gd name="f0" fmla="val 0"/>
+              <a:gd name="f1" fmla="val 21600"/>
+            </a:gdLst>
+            <a:ahLst/>
+            <a:cxnLst>
+              <a:cxn ang="3cd4">
+                <a:pos x="hc" y="t"/>
+              </a:cxn>
+              <a:cxn ang="0">
+                <a:pos x="r" y="vc"/>
+              </a:cxn>
+              <a:cxn ang="cd4">
+                <a:pos x="hc" y="b"/>
+              </a:cxn>
+              <a:cxn ang="cd2">
+                <a:pos x="l" y="vc"/>
+              </a:cxn>
+            </a:cxnLst>
+            <a:rect l="l" t="t" r="r" b="b"/>
+            <a:pathLst>
+              <a:path w="21600" h="21600" extrusionOk="0">
+                <a:moveTo>
+                  <a:pt x="f0" y="f0"/>
+                </a:moveTo>
+                <a:lnTo>
+                  <a:pt x="f1" y="f0"/>
+                </a:lnTo>
+                <a:lnTo>
+                  <a:pt x="f1" y="f1"/>
+                </a:lnTo>
+                <a:lnTo>
+                  <a:pt x="f0" y="f1"/>
+                </a:lnTo>
+                <a:lnTo>
+                  <a:pt x="f0" y="f0"/>
+                </a:lnTo>
+                <a:close/>
+              </a:path>
+            </a:pathLst>
+          </a:custGeom>
+          <a:noFill/>
+          <a:ln>
+            <a:noFill/>
+            <a:prstDash val="solid"/>
+          </a:ln>
+        </p:spPr>
+        <p:txBody>
+          <a:bodyPr vert="horz" wrap="square" lIns="90000" tIns="46800" rIns="90000" bIns="46800" anchor="t" anchorCtr="0" compatLnSpc="1">
+            <a:spAutoFit/>
+          </a:bodyPr>
+          <a:lstStyle/>
+          <a:p>
+            <a:pPr marL="0" marR="0" lvl="0" indent="0" algn="ctr">
+              <a:lnSpc>
+                <a:spcPct val="100000"/>
+              </a:lnSpc>
+              <a:spcBef>
+                <a:spcPts val="1123"/>
+              </a:spcBef>
+              <a:spcAft>
+                <a:spcPts val="0"/>
+              </a:spcAft>
+              <a:buNone/>
+              <a:tabLst>
+                <a:tab pos="0" algn="l"/>
+                <a:tab pos="448918" algn="l"/>
+                <a:tab pos="898199" algn="l"/>
+                <a:tab pos="1347480" algn="l"/>
+                <a:tab pos="1796759" algn="l"/>
+                <a:tab pos="2246040" algn="l"/>
+                <a:tab pos="2695320" algn="l"/>
+                <a:tab pos="3144600" algn="l"/>
+                <a:tab pos="3593880" algn="l"/>
+                <a:tab pos="4043159" algn="l"/>
+                <a:tab pos="4492440" algn="l"/>
+                <a:tab pos="4941719" algn="l"/>
+                <a:tab pos="5391000" algn="l"/>
+                <a:tab pos="5840280" algn="l"/>
+                <a:tab pos="6289560" algn="l"/>
+                <a:tab pos="6738840" algn="l"/>
+                <a:tab pos="7188120" algn="l"/>
+                <a:tab pos="7637400" algn="l"/>
+                <a:tab pos="8086679" algn="l"/>
+                <a:tab pos="8535960" algn="l"/>
+                <a:tab pos="8985240" algn="l"/>
+              </a:tabLst>
+              <a:defRPr/>
+            </a:pPr>
             <a:r>
-              <a:rPr lang="pt-BR" sz="1800" b="0" i="1" u="none" strike="noStrike" cap="none" baseline="-25000">
+              <a:rPr lang="pt-BR" sz="3600" b="0" i="1" u="none" strike="noStrike" cap="none" dirty="0">
                 <a:ln>
                   <a:noFill/>
                 </a:ln>
@@ -8856,1138 +15711,107 @@
                 <a:ea typeface="Arial"/>
                 <a:cs typeface="Arial"/>
               </a:rPr>
-              <a:t>1</a:t>
+              <a:t>=</a:t>
             </a:r>
-            <a:r>
-              <a:rPr lang="pt-BR" sz="1800" b="0" i="1" u="none" strike="noStrike" cap="none">
-                <a:ln>
-                  <a:noFill/>
-                </a:ln>
-                <a:solidFill>
-                  <a:srgbClr val="000000"/>
-                </a:solidFill>
-                <a:latin typeface="Arial"/>
-                <a:ea typeface="Arial"/>
-                <a:cs typeface="Arial"/>
-              </a:rPr>
-              <a:t>(x,y)</a:t>
-            </a:r>
-            <a:endParaRPr/>
+            <a:endParaRPr sz="3600" dirty="0"/>
           </a:p>
         </p:txBody>
       </p:sp>
-      <p:grpSp>
-        <p:nvGrpSpPr>
-          <p:cNvPr id="41" name="Grupo 40"/>
-          <p:cNvGrpSpPr/>
-          <p:nvPr/>
-        </p:nvGrpSpPr>
-        <p:grpSpPr bwMode="auto">
-          <a:xfrm>
-            <a:off x="611280" y="3429000"/>
-            <a:ext cx="1079279" cy="1081078"/>
-            <a:chOff x="611280" y="3429000"/>
-            <a:chExt cx="1079279" cy="1081078"/>
-          </a:xfrm>
-        </p:grpSpPr>
-        <p:sp>
-          <p:nvSpPr>
-            <p:cNvPr id="42" name="Forma livre 41"/>
-            <p:cNvSpPr/>
-            <p:nvPr/>
-          </p:nvSpPr>
-          <p:spPr bwMode="auto">
-            <a:xfrm>
-              <a:off x="611280" y="3429000"/>
-              <a:ext cx="360359" cy="360359"/>
-            </a:xfrm>
-            <a:custGeom>
-              <a:avLst/>
-              <a:gdLst>
-                <a:gd name="f0" fmla="val 0"/>
-                <a:gd name="f1" fmla="val 21600"/>
-              </a:gdLst>
-              <a:ahLst/>
-              <a:cxnLst>
-                <a:cxn ang="3cd4">
-                  <a:pos x="hc" y="t"/>
-                </a:cxn>
-                <a:cxn ang="0">
-                  <a:pos x="r" y="vc"/>
-                </a:cxn>
-                <a:cxn ang="cd4">
-                  <a:pos x="hc" y="b"/>
-                </a:cxn>
-                <a:cxn ang="cd2">
-                  <a:pos x="l" y="vc"/>
-                </a:cxn>
-              </a:cxnLst>
-              <a:rect l="l" t="t" r="r" b="b"/>
-              <a:pathLst>
-                <a:path w="21600" h="21600" extrusionOk="0">
-                  <a:moveTo>
-                    <a:pt x="f0" y="f0"/>
-                  </a:moveTo>
-                  <a:lnTo>
-                    <a:pt x="f1" y="f0"/>
-                  </a:lnTo>
-                  <a:lnTo>
-                    <a:pt x="f1" y="f1"/>
-                  </a:lnTo>
-                  <a:lnTo>
-                    <a:pt x="f0" y="f1"/>
-                  </a:lnTo>
-                  <a:lnTo>
-                    <a:pt x="f0" y="f0"/>
-                  </a:lnTo>
-                  <a:close/>
-                </a:path>
-              </a:pathLst>
-            </a:custGeom>
-            <a:noFill/>
-            <a:ln w="28440">
-              <a:solidFill>
-                <a:srgbClr val="FF9933"/>
-              </a:solidFill>
-              <a:prstDash val="solid"/>
-              <a:miter/>
-            </a:ln>
-          </p:spPr>
-          <p:txBody>
-            <a:bodyPr vert="horz" wrap="none" lIns="90000" tIns="46800" rIns="90000" bIns="46800" anchor="ctr" anchorCtr="0" compatLnSpc="1"/>
-            <a:lstStyle/>
-            <a:p>
-              <a:pPr marL="0" marR="0" lvl="0" indent="0" algn="l">
-                <a:lnSpc>
-                  <a:spcPct val="100000"/>
-                </a:lnSpc>
-                <a:spcBef>
-                  <a:spcPts val="0"/>
-                </a:spcBef>
-                <a:spcAft>
-                  <a:spcPts val="0"/>
-                </a:spcAft>
-                <a:buNone/>
-                <a:tabLst>
-                  <a:tab pos="0" algn="l"/>
-                  <a:tab pos="448918" algn="l"/>
-                  <a:tab pos="898199" algn="l"/>
-                  <a:tab pos="1347480" algn="l"/>
-                  <a:tab pos="1796759" algn="l"/>
-                  <a:tab pos="2246040" algn="l"/>
-                  <a:tab pos="2695320" algn="l"/>
-                  <a:tab pos="3144600" algn="l"/>
-                  <a:tab pos="3593880" algn="l"/>
-                  <a:tab pos="4043159" algn="l"/>
-                  <a:tab pos="4492440" algn="l"/>
-                  <a:tab pos="4941719" algn="l"/>
-                  <a:tab pos="5391000" algn="l"/>
-                  <a:tab pos="5840280" algn="l"/>
-                  <a:tab pos="6289560" algn="l"/>
-                  <a:tab pos="6738840" algn="l"/>
-                  <a:tab pos="7188120" algn="l"/>
-                  <a:tab pos="7637400" algn="l"/>
-                  <a:tab pos="8086679" algn="l"/>
-                  <a:tab pos="8535960" algn="l"/>
-                  <a:tab pos="8985240" algn="l"/>
-                </a:tabLst>
-                <a:defRPr/>
-              </a:pPr>
-              <a:endParaRPr lang="pt-BR" sz="1800" b="0" i="0" u="none" strike="noStrike" cap="none">
-                <a:ln>
-                  <a:noFill/>
-                </a:ln>
-                <a:solidFill>
-                  <a:srgbClr val="000000"/>
-                </a:solidFill>
-                <a:latin typeface="Arial"/>
-                <a:ea typeface="Arial"/>
-                <a:cs typeface="Arial"/>
-              </a:endParaRPr>
-            </a:p>
-          </p:txBody>
-        </p:sp>
-        <p:sp>
-          <p:nvSpPr>
-            <p:cNvPr id="43" name="Forma livre 42"/>
-            <p:cNvSpPr/>
-            <p:nvPr/>
-          </p:nvSpPr>
-          <p:spPr bwMode="auto">
-            <a:xfrm>
-              <a:off x="971640" y="3429000"/>
-              <a:ext cx="360359" cy="360359"/>
-            </a:xfrm>
-            <a:custGeom>
-              <a:avLst/>
-              <a:gdLst>
-                <a:gd name="f0" fmla="val 0"/>
-                <a:gd name="f1" fmla="val 21600"/>
-              </a:gdLst>
-              <a:ahLst/>
-              <a:cxnLst>
-                <a:cxn ang="3cd4">
-                  <a:pos x="hc" y="t"/>
-                </a:cxn>
-                <a:cxn ang="0">
-                  <a:pos x="r" y="vc"/>
-                </a:cxn>
-                <a:cxn ang="cd4">
-                  <a:pos x="hc" y="b"/>
-                </a:cxn>
-                <a:cxn ang="cd2">
-                  <a:pos x="l" y="vc"/>
-                </a:cxn>
-              </a:cxnLst>
-              <a:rect l="l" t="t" r="r" b="b"/>
-              <a:pathLst>
-                <a:path w="21600" h="21600" extrusionOk="0">
-                  <a:moveTo>
-                    <a:pt x="f0" y="f0"/>
-                  </a:moveTo>
-                  <a:lnTo>
-                    <a:pt x="f1" y="f0"/>
-                  </a:lnTo>
-                  <a:lnTo>
-                    <a:pt x="f1" y="f1"/>
-                  </a:lnTo>
-                  <a:lnTo>
-                    <a:pt x="f0" y="f1"/>
-                  </a:lnTo>
-                  <a:lnTo>
-                    <a:pt x="f0" y="f0"/>
-                  </a:lnTo>
-                  <a:close/>
-                </a:path>
-              </a:pathLst>
-            </a:custGeom>
-            <a:noFill/>
-            <a:ln w="28440">
-              <a:solidFill>
-                <a:srgbClr val="FF9933"/>
-              </a:solidFill>
-              <a:prstDash val="solid"/>
-              <a:miter/>
-            </a:ln>
-          </p:spPr>
-          <p:txBody>
-            <a:bodyPr vert="horz" wrap="none" lIns="90000" tIns="46800" rIns="90000" bIns="46800" anchor="ctr" anchorCtr="0" compatLnSpc="1"/>
-            <a:lstStyle/>
-            <a:p>
-              <a:pPr marL="0" marR="0" lvl="0" indent="0" algn="l">
-                <a:lnSpc>
-                  <a:spcPct val="100000"/>
-                </a:lnSpc>
-                <a:spcBef>
-                  <a:spcPts val="0"/>
-                </a:spcBef>
-                <a:spcAft>
-                  <a:spcPts val="0"/>
-                </a:spcAft>
-                <a:buNone/>
-                <a:tabLst>
-                  <a:tab pos="0" algn="l"/>
-                  <a:tab pos="448918" algn="l"/>
-                  <a:tab pos="898199" algn="l"/>
-                  <a:tab pos="1347480" algn="l"/>
-                  <a:tab pos="1796759" algn="l"/>
-                  <a:tab pos="2246040" algn="l"/>
-                  <a:tab pos="2695320" algn="l"/>
-                  <a:tab pos="3144600" algn="l"/>
-                  <a:tab pos="3593880" algn="l"/>
-                  <a:tab pos="4043159" algn="l"/>
-                  <a:tab pos="4492440" algn="l"/>
-                  <a:tab pos="4941719" algn="l"/>
-                  <a:tab pos="5391000" algn="l"/>
-                  <a:tab pos="5840280" algn="l"/>
-                  <a:tab pos="6289560" algn="l"/>
-                  <a:tab pos="6738840" algn="l"/>
-                  <a:tab pos="7188120" algn="l"/>
-                  <a:tab pos="7637400" algn="l"/>
-                  <a:tab pos="8086679" algn="l"/>
-                  <a:tab pos="8535960" algn="l"/>
-                  <a:tab pos="8985240" algn="l"/>
-                </a:tabLst>
-                <a:defRPr/>
-              </a:pPr>
-              <a:endParaRPr lang="pt-BR" sz="1800" b="0" i="0" u="none" strike="noStrike" cap="none">
-                <a:ln>
-                  <a:noFill/>
-                </a:ln>
-                <a:solidFill>
-                  <a:srgbClr val="000000"/>
-                </a:solidFill>
-                <a:latin typeface="Arial"/>
-                <a:ea typeface="Arial"/>
-                <a:cs typeface="Arial"/>
-              </a:endParaRPr>
-            </a:p>
-          </p:txBody>
-        </p:sp>
-        <p:sp>
-          <p:nvSpPr>
-            <p:cNvPr id="44" name="Forma livre 43"/>
-            <p:cNvSpPr/>
-            <p:nvPr/>
-          </p:nvSpPr>
-          <p:spPr bwMode="auto">
-            <a:xfrm>
-              <a:off x="1330200" y="3429000"/>
-              <a:ext cx="360359" cy="360359"/>
-            </a:xfrm>
-            <a:custGeom>
-              <a:avLst/>
-              <a:gdLst>
-                <a:gd name="f0" fmla="val 0"/>
-                <a:gd name="f1" fmla="val 21600"/>
-              </a:gdLst>
-              <a:ahLst/>
-              <a:cxnLst>
-                <a:cxn ang="3cd4">
-                  <a:pos x="hc" y="t"/>
-                </a:cxn>
-                <a:cxn ang="0">
-                  <a:pos x="r" y="vc"/>
-                </a:cxn>
-                <a:cxn ang="cd4">
-                  <a:pos x="hc" y="b"/>
-                </a:cxn>
-                <a:cxn ang="cd2">
-                  <a:pos x="l" y="vc"/>
-                </a:cxn>
-              </a:cxnLst>
-              <a:rect l="l" t="t" r="r" b="b"/>
-              <a:pathLst>
-                <a:path w="21600" h="21600" extrusionOk="0">
-                  <a:moveTo>
-                    <a:pt x="f0" y="f0"/>
-                  </a:moveTo>
-                  <a:lnTo>
-                    <a:pt x="f1" y="f0"/>
-                  </a:lnTo>
-                  <a:lnTo>
-                    <a:pt x="f1" y="f1"/>
-                  </a:lnTo>
-                  <a:lnTo>
-                    <a:pt x="f0" y="f1"/>
-                  </a:lnTo>
-                  <a:lnTo>
-                    <a:pt x="f0" y="f0"/>
-                  </a:lnTo>
-                  <a:close/>
-                </a:path>
-              </a:pathLst>
-            </a:custGeom>
-            <a:noFill/>
-            <a:ln w="28440">
-              <a:solidFill>
-                <a:srgbClr val="FF9933"/>
-              </a:solidFill>
-              <a:prstDash val="solid"/>
-              <a:miter/>
-            </a:ln>
-          </p:spPr>
-          <p:txBody>
-            <a:bodyPr vert="horz" wrap="none" lIns="90000" tIns="46800" rIns="90000" bIns="46800" anchor="ctr" anchorCtr="0" compatLnSpc="1"/>
-            <a:lstStyle/>
-            <a:p>
-              <a:pPr marL="0" marR="0" lvl="0" indent="0" algn="l">
-                <a:lnSpc>
-                  <a:spcPct val="100000"/>
-                </a:lnSpc>
-                <a:spcBef>
-                  <a:spcPts val="0"/>
-                </a:spcBef>
-                <a:spcAft>
-                  <a:spcPts val="0"/>
-                </a:spcAft>
-                <a:buNone/>
-                <a:tabLst>
-                  <a:tab pos="0" algn="l"/>
-                  <a:tab pos="448918" algn="l"/>
-                  <a:tab pos="898199" algn="l"/>
-                  <a:tab pos="1347480" algn="l"/>
-                  <a:tab pos="1796759" algn="l"/>
-                  <a:tab pos="2246040" algn="l"/>
-                  <a:tab pos="2695320" algn="l"/>
-                  <a:tab pos="3144600" algn="l"/>
-                  <a:tab pos="3593880" algn="l"/>
-                  <a:tab pos="4043159" algn="l"/>
-                  <a:tab pos="4492440" algn="l"/>
-                  <a:tab pos="4941719" algn="l"/>
-                  <a:tab pos="5391000" algn="l"/>
-                  <a:tab pos="5840280" algn="l"/>
-                  <a:tab pos="6289560" algn="l"/>
-                  <a:tab pos="6738840" algn="l"/>
-                  <a:tab pos="7188120" algn="l"/>
-                  <a:tab pos="7637400" algn="l"/>
-                  <a:tab pos="8086679" algn="l"/>
-                  <a:tab pos="8535960" algn="l"/>
-                  <a:tab pos="8985240" algn="l"/>
-                </a:tabLst>
-                <a:defRPr/>
-              </a:pPr>
-              <a:endParaRPr lang="pt-BR" sz="1800" b="0" i="0" u="none" strike="noStrike" cap="none">
-                <a:ln>
-                  <a:noFill/>
-                </a:ln>
-                <a:solidFill>
-                  <a:srgbClr val="000000"/>
-                </a:solidFill>
-                <a:latin typeface="Arial"/>
-                <a:ea typeface="Arial"/>
-                <a:cs typeface="Arial"/>
-              </a:endParaRPr>
-            </a:p>
-          </p:txBody>
-        </p:sp>
-        <p:sp>
-          <p:nvSpPr>
-            <p:cNvPr id="45" name="Forma livre 44"/>
-            <p:cNvSpPr/>
-            <p:nvPr/>
-          </p:nvSpPr>
-          <p:spPr bwMode="auto">
-            <a:xfrm>
-              <a:off x="611280" y="3789360"/>
-              <a:ext cx="360359" cy="360359"/>
-            </a:xfrm>
-            <a:custGeom>
-              <a:avLst/>
-              <a:gdLst>
-                <a:gd name="f0" fmla="val 0"/>
-                <a:gd name="f1" fmla="val 21600"/>
-              </a:gdLst>
-              <a:ahLst/>
-              <a:cxnLst>
-                <a:cxn ang="3cd4">
-                  <a:pos x="hc" y="t"/>
-                </a:cxn>
-                <a:cxn ang="0">
-                  <a:pos x="r" y="vc"/>
-                </a:cxn>
-                <a:cxn ang="cd4">
-                  <a:pos x="hc" y="b"/>
-                </a:cxn>
-                <a:cxn ang="cd2">
-                  <a:pos x="l" y="vc"/>
-                </a:cxn>
-              </a:cxnLst>
-              <a:rect l="l" t="t" r="r" b="b"/>
-              <a:pathLst>
-                <a:path w="21600" h="21600" extrusionOk="0">
-                  <a:moveTo>
-                    <a:pt x="f0" y="f0"/>
-                  </a:moveTo>
-                  <a:lnTo>
-                    <a:pt x="f1" y="f0"/>
-                  </a:lnTo>
-                  <a:lnTo>
-                    <a:pt x="f1" y="f1"/>
-                  </a:lnTo>
-                  <a:lnTo>
-                    <a:pt x="f0" y="f1"/>
-                  </a:lnTo>
-                  <a:lnTo>
-                    <a:pt x="f0" y="f0"/>
-                  </a:lnTo>
-                  <a:close/>
-                </a:path>
-              </a:pathLst>
-            </a:custGeom>
-            <a:noFill/>
-            <a:ln w="28440">
-              <a:solidFill>
-                <a:srgbClr val="FF9933"/>
-              </a:solidFill>
-              <a:prstDash val="solid"/>
-              <a:miter/>
-            </a:ln>
-          </p:spPr>
-          <p:txBody>
-            <a:bodyPr vert="horz" wrap="none" lIns="90000" tIns="46800" rIns="90000" bIns="46800" anchor="ctr" anchorCtr="0" compatLnSpc="1"/>
-            <a:lstStyle/>
-            <a:p>
-              <a:pPr marL="0" marR="0" lvl="0" indent="0" algn="l">
-                <a:lnSpc>
-                  <a:spcPct val="100000"/>
-                </a:lnSpc>
-                <a:spcBef>
-                  <a:spcPts val="0"/>
-                </a:spcBef>
-                <a:spcAft>
-                  <a:spcPts val="0"/>
-                </a:spcAft>
-                <a:buNone/>
-                <a:tabLst>
-                  <a:tab pos="0" algn="l"/>
-                  <a:tab pos="448918" algn="l"/>
-                  <a:tab pos="898199" algn="l"/>
-                  <a:tab pos="1347480" algn="l"/>
-                  <a:tab pos="1796759" algn="l"/>
-                  <a:tab pos="2246040" algn="l"/>
-                  <a:tab pos="2695320" algn="l"/>
-                  <a:tab pos="3144600" algn="l"/>
-                  <a:tab pos="3593880" algn="l"/>
-                  <a:tab pos="4043159" algn="l"/>
-                  <a:tab pos="4492440" algn="l"/>
-                  <a:tab pos="4941719" algn="l"/>
-                  <a:tab pos="5391000" algn="l"/>
-                  <a:tab pos="5840280" algn="l"/>
-                  <a:tab pos="6289560" algn="l"/>
-                  <a:tab pos="6738840" algn="l"/>
-                  <a:tab pos="7188120" algn="l"/>
-                  <a:tab pos="7637400" algn="l"/>
-                  <a:tab pos="8086679" algn="l"/>
-                  <a:tab pos="8535960" algn="l"/>
-                  <a:tab pos="8985240" algn="l"/>
-                </a:tabLst>
-                <a:defRPr/>
-              </a:pPr>
-              <a:endParaRPr lang="pt-BR" sz="1800" b="0" i="0" u="none" strike="noStrike" cap="none">
-                <a:ln>
-                  <a:noFill/>
-                </a:ln>
-                <a:solidFill>
-                  <a:srgbClr val="000000"/>
-                </a:solidFill>
-                <a:latin typeface="Arial"/>
-                <a:ea typeface="Arial"/>
-                <a:cs typeface="Arial"/>
-              </a:endParaRPr>
-            </a:p>
-          </p:txBody>
-        </p:sp>
-        <p:sp>
-          <p:nvSpPr>
-            <p:cNvPr id="46" name="Forma livre 45"/>
-            <p:cNvSpPr/>
-            <p:nvPr/>
-          </p:nvSpPr>
-          <p:spPr bwMode="auto">
-            <a:xfrm>
-              <a:off x="971640" y="3789360"/>
-              <a:ext cx="360359" cy="360359"/>
-            </a:xfrm>
-            <a:custGeom>
-              <a:avLst/>
-              <a:gdLst>
-                <a:gd name="f0" fmla="val 0"/>
-                <a:gd name="f1" fmla="val 21600"/>
-              </a:gdLst>
-              <a:ahLst/>
-              <a:cxnLst>
-                <a:cxn ang="3cd4">
-                  <a:pos x="hc" y="t"/>
-                </a:cxn>
-                <a:cxn ang="0">
-                  <a:pos x="r" y="vc"/>
-                </a:cxn>
-                <a:cxn ang="cd4">
-                  <a:pos x="hc" y="b"/>
-                </a:cxn>
-                <a:cxn ang="cd2">
-                  <a:pos x="l" y="vc"/>
-                </a:cxn>
-              </a:cxnLst>
-              <a:rect l="l" t="t" r="r" b="b"/>
-              <a:pathLst>
-                <a:path w="21600" h="21600" extrusionOk="0">
-                  <a:moveTo>
-                    <a:pt x="f0" y="f0"/>
-                  </a:moveTo>
-                  <a:lnTo>
-                    <a:pt x="f1" y="f0"/>
-                  </a:lnTo>
-                  <a:lnTo>
-                    <a:pt x="f1" y="f1"/>
-                  </a:lnTo>
-                  <a:lnTo>
-                    <a:pt x="f0" y="f1"/>
-                  </a:lnTo>
-                  <a:lnTo>
-                    <a:pt x="f0" y="f0"/>
-                  </a:lnTo>
-                  <a:close/>
-                </a:path>
-              </a:pathLst>
-            </a:custGeom>
-            <a:solidFill>
-              <a:srgbClr val="FF3300">
-                <a:alpha val="37000"/>
-              </a:srgbClr>
-            </a:solidFill>
-            <a:ln w="28440">
-              <a:solidFill>
-                <a:srgbClr val="FF9933"/>
-              </a:solidFill>
-              <a:prstDash val="solid"/>
-              <a:miter/>
-            </a:ln>
-          </p:spPr>
-          <p:txBody>
-            <a:bodyPr vert="horz" wrap="none" lIns="90000" tIns="46800" rIns="90000" bIns="46800" anchor="ctr" anchorCtr="0" compatLnSpc="1"/>
-            <a:lstStyle/>
-            <a:p>
-              <a:pPr marL="0" marR="0" lvl="0" indent="0" algn="l">
-                <a:lnSpc>
-                  <a:spcPct val="100000"/>
-                </a:lnSpc>
-                <a:spcBef>
-                  <a:spcPts val="0"/>
-                </a:spcBef>
-                <a:spcAft>
-                  <a:spcPts val="0"/>
-                </a:spcAft>
-                <a:buNone/>
-                <a:tabLst>
-                  <a:tab pos="0" algn="l"/>
-                  <a:tab pos="448918" algn="l"/>
-                  <a:tab pos="898199" algn="l"/>
-                  <a:tab pos="1347480" algn="l"/>
-                  <a:tab pos="1796759" algn="l"/>
-                  <a:tab pos="2246040" algn="l"/>
-                  <a:tab pos="2695320" algn="l"/>
-                  <a:tab pos="3144600" algn="l"/>
-                  <a:tab pos="3593880" algn="l"/>
-                  <a:tab pos="4043159" algn="l"/>
-                  <a:tab pos="4492440" algn="l"/>
-                  <a:tab pos="4941719" algn="l"/>
-                  <a:tab pos="5391000" algn="l"/>
-                  <a:tab pos="5840280" algn="l"/>
-                  <a:tab pos="6289560" algn="l"/>
-                  <a:tab pos="6738840" algn="l"/>
-                  <a:tab pos="7188120" algn="l"/>
-                  <a:tab pos="7637400" algn="l"/>
-                  <a:tab pos="8086679" algn="l"/>
-                  <a:tab pos="8535960" algn="l"/>
-                  <a:tab pos="8985240" algn="l"/>
-                </a:tabLst>
-                <a:defRPr/>
-              </a:pPr>
-              <a:endParaRPr lang="pt-BR" sz="1800" b="0" i="0" u="none" strike="noStrike" cap="none">
-                <a:ln>
-                  <a:noFill/>
-                </a:ln>
-                <a:solidFill>
-                  <a:srgbClr val="000000"/>
-                </a:solidFill>
-                <a:latin typeface="Arial"/>
-                <a:ea typeface="Arial"/>
-                <a:cs typeface="Arial"/>
-              </a:endParaRPr>
-            </a:p>
-          </p:txBody>
-        </p:sp>
-        <p:sp>
-          <p:nvSpPr>
-            <p:cNvPr id="47" name="Forma livre 46"/>
-            <p:cNvSpPr/>
-            <p:nvPr/>
-          </p:nvSpPr>
-          <p:spPr bwMode="auto">
-            <a:xfrm>
-              <a:off x="1330200" y="3789360"/>
-              <a:ext cx="360359" cy="360359"/>
-            </a:xfrm>
-            <a:custGeom>
-              <a:avLst/>
-              <a:gdLst>
-                <a:gd name="f0" fmla="val 0"/>
-                <a:gd name="f1" fmla="val 21600"/>
-              </a:gdLst>
-              <a:ahLst/>
-              <a:cxnLst>
-                <a:cxn ang="3cd4">
-                  <a:pos x="hc" y="t"/>
-                </a:cxn>
-                <a:cxn ang="0">
-                  <a:pos x="r" y="vc"/>
-                </a:cxn>
-                <a:cxn ang="cd4">
-                  <a:pos x="hc" y="b"/>
-                </a:cxn>
-                <a:cxn ang="cd2">
-                  <a:pos x="l" y="vc"/>
-                </a:cxn>
-              </a:cxnLst>
-              <a:rect l="l" t="t" r="r" b="b"/>
-              <a:pathLst>
-                <a:path w="21600" h="21600" extrusionOk="0">
-                  <a:moveTo>
-                    <a:pt x="f0" y="f0"/>
-                  </a:moveTo>
-                  <a:lnTo>
-                    <a:pt x="f1" y="f0"/>
-                  </a:lnTo>
-                  <a:lnTo>
-                    <a:pt x="f1" y="f1"/>
-                  </a:lnTo>
-                  <a:lnTo>
-                    <a:pt x="f0" y="f1"/>
-                  </a:lnTo>
-                  <a:lnTo>
-                    <a:pt x="f0" y="f0"/>
-                  </a:lnTo>
-                  <a:close/>
-                </a:path>
-              </a:pathLst>
-            </a:custGeom>
-            <a:noFill/>
-            <a:ln w="28440">
-              <a:solidFill>
-                <a:srgbClr val="FF9933"/>
-              </a:solidFill>
-              <a:prstDash val="solid"/>
-              <a:miter/>
-            </a:ln>
-          </p:spPr>
-          <p:txBody>
-            <a:bodyPr vert="horz" wrap="none" lIns="90000" tIns="46800" rIns="90000" bIns="46800" anchor="ctr" anchorCtr="0" compatLnSpc="1"/>
-            <a:lstStyle/>
-            <a:p>
-              <a:pPr marL="0" marR="0" lvl="0" indent="0" algn="l">
-                <a:lnSpc>
-                  <a:spcPct val="100000"/>
-                </a:lnSpc>
-                <a:spcBef>
-                  <a:spcPts val="0"/>
-                </a:spcBef>
-                <a:spcAft>
-                  <a:spcPts val="0"/>
-                </a:spcAft>
-                <a:buNone/>
-                <a:tabLst>
-                  <a:tab pos="0" algn="l"/>
-                  <a:tab pos="448918" algn="l"/>
-                  <a:tab pos="898199" algn="l"/>
-                  <a:tab pos="1347480" algn="l"/>
-                  <a:tab pos="1796759" algn="l"/>
-                  <a:tab pos="2246040" algn="l"/>
-                  <a:tab pos="2695320" algn="l"/>
-                  <a:tab pos="3144600" algn="l"/>
-                  <a:tab pos="3593880" algn="l"/>
-                  <a:tab pos="4043159" algn="l"/>
-                  <a:tab pos="4492440" algn="l"/>
-                  <a:tab pos="4941719" algn="l"/>
-                  <a:tab pos="5391000" algn="l"/>
-                  <a:tab pos="5840280" algn="l"/>
-                  <a:tab pos="6289560" algn="l"/>
-                  <a:tab pos="6738840" algn="l"/>
-                  <a:tab pos="7188120" algn="l"/>
-                  <a:tab pos="7637400" algn="l"/>
-                  <a:tab pos="8086679" algn="l"/>
-                  <a:tab pos="8535960" algn="l"/>
-                  <a:tab pos="8985240" algn="l"/>
-                </a:tabLst>
-                <a:defRPr/>
-              </a:pPr>
-              <a:endParaRPr lang="pt-BR" sz="1800" b="0" i="0" u="none" strike="noStrike" cap="none">
-                <a:ln>
-                  <a:noFill/>
-                </a:ln>
-                <a:solidFill>
-                  <a:srgbClr val="000000"/>
-                </a:solidFill>
-                <a:latin typeface="Arial"/>
-                <a:ea typeface="Arial"/>
-                <a:cs typeface="Arial"/>
-              </a:endParaRPr>
-            </a:p>
-          </p:txBody>
-        </p:sp>
-        <p:sp>
-          <p:nvSpPr>
-            <p:cNvPr id="48" name="Forma livre 47"/>
-            <p:cNvSpPr/>
-            <p:nvPr/>
-          </p:nvSpPr>
-          <p:spPr bwMode="auto">
-            <a:xfrm>
-              <a:off x="611280" y="4149719"/>
-              <a:ext cx="360359" cy="360359"/>
-            </a:xfrm>
-            <a:custGeom>
-              <a:avLst/>
-              <a:gdLst>
-                <a:gd name="f0" fmla="val 0"/>
-                <a:gd name="f1" fmla="val 21600"/>
-              </a:gdLst>
-              <a:ahLst/>
-              <a:cxnLst>
-                <a:cxn ang="3cd4">
-                  <a:pos x="hc" y="t"/>
-                </a:cxn>
-                <a:cxn ang="0">
-                  <a:pos x="r" y="vc"/>
-                </a:cxn>
-                <a:cxn ang="cd4">
-                  <a:pos x="hc" y="b"/>
-                </a:cxn>
-                <a:cxn ang="cd2">
-                  <a:pos x="l" y="vc"/>
-                </a:cxn>
-              </a:cxnLst>
-              <a:rect l="l" t="t" r="r" b="b"/>
-              <a:pathLst>
-                <a:path w="21600" h="21600" extrusionOk="0">
-                  <a:moveTo>
-                    <a:pt x="f0" y="f0"/>
-                  </a:moveTo>
-                  <a:lnTo>
-                    <a:pt x="f1" y="f0"/>
-                  </a:lnTo>
-                  <a:lnTo>
-                    <a:pt x="f1" y="f1"/>
-                  </a:lnTo>
-                  <a:lnTo>
-                    <a:pt x="f0" y="f1"/>
-                  </a:lnTo>
-                  <a:lnTo>
-                    <a:pt x="f0" y="f0"/>
-                  </a:lnTo>
-                  <a:close/>
-                </a:path>
-              </a:pathLst>
-            </a:custGeom>
-            <a:noFill/>
-            <a:ln w="28440">
-              <a:solidFill>
-                <a:srgbClr val="FF9933"/>
-              </a:solidFill>
-              <a:prstDash val="solid"/>
-              <a:miter/>
-            </a:ln>
-          </p:spPr>
-          <p:txBody>
-            <a:bodyPr vert="horz" wrap="none" lIns="90000" tIns="46800" rIns="90000" bIns="46800" anchor="ctr" anchorCtr="0" compatLnSpc="1"/>
-            <a:lstStyle/>
-            <a:p>
-              <a:pPr marL="0" marR="0" lvl="0" indent="0" algn="l">
-                <a:lnSpc>
-                  <a:spcPct val="100000"/>
-                </a:lnSpc>
-                <a:spcBef>
-                  <a:spcPts val="0"/>
-                </a:spcBef>
-                <a:spcAft>
-                  <a:spcPts val="0"/>
-                </a:spcAft>
-                <a:buNone/>
-                <a:tabLst>
-                  <a:tab pos="0" algn="l"/>
-                  <a:tab pos="448918" algn="l"/>
-                  <a:tab pos="898199" algn="l"/>
-                  <a:tab pos="1347480" algn="l"/>
-                  <a:tab pos="1796759" algn="l"/>
-                  <a:tab pos="2246040" algn="l"/>
-                  <a:tab pos="2695320" algn="l"/>
-                  <a:tab pos="3144600" algn="l"/>
-                  <a:tab pos="3593880" algn="l"/>
-                  <a:tab pos="4043159" algn="l"/>
-                  <a:tab pos="4492440" algn="l"/>
-                  <a:tab pos="4941719" algn="l"/>
-                  <a:tab pos="5391000" algn="l"/>
-                  <a:tab pos="5840280" algn="l"/>
-                  <a:tab pos="6289560" algn="l"/>
-                  <a:tab pos="6738840" algn="l"/>
-                  <a:tab pos="7188120" algn="l"/>
-                  <a:tab pos="7637400" algn="l"/>
-                  <a:tab pos="8086679" algn="l"/>
-                  <a:tab pos="8535960" algn="l"/>
-                  <a:tab pos="8985240" algn="l"/>
-                </a:tabLst>
-                <a:defRPr/>
-              </a:pPr>
-              <a:endParaRPr lang="pt-BR" sz="1800" b="0" i="0" u="none" strike="noStrike" cap="none">
-                <a:ln>
-                  <a:noFill/>
-                </a:ln>
-                <a:solidFill>
-                  <a:srgbClr val="000000"/>
-                </a:solidFill>
-                <a:latin typeface="Arial"/>
-                <a:ea typeface="Arial"/>
-                <a:cs typeface="Arial"/>
-              </a:endParaRPr>
-            </a:p>
-          </p:txBody>
-        </p:sp>
-        <p:sp>
-          <p:nvSpPr>
-            <p:cNvPr id="49" name="Forma livre 48"/>
-            <p:cNvSpPr/>
-            <p:nvPr/>
-          </p:nvSpPr>
-          <p:spPr bwMode="auto">
-            <a:xfrm>
-              <a:off x="971640" y="4149719"/>
-              <a:ext cx="360359" cy="360359"/>
-            </a:xfrm>
-            <a:custGeom>
-              <a:avLst/>
-              <a:gdLst>
-                <a:gd name="f0" fmla="val 0"/>
-                <a:gd name="f1" fmla="val 21600"/>
-              </a:gdLst>
-              <a:ahLst/>
-              <a:cxnLst>
-                <a:cxn ang="3cd4">
-                  <a:pos x="hc" y="t"/>
-                </a:cxn>
-                <a:cxn ang="0">
-                  <a:pos x="r" y="vc"/>
-                </a:cxn>
-                <a:cxn ang="cd4">
-                  <a:pos x="hc" y="b"/>
-                </a:cxn>
-                <a:cxn ang="cd2">
-                  <a:pos x="l" y="vc"/>
-                </a:cxn>
-              </a:cxnLst>
-              <a:rect l="l" t="t" r="r" b="b"/>
-              <a:pathLst>
-                <a:path w="21600" h="21600" extrusionOk="0">
-                  <a:moveTo>
-                    <a:pt x="f0" y="f0"/>
-                  </a:moveTo>
-                  <a:lnTo>
-                    <a:pt x="f1" y="f0"/>
-                  </a:lnTo>
-                  <a:lnTo>
-                    <a:pt x="f1" y="f1"/>
-                  </a:lnTo>
-                  <a:lnTo>
-                    <a:pt x="f0" y="f1"/>
-                  </a:lnTo>
-                  <a:lnTo>
-                    <a:pt x="f0" y="f0"/>
-                  </a:lnTo>
-                  <a:close/>
-                </a:path>
-              </a:pathLst>
-            </a:custGeom>
-            <a:noFill/>
-            <a:ln w="28440">
-              <a:solidFill>
-                <a:srgbClr val="FF9933"/>
-              </a:solidFill>
-              <a:prstDash val="solid"/>
-              <a:miter/>
-            </a:ln>
-          </p:spPr>
-          <p:txBody>
-            <a:bodyPr vert="horz" wrap="none" lIns="90000" tIns="46800" rIns="90000" bIns="46800" anchor="ctr" anchorCtr="0" compatLnSpc="1"/>
-            <a:lstStyle/>
-            <a:p>
-              <a:pPr marL="0" marR="0" lvl="0" indent="0" algn="l">
-                <a:lnSpc>
-                  <a:spcPct val="100000"/>
-                </a:lnSpc>
-                <a:spcBef>
-                  <a:spcPts val="0"/>
-                </a:spcBef>
-                <a:spcAft>
-                  <a:spcPts val="0"/>
-                </a:spcAft>
-                <a:buNone/>
-                <a:tabLst>
-                  <a:tab pos="0" algn="l"/>
-                  <a:tab pos="448918" algn="l"/>
-                  <a:tab pos="898199" algn="l"/>
-                  <a:tab pos="1347480" algn="l"/>
-                  <a:tab pos="1796759" algn="l"/>
-                  <a:tab pos="2246040" algn="l"/>
-                  <a:tab pos="2695320" algn="l"/>
-                  <a:tab pos="3144600" algn="l"/>
-                  <a:tab pos="3593880" algn="l"/>
-                  <a:tab pos="4043159" algn="l"/>
-                  <a:tab pos="4492440" algn="l"/>
-                  <a:tab pos="4941719" algn="l"/>
-                  <a:tab pos="5391000" algn="l"/>
-                  <a:tab pos="5840280" algn="l"/>
-                  <a:tab pos="6289560" algn="l"/>
-                  <a:tab pos="6738840" algn="l"/>
-                  <a:tab pos="7188120" algn="l"/>
-                  <a:tab pos="7637400" algn="l"/>
-                  <a:tab pos="8086679" algn="l"/>
-                  <a:tab pos="8535960" algn="l"/>
-                  <a:tab pos="8985240" algn="l"/>
-                </a:tabLst>
-                <a:defRPr/>
-              </a:pPr>
-              <a:endParaRPr lang="pt-BR" sz="1800" b="0" i="0" u="none" strike="noStrike" cap="none">
-                <a:ln>
-                  <a:noFill/>
-                </a:ln>
-                <a:solidFill>
-                  <a:srgbClr val="000000"/>
-                </a:solidFill>
-                <a:latin typeface="Arial"/>
-                <a:ea typeface="Arial"/>
-                <a:cs typeface="Arial"/>
-              </a:endParaRPr>
-            </a:p>
-          </p:txBody>
-        </p:sp>
-        <p:sp>
-          <p:nvSpPr>
-            <p:cNvPr id="50" name="Forma livre 49"/>
-            <p:cNvSpPr/>
-            <p:nvPr/>
-          </p:nvSpPr>
-          <p:spPr bwMode="auto">
-            <a:xfrm>
-              <a:off x="1330200" y="4149719"/>
-              <a:ext cx="360359" cy="360359"/>
-            </a:xfrm>
-            <a:custGeom>
-              <a:avLst/>
-              <a:gdLst>
-                <a:gd name="f0" fmla="val 0"/>
-                <a:gd name="f1" fmla="val 21600"/>
-              </a:gdLst>
-              <a:ahLst/>
-              <a:cxnLst>
-                <a:cxn ang="3cd4">
-                  <a:pos x="hc" y="t"/>
-                </a:cxn>
-                <a:cxn ang="0">
-                  <a:pos x="r" y="vc"/>
-                </a:cxn>
-                <a:cxn ang="cd4">
-                  <a:pos x="hc" y="b"/>
-                </a:cxn>
-                <a:cxn ang="cd2">
-                  <a:pos x="l" y="vc"/>
-                </a:cxn>
-              </a:cxnLst>
-              <a:rect l="l" t="t" r="r" b="b"/>
-              <a:pathLst>
-                <a:path w="21600" h="21600" extrusionOk="0">
-                  <a:moveTo>
-                    <a:pt x="f0" y="f0"/>
-                  </a:moveTo>
-                  <a:lnTo>
-                    <a:pt x="f1" y="f0"/>
-                  </a:lnTo>
-                  <a:lnTo>
-                    <a:pt x="f1" y="f1"/>
-                  </a:lnTo>
-                  <a:lnTo>
-                    <a:pt x="f0" y="f1"/>
-                  </a:lnTo>
-                  <a:lnTo>
-                    <a:pt x="f0" y="f0"/>
-                  </a:lnTo>
-                  <a:close/>
-                </a:path>
-              </a:pathLst>
-            </a:custGeom>
-            <a:noFill/>
-            <a:ln w="28440">
-              <a:solidFill>
-                <a:srgbClr val="FF9933"/>
-              </a:solidFill>
-              <a:prstDash val="solid"/>
-              <a:miter/>
-            </a:ln>
-          </p:spPr>
-          <p:txBody>
-            <a:bodyPr vert="horz" wrap="none" lIns="90000" tIns="46800" rIns="90000" bIns="46800" anchor="ctr" anchorCtr="0" compatLnSpc="1"/>
-            <a:lstStyle/>
-            <a:p>
-              <a:pPr marL="0" marR="0" lvl="0" indent="0" algn="l">
-                <a:lnSpc>
-                  <a:spcPct val="100000"/>
-                </a:lnSpc>
-                <a:spcBef>
-                  <a:spcPts val="0"/>
-                </a:spcBef>
-                <a:spcAft>
-                  <a:spcPts val="0"/>
-                </a:spcAft>
-                <a:buNone/>
-                <a:tabLst>
-                  <a:tab pos="0" algn="l"/>
-                  <a:tab pos="448918" algn="l"/>
-                  <a:tab pos="898199" algn="l"/>
-                  <a:tab pos="1347480" algn="l"/>
-                  <a:tab pos="1796759" algn="l"/>
-                  <a:tab pos="2246040" algn="l"/>
-                  <a:tab pos="2695320" algn="l"/>
-                  <a:tab pos="3144600" algn="l"/>
-                  <a:tab pos="3593880" algn="l"/>
-                  <a:tab pos="4043159" algn="l"/>
-                  <a:tab pos="4492440" algn="l"/>
-                  <a:tab pos="4941719" algn="l"/>
-                  <a:tab pos="5391000" algn="l"/>
-                  <a:tab pos="5840280" algn="l"/>
-                  <a:tab pos="6289560" algn="l"/>
-                  <a:tab pos="6738840" algn="l"/>
-                  <a:tab pos="7188120" algn="l"/>
-                  <a:tab pos="7637400" algn="l"/>
-                  <a:tab pos="8086679" algn="l"/>
-                  <a:tab pos="8535960" algn="l"/>
-                  <a:tab pos="8985240" algn="l"/>
-                </a:tabLst>
-                <a:defRPr/>
-              </a:pPr>
-              <a:endParaRPr lang="pt-BR" sz="1800" b="0" i="0" u="none" strike="noStrike" cap="none">
-                <a:ln>
-                  <a:noFill/>
-                </a:ln>
-                <a:solidFill>
-                  <a:srgbClr val="000000"/>
-                </a:solidFill>
-                <a:latin typeface="Arial"/>
-                <a:ea typeface="Arial"/>
-                <a:cs typeface="Arial"/>
-              </a:endParaRPr>
-            </a:p>
-          </p:txBody>
-        </p:sp>
-      </p:grpSp>
       <p:sp>
         <p:nvSpPr>
-          <p:cNvPr id="51" name="Retângulo 50"/>
-          <p:cNvSpPr/>
+          <p:cNvPr id="80" name="CaixaDeTexto 79">
+            <a:extLst>
+              <a:ext uri="{FF2B5EF4-FFF2-40B4-BE49-F238E27FC236}">
+                <a16:creationId xmlns:a16="http://schemas.microsoft.com/office/drawing/2014/main" id="{49C393DD-6931-5AAA-5BDF-9F46A9783127}"/>
+              </a:ext>
+            </a:extLst>
+          </p:cNvPr>
+          <p:cNvSpPr txBox="1"/>
+          <p:nvPr/>
+        </p:nvSpPr>
+        <p:spPr>
+          <a:xfrm>
+            <a:off x="640592" y="3413294"/>
+            <a:ext cx="301733" cy="369332"/>
+          </a:xfrm>
+          <a:prstGeom prst="rect">
+            <a:avLst/>
+          </a:prstGeom>
+          <a:noFill/>
+        </p:spPr>
+        <p:txBody>
+          <a:bodyPr wrap="square" rtlCol="0">
+            <a:spAutoFit/>
+          </a:bodyPr>
+          <a:lstStyle/>
+          <a:p>
+            <a:r>
+              <a:rPr lang="en-US" dirty="0">
+                <a:solidFill>
+                  <a:schemeClr val="bg1"/>
+                </a:solidFill>
+              </a:rPr>
+              <a:t>0</a:t>
+            </a:r>
+            <a:endParaRPr lang="pt-BR" dirty="0">
+              <a:solidFill>
+                <a:schemeClr val="bg1"/>
+              </a:solidFill>
+            </a:endParaRPr>
+          </a:p>
+        </p:txBody>
+      </p:sp>
+      <p:sp>
+        <p:nvSpPr>
+          <p:cNvPr id="83" name="Título 1">
+            <a:extLst>
+              <a:ext uri="{FF2B5EF4-FFF2-40B4-BE49-F238E27FC236}">
+                <a16:creationId xmlns:a16="http://schemas.microsoft.com/office/drawing/2014/main" id="{497DFD8C-7E2D-A38A-E4A1-F86D155EB4E3}"/>
+              </a:ext>
+            </a:extLst>
+          </p:cNvPr>
+          <p:cNvSpPr txBox="1">
+            <a:spLocks/>
+          </p:cNvSpPr>
           <p:nvPr/>
         </p:nvSpPr>
         <p:spPr bwMode="auto">
           <a:xfrm>
-            <a:off x="3706921" y="1487389"/>
-            <a:ext cx="4897463" cy="646331"/>
+            <a:off x="609600" y="933450"/>
+            <a:ext cx="8229600" cy="619125"/>
           </a:xfrm>
           <a:prstGeom prst="rect">
             <a:avLst/>
           </a:prstGeom>
         </p:spPr>
         <p:txBody>
-          <a:bodyPr wrap="square">
-            <a:spAutoFit/>
+          <a:bodyPr>
+            <a:normAutofit/>
           </a:bodyPr>
-          <a:lstStyle/>
+          <a:lstStyle>
+            <a:lvl1pPr algn="l" defTabSz="914400">
+              <a:spcBef>
+                <a:spcPts val="0"/>
+              </a:spcBef>
+              <a:buNone/>
+              <a:defRPr sz="3200">
+                <a:solidFill>
+                  <a:srgbClr val="C00026"/>
+                </a:solidFill>
+                <a:latin typeface="Verdana"/>
+                <a:ea typeface="Verdana"/>
+                <a:cs typeface="Verdana"/>
+              </a:defRPr>
+            </a:lvl1pPr>
+          </a:lstStyle>
           <a:p>
             <a:pPr>
               <a:defRPr/>
             </a:pPr>
             <a:r>
-              <a:rPr lang="pt-BR"/>
-              <a:t>Exemplo de realização de convolução:</a:t>
+              <a:rPr lang="pt-BR" dirty="0"/>
+              <a:t>Convolução em Imagem</a:t>
             </a:r>
-          </a:p>
-          <a:p>
-            <a:pPr>
-              <a:defRPr/>
-            </a:pPr>
-            <a:r>
-              <a:rPr lang="pt-BR" u="sng">
-                <a:hlinkClick r:id="rId2" tooltip="https://www.youtube.com/watch?v=_iZ3Q7VXiGI"/>
-              </a:rPr>
-              <a:t>https://www.youtube.com/watch?v=_iZ3Q7VXiGI</a:t>
-            </a:r>
-            <a:endParaRPr lang="pt-BR"/>
           </a:p>
         </p:txBody>
       </p:sp>
@@ -10028,12 +15852,14 @@
         </p:nvSpPr>
         <p:spPr bwMode="auto">
           <a:xfrm>
-            <a:off x="457200" y="622115"/>
+            <a:off x="457200" y="781050"/>
             <a:ext cx="8229600" cy="619125"/>
           </a:xfrm>
         </p:spPr>
         <p:txBody>
-          <a:bodyPr/>
+          <a:bodyPr>
+            <a:normAutofit/>
+          </a:bodyPr>
           <a:lstStyle/>
           <a:p>
             <a:pPr>
@@ -10044,28 +15870,6 @@
               <a:t>Aplicações – Efeitos especiais</a:t>
             </a:r>
             <a:endParaRPr/>
-          </a:p>
-        </p:txBody>
-      </p:sp>
-      <p:sp>
-        <p:nvSpPr>
-          <p:cNvPr id="4" name="Espaço Reservado para Texto 3"/>
-          <p:cNvSpPr>
-            <a:spLocks noGrp="1"/>
-          </p:cNvSpPr>
-          <p:nvPr>
-            <p:ph type="body" sz="quarter" idx="13"/>
-          </p:nvPr>
-        </p:nvSpPr>
-        <p:spPr bwMode="auto"/>
-        <p:txBody>
-          <a:bodyPr/>
-          <a:lstStyle/>
-          <a:p>
-            <a:pPr>
-              <a:defRPr/>
-            </a:pPr>
-            <a:endParaRPr lang="pt-BR"/>
           </a:p>
         </p:txBody>
       </p:sp>
@@ -10083,8 +15887,8 @@
         </p:blipFill>
         <p:spPr bwMode="auto">
           <a:xfrm>
-            <a:off x="815681" y="1282885"/>
-            <a:ext cx="7679409" cy="5119607"/>
+            <a:off x="1133137" y="1485900"/>
+            <a:ext cx="7077751" cy="4724399"/>
           </a:xfrm>
           <a:prstGeom prst="rect">
             <a:avLst/>
@@ -10127,10 +15931,15 @@
             <p:ph type="title"/>
           </p:nvPr>
         </p:nvSpPr>
-        <p:spPr bwMode="auto"/>
+        <p:spPr bwMode="auto">
+          <a:xfrm>
+            <a:off x="457200" y="781050"/>
+            <a:ext cx="8229600" cy="619125"/>
+          </a:xfrm>
+        </p:spPr>
         <p:txBody>
           <a:bodyPr>
-            <a:normAutofit fontScale="90000"/>
+            <a:normAutofit/>
           </a:bodyPr>
           <a:lstStyle/>
           <a:p>
@@ -10139,39 +15948,17 @@
             </a:pPr>
             <a:r>
               <a:rPr lang="pt-BR"/>
-              <a:t>Aplicações - redução ou remoção de ruído</a:t>
+              <a:t>Aplicações – Recuperação da imagem</a:t>
             </a:r>
             <a:endParaRPr/>
           </a:p>
         </p:txBody>
       </p:sp>
-      <p:sp>
-        <p:nvSpPr>
-          <p:cNvPr id="4" name="Espaço Reservado para Texto 3"/>
-          <p:cNvSpPr>
-            <a:spLocks noGrp="1"/>
-          </p:cNvSpPr>
-          <p:nvPr>
-            <p:ph type="body" sz="quarter" idx="13"/>
-          </p:nvPr>
-        </p:nvSpPr>
-        <p:spPr bwMode="auto"/>
-        <p:txBody>
-          <a:bodyPr/>
-          <a:lstStyle/>
-          <a:p>
-            <a:pPr>
-              <a:defRPr/>
-            </a:pPr>
-            <a:endParaRPr lang="pt-BR"/>
-          </a:p>
-        </p:txBody>
-      </p:sp>
       <p:pic>
         <p:nvPicPr>
-          <p:cNvPr id="11266" name="Picture 2" descr="Median Filtering with Python and OpenCV | by Tony Flores | Medium"/>
+          <p:cNvPr id="4" name="Imagem 3"/>
           <p:cNvPicPr>
-            <a:picLocks noChangeAspect="1" noChangeArrowheads="1"/>
+            <a:picLocks noChangeAspect="1"/>
           </p:cNvPicPr>
           <p:nvPr/>
         </p:nvPicPr>
@@ -10181,8 +15968,8 @@
         </p:blipFill>
         <p:spPr bwMode="auto">
           <a:xfrm>
-            <a:off x="1569285" y="2151357"/>
-            <a:ext cx="5800017" cy="2792601"/>
+            <a:off x="657225" y="2302406"/>
+            <a:ext cx="8029575" cy="3091386"/>
           </a:xfrm>
           <a:prstGeom prst="rect">
             <a:avLst/>
@@ -10190,6 +15977,36 @@
           <a:noFill/>
         </p:spPr>
       </p:pic>
+      <p:sp>
+        <p:nvSpPr>
+          <p:cNvPr id="10" name="Text Placeholder 3">
+            <a:extLst>
+              <a:ext uri="{FF2B5EF4-FFF2-40B4-BE49-F238E27FC236}">
+                <a16:creationId xmlns:a16="http://schemas.microsoft.com/office/drawing/2014/main" id="{CA3AC003-4374-CEE7-BE87-60A60397D69A}"/>
+              </a:ext>
+            </a:extLst>
+          </p:cNvPr>
+          <p:cNvSpPr>
+            <a:spLocks noGrp="1"/>
+          </p:cNvSpPr>
+          <p:nvPr>
+            <p:ph type="body" sz="quarter" idx="13"/>
+          </p:nvPr>
+        </p:nvSpPr>
+        <p:spPr>
+          <a:xfrm>
+            <a:off x="161925" y="85725"/>
+            <a:ext cx="7229475" cy="352425"/>
+          </a:xfrm>
+        </p:spPr>
+        <p:txBody>
+          <a:bodyPr/>
+          <a:lstStyle/>
+          <a:p>
+            <a:endParaRPr lang="en-US"/>
+          </a:p>
+        </p:txBody>
+      </p:sp>
     </p:spTree>
   </p:cSld>
   <p:clrMapOvr>
@@ -10234,105 +16051,10 @@
               <a:defRPr/>
             </a:pPr>
             <a:r>
-              <a:rPr lang="pt-BR"/>
-              <a:t>Aplicações – Recuperação da imagem</a:t>
+              <a:rPr lang="pt-BR" dirty="0"/>
+              <a:t>Realce de Padrões Específicos</a:t>
             </a:r>
-            <a:endParaRPr/>
-          </a:p>
-        </p:txBody>
-      </p:sp>
-      <p:sp>
-        <p:nvSpPr>
-          <p:cNvPr id="5" name="Espaço Reservado para Texto 4"/>
-          <p:cNvSpPr>
-            <a:spLocks noGrp="1"/>
-          </p:cNvSpPr>
-          <p:nvPr>
-            <p:ph type="body" sz="quarter" idx="13"/>
-          </p:nvPr>
-        </p:nvSpPr>
-        <p:spPr bwMode="auto"/>
-        <p:txBody>
-          <a:bodyPr/>
-          <a:lstStyle/>
-          <a:p>
-            <a:pPr>
-              <a:defRPr/>
-            </a:pPr>
-            <a:endParaRPr lang="pt-BR"/>
-          </a:p>
-        </p:txBody>
-      </p:sp>
-      <p:pic>
-        <p:nvPicPr>
-          <p:cNvPr id="4" name="Imagem 3"/>
-          <p:cNvPicPr>
-            <a:picLocks noChangeAspect="1"/>
-          </p:cNvPicPr>
-          <p:nvPr/>
-        </p:nvPicPr>
-        <p:blipFill>
-          <a:blip r:embed="rId2"/>
-          <a:stretch/>
-        </p:blipFill>
-        <p:spPr bwMode="auto">
-          <a:xfrm>
-            <a:off x="484320" y="1751308"/>
-            <a:ext cx="8018824" cy="3084163"/>
-          </a:xfrm>
-          <a:prstGeom prst="rect">
-            <a:avLst/>
-          </a:prstGeom>
-        </p:spPr>
-      </p:pic>
-    </p:spTree>
-  </p:cSld>
-  <p:clrMapOvr>
-    <a:masterClrMapping/>
-  </p:clrMapOvr>
-</p:sld>
-</file>
-
-<file path=ppt/slides/slide8.xml><?xml version="1.0" encoding="utf-8"?>
-<p:sld xmlns:a="http://schemas.openxmlformats.org/drawingml/2006/main" xmlns:r="http://schemas.openxmlformats.org/officeDocument/2006/relationships" xmlns:p="http://schemas.openxmlformats.org/presentationml/2006/main" showMasterPhAnim="0">
-  <p:cSld>
-    <p:spTree>
-      <p:nvGrpSpPr>
-        <p:cNvPr id="1" name=""/>
-        <p:cNvGrpSpPr/>
-        <p:nvPr/>
-      </p:nvGrpSpPr>
-      <p:grpSpPr bwMode="auto">
-        <a:xfrm>
-          <a:off x="0" y="0"/>
-          <a:ext cx="0" cy="0"/>
-          <a:chOff x="0" y="0"/>
-          <a:chExt cx="0" cy="0"/>
-        </a:xfrm>
-      </p:grpSpPr>
-      <p:sp>
-        <p:nvSpPr>
-          <p:cNvPr id="2" name="Título 1"/>
-          <p:cNvSpPr>
-            <a:spLocks noGrp="1"/>
-          </p:cNvSpPr>
-          <p:nvPr>
-            <p:ph type="title"/>
-          </p:nvPr>
-        </p:nvSpPr>
-        <p:spPr bwMode="auto"/>
-        <p:txBody>
-          <a:bodyPr/>
-          <a:lstStyle/>
-          <a:p>
-            <a:pPr>
-              <a:defRPr/>
-            </a:pPr>
-            <a:r>
-              <a:rPr lang="pt-BR"/>
-              <a:t>Realce de padrões específicos</a:t>
-            </a:r>
-            <a:endParaRPr/>
+            <a:endParaRPr dirty="0"/>
           </a:p>
         </p:txBody>
       </p:sp>
@@ -10389,7 +16111,7 @@
 </p:sld>
 </file>
 
-<file path=ppt/slides/slide9.xml><?xml version="1.0" encoding="utf-8"?>
+<file path=ppt/slides/slide8.xml><?xml version="1.0" encoding="utf-8"?>
 <p:sld xmlns:a="http://schemas.openxmlformats.org/drawingml/2006/main" xmlns:r="http://schemas.openxmlformats.org/officeDocument/2006/relationships" xmlns:p="http://schemas.openxmlformats.org/presentationml/2006/main" showMasterPhAnim="0">
   <p:cSld>
     <p:spTree>
@@ -10490,7 +16212,7 @@
                 </a:spcAft>
                 <a:defRPr/>
               </a:pPr>
-              <a:t>9</a:t>
+              <a:t>8</a:t>
             </a:fld>
             <a:endParaRPr lang="en-US" dirty="0">
               <a:solidFill>
@@ -10508,6 +16230,130 @@
         <p14:creationId xmlns:p14="http://schemas.microsoft.com/office/powerpoint/2010/main" val="2119880936"/>
       </p:ext>
     </p:extLst>
+  </p:cSld>
+  <p:clrMapOvr>
+    <a:masterClrMapping/>
+  </p:clrMapOvr>
+</p:sld>
+</file>
+
+<file path=ppt/slides/slide9.xml><?xml version="1.0" encoding="utf-8"?>
+<p:sld xmlns:a="http://schemas.openxmlformats.org/drawingml/2006/main" xmlns:r="http://schemas.openxmlformats.org/officeDocument/2006/relationships" xmlns:p="http://schemas.openxmlformats.org/presentationml/2006/main" showMasterPhAnim="0">
+  <p:cSld>
+    <p:spTree>
+      <p:nvGrpSpPr>
+        <p:cNvPr id="1" name=""/>
+        <p:cNvGrpSpPr/>
+        <p:nvPr/>
+      </p:nvGrpSpPr>
+      <p:grpSpPr bwMode="auto">
+        <a:xfrm>
+          <a:off x="0" y="0"/>
+          <a:ext cx="0" cy="0"/>
+          <a:chOff x="0" y="0"/>
+          <a:chExt cx="0" cy="0"/>
+        </a:xfrm>
+      </p:grpSpPr>
+      <p:sp>
+        <p:nvSpPr>
+          <p:cNvPr id="1956192851" name="Text Placeholder 3">
+            <a:extLst>
+              <a:ext uri="{FF2B5EF4-FFF2-40B4-BE49-F238E27FC236}">
+                <a16:creationId xmlns:a16="http://schemas.microsoft.com/office/drawing/2014/main" id="{E7105B60-CDBA-E811-94F7-DBCF16FA6531}"/>
+              </a:ext>
+            </a:extLst>
+          </p:cNvPr>
+          <p:cNvSpPr>
+            <a:spLocks noGrp="1"/>
+          </p:cNvSpPr>
+          <p:nvPr>
+            <p:ph type="body" sz="quarter" idx="13"/>
+          </p:nvPr>
+        </p:nvSpPr>
+        <p:spPr>
+          <a:xfrm>
+            <a:off x="161925" y="85725"/>
+            <a:ext cx="7229475" cy="352425"/>
+          </a:xfrm>
+        </p:spPr>
+        <p:txBody>
+          <a:bodyPr/>
+          <a:lstStyle/>
+          <a:p>
+            <a:endParaRPr lang="en-US"/>
+          </a:p>
+        </p:txBody>
+      </p:sp>
+      <p:graphicFrame>
+        <p:nvGraphicFramePr>
+          <p:cNvPr id="1956192847" name="CaixaDeTexto 1956192844">
+            <a:extLst>
+              <a:ext uri="{FF2B5EF4-FFF2-40B4-BE49-F238E27FC236}">
+                <a16:creationId xmlns:a16="http://schemas.microsoft.com/office/drawing/2014/main" id="{D7DF1ECE-70F2-F9B6-90F8-53284B9BB4FA}"/>
+              </a:ext>
+            </a:extLst>
+          </p:cNvPr>
+          <p:cNvGraphicFramePr/>
+          <p:nvPr>
+            <p:extLst>
+              <p:ext uri="{D42A27DB-BD31-4B8C-83A1-F6EECF244321}">
+                <p14:modId xmlns:p14="http://schemas.microsoft.com/office/powerpoint/2010/main" val="3368702146"/>
+              </p:ext>
+            </p:extLst>
+          </p:nvPr>
+        </p:nvGraphicFramePr>
+        <p:xfrm>
+          <a:off x="657225" y="1485900"/>
+          <a:ext cx="8029575" cy="4724399"/>
+        </p:xfrm>
+        <a:graphic>
+          <a:graphicData uri="http://schemas.openxmlformats.org/drawingml/2006/diagram">
+            <dgm:relIds xmlns:dgm="http://schemas.openxmlformats.org/drawingml/2006/diagram" xmlns:r="http://schemas.openxmlformats.org/officeDocument/2006/relationships" r:dm="rId2" r:lo="rId3" r:qs="rId4" r:cs="rId5"/>
+          </a:graphicData>
+        </a:graphic>
+      </p:graphicFrame>
+      <p:sp>
+        <p:nvSpPr>
+          <p:cNvPr id="3" name="Título 1">
+            <a:extLst>
+              <a:ext uri="{FF2B5EF4-FFF2-40B4-BE49-F238E27FC236}">
+                <a16:creationId xmlns:a16="http://schemas.microsoft.com/office/drawing/2014/main" id="{C98E9D4D-4CF9-4525-3BAA-4DCEDECC54E8}"/>
+              </a:ext>
+            </a:extLst>
+          </p:cNvPr>
+          <p:cNvSpPr>
+            <a:spLocks noGrp="1"/>
+          </p:cNvSpPr>
+          <p:nvPr>
+            <p:ph type="title"/>
+          </p:nvPr>
+        </p:nvSpPr>
+        <p:spPr bwMode="auto">
+          <a:xfrm>
+            <a:off x="457200" y="781050"/>
+            <a:ext cx="8229600" cy="619125"/>
+          </a:xfrm>
+        </p:spPr>
+        <p:txBody>
+          <a:bodyPr/>
+          <a:lstStyle/>
+          <a:p>
+            <a:pPr>
+              <a:defRPr/>
+            </a:pPr>
+            <a:r>
+              <a:rPr lang="pt-BR" dirty="0"/>
+              <a:t>Transformada de </a:t>
+            </a:r>
+            <a:r>
+              <a:rPr lang="pt-BR" dirty="0" err="1"/>
+              <a:t>Hough</a:t>
+            </a:r>
+            <a:endParaRPr dirty="0"/>
+          </a:p>
+        </p:txBody>
+      </p:sp>
+    </p:spTree>
   </p:cSld>
   <p:clrMapOvr>
     <a:masterClrMapping/>
